--- a/src/main/resources/JavaGenerics.pptx
+++ b/src/main/resources/JavaGenerics.pptx
@@ -20,11 +20,11 @@
     <p:sldId id="372" r:id="rId11"/>
     <p:sldId id="364" r:id="rId12"/>
     <p:sldId id="371" r:id="rId13"/>
-    <p:sldId id="365" r:id="rId14"/>
-    <p:sldId id="381" r:id="rId15"/>
-    <p:sldId id="382" r:id="rId16"/>
-    <p:sldId id="375" r:id="rId17"/>
-    <p:sldId id="373" r:id="rId18"/>
+    <p:sldId id="375" r:id="rId14"/>
+    <p:sldId id="373" r:id="rId15"/>
+    <p:sldId id="365" r:id="rId16"/>
+    <p:sldId id="381" r:id="rId17"/>
+    <p:sldId id="382" r:id="rId18"/>
     <p:sldId id="379" r:id="rId19"/>
     <p:sldId id="378" r:id="rId20"/>
     <p:sldId id="380" r:id="rId21"/>
@@ -267,7 +267,7 @@
           <a:p>
             <a:fld id="{085A4362-1548-4C12-A63A-A7FA9FF20440}" type="datetimeFigureOut">
               <a:rPr lang="en-IN" smtClean="0"/>
-              <a:t>11-04-2020</a:t>
+              <a:t>12-04-2020</a:t>
             </a:fld>
             <a:endParaRPr lang="en-IN"/>
           </a:p>
@@ -619,6 +619,101 @@
 </p:notes>
 </file>
 
+<file path=ppt/notesSlides/notesSlide10.xml><?xml version="1.0" encoding="utf-8"?>
+<p:notes xmlns:a="http://schemas.openxmlformats.org/drawingml/2006/main" xmlns:r="http://schemas.openxmlformats.org/officeDocument/2006/relationships" xmlns:p="http://schemas.openxmlformats.org/presentationml/2006/main">
+  <p:cSld>
+    <p:spTree>
+      <p:nvGrpSpPr>
+        <p:cNvPr id="1" name=""/>
+        <p:cNvGrpSpPr/>
+        <p:nvPr/>
+      </p:nvGrpSpPr>
+      <p:grpSpPr>
+        <a:xfrm>
+          <a:off x="0" y="0"/>
+          <a:ext cx="0" cy="0"/>
+          <a:chOff x="0" y="0"/>
+          <a:chExt cx="0" cy="0"/>
+        </a:xfrm>
+      </p:grpSpPr>
+      <p:sp>
+        <p:nvSpPr>
+          <p:cNvPr id="2" name="Slide Image Placeholder 1"/>
+          <p:cNvSpPr>
+            <a:spLocks noGrp="1" noRot="1" noChangeAspect="1"/>
+          </p:cNvSpPr>
+          <p:nvPr>
+            <p:ph type="sldImg"/>
+          </p:nvPr>
+        </p:nvSpPr>
+        <p:spPr/>
+      </p:sp>
+      <p:sp>
+        <p:nvSpPr>
+          <p:cNvPr id="3" name="Notes Placeholder 2"/>
+          <p:cNvSpPr>
+            <a:spLocks noGrp="1"/>
+          </p:cNvSpPr>
+          <p:nvPr>
+            <p:ph type="body" idx="1"/>
+          </p:nvPr>
+        </p:nvSpPr>
+        <p:spPr/>
+        <p:txBody>
+          <a:bodyPr/>
+          <a:lstStyle/>
+          <a:p>
+            <a:r>
+              <a:rPr lang="en-GB" sz="1200" kern="1200" dirty="0" smtClean="0">
+                <a:solidFill>
+                  <a:schemeClr val="tx1"/>
+                </a:solidFill>
+                <a:latin typeface="+mn-lt"/>
+                <a:ea typeface="+mn-ea"/>
+                <a:cs typeface="+mn-cs"/>
+              </a:rPr>
+              <a:t>RawTypesExample.java</a:t>
+            </a:r>
+            <a:endParaRPr lang="en-GB" dirty="0"/>
+          </a:p>
+        </p:txBody>
+      </p:sp>
+      <p:sp>
+        <p:nvSpPr>
+          <p:cNvPr id="4" name="Slide Number Placeholder 3"/>
+          <p:cNvSpPr>
+            <a:spLocks noGrp="1"/>
+          </p:cNvSpPr>
+          <p:nvPr>
+            <p:ph type="sldNum" sz="quarter" idx="10"/>
+          </p:nvPr>
+        </p:nvSpPr>
+        <p:spPr/>
+        <p:txBody>
+          <a:bodyPr/>
+          <a:lstStyle/>
+          <a:p>
+            <a:fld id="{EB8B6B8F-4498-4E9D-8DE1-125892E25737}" type="slidenum">
+              <a:rPr lang="en-IN" smtClean="0"/>
+              <a:t>19</a:t>
+            </a:fld>
+            <a:endParaRPr lang="en-IN"/>
+          </a:p>
+        </p:txBody>
+      </p:sp>
+    </p:spTree>
+    <p:extLst>
+      <p:ext uri="{BB962C8B-B14F-4D97-AF65-F5344CB8AC3E}">
+        <p14:creationId xmlns:p14="http://schemas.microsoft.com/office/powerpoint/2010/main" val="1093461668"/>
+      </p:ext>
+    </p:extLst>
+  </p:cSld>
+  <p:clrMapOvr>
+    <a:masterClrMapping/>
+  </p:clrMapOvr>
+</p:notes>
+</file>
+
 <file path=ppt/notesSlides/notesSlide2.xml><?xml version="1.0" encoding="utf-8"?>
 <p:notes xmlns:a="http://schemas.openxmlformats.org/drawingml/2006/main" xmlns:r="http://schemas.openxmlformats.org/officeDocument/2006/relationships" xmlns:p="http://schemas.openxmlformats.org/presentationml/2006/main">
   <p:cSld>
@@ -747,6 +842,17 @@
           <a:bodyPr/>
           <a:lstStyle/>
           <a:p>
+            <a:r>
+              <a:rPr lang="en-GB" sz="1200" kern="1200" dirty="0" smtClean="0">
+                <a:solidFill>
+                  <a:schemeClr val="tx1"/>
+                </a:solidFill>
+                <a:latin typeface="+mn-lt"/>
+                <a:ea typeface="+mn-ea"/>
+                <a:cs typeface="+mn-cs"/>
+              </a:rPr>
+              <a:t>GenericClassExample.java</a:t>
+            </a:r>
             <a:endParaRPr lang="en-IN" dirty="0"/>
           </a:p>
         </p:txBody>
@@ -831,6 +937,17 @@
           <a:bodyPr/>
           <a:lstStyle/>
           <a:p>
+            <a:r>
+              <a:rPr lang="en-GB" sz="1200" kern="1200" dirty="0" smtClean="0">
+                <a:solidFill>
+                  <a:schemeClr val="tx1"/>
+                </a:solidFill>
+                <a:latin typeface="+mn-lt"/>
+                <a:ea typeface="+mn-ea"/>
+                <a:cs typeface="+mn-cs"/>
+              </a:rPr>
+              <a:t>GenericsWithCollectionsExample.java</a:t>
+            </a:r>
             <a:endParaRPr lang="en-IN" dirty="0"/>
           </a:p>
         </p:txBody>
@@ -862,6 +979,515 @@
     <p:extLst>
       <p:ext uri="{BB962C8B-B14F-4D97-AF65-F5344CB8AC3E}">
         <p14:creationId xmlns:p14="http://schemas.microsoft.com/office/powerpoint/2010/main" val="3064946480"/>
+      </p:ext>
+    </p:extLst>
+  </p:cSld>
+  <p:clrMapOvr>
+    <a:masterClrMapping/>
+  </p:clrMapOvr>
+</p:notes>
+</file>
+
+<file path=ppt/notesSlides/notesSlide5.xml><?xml version="1.0" encoding="utf-8"?>
+<p:notes xmlns:a="http://schemas.openxmlformats.org/drawingml/2006/main" xmlns:r="http://schemas.openxmlformats.org/officeDocument/2006/relationships" xmlns:p="http://schemas.openxmlformats.org/presentationml/2006/main">
+  <p:cSld>
+    <p:spTree>
+      <p:nvGrpSpPr>
+        <p:cNvPr id="1" name=""/>
+        <p:cNvGrpSpPr/>
+        <p:nvPr/>
+      </p:nvGrpSpPr>
+      <p:grpSpPr>
+        <a:xfrm>
+          <a:off x="0" y="0"/>
+          <a:ext cx="0" cy="0"/>
+          <a:chOff x="0" y="0"/>
+          <a:chExt cx="0" cy="0"/>
+        </a:xfrm>
+      </p:grpSpPr>
+      <p:sp>
+        <p:nvSpPr>
+          <p:cNvPr id="2" name="Slide Image Placeholder 1"/>
+          <p:cNvSpPr>
+            <a:spLocks noGrp="1" noRot="1" noChangeAspect="1"/>
+          </p:cNvSpPr>
+          <p:nvPr>
+            <p:ph type="sldImg"/>
+          </p:nvPr>
+        </p:nvSpPr>
+        <p:spPr/>
+      </p:sp>
+      <p:sp>
+        <p:nvSpPr>
+          <p:cNvPr id="3" name="Notes Placeholder 2"/>
+          <p:cNvSpPr>
+            <a:spLocks noGrp="1"/>
+          </p:cNvSpPr>
+          <p:nvPr>
+            <p:ph type="body" idx="1"/>
+          </p:nvPr>
+        </p:nvSpPr>
+        <p:spPr/>
+        <p:txBody>
+          <a:bodyPr/>
+          <a:lstStyle/>
+          <a:p>
+            <a:r>
+              <a:rPr lang="en-GB" sz="1200" kern="1200" dirty="0" smtClean="0">
+                <a:solidFill>
+                  <a:schemeClr val="tx1"/>
+                </a:solidFill>
+                <a:latin typeface="+mn-lt"/>
+                <a:ea typeface="+mn-ea"/>
+                <a:cs typeface="+mn-cs"/>
+              </a:rPr>
+              <a:t>TypeParameterNamingConventionExample.java</a:t>
+            </a:r>
+            <a:endParaRPr lang="en-GB" dirty="0"/>
+          </a:p>
+        </p:txBody>
+      </p:sp>
+      <p:sp>
+        <p:nvSpPr>
+          <p:cNvPr id="4" name="Slide Number Placeholder 3"/>
+          <p:cNvSpPr>
+            <a:spLocks noGrp="1"/>
+          </p:cNvSpPr>
+          <p:nvPr>
+            <p:ph type="sldNum" sz="quarter" idx="10"/>
+          </p:nvPr>
+        </p:nvSpPr>
+        <p:spPr/>
+        <p:txBody>
+          <a:bodyPr/>
+          <a:lstStyle/>
+          <a:p>
+            <a:fld id="{EB8B6B8F-4498-4E9D-8DE1-125892E25737}" type="slidenum">
+              <a:rPr lang="en-IN" smtClean="0"/>
+              <a:t>11</a:t>
+            </a:fld>
+            <a:endParaRPr lang="en-IN"/>
+          </a:p>
+        </p:txBody>
+      </p:sp>
+    </p:spTree>
+    <p:extLst>
+      <p:ext uri="{BB962C8B-B14F-4D97-AF65-F5344CB8AC3E}">
+        <p14:creationId xmlns:p14="http://schemas.microsoft.com/office/powerpoint/2010/main" val="3046134969"/>
+      </p:ext>
+    </p:extLst>
+  </p:cSld>
+  <p:clrMapOvr>
+    <a:masterClrMapping/>
+  </p:clrMapOvr>
+</p:notes>
+</file>
+
+<file path=ppt/notesSlides/notesSlide6.xml><?xml version="1.0" encoding="utf-8"?>
+<p:notes xmlns:a="http://schemas.openxmlformats.org/drawingml/2006/main" xmlns:r="http://schemas.openxmlformats.org/officeDocument/2006/relationships" xmlns:p="http://schemas.openxmlformats.org/presentationml/2006/main">
+  <p:cSld>
+    <p:spTree>
+      <p:nvGrpSpPr>
+        <p:cNvPr id="1" name=""/>
+        <p:cNvGrpSpPr/>
+        <p:nvPr/>
+      </p:nvGrpSpPr>
+      <p:grpSpPr>
+        <a:xfrm>
+          <a:off x="0" y="0"/>
+          <a:ext cx="0" cy="0"/>
+          <a:chOff x="0" y="0"/>
+          <a:chExt cx="0" cy="0"/>
+        </a:xfrm>
+      </p:grpSpPr>
+      <p:sp>
+        <p:nvSpPr>
+          <p:cNvPr id="2" name="Slide Image Placeholder 1"/>
+          <p:cNvSpPr>
+            <a:spLocks noGrp="1" noRot="1" noChangeAspect="1"/>
+          </p:cNvSpPr>
+          <p:nvPr>
+            <p:ph type="sldImg"/>
+          </p:nvPr>
+        </p:nvSpPr>
+        <p:spPr/>
+      </p:sp>
+      <p:sp>
+        <p:nvSpPr>
+          <p:cNvPr id="3" name="Notes Placeholder 2"/>
+          <p:cNvSpPr>
+            <a:spLocks noGrp="1"/>
+          </p:cNvSpPr>
+          <p:nvPr>
+            <p:ph type="body" idx="1"/>
+          </p:nvPr>
+        </p:nvSpPr>
+        <p:spPr/>
+        <p:txBody>
+          <a:bodyPr/>
+          <a:lstStyle/>
+          <a:p>
+            <a:pPr marL="0" marR="0" lvl="0" indent="0" algn="l" defTabSz="914400" rtl="0" eaLnBrk="1" fontAlgn="auto" latinLnBrk="0" hangingPunct="1">
+              <a:lnSpc>
+                <a:spcPct val="100000"/>
+              </a:lnSpc>
+              <a:spcBef>
+                <a:spcPts val="0"/>
+              </a:spcBef>
+              <a:spcAft>
+                <a:spcPts val="0"/>
+              </a:spcAft>
+              <a:buClrTx/>
+              <a:buSzTx/>
+              <a:buFontTx/>
+              <a:buNone/>
+              <a:tabLst/>
+              <a:defRPr/>
+            </a:pPr>
+            <a:endParaRPr lang="en-GB" dirty="0"/>
+          </a:p>
+        </p:txBody>
+      </p:sp>
+      <p:sp>
+        <p:nvSpPr>
+          <p:cNvPr id="4" name="Slide Number Placeholder 3"/>
+          <p:cNvSpPr>
+            <a:spLocks noGrp="1"/>
+          </p:cNvSpPr>
+          <p:nvPr>
+            <p:ph type="sldNum" sz="quarter" idx="10"/>
+          </p:nvPr>
+        </p:nvSpPr>
+        <p:spPr/>
+        <p:txBody>
+          <a:bodyPr/>
+          <a:lstStyle/>
+          <a:p>
+            <a:fld id="{EB8B6B8F-4498-4E9D-8DE1-125892E25737}" type="slidenum">
+              <a:rPr lang="en-IN" smtClean="0"/>
+              <a:t>13</a:t>
+            </a:fld>
+            <a:endParaRPr lang="en-IN"/>
+          </a:p>
+        </p:txBody>
+      </p:sp>
+    </p:spTree>
+    <p:extLst>
+      <p:ext uri="{BB962C8B-B14F-4D97-AF65-F5344CB8AC3E}">
+        <p14:creationId xmlns:p14="http://schemas.microsoft.com/office/powerpoint/2010/main" val="2412524608"/>
+      </p:ext>
+    </p:extLst>
+  </p:cSld>
+  <p:clrMapOvr>
+    <a:masterClrMapping/>
+  </p:clrMapOvr>
+</p:notes>
+</file>
+
+<file path=ppt/notesSlides/notesSlide7.xml><?xml version="1.0" encoding="utf-8"?>
+<p:notes xmlns:a="http://schemas.openxmlformats.org/drawingml/2006/main" xmlns:r="http://schemas.openxmlformats.org/officeDocument/2006/relationships" xmlns:p="http://schemas.openxmlformats.org/presentationml/2006/main">
+  <p:cSld>
+    <p:spTree>
+      <p:nvGrpSpPr>
+        <p:cNvPr id="1" name=""/>
+        <p:cNvGrpSpPr/>
+        <p:nvPr/>
+      </p:nvGrpSpPr>
+      <p:grpSpPr>
+        <a:xfrm>
+          <a:off x="0" y="0"/>
+          <a:ext cx="0" cy="0"/>
+          <a:chOff x="0" y="0"/>
+          <a:chExt cx="0" cy="0"/>
+        </a:xfrm>
+      </p:grpSpPr>
+      <p:sp>
+        <p:nvSpPr>
+          <p:cNvPr id="2" name="Slide Image Placeholder 1"/>
+          <p:cNvSpPr>
+            <a:spLocks noGrp="1" noRot="1" noChangeAspect="1"/>
+          </p:cNvSpPr>
+          <p:nvPr>
+            <p:ph type="sldImg"/>
+          </p:nvPr>
+        </p:nvSpPr>
+        <p:spPr/>
+      </p:sp>
+      <p:sp>
+        <p:nvSpPr>
+          <p:cNvPr id="3" name="Notes Placeholder 2"/>
+          <p:cNvSpPr>
+            <a:spLocks noGrp="1"/>
+          </p:cNvSpPr>
+          <p:nvPr>
+            <p:ph type="body" idx="1"/>
+          </p:nvPr>
+        </p:nvSpPr>
+        <p:spPr/>
+        <p:txBody>
+          <a:bodyPr/>
+          <a:lstStyle/>
+          <a:p>
+            <a:endParaRPr lang="en-GB" dirty="0"/>
+          </a:p>
+        </p:txBody>
+      </p:sp>
+      <p:sp>
+        <p:nvSpPr>
+          <p:cNvPr id="4" name="Slide Number Placeholder 3"/>
+          <p:cNvSpPr>
+            <a:spLocks noGrp="1"/>
+          </p:cNvSpPr>
+          <p:nvPr>
+            <p:ph type="sldNum" sz="quarter" idx="10"/>
+          </p:nvPr>
+        </p:nvSpPr>
+        <p:spPr/>
+        <p:txBody>
+          <a:bodyPr/>
+          <a:lstStyle/>
+          <a:p>
+            <a:fld id="{EB8B6B8F-4498-4E9D-8DE1-125892E25737}" type="slidenum">
+              <a:rPr lang="en-IN" smtClean="0"/>
+              <a:t>15</a:t>
+            </a:fld>
+            <a:endParaRPr lang="en-IN"/>
+          </a:p>
+        </p:txBody>
+      </p:sp>
+    </p:spTree>
+    <p:extLst>
+      <p:ext uri="{BB962C8B-B14F-4D97-AF65-F5344CB8AC3E}">
+        <p14:creationId xmlns:p14="http://schemas.microsoft.com/office/powerpoint/2010/main" val="1298742586"/>
+      </p:ext>
+    </p:extLst>
+  </p:cSld>
+  <p:clrMapOvr>
+    <a:masterClrMapping/>
+  </p:clrMapOvr>
+</p:notes>
+</file>
+
+<file path=ppt/notesSlides/notesSlide8.xml><?xml version="1.0" encoding="utf-8"?>
+<p:notes xmlns:a="http://schemas.openxmlformats.org/drawingml/2006/main" xmlns:r="http://schemas.openxmlformats.org/officeDocument/2006/relationships" xmlns:p="http://schemas.openxmlformats.org/presentationml/2006/main">
+  <p:cSld>
+    <p:spTree>
+      <p:nvGrpSpPr>
+        <p:cNvPr id="1" name=""/>
+        <p:cNvGrpSpPr/>
+        <p:nvPr/>
+      </p:nvGrpSpPr>
+      <p:grpSpPr>
+        <a:xfrm>
+          <a:off x="0" y="0"/>
+          <a:ext cx="0" cy="0"/>
+          <a:chOff x="0" y="0"/>
+          <a:chExt cx="0" cy="0"/>
+        </a:xfrm>
+      </p:grpSpPr>
+      <p:sp>
+        <p:nvSpPr>
+          <p:cNvPr id="2" name="Slide Image Placeholder 1"/>
+          <p:cNvSpPr>
+            <a:spLocks noGrp="1" noRot="1" noChangeAspect="1"/>
+          </p:cNvSpPr>
+          <p:nvPr>
+            <p:ph type="sldImg"/>
+          </p:nvPr>
+        </p:nvSpPr>
+        <p:spPr/>
+      </p:sp>
+      <p:sp>
+        <p:nvSpPr>
+          <p:cNvPr id="3" name="Notes Placeholder 2"/>
+          <p:cNvSpPr>
+            <a:spLocks noGrp="1"/>
+          </p:cNvSpPr>
+          <p:nvPr>
+            <p:ph type="body" idx="1"/>
+          </p:nvPr>
+        </p:nvSpPr>
+        <p:spPr/>
+        <p:txBody>
+          <a:bodyPr/>
+          <a:lstStyle/>
+          <a:p>
+            <a:endParaRPr lang="en-GB" dirty="0"/>
+          </a:p>
+        </p:txBody>
+      </p:sp>
+      <p:sp>
+        <p:nvSpPr>
+          <p:cNvPr id="4" name="Slide Number Placeholder 3"/>
+          <p:cNvSpPr>
+            <a:spLocks noGrp="1"/>
+          </p:cNvSpPr>
+          <p:nvPr>
+            <p:ph type="sldNum" sz="quarter" idx="10"/>
+          </p:nvPr>
+        </p:nvSpPr>
+        <p:spPr/>
+        <p:txBody>
+          <a:bodyPr/>
+          <a:lstStyle/>
+          <a:p>
+            <a:fld id="{EB8B6B8F-4498-4E9D-8DE1-125892E25737}" type="slidenum">
+              <a:rPr lang="en-IN" smtClean="0"/>
+              <a:t>16</a:t>
+            </a:fld>
+            <a:endParaRPr lang="en-IN"/>
+          </a:p>
+        </p:txBody>
+      </p:sp>
+    </p:spTree>
+    <p:extLst>
+      <p:ext uri="{BB962C8B-B14F-4D97-AF65-F5344CB8AC3E}">
+        <p14:creationId xmlns:p14="http://schemas.microsoft.com/office/powerpoint/2010/main" val="2800729074"/>
+      </p:ext>
+    </p:extLst>
+  </p:cSld>
+  <p:clrMapOvr>
+    <a:masterClrMapping/>
+  </p:clrMapOvr>
+</p:notes>
+</file>
+
+<file path=ppt/notesSlides/notesSlide9.xml><?xml version="1.0" encoding="utf-8"?>
+<p:notes xmlns:a="http://schemas.openxmlformats.org/drawingml/2006/main" xmlns:r="http://schemas.openxmlformats.org/officeDocument/2006/relationships" xmlns:p="http://schemas.openxmlformats.org/presentationml/2006/main">
+  <p:cSld>
+    <p:spTree>
+      <p:nvGrpSpPr>
+        <p:cNvPr id="1" name=""/>
+        <p:cNvGrpSpPr/>
+        <p:nvPr/>
+      </p:nvGrpSpPr>
+      <p:grpSpPr>
+        <a:xfrm>
+          <a:off x="0" y="0"/>
+          <a:ext cx="0" cy="0"/>
+          <a:chOff x="0" y="0"/>
+          <a:chExt cx="0" cy="0"/>
+        </a:xfrm>
+      </p:grpSpPr>
+      <p:sp>
+        <p:nvSpPr>
+          <p:cNvPr id="2" name="Slide Image Placeholder 1"/>
+          <p:cNvSpPr>
+            <a:spLocks noGrp="1" noRot="1" noChangeAspect="1"/>
+          </p:cNvSpPr>
+          <p:nvPr>
+            <p:ph type="sldImg"/>
+          </p:nvPr>
+        </p:nvSpPr>
+        <p:spPr/>
+      </p:sp>
+      <p:sp>
+        <p:nvSpPr>
+          <p:cNvPr id="3" name="Notes Placeholder 2"/>
+          <p:cNvSpPr>
+            <a:spLocks noGrp="1"/>
+          </p:cNvSpPr>
+          <p:nvPr>
+            <p:ph type="body" idx="1"/>
+          </p:nvPr>
+        </p:nvSpPr>
+        <p:spPr/>
+        <p:txBody>
+          <a:bodyPr/>
+          <a:lstStyle/>
+          <a:p>
+            <a:pPr marL="0" marR="0" lvl="0" indent="0" algn="l" defTabSz="914400" rtl="0" eaLnBrk="1" fontAlgn="auto" latinLnBrk="0" hangingPunct="1">
+              <a:lnSpc>
+                <a:spcPct val="100000"/>
+              </a:lnSpc>
+              <a:spcBef>
+                <a:spcPts val="0"/>
+              </a:spcBef>
+              <a:spcAft>
+                <a:spcPts val="0"/>
+              </a:spcAft>
+              <a:buClrTx/>
+              <a:buSzTx/>
+              <a:buFontTx/>
+              <a:buNone/>
+              <a:tabLst/>
+              <a:defRPr/>
+            </a:pPr>
+            <a:r>
+              <a:rPr lang="en-GB" sz="1200" u="sng" kern="1200" dirty="0" smtClean="0">
+                <a:solidFill>
+                  <a:schemeClr val="tx1"/>
+                </a:solidFill>
+                <a:latin typeface="+mn-lt"/>
+                <a:ea typeface="+mn-ea"/>
+                <a:cs typeface="+mn-cs"/>
+              </a:rPr>
+              <a:t>GenericMethodsExample1.java </a:t>
+            </a:r>
+            <a:r>
+              <a:rPr lang="en-GB" sz="1200" u="none" kern="1200" dirty="0" smtClean="0">
+                <a:solidFill>
+                  <a:schemeClr val="tx1"/>
+                </a:solidFill>
+                <a:latin typeface="+mn-lt"/>
+                <a:ea typeface="+mn-ea"/>
+                <a:cs typeface="+mn-cs"/>
+              </a:rPr>
+              <a:t>  </a:t>
+            </a:r>
+            <a:r>
+              <a:rPr lang="en-GB" sz="1200" b="1" u="none" kern="1200" dirty="0" smtClean="0">
+                <a:solidFill>
+                  <a:schemeClr val="tx1"/>
+                </a:solidFill>
+                <a:latin typeface="+mn-lt"/>
+                <a:ea typeface="+mn-ea"/>
+                <a:cs typeface="+mn-cs"/>
+              </a:rPr>
+              <a:t>,</a:t>
+            </a:r>
+            <a:r>
+              <a:rPr lang="en-GB" sz="1200" kern="1200" dirty="0" smtClean="0">
+                <a:solidFill>
+                  <a:schemeClr val="tx1"/>
+                </a:solidFill>
+                <a:latin typeface="+mn-lt"/>
+                <a:ea typeface="+mn-ea"/>
+                <a:cs typeface="+mn-cs"/>
+              </a:rPr>
+              <a:t>  GenericStaticMethodsExample1.java</a:t>
+            </a:r>
+            <a:endParaRPr lang="en-GB" dirty="0" smtClean="0"/>
+          </a:p>
+        </p:txBody>
+      </p:sp>
+      <p:sp>
+        <p:nvSpPr>
+          <p:cNvPr id="4" name="Slide Number Placeholder 3"/>
+          <p:cNvSpPr>
+            <a:spLocks noGrp="1"/>
+          </p:cNvSpPr>
+          <p:nvPr>
+            <p:ph type="sldNum" sz="quarter" idx="10"/>
+          </p:nvPr>
+        </p:nvSpPr>
+        <p:spPr/>
+        <p:txBody>
+          <a:bodyPr/>
+          <a:lstStyle/>
+          <a:p>
+            <a:fld id="{EB8B6B8F-4498-4E9D-8DE1-125892E25737}" type="slidenum">
+              <a:rPr lang="en-IN" smtClean="0"/>
+              <a:t>17</a:t>
+            </a:fld>
+            <a:endParaRPr lang="en-IN"/>
+          </a:p>
+        </p:txBody>
+      </p:sp>
+    </p:spTree>
+    <p:extLst>
+      <p:ext uri="{BB962C8B-B14F-4D97-AF65-F5344CB8AC3E}">
+        <p14:creationId xmlns:p14="http://schemas.microsoft.com/office/powerpoint/2010/main" val="3480737708"/>
       </p:ext>
     </p:extLst>
   </p:cSld>
@@ -1057,7 +1683,7 @@
           <a:p>
             <a:fld id="{D4BA8270-C9CF-44CA-BE5A-02C2BDCCEDE4}" type="datetimeFigureOut">
               <a:rPr lang="en-GB" smtClean="0"/>
-              <a:t>11/04/2020</a:t>
+              <a:t>12/04/2020</a:t>
             </a:fld>
             <a:endParaRPr lang="en-GB"/>
           </a:p>
@@ -1332,7 +1958,7 @@
           <a:p>
             <a:fld id="{D4BA8270-C9CF-44CA-BE5A-02C2BDCCEDE4}" type="datetimeFigureOut">
               <a:rPr lang="en-GB" smtClean="0"/>
-              <a:t>11/04/2020</a:t>
+              <a:t>12/04/2020</a:t>
             </a:fld>
             <a:endParaRPr lang="en-GB"/>
           </a:p>
@@ -1526,7 +2152,7 @@
           <a:p>
             <a:fld id="{D4BA8270-C9CF-44CA-BE5A-02C2BDCCEDE4}" type="datetimeFigureOut">
               <a:rPr lang="en-GB" smtClean="0"/>
-              <a:t>11/04/2020</a:t>
+              <a:t>12/04/2020</a:t>
             </a:fld>
             <a:endParaRPr lang="en-GB"/>
           </a:p>
@@ -1799,7 +2425,7 @@
           <a:p>
             <a:fld id="{D4BA8270-C9CF-44CA-BE5A-02C2BDCCEDE4}" type="datetimeFigureOut">
               <a:rPr lang="en-GB" smtClean="0"/>
-              <a:t>11/04/2020</a:t>
+              <a:t>12/04/2020</a:t>
             </a:fld>
             <a:endParaRPr lang="en-GB"/>
           </a:p>
@@ -2140,7 +2766,7 @@
           <a:p>
             <a:fld id="{D4BA8270-C9CF-44CA-BE5A-02C2BDCCEDE4}" type="datetimeFigureOut">
               <a:rPr lang="en-GB" smtClean="0"/>
-              <a:t>11/04/2020</a:t>
+              <a:t>12/04/2020</a:t>
             </a:fld>
             <a:endParaRPr lang="en-GB"/>
           </a:p>
@@ -2763,7 +3389,7 @@
           <a:p>
             <a:fld id="{D4BA8270-C9CF-44CA-BE5A-02C2BDCCEDE4}" type="datetimeFigureOut">
               <a:rPr lang="en-GB" smtClean="0"/>
-              <a:t>11/04/2020</a:t>
+              <a:t>12/04/2020</a:t>
             </a:fld>
             <a:endParaRPr lang="en-GB"/>
           </a:p>
@@ -3623,7 +4249,7 @@
           <a:p>
             <a:fld id="{D4BA8270-C9CF-44CA-BE5A-02C2BDCCEDE4}" type="datetimeFigureOut">
               <a:rPr lang="en-GB" smtClean="0"/>
-              <a:t>11/04/2020</a:t>
+              <a:t>12/04/2020</a:t>
             </a:fld>
             <a:endParaRPr lang="en-GB"/>
           </a:p>
@@ -3793,7 +4419,7 @@
           <a:p>
             <a:fld id="{D4BA8270-C9CF-44CA-BE5A-02C2BDCCEDE4}" type="datetimeFigureOut">
               <a:rPr lang="en-GB" smtClean="0"/>
-              <a:t>11/04/2020</a:t>
+              <a:t>12/04/2020</a:t>
             </a:fld>
             <a:endParaRPr lang="en-GB"/>
           </a:p>
@@ -3973,7 +4599,7 @@
           <a:p>
             <a:fld id="{D4BA8270-C9CF-44CA-BE5A-02C2BDCCEDE4}" type="datetimeFigureOut">
               <a:rPr lang="en-GB" smtClean="0"/>
-              <a:t>11/04/2020</a:t>
+              <a:t>12/04/2020</a:t>
             </a:fld>
             <a:endParaRPr lang="en-GB"/>
           </a:p>
@@ -4143,7 +4769,7 @@
           <a:p>
             <a:fld id="{D4BA8270-C9CF-44CA-BE5A-02C2BDCCEDE4}" type="datetimeFigureOut">
               <a:rPr lang="en-GB" smtClean="0"/>
-              <a:t>11/04/2020</a:t>
+              <a:t>12/04/2020</a:t>
             </a:fld>
             <a:endParaRPr lang="en-GB"/>
           </a:p>
@@ -4390,7 +5016,7 @@
           <a:p>
             <a:fld id="{D4BA8270-C9CF-44CA-BE5A-02C2BDCCEDE4}" type="datetimeFigureOut">
               <a:rPr lang="en-GB" smtClean="0"/>
-              <a:t>11/04/2020</a:t>
+              <a:t>12/04/2020</a:t>
             </a:fld>
             <a:endParaRPr lang="en-GB"/>
           </a:p>
@@ -4682,7 +5308,7 @@
           <a:p>
             <a:fld id="{D4BA8270-C9CF-44CA-BE5A-02C2BDCCEDE4}" type="datetimeFigureOut">
               <a:rPr lang="en-GB" smtClean="0"/>
-              <a:t>11/04/2020</a:t>
+              <a:t>12/04/2020</a:t>
             </a:fld>
             <a:endParaRPr lang="en-GB"/>
           </a:p>
@@ -5126,7 +5752,7 @@
           <a:p>
             <a:fld id="{D4BA8270-C9CF-44CA-BE5A-02C2BDCCEDE4}" type="datetimeFigureOut">
               <a:rPr lang="en-GB" smtClean="0"/>
-              <a:t>11/04/2020</a:t>
+              <a:t>12/04/2020</a:t>
             </a:fld>
             <a:endParaRPr lang="en-GB"/>
           </a:p>
@@ -5244,7 +5870,7 @@
           <a:p>
             <a:fld id="{D4BA8270-C9CF-44CA-BE5A-02C2BDCCEDE4}" type="datetimeFigureOut">
               <a:rPr lang="en-GB" smtClean="0"/>
-              <a:t>11/04/2020</a:t>
+              <a:t>12/04/2020</a:t>
             </a:fld>
             <a:endParaRPr lang="en-GB"/>
           </a:p>
@@ -5339,7 +5965,7 @@
           <a:p>
             <a:fld id="{D4BA8270-C9CF-44CA-BE5A-02C2BDCCEDE4}" type="datetimeFigureOut">
               <a:rPr lang="en-GB" smtClean="0"/>
-              <a:t>11/04/2020</a:t>
+              <a:t>12/04/2020</a:t>
             </a:fld>
             <a:endParaRPr lang="en-GB"/>
           </a:p>
@@ -5618,7 +6244,7 @@
           <a:p>
             <a:fld id="{D4BA8270-C9CF-44CA-BE5A-02C2BDCCEDE4}" type="datetimeFigureOut">
               <a:rPr lang="en-GB" smtClean="0"/>
-              <a:t>11/04/2020</a:t>
+              <a:t>12/04/2020</a:t>
             </a:fld>
             <a:endParaRPr lang="en-GB"/>
           </a:p>
@@ -5893,7 +6519,7 @@
           <a:p>
             <a:fld id="{D4BA8270-C9CF-44CA-BE5A-02C2BDCCEDE4}" type="datetimeFigureOut">
               <a:rPr lang="en-GB" smtClean="0"/>
-              <a:t>11/04/2020</a:t>
+              <a:t>12/04/2020</a:t>
             </a:fld>
             <a:endParaRPr lang="en-GB"/>
           </a:p>
@@ -6322,7 +6948,7 @@
           <a:p>
             <a:fld id="{D4BA8270-C9CF-44CA-BE5A-02C2BDCCEDE4}" type="datetimeFigureOut">
               <a:rPr lang="en-GB" smtClean="0"/>
-              <a:t>11/04/2020</a:t>
+              <a:t>12/04/2020</a:t>
             </a:fld>
             <a:endParaRPr lang="en-GB"/>
           </a:p>
@@ -7480,6 +8106,533 @@
           <a:lstStyle/>
           <a:p>
             <a:r>
+              <a:rPr lang="en-GB" dirty="0" smtClean="0"/>
+              <a:t>Generic Classes </a:t>
+            </a:r>
+            <a:r>
+              <a:rPr lang="en-GB" dirty="0" err="1" smtClean="0"/>
+              <a:t>Cont</a:t>
+            </a:r>
+            <a:r>
+              <a:rPr lang="en-GB" dirty="0" smtClean="0"/>
+              <a:t>…</a:t>
+            </a:r>
+            <a:endParaRPr lang="en-GB" dirty="0"/>
+          </a:p>
+        </p:txBody>
+      </p:sp>
+      <p:sp>
+        <p:nvSpPr>
+          <p:cNvPr id="3" name="Content Placeholder 2"/>
+          <p:cNvSpPr>
+            <a:spLocks noGrp="1"/>
+          </p:cNvSpPr>
+          <p:nvPr>
+            <p:ph idx="1"/>
+          </p:nvPr>
+        </p:nvSpPr>
+        <p:spPr>
+          <a:xfrm>
+            <a:off x="513432" y="803514"/>
+            <a:ext cx="10085916" cy="5605912"/>
+          </a:xfrm>
+        </p:spPr>
+        <p:txBody>
+          <a:bodyPr>
+            <a:normAutofit fontScale="92500" lnSpcReduction="20000"/>
+          </a:bodyPr>
+          <a:lstStyle/>
+          <a:p>
+            <a:pPr marL="285750" indent="-285750">
+              <a:lnSpc>
+                <a:spcPct val="150000"/>
+              </a:lnSpc>
+              <a:buFont typeface="Wingdings" panose="05000000000000000000" pitchFamily="2" charset="2"/>
+              <a:buChar char="Ø"/>
+            </a:pPr>
+            <a:r>
+              <a:rPr lang="en-US" altLang="en-US" sz="1400" b="1" dirty="0" smtClean="0"/>
+              <a:t>I</a:t>
+            </a:r>
+            <a:r>
+              <a:rPr lang="en-US" altLang="en-US" sz="1400" b="1" dirty="0" smtClean="0" bmk=""/>
+              <a:t>nvoking </a:t>
+            </a:r>
+            <a:r>
+              <a:rPr lang="en-US" altLang="en-US" sz="1400" b="1" dirty="0" bmk=""/>
+              <a:t>and Instantiating a Generic </a:t>
+            </a:r>
+            <a:r>
+              <a:rPr lang="en-US" altLang="en-US" sz="1400" b="1" dirty="0" smtClean="0" bmk=""/>
+              <a:t>Type</a:t>
+            </a:r>
+          </a:p>
+          <a:p>
+            <a:pPr marL="285750" indent="-285750">
+              <a:lnSpc>
+                <a:spcPct val="150000"/>
+              </a:lnSpc>
+              <a:buFont typeface="Wingdings" panose="05000000000000000000" pitchFamily="2" charset="2"/>
+              <a:buChar char="Ø"/>
+            </a:pPr>
+            <a:r>
+              <a:rPr lang="en-US" altLang="en-US" sz="1400" dirty="0" smtClean="0"/>
+              <a:t>To </a:t>
+            </a:r>
+            <a:r>
+              <a:rPr lang="en-US" altLang="en-US" sz="1400" dirty="0"/>
+              <a:t>reference the generic Box class from within your code, you must perform a generic type invocation, </a:t>
+            </a:r>
+          </a:p>
+          <a:p>
+            <a:pPr marL="0" lvl="0" indent="0" defTabSz="914400" eaLnBrk="0" fontAlgn="base" hangingPunct="0">
+              <a:spcBef>
+                <a:spcPct val="0"/>
+              </a:spcBef>
+              <a:spcAft>
+                <a:spcPct val="0"/>
+              </a:spcAft>
+              <a:buClrTx/>
+              <a:buSzTx/>
+              <a:buNone/>
+            </a:pPr>
+            <a:r>
+              <a:rPr lang="en-US" altLang="en-US" sz="1400" dirty="0" smtClean="0"/>
+              <a:t>      which </a:t>
+            </a:r>
+            <a:r>
+              <a:rPr lang="en-US" altLang="en-US" sz="1400" dirty="0"/>
+              <a:t>replaces T with some concrete value, such as </a:t>
+            </a:r>
+            <a:r>
+              <a:rPr lang="en-US" altLang="en-US" sz="1400" dirty="0" smtClean="0"/>
+              <a:t>Integer:</a:t>
+            </a:r>
+          </a:p>
+          <a:p>
+            <a:pPr marL="685800" lvl="1" fontAlgn="base">
+              <a:lnSpc>
+                <a:spcPct val="150000"/>
+              </a:lnSpc>
+              <a:buFont typeface="Wingdings" panose="05000000000000000000" pitchFamily="2" charset="2"/>
+              <a:buChar char="Ø"/>
+            </a:pPr>
+            <a:r>
+              <a:rPr lang="en-US" altLang="en-US" sz="1400" dirty="0"/>
+              <a:t>Box&lt;Integer&gt; </a:t>
+            </a:r>
+            <a:r>
+              <a:rPr lang="en-US" altLang="en-US" sz="1400" dirty="0" err="1"/>
+              <a:t>integerBox</a:t>
+            </a:r>
+            <a:r>
+              <a:rPr lang="en-US" altLang="en-US" sz="1400" dirty="0"/>
+              <a:t>; </a:t>
+            </a:r>
+          </a:p>
+          <a:p>
+            <a:pPr marL="285750" fontAlgn="base">
+              <a:lnSpc>
+                <a:spcPct val="150000"/>
+              </a:lnSpc>
+              <a:buFont typeface="Wingdings" panose="05000000000000000000" pitchFamily="2" charset="2"/>
+              <a:buChar char="Ø"/>
+            </a:pPr>
+            <a:r>
+              <a:rPr lang="en-US" altLang="en-US" sz="1400" dirty="0"/>
+              <a:t>You can think of a generic type invocation as being similar to an ordinary method invocation</a:t>
+            </a:r>
+            <a:r>
+              <a:rPr lang="en-US" altLang="en-US" sz="1400" dirty="0" smtClean="0"/>
+              <a:t>, but </a:t>
+            </a:r>
+            <a:r>
+              <a:rPr lang="en-US" altLang="en-US" sz="1400" dirty="0"/>
+              <a:t>instead of passing an argument to a method, you are passing a type argument — Integer in this case — to  </a:t>
+            </a:r>
+            <a:r>
+              <a:rPr lang="en-US" altLang="en-US" sz="1400" dirty="0" smtClean="0"/>
+              <a:t>the</a:t>
+            </a:r>
+            <a:r>
+              <a:rPr lang="en-US" altLang="en-US" sz="1400" dirty="0"/>
+              <a:t> Box class </a:t>
+            </a:r>
+            <a:r>
+              <a:rPr lang="en-US" altLang="en-US" sz="1400" dirty="0" smtClean="0"/>
+              <a:t>itself.</a:t>
+            </a:r>
+          </a:p>
+          <a:p>
+            <a:pPr marL="285750" indent="-285750">
+              <a:lnSpc>
+                <a:spcPct val="150000"/>
+              </a:lnSpc>
+              <a:buFont typeface="Wingdings" panose="05000000000000000000" pitchFamily="2" charset="2"/>
+              <a:buChar char="Ø"/>
+            </a:pPr>
+            <a:r>
+              <a:rPr lang="en-US" altLang="en-US" sz="1400" b="1" dirty="0"/>
+              <a:t>The </a:t>
+            </a:r>
+            <a:r>
+              <a:rPr lang="en-US" altLang="en-US" sz="1400" b="1" dirty="0" smtClean="0"/>
+              <a:t>Diamond</a:t>
+            </a:r>
+          </a:p>
+          <a:p>
+            <a:pPr marL="285750" indent="-285750">
+              <a:lnSpc>
+                <a:spcPct val="150000"/>
+              </a:lnSpc>
+              <a:buFont typeface="Wingdings" panose="05000000000000000000" pitchFamily="2" charset="2"/>
+              <a:buChar char="Ø"/>
+            </a:pPr>
+            <a:r>
+              <a:rPr lang="en-US" altLang="en-US" sz="1400" dirty="0" smtClean="0"/>
+              <a:t>In </a:t>
+            </a:r>
+            <a:r>
+              <a:rPr lang="en-US" altLang="en-US" sz="1400" dirty="0"/>
+              <a:t>Java SE 7 and later, you can replace the type arguments required to invoke the constructor of a generic class with an empty set of type arguments (&lt;&gt;) as long as the compiler can determine, or infer, the type arguments from the context. This pair of angle brackets, &lt;&gt;, is informally called the diamond. For example, you can create an instance of Box&lt;Integer&gt; with the following statement </a:t>
+            </a:r>
+          </a:p>
+          <a:p>
+            <a:pPr marL="685800" lvl="1" fontAlgn="base">
+              <a:lnSpc>
+                <a:spcPct val="150000"/>
+              </a:lnSpc>
+              <a:buFont typeface="Wingdings" panose="05000000000000000000" pitchFamily="2" charset="2"/>
+              <a:buChar char="Ø"/>
+            </a:pPr>
+            <a:r>
+              <a:rPr lang="en-US" altLang="en-US" sz="1400" dirty="0"/>
+              <a:t>Box&lt;Integer&gt; </a:t>
+            </a:r>
+            <a:r>
+              <a:rPr lang="en-US" altLang="en-US" sz="1400" dirty="0" err="1"/>
+              <a:t>integerBox</a:t>
+            </a:r>
+            <a:r>
+              <a:rPr lang="en-US" altLang="en-US" sz="1400" dirty="0"/>
+              <a:t> = new Box&lt;&gt;();</a:t>
+            </a:r>
+          </a:p>
+          <a:p>
+            <a:pPr marL="285750" fontAlgn="base">
+              <a:lnSpc>
+                <a:spcPct val="150000"/>
+              </a:lnSpc>
+              <a:buFont typeface="Wingdings" panose="05000000000000000000" pitchFamily="2" charset="2"/>
+              <a:buChar char="Ø"/>
+            </a:pPr>
+            <a:r>
+              <a:rPr lang="en-US" altLang="en-US" sz="1400" dirty="0"/>
+              <a:t> Because a Java compiler can infer </a:t>
+            </a:r>
+            <a:r>
+              <a:rPr lang="en-US" altLang="en-US" sz="1400" dirty="0" smtClean="0"/>
+              <a:t>the</a:t>
+            </a:r>
+            <a:r>
+              <a:rPr lang="en-US" altLang="en-US" sz="1400" dirty="0"/>
+              <a:t> types from the declaration  Box&lt;Integer&gt; </a:t>
+            </a:r>
+            <a:r>
+              <a:rPr lang="en-US" altLang="en-US" sz="1400" dirty="0" smtClean="0"/>
+              <a:t>, the </a:t>
+            </a:r>
+            <a:r>
+              <a:rPr lang="en-US" altLang="en-US" sz="1400" dirty="0" smtClean="0"/>
+              <a:t>instantiation </a:t>
+            </a:r>
+            <a:r>
+              <a:rPr lang="en-US" altLang="en-US" sz="1400" dirty="0"/>
+              <a:t>statements can be </a:t>
+            </a:r>
+            <a:r>
+              <a:rPr lang="en-US" altLang="en-US" sz="1400" dirty="0" smtClean="0"/>
+              <a:t>   shortened </a:t>
+            </a:r>
+            <a:r>
+              <a:rPr lang="en-US" altLang="en-US" sz="1400" dirty="0"/>
+              <a:t>using diamond </a:t>
+            </a:r>
+            <a:r>
+              <a:rPr lang="en-US" altLang="en-US" sz="1400" dirty="0" smtClean="0"/>
+              <a:t>notation</a:t>
+            </a:r>
+            <a:r>
+              <a:rPr lang="en-US" altLang="en-US" sz="1400" dirty="0"/>
+              <a:t> </a:t>
+            </a:r>
+            <a:r>
+              <a:rPr lang="en-US" altLang="en-US" sz="1400" dirty="0" smtClean="0"/>
+              <a:t>and we do not need to specify type in </a:t>
+            </a:r>
+            <a:r>
+              <a:rPr lang="en-US" altLang="en-US" sz="1400" dirty="0"/>
+              <a:t>new Box</a:t>
+            </a:r>
+            <a:r>
+              <a:rPr lang="en-US" altLang="en-US" sz="1400" dirty="0" smtClean="0"/>
+              <a:t>&lt;&gt;();</a:t>
+            </a:r>
+          </a:p>
+          <a:p>
+            <a:pPr marL="285750" fontAlgn="base">
+              <a:lnSpc>
+                <a:spcPct val="150000"/>
+              </a:lnSpc>
+              <a:buFont typeface="Wingdings" panose="05000000000000000000" pitchFamily="2" charset="2"/>
+              <a:buChar char="Ø"/>
+            </a:pPr>
+            <a:r>
+              <a:rPr lang="en-US" altLang="en-US" sz="1400" dirty="0"/>
+              <a:t>You can also substitute a type parameter (i.e., K or V) with a parameterized type (i.e., List&lt;String&gt;). For example, using the </a:t>
+            </a:r>
+            <a:r>
+              <a:rPr lang="en-US" altLang="en-US" sz="1400" dirty="0" err="1"/>
+              <a:t>OrderedPair</a:t>
+            </a:r>
+            <a:r>
+              <a:rPr lang="en-US" altLang="en-US" sz="1400" dirty="0"/>
+              <a:t>&lt;K, V&gt; example</a:t>
+            </a:r>
+          </a:p>
+          <a:p>
+            <a:pPr marL="685800" lvl="1" fontAlgn="base">
+              <a:lnSpc>
+                <a:spcPct val="150000"/>
+              </a:lnSpc>
+              <a:buFont typeface="Wingdings" panose="05000000000000000000" pitchFamily="2" charset="2"/>
+              <a:buChar char="Ø"/>
+            </a:pPr>
+            <a:r>
+              <a:rPr lang="en-US" altLang="en-US" sz="1400" dirty="0" err="1"/>
+              <a:t>OrderedPair</a:t>
+            </a:r>
+            <a:r>
+              <a:rPr lang="en-US" altLang="en-US" sz="1400" dirty="0"/>
+              <a:t>&lt;String, Box&lt;Integer&gt;&gt; p = new </a:t>
+            </a:r>
+            <a:r>
+              <a:rPr lang="en-US" altLang="en-US" sz="1400" dirty="0" err="1"/>
+              <a:t>OrderedPair</a:t>
+            </a:r>
+            <a:r>
+              <a:rPr lang="en-US" altLang="en-US" sz="1400" dirty="0"/>
+              <a:t>&lt;&gt;("primes", new Box&lt;Integer&gt;(...)); </a:t>
+            </a:r>
+          </a:p>
+          <a:p>
+            <a:pPr marL="400050" lvl="1" indent="0" fontAlgn="base">
+              <a:lnSpc>
+                <a:spcPct val="150000"/>
+              </a:lnSpc>
+              <a:buNone/>
+            </a:pPr>
+            <a:endParaRPr lang="en-US" altLang="en-US" sz="1200" dirty="0"/>
+          </a:p>
+          <a:p>
+            <a:pPr marL="285750" fontAlgn="base">
+              <a:lnSpc>
+                <a:spcPct val="150000"/>
+              </a:lnSpc>
+              <a:buFont typeface="Wingdings" panose="05000000000000000000" pitchFamily="2" charset="2"/>
+              <a:buChar char="Ø"/>
+            </a:pPr>
+            <a:endParaRPr lang="en-US" altLang="en-US" sz="1400" dirty="0"/>
+          </a:p>
+        </p:txBody>
+      </p:sp>
+    </p:spTree>
+    <p:extLst>
+      <p:ext uri="{BB962C8B-B14F-4D97-AF65-F5344CB8AC3E}">
+        <p14:creationId xmlns:p14="http://schemas.microsoft.com/office/powerpoint/2010/main" val="2790138978"/>
+      </p:ext>
+    </p:extLst>
+  </p:cSld>
+  <p:clrMapOvr>
+    <a:masterClrMapping/>
+  </p:clrMapOvr>
+  <p:timing>
+    <p:tnLst>
+      <p:par>
+        <p:cTn id="1" dur="indefinite" restart="never" nodeType="tmRoot"/>
+      </p:par>
+    </p:tnLst>
+  </p:timing>
+</p:sld>
+</file>
+
+<file path=ppt/slides/slide14.xml><?xml version="1.0" encoding="utf-8"?>
+<p:sld xmlns:a="http://schemas.openxmlformats.org/drawingml/2006/main" xmlns:r="http://schemas.openxmlformats.org/officeDocument/2006/relationships" xmlns:p="http://schemas.openxmlformats.org/presentationml/2006/main">
+  <p:cSld>
+    <p:spTree>
+      <p:nvGrpSpPr>
+        <p:cNvPr id="1" name=""/>
+        <p:cNvGrpSpPr/>
+        <p:nvPr/>
+      </p:nvGrpSpPr>
+      <p:grpSpPr>
+        <a:xfrm>
+          <a:off x="0" y="0"/>
+          <a:ext cx="0" cy="0"/>
+          <a:chOff x="0" y="0"/>
+          <a:chExt cx="0" cy="0"/>
+        </a:xfrm>
+      </p:grpSpPr>
+      <p:sp>
+        <p:nvSpPr>
+          <p:cNvPr id="2" name="Title 1"/>
+          <p:cNvSpPr>
+            <a:spLocks noGrp="1"/>
+          </p:cNvSpPr>
+          <p:nvPr>
+            <p:ph type="title"/>
+          </p:nvPr>
+        </p:nvSpPr>
+        <p:spPr>
+          <a:xfrm>
+            <a:off x="513432" y="0"/>
+            <a:ext cx="8596668" cy="503208"/>
+          </a:xfrm>
+        </p:spPr>
+        <p:txBody>
+          <a:bodyPr>
+            <a:normAutofit fontScale="90000"/>
+          </a:bodyPr>
+          <a:lstStyle/>
+          <a:p>
+            <a:r>
+              <a:rPr lang="en-GB" dirty="0"/>
+              <a:t>Generic </a:t>
+            </a:r>
+            <a:r>
+              <a:rPr lang="en-GB" dirty="0" smtClean="0"/>
+              <a:t>Classes </a:t>
+            </a:r>
+            <a:r>
+              <a:rPr lang="en-GB" dirty="0" err="1" smtClean="0"/>
+              <a:t>Cont</a:t>
+            </a:r>
+            <a:r>
+              <a:rPr lang="en-GB" dirty="0" smtClean="0"/>
+              <a:t>…</a:t>
+            </a:r>
+            <a:endParaRPr lang="en-GB" dirty="0"/>
+          </a:p>
+        </p:txBody>
+      </p:sp>
+      <p:sp>
+        <p:nvSpPr>
+          <p:cNvPr id="3" name="Content Placeholder 2"/>
+          <p:cNvSpPr>
+            <a:spLocks noGrp="1"/>
+          </p:cNvSpPr>
+          <p:nvPr>
+            <p:ph idx="1"/>
+          </p:nvPr>
+        </p:nvSpPr>
+        <p:spPr>
+          <a:xfrm>
+            <a:off x="677334" y="646981"/>
+            <a:ext cx="10085916" cy="5394381"/>
+          </a:xfrm>
+        </p:spPr>
+        <p:txBody>
+          <a:bodyPr/>
+          <a:lstStyle/>
+          <a:p>
+            <a:endParaRPr lang="en-GB" dirty="0"/>
+          </a:p>
+        </p:txBody>
+      </p:sp>
+      <p:pic>
+        <p:nvPicPr>
+          <p:cNvPr id="5" name="Picture 4"/>
+          <p:cNvPicPr>
+            <a:picLocks noChangeAspect="1"/>
+          </p:cNvPicPr>
+          <p:nvPr/>
+        </p:nvPicPr>
+        <p:blipFill>
+          <a:blip r:embed="rId2"/>
+          <a:stretch>
+            <a:fillRect/>
+          </a:stretch>
+        </p:blipFill>
+        <p:spPr>
+          <a:xfrm>
+            <a:off x="677334" y="646981"/>
+            <a:ext cx="9983065" cy="6211019"/>
+          </a:xfrm>
+          <a:prstGeom prst="rect">
+            <a:avLst/>
+          </a:prstGeom>
+        </p:spPr>
+      </p:pic>
+    </p:spTree>
+    <p:extLst>
+      <p:ext uri="{BB962C8B-B14F-4D97-AF65-F5344CB8AC3E}">
+        <p14:creationId xmlns:p14="http://schemas.microsoft.com/office/powerpoint/2010/main" val="3213219512"/>
+      </p:ext>
+    </p:extLst>
+  </p:cSld>
+  <p:clrMapOvr>
+    <a:masterClrMapping/>
+  </p:clrMapOvr>
+  <p:timing>
+    <p:tnLst>
+      <p:par>
+        <p:cTn id="1" dur="indefinite" restart="never" nodeType="tmRoot"/>
+      </p:par>
+    </p:tnLst>
+  </p:timing>
+</p:sld>
+</file>
+
+<file path=ppt/slides/slide15.xml><?xml version="1.0" encoding="utf-8"?>
+<p:sld xmlns:a="http://schemas.openxmlformats.org/drawingml/2006/main" xmlns:r="http://schemas.openxmlformats.org/officeDocument/2006/relationships" xmlns:p="http://schemas.openxmlformats.org/presentationml/2006/main">
+  <p:cSld>
+    <p:spTree>
+      <p:nvGrpSpPr>
+        <p:cNvPr id="1" name=""/>
+        <p:cNvGrpSpPr/>
+        <p:nvPr/>
+      </p:nvGrpSpPr>
+      <p:grpSpPr>
+        <a:xfrm>
+          <a:off x="0" y="0"/>
+          <a:ext cx="0" cy="0"/>
+          <a:chOff x="0" y="0"/>
+          <a:chExt cx="0" cy="0"/>
+        </a:xfrm>
+      </p:grpSpPr>
+      <p:sp>
+        <p:nvSpPr>
+          <p:cNvPr id="2" name="Title 1"/>
+          <p:cNvSpPr>
+            <a:spLocks noGrp="1"/>
+          </p:cNvSpPr>
+          <p:nvPr>
+            <p:ph type="title"/>
+          </p:nvPr>
+        </p:nvSpPr>
+        <p:spPr>
+          <a:xfrm>
+            <a:off x="513432" y="0"/>
+            <a:ext cx="8596668" cy="503208"/>
+          </a:xfrm>
+        </p:spPr>
+        <p:txBody>
+          <a:bodyPr>
+            <a:normAutofit fontScale="90000"/>
+          </a:bodyPr>
+          <a:lstStyle/>
+          <a:p>
+            <a:r>
               <a:rPr lang="en-GB" dirty="0"/>
               <a:t>Generic </a:t>
             </a:r>
@@ -7587,7 +8740,11 @@
             </a:pPr>
             <a:r>
               <a:rPr lang="en-IN" sz="1400" dirty="0"/>
-              <a:t>For example public &lt;T&gt;void m1(T t), public &lt;T extends Number&gt;void m1(T t), public &lt;T extends Runnable&gt;void m1(T t), public &lt;T extends Number &amp; Runnable&gt;void m1(T t), public &lt;T extends Runnable &amp; Comparable&gt;void m1(T t)</a:t>
+              <a:t>For example public &lt;T&gt;void m1(T </a:t>
+            </a:r>
+            <a:r>
+              <a:rPr lang="en-IN" sz="1400" dirty="0" smtClean="0"/>
+              <a:t>t)</a:t>
             </a:r>
           </a:p>
           <a:p>
@@ -7599,8 +8756,12 @@
               <a:buChar char="Ø"/>
             </a:pPr>
             <a:r>
+              <a:rPr lang="en-IN" sz="1400" dirty="0" smtClean="0"/>
+              <a:t>Now </a:t>
+            </a:r>
+            <a:r>
               <a:rPr lang="en-IN" sz="1400" dirty="0"/>
-              <a:t>Now we can use this anywhere within the method</a:t>
+              <a:t>we can use this anywhere within the method</a:t>
             </a:r>
             <a:r>
               <a:rPr lang="en-IN" sz="1400" dirty="0" smtClean="0"/>
@@ -7639,7 +8800,7 @@
 </p:sld>
 </file>
 
-<file path=ppt/slides/slide14.xml><?xml version="1.0" encoding="utf-8"?>
+<file path=ppt/slides/slide16.xml><?xml version="1.0" encoding="utf-8"?>
 <p:sld xmlns:a="http://schemas.openxmlformats.org/drawingml/2006/main" xmlns:r="http://schemas.openxmlformats.org/officeDocument/2006/relationships" xmlns:p="http://schemas.openxmlformats.org/presentationml/2006/main">
   <p:cSld>
     <p:spTree>
@@ -8401,7 +9562,7 @@
 </p:sld>
 </file>
 
-<file path=ppt/slides/slide15.xml><?xml version="1.0" encoding="utf-8"?>
+<file path=ppt/slides/slide17.xml><?xml version="1.0" encoding="utf-8"?>
 <p:sld xmlns:a="http://schemas.openxmlformats.org/drawingml/2006/main" xmlns:r="http://schemas.openxmlformats.org/officeDocument/2006/relationships" xmlns:p="http://schemas.openxmlformats.org/presentationml/2006/main">
   <p:cSld>
     <p:spTree>
@@ -8924,567 +10085,6 @@
 </p:sld>
 </file>
 
-<file path=ppt/slides/slide16.xml><?xml version="1.0" encoding="utf-8"?>
-<p:sld xmlns:a="http://schemas.openxmlformats.org/drawingml/2006/main" xmlns:r="http://schemas.openxmlformats.org/officeDocument/2006/relationships" xmlns:p="http://schemas.openxmlformats.org/presentationml/2006/main">
-  <p:cSld>
-    <p:spTree>
-      <p:nvGrpSpPr>
-        <p:cNvPr id="1" name=""/>
-        <p:cNvGrpSpPr/>
-        <p:nvPr/>
-      </p:nvGrpSpPr>
-      <p:grpSpPr>
-        <a:xfrm>
-          <a:off x="0" y="0"/>
-          <a:ext cx="0" cy="0"/>
-          <a:chOff x="0" y="0"/>
-          <a:chExt cx="0" cy="0"/>
-        </a:xfrm>
-      </p:grpSpPr>
-      <p:sp>
-        <p:nvSpPr>
-          <p:cNvPr id="2" name="Title 1"/>
-          <p:cNvSpPr>
-            <a:spLocks noGrp="1"/>
-          </p:cNvSpPr>
-          <p:nvPr>
-            <p:ph type="title"/>
-          </p:nvPr>
-        </p:nvSpPr>
-        <p:spPr>
-          <a:xfrm>
-            <a:off x="513432" y="0"/>
-            <a:ext cx="8596668" cy="503208"/>
-          </a:xfrm>
-        </p:spPr>
-        <p:txBody>
-          <a:bodyPr>
-            <a:normAutofit fontScale="90000"/>
-          </a:bodyPr>
-          <a:lstStyle/>
-          <a:p>
-            <a:r>
-              <a:rPr lang="en-GB" dirty="0" smtClean="0"/>
-              <a:t>Generic Classes </a:t>
-            </a:r>
-            <a:r>
-              <a:rPr lang="en-GB" dirty="0" err="1" smtClean="0"/>
-              <a:t>Cont</a:t>
-            </a:r>
-            <a:r>
-              <a:rPr lang="en-GB" dirty="0" smtClean="0"/>
-              <a:t>…</a:t>
-            </a:r>
-            <a:endParaRPr lang="en-GB" dirty="0"/>
-          </a:p>
-        </p:txBody>
-      </p:sp>
-      <p:sp>
-        <p:nvSpPr>
-          <p:cNvPr id="3" name="Content Placeholder 2"/>
-          <p:cNvSpPr>
-            <a:spLocks noGrp="1"/>
-          </p:cNvSpPr>
-          <p:nvPr>
-            <p:ph idx="1"/>
-          </p:nvPr>
-        </p:nvSpPr>
-        <p:spPr>
-          <a:xfrm>
-            <a:off x="513432" y="803514"/>
-            <a:ext cx="10085916" cy="5605912"/>
-          </a:xfrm>
-        </p:spPr>
-        <p:txBody>
-          <a:bodyPr>
-            <a:normAutofit fontScale="92500" lnSpcReduction="20000"/>
-          </a:bodyPr>
-          <a:lstStyle/>
-          <a:p>
-            <a:pPr marL="285750" indent="-285750">
-              <a:lnSpc>
-                <a:spcPct val="150000"/>
-              </a:lnSpc>
-              <a:buFont typeface="Wingdings" panose="05000000000000000000" pitchFamily="2" charset="2"/>
-              <a:buChar char="Ø"/>
-            </a:pPr>
-            <a:r>
-              <a:rPr lang="en-US" altLang="en-US" sz="1400" b="1" dirty="0" smtClean="0"/>
-              <a:t>I</a:t>
-            </a:r>
-            <a:r>
-              <a:rPr lang="en-US" altLang="en-US" sz="1400" b="1" dirty="0" smtClean="0" bmk=""/>
-              <a:t>nvoking </a:t>
-            </a:r>
-            <a:r>
-              <a:rPr lang="en-US" altLang="en-US" sz="1400" b="1" dirty="0" bmk=""/>
-              <a:t>and Instantiating a Generic </a:t>
-            </a:r>
-            <a:r>
-              <a:rPr lang="en-US" altLang="en-US" sz="1400" b="1" dirty="0" smtClean="0" bmk=""/>
-              <a:t>Type</a:t>
-            </a:r>
-          </a:p>
-          <a:p>
-            <a:pPr marL="285750" indent="-285750">
-              <a:lnSpc>
-                <a:spcPct val="150000"/>
-              </a:lnSpc>
-              <a:buFont typeface="Wingdings" panose="05000000000000000000" pitchFamily="2" charset="2"/>
-              <a:buChar char="Ø"/>
-            </a:pPr>
-            <a:r>
-              <a:rPr lang="en-US" altLang="en-US" sz="1400" dirty="0" smtClean="0"/>
-              <a:t>To </a:t>
-            </a:r>
-            <a:r>
-              <a:rPr lang="en-US" altLang="en-US" sz="1400" dirty="0"/>
-              <a:t>reference the generic Box class from within your code, you must perform a generic type invocation, </a:t>
-            </a:r>
-          </a:p>
-          <a:p>
-            <a:pPr marL="0" lvl="0" indent="0" defTabSz="914400" eaLnBrk="0" fontAlgn="base" hangingPunct="0">
-              <a:spcBef>
-                <a:spcPct val="0"/>
-              </a:spcBef>
-              <a:spcAft>
-                <a:spcPct val="0"/>
-              </a:spcAft>
-              <a:buClrTx/>
-              <a:buSzTx/>
-              <a:buNone/>
-            </a:pPr>
-            <a:r>
-              <a:rPr lang="en-US" altLang="en-US" sz="1400" dirty="0" smtClean="0"/>
-              <a:t>      which </a:t>
-            </a:r>
-            <a:r>
-              <a:rPr lang="en-US" altLang="en-US" sz="1400" dirty="0"/>
-              <a:t>replaces T with some concrete value, such as </a:t>
-            </a:r>
-            <a:r>
-              <a:rPr lang="en-US" altLang="en-US" sz="1400" dirty="0" smtClean="0"/>
-              <a:t>Integer:</a:t>
-            </a:r>
-          </a:p>
-          <a:p>
-            <a:pPr marL="685800" lvl="1" fontAlgn="base">
-              <a:lnSpc>
-                <a:spcPct val="150000"/>
-              </a:lnSpc>
-              <a:buFont typeface="Wingdings" panose="05000000000000000000" pitchFamily="2" charset="2"/>
-              <a:buChar char="Ø"/>
-            </a:pPr>
-            <a:r>
-              <a:rPr lang="en-US" altLang="en-US" sz="1400" dirty="0"/>
-              <a:t>Box&lt;Integer</a:t>
-            </a:r>
-            <a:r>
-              <a:rPr lang="en-US" altLang="en-US" sz="1400" dirty="0"/>
-              <a:t>&gt; </a:t>
-            </a:r>
-            <a:r>
-              <a:rPr lang="en-US" altLang="en-US" sz="1400" dirty="0" err="1"/>
-              <a:t>integerBox</a:t>
-            </a:r>
-            <a:r>
-              <a:rPr lang="en-US" altLang="en-US" sz="1400" dirty="0"/>
-              <a:t>; </a:t>
-            </a:r>
-            <a:endParaRPr lang="en-US" altLang="en-US" sz="1400" dirty="0"/>
-          </a:p>
-          <a:p>
-            <a:pPr marL="285750" fontAlgn="base">
-              <a:lnSpc>
-                <a:spcPct val="150000"/>
-              </a:lnSpc>
-              <a:buFont typeface="Wingdings" panose="05000000000000000000" pitchFamily="2" charset="2"/>
-              <a:buChar char="Ø"/>
-            </a:pPr>
-            <a:r>
-              <a:rPr lang="en-US" altLang="en-US" sz="1400" dirty="0"/>
-              <a:t>You can think of a generic type invocation as being similar to an ordinary method invocation</a:t>
-            </a:r>
-            <a:r>
-              <a:rPr lang="en-US" altLang="en-US" sz="1400" dirty="0" smtClean="0"/>
-              <a:t>, but </a:t>
-            </a:r>
-            <a:r>
-              <a:rPr lang="en-US" altLang="en-US" sz="1400" dirty="0"/>
-              <a:t>instead of passing an argument to a method, you are passing a type argument — Integer in this case — to  </a:t>
-            </a:r>
-            <a:r>
-              <a:rPr lang="en-US" altLang="en-US" sz="1400" dirty="0" smtClean="0"/>
-              <a:t>the</a:t>
-            </a:r>
-            <a:r>
-              <a:rPr lang="en-US" altLang="en-US" sz="1400" dirty="0"/>
-              <a:t> Box class </a:t>
-            </a:r>
-            <a:r>
-              <a:rPr lang="en-US" altLang="en-US" sz="1400" dirty="0" smtClean="0"/>
-              <a:t>itself.</a:t>
-            </a:r>
-          </a:p>
-          <a:p>
-            <a:pPr marL="285750" indent="-285750">
-              <a:lnSpc>
-                <a:spcPct val="150000"/>
-              </a:lnSpc>
-              <a:buFont typeface="Wingdings" panose="05000000000000000000" pitchFamily="2" charset="2"/>
-              <a:buChar char="Ø"/>
-            </a:pPr>
-            <a:r>
-              <a:rPr lang="en-US" altLang="en-US" sz="1400" b="1" dirty="0"/>
-              <a:t>The </a:t>
-            </a:r>
-            <a:r>
-              <a:rPr lang="en-US" altLang="en-US" sz="1400" b="1" dirty="0" smtClean="0"/>
-              <a:t>Diamond</a:t>
-            </a:r>
-          </a:p>
-          <a:p>
-            <a:pPr marL="285750" indent="-285750">
-              <a:lnSpc>
-                <a:spcPct val="150000"/>
-              </a:lnSpc>
-              <a:buFont typeface="Wingdings" panose="05000000000000000000" pitchFamily="2" charset="2"/>
-              <a:buChar char="Ø"/>
-            </a:pPr>
-            <a:r>
-              <a:rPr lang="en-US" altLang="en-US" sz="1400" dirty="0" smtClean="0"/>
-              <a:t>In </a:t>
-            </a:r>
-            <a:r>
-              <a:rPr lang="en-US" altLang="en-US" sz="1400" dirty="0"/>
-              <a:t>Java SE 7 and later, you can replace the type arguments required to invoke the constructor of a generic class with an empty set of type arguments (&lt;&gt;) as long as the compiler can determine, or infer, the type arguments from the context. </a:t>
-            </a:r>
-            <a:r>
-              <a:rPr lang="en-US" altLang="en-US" sz="1400" dirty="0"/>
-              <a:t>This pair of angle brackets, &lt;&gt;, is informally called the diamond. </a:t>
-            </a:r>
-            <a:r>
-              <a:rPr lang="en-US" altLang="en-US" sz="1400" dirty="0"/>
-              <a:t>For example, you can create an instance of Box&lt;Integer&gt; with the following statement </a:t>
-            </a:r>
-            <a:endParaRPr lang="en-US" altLang="en-US" sz="1400" dirty="0"/>
-          </a:p>
-          <a:p>
-            <a:pPr marL="685800" lvl="1" fontAlgn="base">
-              <a:lnSpc>
-                <a:spcPct val="150000"/>
-              </a:lnSpc>
-              <a:buFont typeface="Wingdings" panose="05000000000000000000" pitchFamily="2" charset="2"/>
-              <a:buChar char="Ø"/>
-            </a:pPr>
-            <a:r>
-              <a:rPr lang="en-US" altLang="en-US" sz="1400" dirty="0"/>
-              <a:t>Box&lt;Integer&gt; </a:t>
-            </a:r>
-            <a:r>
-              <a:rPr lang="en-US" altLang="en-US" sz="1400" dirty="0" err="1"/>
-              <a:t>integerBox</a:t>
-            </a:r>
-            <a:r>
-              <a:rPr lang="en-US" altLang="en-US" sz="1400" dirty="0"/>
-              <a:t> = new Box&lt;&gt;();</a:t>
-            </a:r>
-          </a:p>
-          <a:p>
-            <a:pPr marL="285750" fontAlgn="base">
-              <a:lnSpc>
-                <a:spcPct val="150000"/>
-              </a:lnSpc>
-              <a:buFont typeface="Wingdings" panose="05000000000000000000" pitchFamily="2" charset="2"/>
-              <a:buChar char="Ø"/>
-            </a:pPr>
-            <a:r>
-              <a:rPr lang="en-US" altLang="en-US" sz="1400" dirty="0"/>
-              <a:t> </a:t>
-            </a:r>
-            <a:r>
-              <a:rPr lang="en-US" altLang="en-US" sz="1400" dirty="0"/>
-              <a:t>Because </a:t>
-            </a:r>
-            <a:r>
-              <a:rPr lang="en-US" altLang="en-US" sz="1400" dirty="0"/>
-              <a:t>a Java compiler can infer </a:t>
-            </a:r>
-            <a:r>
-              <a:rPr lang="en-US" altLang="en-US" sz="1400" dirty="0" smtClean="0"/>
-              <a:t>the</a:t>
-            </a:r>
-            <a:r>
-              <a:rPr lang="en-US" altLang="en-US" sz="1400" dirty="0"/>
-              <a:t> types from the declaration </a:t>
-            </a:r>
-            <a:r>
-              <a:rPr lang="en-US" altLang="en-US" sz="1400" dirty="0"/>
-              <a:t> Box&lt;Integer&gt; </a:t>
-            </a:r>
-            <a:r>
-              <a:rPr lang="en-US" altLang="en-US" sz="1400" dirty="0" smtClean="0"/>
-              <a:t>, the </a:t>
-            </a:r>
-            <a:r>
-              <a:rPr lang="en-US" altLang="en-US" sz="1400" dirty="0" err="1" smtClean="0"/>
-              <a:t>insytantiation</a:t>
-            </a:r>
-            <a:r>
-              <a:rPr lang="en-US" altLang="en-US" sz="1400" dirty="0" smtClean="0"/>
-              <a:t> </a:t>
-            </a:r>
-            <a:r>
-              <a:rPr lang="en-US" altLang="en-US" sz="1400" dirty="0"/>
-              <a:t>statements can be </a:t>
-            </a:r>
-            <a:r>
-              <a:rPr lang="en-US" altLang="en-US" sz="1400" dirty="0" smtClean="0"/>
-              <a:t>   shortened </a:t>
-            </a:r>
-            <a:r>
-              <a:rPr lang="en-US" altLang="en-US" sz="1400" dirty="0"/>
-              <a:t>using diamond </a:t>
-            </a:r>
-            <a:r>
-              <a:rPr lang="en-US" altLang="en-US" sz="1400" dirty="0" smtClean="0"/>
-              <a:t>notation</a:t>
-            </a:r>
-            <a:r>
-              <a:rPr lang="en-US" altLang="en-US" sz="1400" dirty="0"/>
-              <a:t> </a:t>
-            </a:r>
-            <a:r>
-              <a:rPr lang="en-US" altLang="en-US" sz="1400" dirty="0" smtClean="0"/>
-              <a:t>and we do not need to specify type in </a:t>
-            </a:r>
-            <a:r>
-              <a:rPr lang="en-US" altLang="en-US" sz="1400" dirty="0"/>
-              <a:t>new Box</a:t>
-            </a:r>
-            <a:r>
-              <a:rPr lang="en-US" altLang="en-US" sz="1400" dirty="0" smtClean="0"/>
-              <a:t>&lt;&gt;();</a:t>
-            </a:r>
-          </a:p>
-          <a:p>
-            <a:pPr marL="285750" fontAlgn="base">
-              <a:lnSpc>
-                <a:spcPct val="150000"/>
-              </a:lnSpc>
-              <a:buFont typeface="Wingdings" panose="05000000000000000000" pitchFamily="2" charset="2"/>
-              <a:buChar char="Ø"/>
-            </a:pPr>
-            <a:r>
-              <a:rPr lang="en-US" altLang="en-US" sz="1400" dirty="0"/>
-              <a:t>You can also substitute a type parameter (i.e., K or V) with a parameterized type (i.e., List&lt;String&gt;). For example, using the </a:t>
-            </a:r>
-            <a:r>
-              <a:rPr lang="en-US" altLang="en-US" sz="1400" dirty="0" err="1"/>
-              <a:t>OrderedPair</a:t>
-            </a:r>
-            <a:r>
-              <a:rPr lang="en-US" altLang="en-US" sz="1400" dirty="0"/>
-              <a:t>&lt;K, V&gt; </a:t>
-            </a:r>
-            <a:r>
-              <a:rPr lang="en-US" altLang="en-US" sz="1400" dirty="0"/>
-              <a:t>example</a:t>
-            </a:r>
-          </a:p>
-          <a:p>
-            <a:pPr marL="685800" lvl="1" fontAlgn="base">
-              <a:lnSpc>
-                <a:spcPct val="150000"/>
-              </a:lnSpc>
-              <a:buFont typeface="Wingdings" panose="05000000000000000000" pitchFamily="2" charset="2"/>
-              <a:buChar char="Ø"/>
-            </a:pPr>
-            <a:r>
-              <a:rPr lang="en-US" altLang="en-US" sz="1400" dirty="0" err="1"/>
-              <a:t>OrderedPair</a:t>
-            </a:r>
-            <a:r>
-              <a:rPr lang="en-US" altLang="en-US" sz="1400" dirty="0"/>
-              <a:t>&lt;String, Box&lt;Integer&gt;&gt; p = new </a:t>
-            </a:r>
-            <a:r>
-              <a:rPr lang="en-US" altLang="en-US" sz="1400" dirty="0" err="1"/>
-              <a:t>OrderedPair</a:t>
-            </a:r>
-            <a:r>
-              <a:rPr lang="en-US" altLang="en-US" sz="1400" dirty="0"/>
-              <a:t>&lt;&gt;("primes", new Box&lt;Integer&gt;(...)); </a:t>
-            </a:r>
-          </a:p>
-          <a:p>
-            <a:pPr marL="400050" lvl="1" indent="0" fontAlgn="base">
-              <a:lnSpc>
-                <a:spcPct val="150000"/>
-              </a:lnSpc>
-              <a:buNone/>
-            </a:pPr>
-            <a:endParaRPr lang="en-US" altLang="en-US" sz="1200" dirty="0"/>
-          </a:p>
-          <a:p>
-            <a:pPr marL="285750" fontAlgn="base">
-              <a:lnSpc>
-                <a:spcPct val="150000"/>
-              </a:lnSpc>
-              <a:buFont typeface="Wingdings" panose="05000000000000000000" pitchFamily="2" charset="2"/>
-              <a:buChar char="Ø"/>
-            </a:pPr>
-            <a:endParaRPr lang="en-US" altLang="en-US" sz="1400" dirty="0"/>
-          </a:p>
-        </p:txBody>
-      </p:sp>
-    </p:spTree>
-    <p:extLst>
-      <p:ext uri="{BB962C8B-B14F-4D97-AF65-F5344CB8AC3E}">
-        <p14:creationId xmlns:p14="http://schemas.microsoft.com/office/powerpoint/2010/main" val="2790138978"/>
-      </p:ext>
-    </p:extLst>
-  </p:cSld>
-  <p:clrMapOvr>
-    <a:masterClrMapping/>
-  </p:clrMapOvr>
-  <p:timing>
-    <p:tnLst>
-      <p:par>
-        <p:cTn id="1" dur="indefinite" restart="never" nodeType="tmRoot"/>
-      </p:par>
-    </p:tnLst>
-  </p:timing>
-</p:sld>
-</file>
-
-<file path=ppt/slides/slide17.xml><?xml version="1.0" encoding="utf-8"?>
-<p:sld xmlns:a="http://schemas.openxmlformats.org/drawingml/2006/main" xmlns:r="http://schemas.openxmlformats.org/officeDocument/2006/relationships" xmlns:p="http://schemas.openxmlformats.org/presentationml/2006/main">
-  <p:cSld>
-    <p:spTree>
-      <p:nvGrpSpPr>
-        <p:cNvPr id="1" name=""/>
-        <p:cNvGrpSpPr/>
-        <p:nvPr/>
-      </p:nvGrpSpPr>
-      <p:grpSpPr>
-        <a:xfrm>
-          <a:off x="0" y="0"/>
-          <a:ext cx="0" cy="0"/>
-          <a:chOff x="0" y="0"/>
-          <a:chExt cx="0" cy="0"/>
-        </a:xfrm>
-      </p:grpSpPr>
-      <p:sp>
-        <p:nvSpPr>
-          <p:cNvPr id="2" name="Title 1"/>
-          <p:cNvSpPr>
-            <a:spLocks noGrp="1"/>
-          </p:cNvSpPr>
-          <p:nvPr>
-            <p:ph type="title"/>
-          </p:nvPr>
-        </p:nvSpPr>
-        <p:spPr>
-          <a:xfrm>
-            <a:off x="513432" y="0"/>
-            <a:ext cx="8596668" cy="503208"/>
-          </a:xfrm>
-        </p:spPr>
-        <p:txBody>
-          <a:bodyPr>
-            <a:normAutofit fontScale="90000"/>
-          </a:bodyPr>
-          <a:lstStyle/>
-          <a:p>
-            <a:r>
-              <a:rPr lang="en-GB" dirty="0"/>
-              <a:t>Generic </a:t>
-            </a:r>
-            <a:r>
-              <a:rPr lang="en-GB" dirty="0" smtClean="0"/>
-              <a:t>Classes </a:t>
-            </a:r>
-            <a:r>
-              <a:rPr lang="en-GB" dirty="0" err="1" smtClean="0"/>
-              <a:t>Cont</a:t>
-            </a:r>
-            <a:r>
-              <a:rPr lang="en-GB" dirty="0" smtClean="0"/>
-              <a:t>…</a:t>
-            </a:r>
-            <a:endParaRPr lang="en-GB" dirty="0"/>
-          </a:p>
-        </p:txBody>
-      </p:sp>
-      <p:sp>
-        <p:nvSpPr>
-          <p:cNvPr id="3" name="Content Placeholder 2"/>
-          <p:cNvSpPr>
-            <a:spLocks noGrp="1"/>
-          </p:cNvSpPr>
-          <p:nvPr>
-            <p:ph idx="1"/>
-          </p:nvPr>
-        </p:nvSpPr>
-        <p:spPr>
-          <a:xfrm>
-            <a:off x="677334" y="646981"/>
-            <a:ext cx="10085916" cy="5394381"/>
-          </a:xfrm>
-        </p:spPr>
-        <p:txBody>
-          <a:bodyPr/>
-          <a:lstStyle/>
-          <a:p>
-            <a:endParaRPr lang="en-GB" dirty="0"/>
-          </a:p>
-        </p:txBody>
-      </p:sp>
-      <p:pic>
-        <p:nvPicPr>
-          <p:cNvPr id="5" name="Picture 4"/>
-          <p:cNvPicPr>
-            <a:picLocks noChangeAspect="1"/>
-          </p:cNvPicPr>
-          <p:nvPr/>
-        </p:nvPicPr>
-        <p:blipFill>
-          <a:blip r:embed="rId2"/>
-          <a:stretch>
-            <a:fillRect/>
-          </a:stretch>
-        </p:blipFill>
-        <p:spPr>
-          <a:xfrm>
-            <a:off x="677334" y="646981"/>
-            <a:ext cx="9983065" cy="6211019"/>
-          </a:xfrm>
-          <a:prstGeom prst="rect">
-            <a:avLst/>
-          </a:prstGeom>
-        </p:spPr>
-      </p:pic>
-    </p:spTree>
-    <p:extLst>
-      <p:ext uri="{BB962C8B-B14F-4D97-AF65-F5344CB8AC3E}">
-        <p14:creationId xmlns:p14="http://schemas.microsoft.com/office/powerpoint/2010/main" val="3213219512"/>
-      </p:ext>
-    </p:extLst>
-  </p:cSld>
-  <p:clrMapOvr>
-    <a:masterClrMapping/>
-  </p:clrMapOvr>
-  <p:timing>
-    <p:tnLst>
-      <p:par>
-        <p:cTn id="1" dur="indefinite" restart="never" nodeType="tmRoot"/>
-      </p:par>
-    </p:tnLst>
-  </p:timing>
-</p:sld>
-</file>
-
 <file path=ppt/slides/slide18.xml><?xml version="1.0" encoding="utf-8"?>
 <p:sld xmlns:a="http://schemas.openxmlformats.org/drawingml/2006/main" xmlns:r="http://schemas.openxmlformats.org/officeDocument/2006/relationships" xmlns:p="http://schemas.openxmlformats.org/presentationml/2006/main">
   <p:cSld>
@@ -9515,7 +10115,7 @@
         <p:spPr>
           <a:xfrm>
             <a:off x="0" y="0"/>
-            <a:ext cx="9404723" cy="694595"/>
+            <a:ext cx="9404723" cy="346295"/>
           </a:xfrm>
         </p:spPr>
         <p:txBody>
@@ -9523,10 +10123,10 @@
           <a:lstStyle/>
           <a:p>
             <a:r>
-              <a:rPr lang="en-GB" sz="3600" dirty="0" smtClean="0"/>
+              <a:rPr lang="en-GB" sz="2000" dirty="0" smtClean="0"/>
               <a:t>Raw Types</a:t>
             </a:r>
-            <a:endParaRPr lang="en-GB" sz="3600" dirty="0"/>
+            <a:endParaRPr lang="en-GB" sz="2000" dirty="0"/>
           </a:p>
         </p:txBody>
       </p:sp>
@@ -9542,8 +10142,8 @@
         </p:nvSpPr>
         <p:spPr bwMode="auto">
           <a:xfrm>
-            <a:off x="425969" y="520445"/>
-            <a:ext cx="11766031" cy="5844780"/>
+            <a:off x="425969" y="346295"/>
+            <a:ext cx="11766031" cy="6193080"/>
           </a:xfrm>
           <a:prstGeom prst="rect">
             <a:avLst/>
@@ -9742,19 +10342,7 @@
               <a:rPr lang="en-US" altLang="en-US" sz="1300" b="1" dirty="0">
                 <a:latin typeface="+mj-lt"/>
               </a:rPr>
-              <a:t> raw </a:t>
-            </a:r>
-            <a:r>
-              <a:rPr lang="en-US" altLang="en-US" sz="1300" b="1" dirty="0">
-                <a:latin typeface="+mj-lt"/>
-              </a:rPr>
-              <a:t>type is the name of a generic class or interface without any type arguments. </a:t>
-            </a:r>
-            <a:r>
-              <a:rPr lang="en-US" altLang="en-US" sz="1300" b="1" dirty="0">
-                <a:latin typeface="+mj-lt"/>
-              </a:rPr>
-              <a:t>For example, given the generic Box class:</a:t>
+              <a:t> raw type is the name of a generic class or interface without any type arguments. For example, given the generic Box class:</a:t>
             </a:r>
           </a:p>
           <a:p>
@@ -9807,13 +10395,7 @@
               <a:rPr lang="en-US" altLang="en-US" sz="1100" b="1" dirty="0">
                 <a:latin typeface="+mj-lt"/>
               </a:rPr>
-              <a:t>public </a:t>
-            </a:r>
-            <a:r>
-              <a:rPr lang="en-US" altLang="en-US" sz="1100" b="1" dirty="0">
-                <a:latin typeface="+mj-lt"/>
-              </a:rPr>
-              <a:t>void set(T t) { </a:t>
+              <a:t>public void set(T t) { </a:t>
             </a:r>
             <a:r>
               <a:rPr lang="en-US" altLang="en-US" sz="1100" b="1" dirty="0" smtClean="0">
@@ -10005,13 +10587,7 @@
               <a:rPr lang="en-US" altLang="en-US" sz="1300" b="1" dirty="0">
                 <a:latin typeface="+mj-lt"/>
               </a:rPr>
-              <a:t>Raw types show up in legacy code because lots of API classes (such as the Collections classes) were not generic prior to JDK 5.0. </a:t>
-            </a:r>
-            <a:r>
-              <a:rPr lang="en-US" altLang="en-US" sz="1300" b="1" dirty="0">
-                <a:latin typeface="+mj-lt"/>
-              </a:rPr>
-              <a:t>When using </a:t>
+              <a:t>Raw types show up in legacy code because lots of API classes (such as the Collections classes) were not generic prior to JDK 5.0. When using </a:t>
             </a:r>
             <a:endParaRPr lang="en-US" altLang="en-US" sz="1300" b="1" dirty="0" smtClean="0">
               <a:latin typeface="+mj-lt"/>
@@ -10106,7 +10682,40 @@
               <a:rPr lang="en-US" altLang="en-US" sz="1100" b="1" dirty="0">
                 <a:latin typeface="+mj-lt"/>
               </a:rPr>
-              <a:t> = new Box&lt;&gt;(); Box </a:t>
+              <a:t> = new Box</a:t>
+            </a:r>
+            <a:r>
+              <a:rPr lang="en-US" altLang="en-US" sz="1100" b="1" dirty="0" smtClean="0">
+                <a:latin typeface="+mj-lt"/>
+              </a:rPr>
+              <a:t>&lt;&gt;();</a:t>
+            </a:r>
+          </a:p>
+          <a:p>
+            <a:pPr marL="685800" lvl="1" eaLnBrk="1" hangingPunct="1">
+              <a:lnSpc>
+                <a:spcPct val="130000"/>
+              </a:lnSpc>
+              <a:spcBef>
+                <a:spcPts val="1000"/>
+              </a:spcBef>
+              <a:spcAft>
+                <a:spcPts val="0"/>
+              </a:spcAft>
+              <a:buFont typeface="Wingdings" panose="05000000000000000000" pitchFamily="2" charset="2"/>
+              <a:buChar char="Ø"/>
+            </a:pPr>
+            <a:r>
+              <a:rPr lang="en-US" altLang="en-US" sz="1100" b="1" dirty="0" smtClean="0">
+                <a:latin typeface="+mj-lt"/>
+              </a:rPr>
+              <a:t> </a:t>
+            </a:r>
+            <a:r>
+              <a:rPr lang="en-US" altLang="en-US" sz="1100" b="1" dirty="0">
+                <a:latin typeface="+mj-lt"/>
+              </a:rPr>
+              <a:t>Box </a:t>
             </a:r>
             <a:r>
               <a:rPr lang="en-US" altLang="en-US" sz="1100" b="1" dirty="0" err="1">
@@ -10681,13 +11290,7 @@
               <a:rPr lang="en-US" altLang="en-US" sz="1300" b="1" dirty="0">
                 <a:latin typeface="+mj-lt"/>
               </a:rPr>
-              <a:t>The warning shows that raw types bypass generic type checks, deferring the catch of unsafe code to runtime. </a:t>
-            </a:r>
-            <a:r>
-              <a:rPr lang="en-US" altLang="en-US" sz="1300" b="1" dirty="0">
-                <a:latin typeface="+mj-lt"/>
-              </a:rPr>
-              <a:t>Therefore, you should avoid using </a:t>
+              <a:t>The warning shows that raw types bypass generic type checks, deferring the catch of unsafe code to runtime. Therefore, you should avoid using </a:t>
             </a:r>
             <a:r>
               <a:rPr lang="en-US" altLang="en-US" sz="1300" b="1" dirty="0" smtClean="0">
@@ -11639,8 +12242,8 @@
         </p:nvSpPr>
         <p:spPr>
           <a:xfrm>
-            <a:off x="677333" y="638355"/>
-            <a:ext cx="11409891" cy="5733870"/>
+            <a:off x="578657" y="1124130"/>
+            <a:ext cx="11409891" cy="5526650"/>
           </a:xfrm>
         </p:spPr>
         <p:txBody>
@@ -11726,11 +12329,7 @@
             </a:r>
             <a:r>
               <a:rPr lang="en-US" altLang="en-US" sz="1400" dirty="0"/>
-              <a:t>is Number. </a:t>
-            </a:r>
-            <a:r>
-              <a:rPr lang="en-US" altLang="en-US" sz="1400" dirty="0"/>
-              <a:t>Note that, in this context, extends is used in a general sense to mean either "extends" (as in classes) or "implements" (as in interfaces). </a:t>
+              <a:t>is Number. Note that, in this context, extends is used in a general sense to mean either "extends" (as in classes) or "implements" (as in interfaces). </a:t>
             </a:r>
             <a:endParaRPr lang="en-IN" sz="1400" dirty="0"/>
           </a:p>
@@ -11993,11 +12592,7 @@
             </a:pPr>
             <a:r>
               <a:rPr lang="en-IN" sz="1400" dirty="0" smtClean="0"/>
-              <a:t>For </a:t>
-            </a:r>
-            <a:r>
-              <a:rPr lang="en-IN" sz="1400" dirty="0" smtClean="0"/>
-              <a:t>example:</a:t>
+              <a:t>For example:</a:t>
             </a:r>
             <a:endParaRPr lang="en-IN" sz="1400" dirty="0"/>
           </a:p>
@@ -12365,13 +12960,7 @@
               <a:rPr lang="en-US" altLang="en-US" sz="1400" dirty="0">
                 <a:latin typeface="+mj-lt"/>
               </a:rPr>
-              <a:t>Bounded type parameters are key to the implementation of generic algorithms. </a:t>
-            </a:r>
-            <a:r>
-              <a:rPr lang="en-US" altLang="en-US" sz="1400" dirty="0">
-                <a:latin typeface="+mj-lt"/>
-              </a:rPr>
-              <a:t>Consider the following method that counts the number of elements in an array T[] that are greater than a specified element </a:t>
+              <a:t>Bounded type parameters are key to the implementation of generic algorithms. Consider the following method that counts the number of elements in an array T[] that are greater than a specified element </a:t>
             </a:r>
             <a:r>
               <a:rPr lang="en-US" altLang="en-US" sz="1400" dirty="0" smtClean="0">
@@ -12642,31 +13231,19 @@
               <a:rPr lang="en-US" altLang="en-US" sz="1400" dirty="0">
                 <a:latin typeface="+mj-lt"/>
               </a:rPr>
-              <a:t>The </a:t>
+              <a:t>The implementation of the method is straightforward, but it does not compile because the greater than operator (&gt;) applies only to primitive types such as short, </a:t>
+            </a:r>
+            <a:r>
+              <a:rPr lang="en-US" altLang="en-US" sz="1400" dirty="0" err="1">
+                <a:latin typeface="+mj-lt"/>
+              </a:rPr>
+              <a:t>int</a:t>
             </a:r>
             <a:r>
               <a:rPr lang="en-US" altLang="en-US" sz="1400" dirty="0">
                 <a:latin typeface="+mj-lt"/>
               </a:rPr>
-              <a:t>implementation of the method is straightforward, but it does not compile because the greater than operator (&gt;) applies only to primitive types such as short, </a:t>
-            </a:r>
-            <a:r>
-              <a:rPr lang="en-US" altLang="en-US" sz="1400" dirty="0" err="1">
-                <a:latin typeface="+mj-lt"/>
-              </a:rPr>
-              <a:t>int</a:t>
-            </a:r>
-            <a:r>
-              <a:rPr lang="en-US" altLang="en-US" sz="1400" dirty="0">
-                <a:latin typeface="+mj-lt"/>
-              </a:rPr>
-              <a:t>, double, long, float, byte, and char. You cannot use the &gt; operator to compare objects. </a:t>
-            </a:r>
-            <a:r>
-              <a:rPr lang="en-US" altLang="en-US" sz="1400" dirty="0">
-                <a:latin typeface="+mj-lt"/>
-              </a:rPr>
-              <a:t>To fix the problem, use a type parameter bounded by the Comparable&lt;T&gt; </a:t>
+              <a:t>, double, long, float, byte, and char. You cannot use the &gt; operator to compare objects. To fix the problem, use a type parameter bounded by the Comparable&lt;T&gt; </a:t>
             </a:r>
             <a:r>
               <a:rPr lang="en-US" altLang="en-US" sz="1400" dirty="0" smtClean="0">
@@ -13540,19 +14117,7 @@
               <a:rPr lang="en-US" altLang="en-US" sz="1600" dirty="0">
                 <a:latin typeface="+mj-lt"/>
               </a:rPr>
-              <a:t>object-oriented terminology, this is called an "is a" relationship. </a:t>
-            </a:r>
-            <a:r>
-              <a:rPr lang="en-US" altLang="en-US" sz="1600" dirty="0">
-                <a:latin typeface="+mj-lt"/>
-              </a:rPr>
-              <a:t>Since an Integer is a kind of Object, the assignment is allowed. </a:t>
-            </a:r>
-            <a:r>
-              <a:rPr lang="en-US" altLang="en-US" sz="1600" dirty="0">
-                <a:latin typeface="+mj-lt"/>
-              </a:rPr>
-              <a:t>But Integer is also a kind of Number, so the following code is valid as </a:t>
+              <a:t>object-oriented terminology, this is called an "is a" relationship. Since an Integer is a kind of Object, the assignment is allowed. But Integer is also a kind of Number, so the following code is valid as </a:t>
             </a:r>
             <a:r>
               <a:rPr lang="en-US" altLang="en-US" sz="1600" dirty="0" smtClean="0">
@@ -13592,13 +14157,7 @@
               <a:rPr lang="en-US" altLang="en-US" sz="1200" dirty="0">
                 <a:latin typeface="+mj-lt"/>
               </a:rPr>
-              <a:t>(Number n) { /* ... </a:t>
-            </a:r>
-            <a:r>
-              <a:rPr lang="en-US" altLang="en-US" sz="1200" dirty="0">
-                <a:latin typeface="+mj-lt"/>
-              </a:rPr>
-              <a:t>*/ </a:t>
+              <a:t>(Number n) { /* ... */ </a:t>
             </a:r>
             <a:r>
               <a:rPr lang="en-US" altLang="en-US" sz="1200" dirty="0" smtClean="0">
@@ -13843,7 +14402,6 @@
               <a:rPr lang="en-GB" sz="2400" b="1" dirty="0"/>
               <a:t>Generics, Inheritance, and Subtypes</a:t>
             </a:r>
-            <a:endParaRPr lang="en-GB" sz="2400" b="1" dirty="0"/>
           </a:p>
         </p:txBody>
       </p:sp>
@@ -14103,13 +14661,7 @@
               <a:rPr lang="en-US" altLang="en-US" sz="1400" dirty="0">
                 <a:latin typeface="+mj-lt"/>
               </a:rPr>
-              <a:t>By looking at its signature, you can see that it accepts a single argument whose type is Box&lt;Number&gt;. </a:t>
-            </a:r>
-            <a:r>
-              <a:rPr lang="en-US" altLang="en-US" sz="1400" dirty="0">
-                <a:latin typeface="+mj-lt"/>
-              </a:rPr>
-              <a:t>But what does that </a:t>
+              <a:t>By looking at its signature, you can see that it accepts a single argument whose type is Box&lt;Number&gt;. But what does that </a:t>
             </a:r>
             <a:r>
               <a:rPr lang="en-US" altLang="en-US" sz="1400" dirty="0" smtClean="0">
@@ -14757,13 +15309,7 @@
               <a:rPr lang="en-US" altLang="en-US" sz="1400" dirty="0">
                 <a:latin typeface="+mj-lt"/>
               </a:rPr>
-              <a:t>You can subtype a generic class or interface by extending or implementing it. </a:t>
-            </a:r>
-            <a:r>
-              <a:rPr lang="en-US" altLang="en-US" sz="1400" dirty="0">
-                <a:latin typeface="+mj-lt"/>
-              </a:rPr>
-              <a:t>The relationship between the type parameters of one class or interface and the type parameters of another are determined by the extends and implements </a:t>
+              <a:t>You can subtype a generic class or interface by extending or implementing it. The relationship between the type parameters of one class or interface and the type parameters of another are determined by the extends and implements </a:t>
             </a:r>
             <a:r>
               <a:rPr lang="en-US" altLang="en-US" sz="1400" dirty="0" smtClean="0">
@@ -14785,13 +15331,19 @@
               <a:rPr lang="en-US" altLang="en-US" sz="1400" dirty="0">
                 <a:latin typeface="+mj-lt"/>
               </a:rPr>
-              <a:t>Using </a:t>
+              <a:t>Using the Collections classes as an example, </a:t>
+            </a:r>
+            <a:r>
+              <a:rPr lang="en-US" altLang="en-US" sz="1400" dirty="0" err="1">
+                <a:latin typeface="+mj-lt"/>
+              </a:rPr>
+              <a:t>ArrayList</a:t>
             </a:r>
             <a:r>
               <a:rPr lang="en-US" altLang="en-US" sz="1400" dirty="0">
                 <a:latin typeface="+mj-lt"/>
               </a:rPr>
-              <a:t>the Collections classes as an example, </a:t>
+              <a:t>&lt;E&gt; implements List&lt;E&gt;, and List&lt;E&gt; extends Collection&lt;E&gt;. So </a:t>
             </a:r>
             <a:r>
               <a:rPr lang="en-US" altLang="en-US" sz="1400" dirty="0" err="1">
@@ -14803,25 +15355,7 @@
               <a:rPr lang="en-US" altLang="en-US" sz="1400" dirty="0">
                 <a:latin typeface="+mj-lt"/>
               </a:rPr>
-              <a:t>&lt;E&gt; implements List&lt;E&gt;, and List&lt;E&gt; extends Collection&lt;E&gt;. So </a:t>
-            </a:r>
-            <a:r>
-              <a:rPr lang="en-US" altLang="en-US" sz="1400" dirty="0" err="1">
-                <a:latin typeface="+mj-lt"/>
-              </a:rPr>
-              <a:t>ArrayList</a:t>
-            </a:r>
-            <a:r>
-              <a:rPr lang="en-US" altLang="en-US" sz="1400" dirty="0">
-                <a:latin typeface="+mj-lt"/>
-              </a:rPr>
-              <a:t>&lt;String&gt; is a subtype of List&lt;String&gt;, which is a subtype of Collection&lt;String&gt;. </a:t>
-            </a:r>
-            <a:r>
-              <a:rPr lang="en-US" altLang="en-US" sz="1400" dirty="0">
-                <a:latin typeface="+mj-lt"/>
-              </a:rPr>
-              <a:t>So long as you do not vary the type argument, the subtyping relationship is preserved between the </a:t>
+              <a:t>&lt;String&gt; is a subtype of List&lt;String&gt;, which is a subtype of Collection&lt;String&gt;. So long as you do not vary the type argument, the subtyping relationship is preserved between the </a:t>
             </a:r>
             <a:r>
               <a:rPr lang="en-US" altLang="en-US" sz="1400" dirty="0" smtClean="0">
@@ -15238,17 +15772,8 @@
             </a:r>
             <a:r>
               <a:rPr lang="en-IN" sz="1400" dirty="0"/>
-              <a:t>The inference algorithm determines the types of the arguments and, if available, the type that the result is being assigned, or returned. </a:t>
-            </a:r>
-            <a:r>
-              <a:rPr lang="en-IN" sz="1400" dirty="0"/>
-              <a:t>Finally, the inference algorithm tries to find the most specific type that works with all of the arguments</a:t>
-            </a:r>
-            <a:r>
-              <a:rPr lang="en-IN" sz="1400" dirty="0"/>
-              <a:t>.</a:t>
-            </a:r>
-            <a:endParaRPr lang="en-IN" sz="1400" dirty="0"/>
+              <a:t>The inference algorithm determines the types of the arguments and, if available, the type that the result is being assigned, or returned. Finally, the inference algorithm tries to find the most specific type that works with all of the arguments.</a:t>
+            </a:r>
           </a:p>
           <a:p>
             <a:r>
@@ -15385,27 +15910,7 @@
           <a:p>
             <a:r>
               <a:rPr lang="en-IN" sz="1400" dirty="0"/>
-              <a:t>Type </a:t>
-            </a:r>
-            <a:r>
-              <a:rPr lang="en-IN" sz="1400" dirty="0"/>
-              <a:t>inference</a:t>
-            </a:r>
-            <a:r>
-              <a:rPr lang="en-IN" sz="1400" dirty="0"/>
-              <a:t>, </a:t>
-            </a:r>
-            <a:r>
-              <a:rPr lang="en-IN" sz="1400" dirty="0"/>
-              <a:t>enables you to invoke a generic method as you would </a:t>
-            </a:r>
-            <a:r>
-              <a:rPr lang="en-IN" sz="1400" dirty="0"/>
-              <a:t>invoke an </a:t>
-            </a:r>
-            <a:r>
-              <a:rPr lang="en-IN" sz="1400" dirty="0"/>
-              <a:t>ordinary method, without specifying a type between angle brackets</a:t>
+              <a:t>Type inference, enables you to invoke a generic method as you would invoke an ordinary method, without specifying a type between angle brackets</a:t>
             </a:r>
             <a:r>
               <a:rPr lang="en-IN" sz="1400" dirty="0" smtClean="0"/>
@@ -15469,27 +15974,17 @@
               <a:rPr lang="en-US" altLang="en-US" sz="1400" dirty="0"/>
               <a:t> defines one type parameter named U. </a:t>
             </a:r>
-            <a:endParaRPr lang="en-US" altLang="en-US" sz="1400" dirty="0"/>
           </a:p>
           <a:p>
             <a:r>
               <a:rPr lang="en-US" altLang="en-US" sz="1400" dirty="0"/>
-              <a:t>Generally</a:t>
-            </a:r>
+              <a:t>Generally, a Java compiler can infer the type parameters of a generic method call. </a:t>
+            </a:r>
+          </a:p>
+          <a:p>
             <a:r>
               <a:rPr lang="en-US" altLang="en-US" sz="1400" dirty="0"/>
-              <a:t>, a Java compiler can infer the type parameters of a generic method call. </a:t>
-            </a:r>
-            <a:endParaRPr lang="en-US" altLang="en-US" sz="1400" dirty="0"/>
-          </a:p>
-          <a:p>
-            <a:r>
-              <a:rPr lang="en-US" altLang="en-US" sz="1400" dirty="0"/>
-              <a:t>Consequently</a:t>
-            </a:r>
-            <a:r>
-              <a:rPr lang="en-US" altLang="en-US" sz="1400" dirty="0"/>
-              <a:t>, in most cases, you do not have to specify them. </a:t>
+              <a:t>Consequently, in most cases, you do not have to specify them. </a:t>
             </a:r>
             <a:endParaRPr lang="en-US" altLang="en-US" sz="1400" dirty="0" smtClean="0"/>
           </a:p>
@@ -15508,11 +16003,7 @@
           <a:p>
             <a:r>
               <a:rPr lang="en-US" altLang="en-US" sz="1400" dirty="0"/>
-              <a:t>To </a:t>
-            </a:r>
-            <a:r>
-              <a:rPr lang="en-US" altLang="en-US" sz="1400" dirty="0"/>
-              <a:t>invoke the generic method </a:t>
+              <a:t>To invoke the generic method </a:t>
             </a:r>
             <a:r>
               <a:rPr lang="en-US" altLang="en-US" sz="1400" dirty="0" err="1"/>
@@ -15520,24 +16011,16 @@
             </a:r>
             <a:r>
               <a:rPr lang="en-US" altLang="en-US" sz="1400" dirty="0"/>
-              <a:t>, you can specify </a:t>
-            </a:r>
+              <a:t>, you can specify the</a:t>
+            </a:r>
+          </a:p>
+          <a:p>
+            <a:pPr marL="0" indent="0">
+              <a:buNone/>
+            </a:pPr>
             <a:r>
               <a:rPr lang="en-US" altLang="en-US" sz="1400" dirty="0"/>
-              <a:t>the</a:t>
-            </a:r>
-          </a:p>
-          <a:p>
-            <a:pPr marL="0" indent="0">
-              <a:buNone/>
-            </a:pPr>
-            <a:r>
-              <a:rPr lang="en-US" altLang="en-US" sz="1400" dirty="0"/>
-              <a:t> </a:t>
-            </a:r>
-            <a:r>
-              <a:rPr lang="en-US" altLang="en-US" sz="1400" dirty="0"/>
-              <a:t>   </a:t>
+              <a:t>    </a:t>
             </a:r>
             <a:r>
               <a:rPr lang="en-US" altLang="en-US" sz="1400" dirty="0" smtClean="0"/>
@@ -15545,15 +16028,7 @@
             </a:r>
             <a:r>
               <a:rPr lang="en-US" altLang="en-US" sz="1400" dirty="0"/>
-              <a:t>parameter with </a:t>
-            </a:r>
-            <a:r>
-              <a:rPr lang="en-US" altLang="en-US" sz="1400" dirty="0"/>
-              <a:t>something called a </a:t>
-            </a:r>
-            <a:r>
-              <a:rPr lang="en-US" altLang="en-US" sz="1400" dirty="0"/>
-              <a:t> type witness as follows: </a:t>
+              <a:t>parameter with something called a  type witness as follows: </a:t>
             </a:r>
             <a:endParaRPr lang="en-US" altLang="en-US" sz="1400" dirty="0" smtClean="0"/>
           </a:p>
@@ -15856,49 +16331,7 @@
                 <a:latin typeface="Verdana" panose="020B0604030504040204" pitchFamily="34" charset="0"/>
                 <a:ea typeface="Verdana" panose="020B0604030504040204" pitchFamily="34" charset="0"/>
               </a:rPr>
-              <a:t>The </a:t>
-            </a:r>
-            <a:r>
-              <a:rPr lang="en-IN" sz="1600" dirty="0" smtClean="0">
-                <a:latin typeface="Verdana" panose="020B0604030504040204" pitchFamily="34" charset="0"/>
-                <a:ea typeface="Verdana" panose="020B0604030504040204" pitchFamily="34" charset="0"/>
-              </a:rPr>
-              <a:t>methods </a:t>
-            </a:r>
-            <a:r>
-              <a:rPr lang="en-IN" sz="1600" dirty="0" smtClean="0">
-                <a:latin typeface="Verdana" panose="020B0604030504040204" pitchFamily="34" charset="0"/>
-                <a:ea typeface="Verdana" panose="020B0604030504040204" pitchFamily="34" charset="0"/>
-              </a:rPr>
-              <a:t>effectively </a:t>
-            </a:r>
-            <a:r>
-              <a:rPr lang="en-IN" sz="1600" dirty="0" smtClean="0">
-                <a:latin typeface="Verdana" panose="020B0604030504040204" pitchFamily="34" charset="0"/>
-                <a:ea typeface="Verdana" panose="020B0604030504040204" pitchFamily="34" charset="0"/>
-              </a:rPr>
-              <a:t>have </a:t>
-            </a:r>
-            <a:r>
-              <a:rPr lang="en-IN" sz="1600" dirty="0" smtClean="0">
-                <a:latin typeface="Verdana" panose="020B0604030504040204" pitchFamily="34" charset="0"/>
-                <a:ea typeface="Verdana" panose="020B0604030504040204" pitchFamily="34" charset="0"/>
-              </a:rPr>
-              <a:t>the same </a:t>
-            </a:r>
-            <a:r>
-              <a:rPr lang="en-IN" sz="1600" dirty="0" smtClean="0">
-                <a:latin typeface="Verdana" panose="020B0604030504040204" pitchFamily="34" charset="0"/>
-                <a:ea typeface="Verdana" panose="020B0604030504040204" pitchFamily="34" charset="0"/>
-              </a:rPr>
-              <a:t>code , but </a:t>
-            </a:r>
-            <a:r>
-              <a:rPr lang="en-IN" sz="1600" dirty="0" smtClean="0">
-                <a:latin typeface="Verdana" panose="020B0604030504040204" pitchFamily="34" charset="0"/>
-                <a:ea typeface="Verdana" panose="020B0604030504040204" pitchFamily="34" charset="0"/>
-              </a:rPr>
-              <a:t>I still have to make multiple methods because of different parameter types.</a:t>
+              <a:t>The methods effectively have the same code , but I still have to make multiple methods because of different parameter types.</a:t>
             </a:r>
           </a:p>
           <a:p>
@@ -19373,15 +19806,7 @@
             </a:pPr>
             <a:r>
               <a:rPr lang="en-IN" dirty="0" smtClean="0"/>
-              <a:t>Secondly this is an unchecked </a:t>
-            </a:r>
-            <a:r>
-              <a:rPr lang="en-IN" dirty="0" smtClean="0"/>
-              <a:t>cast </a:t>
-            </a:r>
-            <a:r>
-              <a:rPr lang="en-IN" dirty="0" smtClean="0"/>
-              <a:t>and can result in </a:t>
+              <a:t>Secondly this is an unchecked cast and can result in </a:t>
             </a:r>
             <a:r>
               <a:rPr lang="en-IN" dirty="0" err="1" smtClean="0"/>
@@ -19397,19 +19822,7 @@
             </a:r>
             <a:r>
               <a:rPr lang="en-IN" dirty="0" smtClean="0"/>
-              <a:t>. </a:t>
-            </a:r>
-            <a:r>
-              <a:rPr lang="en-IN" dirty="0" smtClean="0"/>
-              <a:t>So there is no </a:t>
-            </a:r>
-            <a:r>
-              <a:rPr lang="en-IN" dirty="0" smtClean="0"/>
-              <a:t>type checking/type </a:t>
-            </a:r>
-            <a:r>
-              <a:rPr lang="en-IN" dirty="0" smtClean="0"/>
-              <a:t>safety.</a:t>
+              <a:t>. So there is no type checking/type safety.</a:t>
             </a:r>
             <a:endParaRPr lang="en-GB" dirty="0"/>
           </a:p>
@@ -26324,54 +26737,25 @@
           <a:p>
             <a:r>
               <a:rPr lang="en-GB" dirty="0" smtClean="0"/>
-              <a:t>We </a:t>
-            </a:r>
+              <a:t>We can solve the problems faced in previous slides using generics.</a:t>
+            </a:r>
+          </a:p>
+          <a:p>
             <a:r>
               <a:rPr lang="en-GB" dirty="0" smtClean="0"/>
-              <a:t>can solve the problems faced in previous slides using generics.</a:t>
+              <a:t>To make a generic add method that can take multiple type of parameters we can replace the data type of the parameters to add method by any valid java Identifier by convention we use T.</a:t>
             </a:r>
           </a:p>
           <a:p>
             <a:r>
               <a:rPr lang="en-GB" dirty="0" smtClean="0"/>
-              <a:t>To make a generic add method that can take multiple type of parameters we </a:t>
-            </a:r>
+              <a:t>We although do need to declare this just before the return type  in &lt;&gt; to let the compiler know that we are using generic types in this method. </a:t>
+            </a:r>
+          </a:p>
+          <a:p>
             <a:r>
               <a:rPr lang="en-GB" dirty="0" smtClean="0"/>
-              <a:t>can replace the data type of the parameters to add method by </a:t>
-            </a:r>
-            <a:r>
-              <a:rPr lang="en-GB" dirty="0" smtClean="0"/>
-              <a:t>any valid java </a:t>
-            </a:r>
-            <a:r>
-              <a:rPr lang="en-GB" dirty="0" smtClean="0"/>
-              <a:t>Identifier by convention we use T.</a:t>
-            </a:r>
-            <a:endParaRPr lang="en-GB" dirty="0" smtClean="0"/>
-          </a:p>
-          <a:p>
-            <a:r>
-              <a:rPr lang="en-GB" dirty="0" smtClean="0"/>
-              <a:t>We </a:t>
-            </a:r>
-            <a:r>
-              <a:rPr lang="en-GB" dirty="0" smtClean="0"/>
-              <a:t>although do need to declare this just before the return type  in &lt;&gt; to let the compiler know that we are using </a:t>
-            </a:r>
-            <a:r>
-              <a:rPr lang="en-GB" dirty="0" smtClean="0"/>
-              <a:t>generic types in this method. </a:t>
-            </a:r>
-          </a:p>
-          <a:p>
-            <a:r>
-              <a:rPr lang="en-GB" dirty="0" smtClean="0"/>
-              <a:t>This </a:t>
-            </a:r>
-            <a:r>
-              <a:rPr lang="en-GB" dirty="0" smtClean="0"/>
-              <a:t>T will be replaced by compiler into a real data type based on the data this method is called with.</a:t>
+              <a:t>This T will be replaced by compiler into a real data type based on the data this method is called with.</a:t>
             </a:r>
           </a:p>
           <a:p>
@@ -26739,7 +27123,6 @@
               <a:rPr lang="en-IN" sz="1800" dirty="0"/>
               <a:t>Cannot Create Instances of Type Parameters</a:t>
             </a:r>
-            <a:endParaRPr lang="en-IN" sz="1800" dirty="0"/>
           </a:p>
         </p:txBody>
       </p:sp>
@@ -29477,11 +29860,7 @@
             </a:pPr>
             <a:r>
               <a:rPr lang="en-IN" sz="1400" dirty="0" smtClean="0"/>
-              <a:t>After </a:t>
-            </a:r>
-            <a:r>
-              <a:rPr lang="en-IN" sz="1400" dirty="0" smtClean="0"/>
-              <a:t>Generics came into picture we can provide a type parameter to the class and then use that type parameter as data type for method parameters </a:t>
+              <a:t>After Generics came into picture we can provide a type parameter to the class and then use that type parameter as data type for method parameters </a:t>
             </a:r>
             <a:r>
               <a:rPr lang="en-IN" sz="1400" dirty="0"/>
@@ -30286,11 +30665,7 @@
             </a:r>
             <a:r>
               <a:rPr lang="en-IN" sz="1400" dirty="0" smtClean="0"/>
-              <a:t>Generics helps us to remove the need for type </a:t>
-            </a:r>
-            <a:r>
-              <a:rPr lang="en-IN" sz="1400" dirty="0" smtClean="0"/>
-              <a:t>casting.</a:t>
+              <a:t>Generics helps us to remove the need for type casting.</a:t>
             </a:r>
           </a:p>
           <a:p>
@@ -30307,11 +30682,7 @@
             </a:r>
             <a:r>
               <a:rPr lang="en-IN" sz="1400" dirty="0" smtClean="0"/>
-              <a:t> </a:t>
-            </a:r>
-            <a:r>
-              <a:rPr lang="en-IN" sz="1400" dirty="0" smtClean="0"/>
-              <a:t>concept parent reference can hold child object is applicable for only Base Type not Parameter type so</a:t>
+              <a:t> concept parent reference can hold child object is applicable for only Base Type not Parameter type so</a:t>
             </a:r>
           </a:p>
           <a:p>

--- a/src/main/resources/JavaGenerics.pptx
+++ b/src/main/resources/JavaGenerics.pptx
@@ -267,7 +267,7 @@
           <a:p>
             <a:fld id="{085A4362-1548-4C12-A63A-A7FA9FF20440}" type="datetimeFigureOut">
               <a:rPr lang="en-IN" smtClean="0"/>
-              <a:t>12-04-2020</a:t>
+              <a:t>14-04-2020</a:t>
             </a:fld>
             <a:endParaRPr lang="en-IN"/>
           </a:p>
@@ -714,6 +714,101 @@
 </p:notes>
 </file>
 
+<file path=ppt/notesSlides/notesSlide11.xml><?xml version="1.0" encoding="utf-8"?>
+<p:notes xmlns:a="http://schemas.openxmlformats.org/drawingml/2006/main" xmlns:r="http://schemas.openxmlformats.org/officeDocument/2006/relationships" xmlns:p="http://schemas.openxmlformats.org/presentationml/2006/main">
+  <p:cSld>
+    <p:spTree>
+      <p:nvGrpSpPr>
+        <p:cNvPr id="1" name=""/>
+        <p:cNvGrpSpPr/>
+        <p:nvPr/>
+      </p:nvGrpSpPr>
+      <p:grpSpPr>
+        <a:xfrm>
+          <a:off x="0" y="0"/>
+          <a:ext cx="0" cy="0"/>
+          <a:chOff x="0" y="0"/>
+          <a:chExt cx="0" cy="0"/>
+        </a:xfrm>
+      </p:grpSpPr>
+      <p:sp>
+        <p:nvSpPr>
+          <p:cNvPr id="2" name="Slide Image Placeholder 1"/>
+          <p:cNvSpPr>
+            <a:spLocks noGrp="1" noRot="1" noChangeAspect="1"/>
+          </p:cNvSpPr>
+          <p:nvPr>
+            <p:ph type="sldImg"/>
+          </p:nvPr>
+        </p:nvSpPr>
+        <p:spPr/>
+      </p:sp>
+      <p:sp>
+        <p:nvSpPr>
+          <p:cNvPr id="3" name="Notes Placeholder 2"/>
+          <p:cNvSpPr>
+            <a:spLocks noGrp="1"/>
+          </p:cNvSpPr>
+          <p:nvPr>
+            <p:ph type="body" idx="1"/>
+          </p:nvPr>
+        </p:nvSpPr>
+        <p:spPr/>
+        <p:txBody>
+          <a:bodyPr/>
+          <a:lstStyle/>
+          <a:p>
+            <a:r>
+              <a:rPr lang="en-GB" sz="1200" u="sng" kern="1200" smtClean="0">
+                <a:solidFill>
+                  <a:schemeClr val="tx1"/>
+                </a:solidFill>
+                <a:latin typeface="+mn-lt"/>
+                <a:ea typeface="+mn-ea"/>
+                <a:cs typeface="+mn-cs"/>
+              </a:rPr>
+              <a:t>BoundedTypeParametersExample1.java</a:t>
+            </a:r>
+            <a:endParaRPr lang="en-GB"/>
+          </a:p>
+        </p:txBody>
+      </p:sp>
+      <p:sp>
+        <p:nvSpPr>
+          <p:cNvPr id="4" name="Slide Number Placeholder 3"/>
+          <p:cNvSpPr>
+            <a:spLocks noGrp="1"/>
+          </p:cNvSpPr>
+          <p:nvPr>
+            <p:ph type="sldNum" sz="quarter" idx="10"/>
+          </p:nvPr>
+        </p:nvSpPr>
+        <p:spPr/>
+        <p:txBody>
+          <a:bodyPr/>
+          <a:lstStyle/>
+          <a:p>
+            <a:fld id="{EB8B6B8F-4498-4E9D-8DE1-125892E25737}" type="slidenum">
+              <a:rPr lang="en-IN" smtClean="0"/>
+              <a:t>21</a:t>
+            </a:fld>
+            <a:endParaRPr lang="en-IN"/>
+          </a:p>
+        </p:txBody>
+      </p:sp>
+    </p:spTree>
+    <p:extLst>
+      <p:ext uri="{BB962C8B-B14F-4D97-AF65-F5344CB8AC3E}">
+        <p14:creationId xmlns:p14="http://schemas.microsoft.com/office/powerpoint/2010/main" val="1399249486"/>
+      </p:ext>
+    </p:extLst>
+  </p:cSld>
+  <p:clrMapOvr>
+    <a:masterClrMapping/>
+  </p:clrMapOvr>
+</p:notes>
+</file>
+
 <file path=ppt/notesSlides/notesSlide2.xml><?xml version="1.0" encoding="utf-8"?>
 <p:notes xmlns:a="http://schemas.openxmlformats.org/drawingml/2006/main" xmlns:r="http://schemas.openxmlformats.org/officeDocument/2006/relationships" xmlns:p="http://schemas.openxmlformats.org/presentationml/2006/main">
   <p:cSld>
@@ -1683,7 +1778,7 @@
           <a:p>
             <a:fld id="{D4BA8270-C9CF-44CA-BE5A-02C2BDCCEDE4}" type="datetimeFigureOut">
               <a:rPr lang="en-GB" smtClean="0"/>
-              <a:t>12/04/2020</a:t>
+              <a:t>14/04/2020</a:t>
             </a:fld>
             <a:endParaRPr lang="en-GB"/>
           </a:p>
@@ -1958,7 +2053,7 @@
           <a:p>
             <a:fld id="{D4BA8270-C9CF-44CA-BE5A-02C2BDCCEDE4}" type="datetimeFigureOut">
               <a:rPr lang="en-GB" smtClean="0"/>
-              <a:t>12/04/2020</a:t>
+              <a:t>14/04/2020</a:t>
             </a:fld>
             <a:endParaRPr lang="en-GB"/>
           </a:p>
@@ -2152,7 +2247,7 @@
           <a:p>
             <a:fld id="{D4BA8270-C9CF-44CA-BE5A-02C2BDCCEDE4}" type="datetimeFigureOut">
               <a:rPr lang="en-GB" smtClean="0"/>
-              <a:t>12/04/2020</a:t>
+              <a:t>14/04/2020</a:t>
             </a:fld>
             <a:endParaRPr lang="en-GB"/>
           </a:p>
@@ -2425,7 +2520,7 @@
           <a:p>
             <a:fld id="{D4BA8270-C9CF-44CA-BE5A-02C2BDCCEDE4}" type="datetimeFigureOut">
               <a:rPr lang="en-GB" smtClean="0"/>
-              <a:t>12/04/2020</a:t>
+              <a:t>14/04/2020</a:t>
             </a:fld>
             <a:endParaRPr lang="en-GB"/>
           </a:p>
@@ -2766,7 +2861,7 @@
           <a:p>
             <a:fld id="{D4BA8270-C9CF-44CA-BE5A-02C2BDCCEDE4}" type="datetimeFigureOut">
               <a:rPr lang="en-GB" smtClean="0"/>
-              <a:t>12/04/2020</a:t>
+              <a:t>14/04/2020</a:t>
             </a:fld>
             <a:endParaRPr lang="en-GB"/>
           </a:p>
@@ -3389,7 +3484,7 @@
           <a:p>
             <a:fld id="{D4BA8270-C9CF-44CA-BE5A-02C2BDCCEDE4}" type="datetimeFigureOut">
               <a:rPr lang="en-GB" smtClean="0"/>
-              <a:t>12/04/2020</a:t>
+              <a:t>14/04/2020</a:t>
             </a:fld>
             <a:endParaRPr lang="en-GB"/>
           </a:p>
@@ -4249,7 +4344,7 @@
           <a:p>
             <a:fld id="{D4BA8270-C9CF-44CA-BE5A-02C2BDCCEDE4}" type="datetimeFigureOut">
               <a:rPr lang="en-GB" smtClean="0"/>
-              <a:t>12/04/2020</a:t>
+              <a:t>14/04/2020</a:t>
             </a:fld>
             <a:endParaRPr lang="en-GB"/>
           </a:p>
@@ -4419,7 +4514,7 @@
           <a:p>
             <a:fld id="{D4BA8270-C9CF-44CA-BE5A-02C2BDCCEDE4}" type="datetimeFigureOut">
               <a:rPr lang="en-GB" smtClean="0"/>
-              <a:t>12/04/2020</a:t>
+              <a:t>14/04/2020</a:t>
             </a:fld>
             <a:endParaRPr lang="en-GB"/>
           </a:p>
@@ -4599,7 +4694,7 @@
           <a:p>
             <a:fld id="{D4BA8270-C9CF-44CA-BE5A-02C2BDCCEDE4}" type="datetimeFigureOut">
               <a:rPr lang="en-GB" smtClean="0"/>
-              <a:t>12/04/2020</a:t>
+              <a:t>14/04/2020</a:t>
             </a:fld>
             <a:endParaRPr lang="en-GB"/>
           </a:p>
@@ -4769,7 +4864,7 @@
           <a:p>
             <a:fld id="{D4BA8270-C9CF-44CA-BE5A-02C2BDCCEDE4}" type="datetimeFigureOut">
               <a:rPr lang="en-GB" smtClean="0"/>
-              <a:t>12/04/2020</a:t>
+              <a:t>14/04/2020</a:t>
             </a:fld>
             <a:endParaRPr lang="en-GB"/>
           </a:p>
@@ -5016,7 +5111,7 @@
           <a:p>
             <a:fld id="{D4BA8270-C9CF-44CA-BE5A-02C2BDCCEDE4}" type="datetimeFigureOut">
               <a:rPr lang="en-GB" smtClean="0"/>
-              <a:t>12/04/2020</a:t>
+              <a:t>14/04/2020</a:t>
             </a:fld>
             <a:endParaRPr lang="en-GB"/>
           </a:p>
@@ -5308,7 +5403,7 @@
           <a:p>
             <a:fld id="{D4BA8270-C9CF-44CA-BE5A-02C2BDCCEDE4}" type="datetimeFigureOut">
               <a:rPr lang="en-GB" smtClean="0"/>
-              <a:t>12/04/2020</a:t>
+              <a:t>14/04/2020</a:t>
             </a:fld>
             <a:endParaRPr lang="en-GB"/>
           </a:p>
@@ -5752,7 +5847,7 @@
           <a:p>
             <a:fld id="{D4BA8270-C9CF-44CA-BE5A-02C2BDCCEDE4}" type="datetimeFigureOut">
               <a:rPr lang="en-GB" smtClean="0"/>
-              <a:t>12/04/2020</a:t>
+              <a:t>14/04/2020</a:t>
             </a:fld>
             <a:endParaRPr lang="en-GB"/>
           </a:p>
@@ -5870,7 +5965,7 @@
           <a:p>
             <a:fld id="{D4BA8270-C9CF-44CA-BE5A-02C2BDCCEDE4}" type="datetimeFigureOut">
               <a:rPr lang="en-GB" smtClean="0"/>
-              <a:t>12/04/2020</a:t>
+              <a:t>14/04/2020</a:t>
             </a:fld>
             <a:endParaRPr lang="en-GB"/>
           </a:p>
@@ -5965,7 +6060,7 @@
           <a:p>
             <a:fld id="{D4BA8270-C9CF-44CA-BE5A-02C2BDCCEDE4}" type="datetimeFigureOut">
               <a:rPr lang="en-GB" smtClean="0"/>
-              <a:t>12/04/2020</a:t>
+              <a:t>14/04/2020</a:t>
             </a:fld>
             <a:endParaRPr lang="en-GB"/>
           </a:p>
@@ -6244,7 +6339,7 @@
           <a:p>
             <a:fld id="{D4BA8270-C9CF-44CA-BE5A-02C2BDCCEDE4}" type="datetimeFigureOut">
               <a:rPr lang="en-GB" smtClean="0"/>
-              <a:t>12/04/2020</a:t>
+              <a:t>14/04/2020</a:t>
             </a:fld>
             <a:endParaRPr lang="en-GB"/>
           </a:p>
@@ -6519,7 +6614,7 @@
           <a:p>
             <a:fld id="{D4BA8270-C9CF-44CA-BE5A-02C2BDCCEDE4}" type="datetimeFigureOut">
               <a:rPr lang="en-GB" smtClean="0"/>
-              <a:t>12/04/2020</a:t>
+              <a:t>14/04/2020</a:t>
             </a:fld>
             <a:endParaRPr lang="en-GB"/>
           </a:p>
@@ -6948,7 +7043,7 @@
           <a:p>
             <a:fld id="{D4BA8270-C9CF-44CA-BE5A-02C2BDCCEDE4}" type="datetimeFigureOut">
               <a:rPr lang="en-GB" smtClean="0"/>
-              <a:t>12/04/2020</a:t>
+              <a:t>14/04/2020</a:t>
             </a:fld>
             <a:endParaRPr lang="en-GB"/>
           </a:p>
@@ -8340,11 +8435,7 @@
             </a:r>
             <a:r>
               <a:rPr lang="en-US" altLang="en-US" sz="1400" dirty="0" smtClean="0"/>
-              <a:t>, the </a:t>
-            </a:r>
-            <a:r>
-              <a:rPr lang="en-US" altLang="en-US" sz="1400" dirty="0" smtClean="0"/>
-              <a:t>instantiation </a:t>
+              <a:t>, the instantiation </a:t>
             </a:r>
             <a:r>
               <a:rPr lang="en-US" altLang="en-US" sz="1400" dirty="0"/>

--- a/src/main/resources/JavaGenerics.pptx
+++ b/src/main/resources/JavaGenerics.pptx
@@ -268,7 +268,7 @@
           <a:p>
             <a:fld id="{085A4362-1548-4C12-A63A-A7FA9FF20440}" type="datetimeFigureOut">
               <a:rPr lang="en-IN" smtClean="0"/>
-              <a:t>25-04-2020</a:t>
+              <a:t>26-04-2020</a:t>
             </a:fld>
             <a:endParaRPr lang="en-IN"/>
           </a:p>
@@ -1000,6 +1000,470 @@
 </p:notes>
 </file>
 
+<file path=ppt/notesSlides/notesSlide14.xml><?xml version="1.0" encoding="utf-8"?>
+<p:notes xmlns:a="http://schemas.openxmlformats.org/drawingml/2006/main" xmlns:r="http://schemas.openxmlformats.org/officeDocument/2006/relationships" xmlns:p="http://schemas.openxmlformats.org/presentationml/2006/main">
+  <p:cSld>
+    <p:spTree>
+      <p:nvGrpSpPr>
+        <p:cNvPr id="1" name=""/>
+        <p:cNvGrpSpPr/>
+        <p:nvPr/>
+      </p:nvGrpSpPr>
+      <p:grpSpPr>
+        <a:xfrm>
+          <a:off x="0" y="0"/>
+          <a:ext cx="0" cy="0"/>
+          <a:chOff x="0" y="0"/>
+          <a:chExt cx="0" cy="0"/>
+        </a:xfrm>
+      </p:grpSpPr>
+      <p:sp>
+        <p:nvSpPr>
+          <p:cNvPr id="2" name="Slide Image Placeholder 1"/>
+          <p:cNvSpPr>
+            <a:spLocks noGrp="1" noRot="1" noChangeAspect="1"/>
+          </p:cNvSpPr>
+          <p:nvPr>
+            <p:ph type="sldImg"/>
+          </p:nvPr>
+        </p:nvSpPr>
+        <p:spPr/>
+      </p:sp>
+      <p:sp>
+        <p:nvSpPr>
+          <p:cNvPr id="3" name="Notes Placeholder 2"/>
+          <p:cNvSpPr>
+            <a:spLocks noGrp="1"/>
+          </p:cNvSpPr>
+          <p:nvPr>
+            <p:ph type="body" idx="1"/>
+          </p:nvPr>
+        </p:nvSpPr>
+        <p:spPr/>
+        <p:txBody>
+          <a:bodyPr/>
+          <a:lstStyle/>
+          <a:p>
+            <a:r>
+              <a:rPr lang="en-GB" sz="1200" kern="1200" dirty="0" smtClean="0">
+                <a:solidFill>
+                  <a:schemeClr val="tx1"/>
+                </a:solidFill>
+                <a:latin typeface="+mn-lt"/>
+                <a:ea typeface="+mn-ea"/>
+                <a:cs typeface="+mn-cs"/>
+              </a:rPr>
+              <a:t>InheritanceAndSubtypesExample1.java, InheritanceAndSubtypesExample2.java</a:t>
+            </a:r>
+            <a:endParaRPr lang="en-GB" dirty="0"/>
+          </a:p>
+        </p:txBody>
+      </p:sp>
+      <p:sp>
+        <p:nvSpPr>
+          <p:cNvPr id="4" name="Slide Number Placeholder 3"/>
+          <p:cNvSpPr>
+            <a:spLocks noGrp="1"/>
+          </p:cNvSpPr>
+          <p:nvPr>
+            <p:ph type="sldNum" sz="quarter" idx="10"/>
+          </p:nvPr>
+        </p:nvSpPr>
+        <p:spPr/>
+        <p:txBody>
+          <a:bodyPr/>
+          <a:lstStyle/>
+          <a:p>
+            <a:fld id="{EB8B6B8F-4498-4E9D-8DE1-125892E25737}" type="slidenum">
+              <a:rPr lang="en-IN" smtClean="0"/>
+              <a:t>26</a:t>
+            </a:fld>
+            <a:endParaRPr lang="en-IN"/>
+          </a:p>
+        </p:txBody>
+      </p:sp>
+    </p:spTree>
+    <p:extLst>
+      <p:ext uri="{BB962C8B-B14F-4D97-AF65-F5344CB8AC3E}">
+        <p14:creationId xmlns:p14="http://schemas.microsoft.com/office/powerpoint/2010/main" val="1301993701"/>
+      </p:ext>
+    </p:extLst>
+  </p:cSld>
+  <p:clrMapOvr>
+    <a:masterClrMapping/>
+  </p:clrMapOvr>
+</p:notes>
+</file>
+
+<file path=ppt/notesSlides/notesSlide15.xml><?xml version="1.0" encoding="utf-8"?>
+<p:notes xmlns:a="http://schemas.openxmlformats.org/drawingml/2006/main" xmlns:r="http://schemas.openxmlformats.org/officeDocument/2006/relationships" xmlns:p="http://schemas.openxmlformats.org/presentationml/2006/main">
+  <p:cSld>
+    <p:spTree>
+      <p:nvGrpSpPr>
+        <p:cNvPr id="1" name=""/>
+        <p:cNvGrpSpPr/>
+        <p:nvPr/>
+      </p:nvGrpSpPr>
+      <p:grpSpPr>
+        <a:xfrm>
+          <a:off x="0" y="0"/>
+          <a:ext cx="0" cy="0"/>
+          <a:chOff x="0" y="0"/>
+          <a:chExt cx="0" cy="0"/>
+        </a:xfrm>
+      </p:grpSpPr>
+      <p:sp>
+        <p:nvSpPr>
+          <p:cNvPr id="2" name="Slide Image Placeholder 1"/>
+          <p:cNvSpPr>
+            <a:spLocks noGrp="1" noRot="1" noChangeAspect="1"/>
+          </p:cNvSpPr>
+          <p:nvPr>
+            <p:ph type="sldImg"/>
+          </p:nvPr>
+        </p:nvSpPr>
+        <p:spPr/>
+      </p:sp>
+      <p:sp>
+        <p:nvSpPr>
+          <p:cNvPr id="3" name="Notes Placeholder 2"/>
+          <p:cNvSpPr>
+            <a:spLocks noGrp="1"/>
+          </p:cNvSpPr>
+          <p:nvPr>
+            <p:ph type="body" idx="1"/>
+          </p:nvPr>
+        </p:nvSpPr>
+        <p:spPr/>
+        <p:txBody>
+          <a:bodyPr/>
+          <a:lstStyle/>
+          <a:p>
+            <a:endParaRPr lang="en-GB" dirty="0"/>
+          </a:p>
+        </p:txBody>
+      </p:sp>
+      <p:sp>
+        <p:nvSpPr>
+          <p:cNvPr id="4" name="Slide Number Placeholder 3"/>
+          <p:cNvSpPr>
+            <a:spLocks noGrp="1"/>
+          </p:cNvSpPr>
+          <p:nvPr>
+            <p:ph type="sldNum" sz="quarter" idx="10"/>
+          </p:nvPr>
+        </p:nvSpPr>
+        <p:spPr/>
+        <p:txBody>
+          <a:bodyPr/>
+          <a:lstStyle/>
+          <a:p>
+            <a:fld id="{EB8B6B8F-4498-4E9D-8DE1-125892E25737}" type="slidenum">
+              <a:rPr lang="en-IN" smtClean="0"/>
+              <a:t>27</a:t>
+            </a:fld>
+            <a:endParaRPr lang="en-IN"/>
+          </a:p>
+        </p:txBody>
+      </p:sp>
+    </p:spTree>
+    <p:extLst>
+      <p:ext uri="{BB962C8B-B14F-4D97-AF65-F5344CB8AC3E}">
+        <p14:creationId xmlns:p14="http://schemas.microsoft.com/office/powerpoint/2010/main" val="1393177802"/>
+      </p:ext>
+    </p:extLst>
+  </p:cSld>
+  <p:clrMapOvr>
+    <a:masterClrMapping/>
+  </p:clrMapOvr>
+</p:notes>
+</file>
+
+<file path=ppt/notesSlides/notesSlide16.xml><?xml version="1.0" encoding="utf-8"?>
+<p:notes xmlns:a="http://schemas.openxmlformats.org/drawingml/2006/main" xmlns:r="http://schemas.openxmlformats.org/officeDocument/2006/relationships" xmlns:p="http://schemas.openxmlformats.org/presentationml/2006/main">
+  <p:cSld>
+    <p:spTree>
+      <p:nvGrpSpPr>
+        <p:cNvPr id="1" name=""/>
+        <p:cNvGrpSpPr/>
+        <p:nvPr/>
+      </p:nvGrpSpPr>
+      <p:grpSpPr>
+        <a:xfrm>
+          <a:off x="0" y="0"/>
+          <a:ext cx="0" cy="0"/>
+          <a:chOff x="0" y="0"/>
+          <a:chExt cx="0" cy="0"/>
+        </a:xfrm>
+      </p:grpSpPr>
+      <p:sp>
+        <p:nvSpPr>
+          <p:cNvPr id="2" name="Slide Image Placeholder 1"/>
+          <p:cNvSpPr>
+            <a:spLocks noGrp="1" noRot="1" noChangeAspect="1"/>
+          </p:cNvSpPr>
+          <p:nvPr>
+            <p:ph type="sldImg"/>
+          </p:nvPr>
+        </p:nvSpPr>
+        <p:spPr/>
+      </p:sp>
+      <p:sp>
+        <p:nvSpPr>
+          <p:cNvPr id="3" name="Notes Placeholder 2"/>
+          <p:cNvSpPr>
+            <a:spLocks noGrp="1"/>
+          </p:cNvSpPr>
+          <p:nvPr>
+            <p:ph type="body" idx="1"/>
+          </p:nvPr>
+        </p:nvSpPr>
+        <p:spPr/>
+        <p:txBody>
+          <a:bodyPr/>
+          <a:lstStyle/>
+          <a:p>
+            <a:r>
+              <a:rPr lang="en-GB" sz="1200" kern="1200" dirty="0" smtClean="0">
+                <a:solidFill>
+                  <a:schemeClr val="tx1"/>
+                </a:solidFill>
+                <a:latin typeface="+mn-lt"/>
+                <a:ea typeface="+mn-ea"/>
+                <a:cs typeface="+mn-cs"/>
+              </a:rPr>
+              <a:t>InheritanceAndSubtypesExample3.java</a:t>
+            </a:r>
+            <a:endParaRPr lang="en-GB" dirty="0"/>
+          </a:p>
+        </p:txBody>
+      </p:sp>
+      <p:sp>
+        <p:nvSpPr>
+          <p:cNvPr id="4" name="Slide Number Placeholder 3"/>
+          <p:cNvSpPr>
+            <a:spLocks noGrp="1"/>
+          </p:cNvSpPr>
+          <p:nvPr>
+            <p:ph type="sldNum" sz="quarter" idx="10"/>
+          </p:nvPr>
+        </p:nvSpPr>
+        <p:spPr/>
+        <p:txBody>
+          <a:bodyPr/>
+          <a:lstStyle/>
+          <a:p>
+            <a:fld id="{EB8B6B8F-4498-4E9D-8DE1-125892E25737}" type="slidenum">
+              <a:rPr lang="en-IN" smtClean="0"/>
+              <a:t>28</a:t>
+            </a:fld>
+            <a:endParaRPr lang="en-IN"/>
+          </a:p>
+        </p:txBody>
+      </p:sp>
+    </p:spTree>
+    <p:extLst>
+      <p:ext uri="{BB962C8B-B14F-4D97-AF65-F5344CB8AC3E}">
+        <p14:creationId xmlns:p14="http://schemas.microsoft.com/office/powerpoint/2010/main" val="1818301304"/>
+      </p:ext>
+    </p:extLst>
+  </p:cSld>
+  <p:clrMapOvr>
+    <a:masterClrMapping/>
+  </p:clrMapOvr>
+</p:notes>
+</file>
+
+<file path=ppt/notesSlides/notesSlide17.xml><?xml version="1.0" encoding="utf-8"?>
+<p:notes xmlns:a="http://schemas.openxmlformats.org/drawingml/2006/main" xmlns:r="http://schemas.openxmlformats.org/officeDocument/2006/relationships" xmlns:p="http://schemas.openxmlformats.org/presentationml/2006/main">
+  <p:cSld>
+    <p:spTree>
+      <p:nvGrpSpPr>
+        <p:cNvPr id="1" name=""/>
+        <p:cNvGrpSpPr/>
+        <p:nvPr/>
+      </p:nvGrpSpPr>
+      <p:grpSpPr>
+        <a:xfrm>
+          <a:off x="0" y="0"/>
+          <a:ext cx="0" cy="0"/>
+          <a:chOff x="0" y="0"/>
+          <a:chExt cx="0" cy="0"/>
+        </a:xfrm>
+      </p:grpSpPr>
+      <p:sp>
+        <p:nvSpPr>
+          <p:cNvPr id="2" name="Slide Image Placeholder 1"/>
+          <p:cNvSpPr>
+            <a:spLocks noGrp="1" noRot="1" noChangeAspect="1"/>
+          </p:cNvSpPr>
+          <p:nvPr>
+            <p:ph type="sldImg"/>
+          </p:nvPr>
+        </p:nvSpPr>
+        <p:spPr/>
+      </p:sp>
+      <p:sp>
+        <p:nvSpPr>
+          <p:cNvPr id="3" name="Notes Placeholder 2"/>
+          <p:cNvSpPr>
+            <a:spLocks noGrp="1"/>
+          </p:cNvSpPr>
+          <p:nvPr>
+            <p:ph type="body" idx="1"/>
+          </p:nvPr>
+        </p:nvSpPr>
+        <p:spPr/>
+        <p:txBody>
+          <a:bodyPr/>
+          <a:lstStyle/>
+          <a:p>
+            <a:r>
+              <a:rPr lang="en-GB" sz="1200" kern="1200" dirty="0" smtClean="0">
+                <a:solidFill>
+                  <a:schemeClr val="tx1"/>
+                </a:solidFill>
+                <a:latin typeface="+mn-lt"/>
+                <a:ea typeface="+mn-ea"/>
+                <a:cs typeface="+mn-cs"/>
+              </a:rPr>
+              <a:t>TypeInferenceExample1.java</a:t>
+            </a:r>
+            <a:endParaRPr lang="en-GB" dirty="0"/>
+          </a:p>
+        </p:txBody>
+      </p:sp>
+      <p:sp>
+        <p:nvSpPr>
+          <p:cNvPr id="4" name="Slide Number Placeholder 3"/>
+          <p:cNvSpPr>
+            <a:spLocks noGrp="1"/>
+          </p:cNvSpPr>
+          <p:nvPr>
+            <p:ph type="sldNum" sz="quarter" idx="10"/>
+          </p:nvPr>
+        </p:nvSpPr>
+        <p:spPr/>
+        <p:txBody>
+          <a:bodyPr/>
+          <a:lstStyle/>
+          <a:p>
+            <a:fld id="{EB8B6B8F-4498-4E9D-8DE1-125892E25737}" type="slidenum">
+              <a:rPr lang="en-IN" smtClean="0"/>
+              <a:t>29</a:t>
+            </a:fld>
+            <a:endParaRPr lang="en-IN"/>
+          </a:p>
+        </p:txBody>
+      </p:sp>
+    </p:spTree>
+    <p:extLst>
+      <p:ext uri="{BB962C8B-B14F-4D97-AF65-F5344CB8AC3E}">
+        <p14:creationId xmlns:p14="http://schemas.microsoft.com/office/powerpoint/2010/main" val="1802118413"/>
+      </p:ext>
+    </p:extLst>
+  </p:cSld>
+  <p:clrMapOvr>
+    <a:masterClrMapping/>
+  </p:clrMapOvr>
+</p:notes>
+</file>
+
+<file path=ppt/notesSlides/notesSlide18.xml><?xml version="1.0" encoding="utf-8"?>
+<p:notes xmlns:a="http://schemas.openxmlformats.org/drawingml/2006/main" xmlns:r="http://schemas.openxmlformats.org/officeDocument/2006/relationships" xmlns:p="http://schemas.openxmlformats.org/presentationml/2006/main">
+  <p:cSld>
+    <p:spTree>
+      <p:nvGrpSpPr>
+        <p:cNvPr id="1" name=""/>
+        <p:cNvGrpSpPr/>
+        <p:nvPr/>
+      </p:nvGrpSpPr>
+      <p:grpSpPr>
+        <a:xfrm>
+          <a:off x="0" y="0"/>
+          <a:ext cx="0" cy="0"/>
+          <a:chOff x="0" y="0"/>
+          <a:chExt cx="0" cy="0"/>
+        </a:xfrm>
+      </p:grpSpPr>
+      <p:sp>
+        <p:nvSpPr>
+          <p:cNvPr id="2" name="Slide Image Placeholder 1"/>
+          <p:cNvSpPr>
+            <a:spLocks noGrp="1" noRot="1" noChangeAspect="1"/>
+          </p:cNvSpPr>
+          <p:nvPr>
+            <p:ph type="sldImg"/>
+          </p:nvPr>
+        </p:nvSpPr>
+        <p:spPr/>
+      </p:sp>
+      <p:sp>
+        <p:nvSpPr>
+          <p:cNvPr id="3" name="Notes Placeholder 2"/>
+          <p:cNvSpPr>
+            <a:spLocks noGrp="1"/>
+          </p:cNvSpPr>
+          <p:nvPr>
+            <p:ph type="body" idx="1"/>
+          </p:nvPr>
+        </p:nvSpPr>
+        <p:spPr/>
+        <p:txBody>
+          <a:bodyPr/>
+          <a:lstStyle/>
+          <a:p>
+            <a:r>
+              <a:rPr lang="en-GB" sz="1200" kern="1200" dirty="0" smtClean="0">
+                <a:solidFill>
+                  <a:schemeClr val="tx1"/>
+                </a:solidFill>
+                <a:latin typeface="+mn-lt"/>
+                <a:ea typeface="+mn-ea"/>
+                <a:cs typeface="+mn-cs"/>
+              </a:rPr>
+              <a:t>TypeInferenceExample2.java</a:t>
+            </a:r>
+            <a:endParaRPr lang="en-GB" dirty="0"/>
+          </a:p>
+        </p:txBody>
+      </p:sp>
+      <p:sp>
+        <p:nvSpPr>
+          <p:cNvPr id="4" name="Slide Number Placeholder 3"/>
+          <p:cNvSpPr>
+            <a:spLocks noGrp="1"/>
+          </p:cNvSpPr>
+          <p:nvPr>
+            <p:ph type="sldNum" sz="quarter" idx="10"/>
+          </p:nvPr>
+        </p:nvSpPr>
+        <p:spPr/>
+        <p:txBody>
+          <a:bodyPr/>
+          <a:lstStyle/>
+          <a:p>
+            <a:fld id="{EB8B6B8F-4498-4E9D-8DE1-125892E25737}" type="slidenum">
+              <a:rPr lang="en-IN" smtClean="0"/>
+              <a:t>30</a:t>
+            </a:fld>
+            <a:endParaRPr lang="en-IN"/>
+          </a:p>
+        </p:txBody>
+      </p:sp>
+    </p:spTree>
+    <p:extLst>
+      <p:ext uri="{BB962C8B-B14F-4D97-AF65-F5344CB8AC3E}">
+        <p14:creationId xmlns:p14="http://schemas.microsoft.com/office/powerpoint/2010/main" val="2837545842"/>
+      </p:ext>
+    </p:extLst>
+  </p:cSld>
+  <p:clrMapOvr>
+    <a:masterClrMapping/>
+  </p:clrMapOvr>
+</p:notes>
+</file>
+
 <file path=ppt/notesSlides/notesSlide2.xml><?xml version="1.0" encoding="utf-8"?>
 <p:notes xmlns:a="http://schemas.openxmlformats.org/drawingml/2006/main" xmlns:r="http://schemas.openxmlformats.org/officeDocument/2006/relationships" xmlns:p="http://schemas.openxmlformats.org/presentationml/2006/main">
   <p:cSld>
@@ -1969,7 +2433,7 @@
           <a:p>
             <a:fld id="{D4BA8270-C9CF-44CA-BE5A-02C2BDCCEDE4}" type="datetimeFigureOut">
               <a:rPr lang="en-GB" smtClean="0"/>
-              <a:t>25/04/2020</a:t>
+              <a:t>26/04/2020</a:t>
             </a:fld>
             <a:endParaRPr lang="en-GB"/>
           </a:p>
@@ -2244,7 +2708,7 @@
           <a:p>
             <a:fld id="{D4BA8270-C9CF-44CA-BE5A-02C2BDCCEDE4}" type="datetimeFigureOut">
               <a:rPr lang="en-GB" smtClean="0"/>
-              <a:t>25/04/2020</a:t>
+              <a:t>26/04/2020</a:t>
             </a:fld>
             <a:endParaRPr lang="en-GB"/>
           </a:p>
@@ -2438,7 +2902,7 @@
           <a:p>
             <a:fld id="{D4BA8270-C9CF-44CA-BE5A-02C2BDCCEDE4}" type="datetimeFigureOut">
               <a:rPr lang="en-GB" smtClean="0"/>
-              <a:t>25/04/2020</a:t>
+              <a:t>26/04/2020</a:t>
             </a:fld>
             <a:endParaRPr lang="en-GB"/>
           </a:p>
@@ -2711,7 +3175,7 @@
           <a:p>
             <a:fld id="{D4BA8270-C9CF-44CA-BE5A-02C2BDCCEDE4}" type="datetimeFigureOut">
               <a:rPr lang="en-GB" smtClean="0"/>
-              <a:t>25/04/2020</a:t>
+              <a:t>26/04/2020</a:t>
             </a:fld>
             <a:endParaRPr lang="en-GB"/>
           </a:p>
@@ -3052,7 +3516,7 @@
           <a:p>
             <a:fld id="{D4BA8270-C9CF-44CA-BE5A-02C2BDCCEDE4}" type="datetimeFigureOut">
               <a:rPr lang="en-GB" smtClean="0"/>
-              <a:t>25/04/2020</a:t>
+              <a:t>26/04/2020</a:t>
             </a:fld>
             <a:endParaRPr lang="en-GB"/>
           </a:p>
@@ -3675,7 +4139,7 @@
           <a:p>
             <a:fld id="{D4BA8270-C9CF-44CA-BE5A-02C2BDCCEDE4}" type="datetimeFigureOut">
               <a:rPr lang="en-GB" smtClean="0"/>
-              <a:t>25/04/2020</a:t>
+              <a:t>26/04/2020</a:t>
             </a:fld>
             <a:endParaRPr lang="en-GB"/>
           </a:p>
@@ -4535,7 +4999,7 @@
           <a:p>
             <a:fld id="{D4BA8270-C9CF-44CA-BE5A-02C2BDCCEDE4}" type="datetimeFigureOut">
               <a:rPr lang="en-GB" smtClean="0"/>
-              <a:t>25/04/2020</a:t>
+              <a:t>26/04/2020</a:t>
             </a:fld>
             <a:endParaRPr lang="en-GB"/>
           </a:p>
@@ -4705,7 +5169,7 @@
           <a:p>
             <a:fld id="{D4BA8270-C9CF-44CA-BE5A-02C2BDCCEDE4}" type="datetimeFigureOut">
               <a:rPr lang="en-GB" smtClean="0"/>
-              <a:t>25/04/2020</a:t>
+              <a:t>26/04/2020</a:t>
             </a:fld>
             <a:endParaRPr lang="en-GB"/>
           </a:p>
@@ -4885,7 +5349,7 @@
           <a:p>
             <a:fld id="{D4BA8270-C9CF-44CA-BE5A-02C2BDCCEDE4}" type="datetimeFigureOut">
               <a:rPr lang="en-GB" smtClean="0"/>
-              <a:t>25/04/2020</a:t>
+              <a:t>26/04/2020</a:t>
             </a:fld>
             <a:endParaRPr lang="en-GB"/>
           </a:p>
@@ -5055,7 +5519,7 @@
           <a:p>
             <a:fld id="{D4BA8270-C9CF-44CA-BE5A-02C2BDCCEDE4}" type="datetimeFigureOut">
               <a:rPr lang="en-GB" smtClean="0"/>
-              <a:t>25/04/2020</a:t>
+              <a:t>26/04/2020</a:t>
             </a:fld>
             <a:endParaRPr lang="en-GB"/>
           </a:p>
@@ -5302,7 +5766,7 @@
           <a:p>
             <a:fld id="{D4BA8270-C9CF-44CA-BE5A-02C2BDCCEDE4}" type="datetimeFigureOut">
               <a:rPr lang="en-GB" smtClean="0"/>
-              <a:t>25/04/2020</a:t>
+              <a:t>26/04/2020</a:t>
             </a:fld>
             <a:endParaRPr lang="en-GB"/>
           </a:p>
@@ -5594,7 +6058,7 @@
           <a:p>
             <a:fld id="{D4BA8270-C9CF-44CA-BE5A-02C2BDCCEDE4}" type="datetimeFigureOut">
               <a:rPr lang="en-GB" smtClean="0"/>
-              <a:t>25/04/2020</a:t>
+              <a:t>26/04/2020</a:t>
             </a:fld>
             <a:endParaRPr lang="en-GB"/>
           </a:p>
@@ -6038,7 +6502,7 @@
           <a:p>
             <a:fld id="{D4BA8270-C9CF-44CA-BE5A-02C2BDCCEDE4}" type="datetimeFigureOut">
               <a:rPr lang="en-GB" smtClean="0"/>
-              <a:t>25/04/2020</a:t>
+              <a:t>26/04/2020</a:t>
             </a:fld>
             <a:endParaRPr lang="en-GB"/>
           </a:p>
@@ -6156,7 +6620,7 @@
           <a:p>
             <a:fld id="{D4BA8270-C9CF-44CA-BE5A-02C2BDCCEDE4}" type="datetimeFigureOut">
               <a:rPr lang="en-GB" smtClean="0"/>
-              <a:t>25/04/2020</a:t>
+              <a:t>26/04/2020</a:t>
             </a:fld>
             <a:endParaRPr lang="en-GB"/>
           </a:p>
@@ -6251,7 +6715,7 @@
           <a:p>
             <a:fld id="{D4BA8270-C9CF-44CA-BE5A-02C2BDCCEDE4}" type="datetimeFigureOut">
               <a:rPr lang="en-GB" smtClean="0"/>
-              <a:t>25/04/2020</a:t>
+              <a:t>26/04/2020</a:t>
             </a:fld>
             <a:endParaRPr lang="en-GB"/>
           </a:p>
@@ -6530,7 +6994,7 @@
           <a:p>
             <a:fld id="{D4BA8270-C9CF-44CA-BE5A-02C2BDCCEDE4}" type="datetimeFigureOut">
               <a:rPr lang="en-GB" smtClean="0"/>
-              <a:t>25/04/2020</a:t>
+              <a:t>26/04/2020</a:t>
             </a:fld>
             <a:endParaRPr lang="en-GB"/>
           </a:p>
@@ -6805,7 +7269,7 @@
           <a:p>
             <a:fld id="{D4BA8270-C9CF-44CA-BE5A-02C2BDCCEDE4}" type="datetimeFigureOut">
               <a:rPr lang="en-GB" smtClean="0"/>
-              <a:t>25/04/2020</a:t>
+              <a:t>26/04/2020</a:t>
             </a:fld>
             <a:endParaRPr lang="en-GB"/>
           </a:p>
@@ -7234,7 +7698,7 @@
           <a:p>
             <a:fld id="{D4BA8270-C9CF-44CA-BE5A-02C2BDCCEDE4}" type="datetimeFigureOut">
               <a:rPr lang="en-GB" smtClean="0"/>
-              <a:t>25/04/2020</a:t>
+              <a:t>26/04/2020</a:t>
             </a:fld>
             <a:endParaRPr lang="en-GB"/>
           </a:p>
@@ -12967,15 +13431,7 @@
             </a:r>
             <a:r>
               <a:rPr lang="en-IN" sz="1400" dirty="0"/>
-              <a:t>Class Test&lt;T extends </a:t>
-            </a:r>
-            <a:r>
-              <a:rPr lang="en-IN" sz="1400" dirty="0"/>
-              <a:t>Number &amp; Runnable </a:t>
-            </a:r>
-            <a:r>
-              <a:rPr lang="en-IN" sz="1400" dirty="0"/>
-              <a:t>&gt; </a:t>
+              <a:t>Class Test&lt;T extends Number &amp; Runnable &gt; </a:t>
             </a:r>
             <a:r>
               <a:rPr lang="en-IN" sz="1400" dirty="0" smtClean="0"/>
@@ -14307,13 +14763,7 @@
               <a:rPr lang="en-US" altLang="en-US" sz="1400" dirty="0" smtClean="0">
                 <a:latin typeface="+mj-lt"/>
               </a:rPr>
-              <a:t>Still if you want to be able to add  any type of Number to it we can add a parameter of Type T to </a:t>
-            </a:r>
-            <a:r>
-              <a:rPr lang="en-US" altLang="en-US" sz="1400" dirty="0" smtClean="0">
-                <a:latin typeface="+mj-lt"/>
-              </a:rPr>
-              <a:t>the method for example           			</a:t>
+              <a:t>Still if you want to be able to add  any type of Number to it we can add a parameter of Type T to the method for example           			</a:t>
             </a:r>
             <a:r>
               <a:rPr lang="en-US" altLang="en-US" sz="1400" dirty="0" smtClean="0"/>
@@ -14321,15 +14771,7 @@
             </a:r>
             <a:r>
               <a:rPr lang="en-US" altLang="en-US" sz="1400" dirty="0"/>
-              <a:t>&lt;T </a:t>
-            </a:r>
-            <a:r>
-              <a:rPr lang="en-US" altLang="en-US" sz="1400" dirty="0"/>
-              <a:t>extends Number </a:t>
-            </a:r>
-            <a:r>
-              <a:rPr lang="en-US" altLang="en-US" sz="1400" dirty="0"/>
-              <a:t>&gt;void test(List&lt;T &gt; </a:t>
+              <a:t>&lt;T extends Number &gt;void test(List&lt;T &gt; </a:t>
             </a:r>
             <a:r>
               <a:rPr lang="en-US" altLang="en-US" sz="1400" dirty="0" err="1" smtClean="0"/>
@@ -14385,9 +14827,6 @@
               </a:rPr>
               <a:t> </a:t>
             </a:r>
-            <a:endParaRPr lang="en-US" altLang="en-US" sz="1400" dirty="0" smtClean="0">
-              <a:latin typeface="+mj-lt"/>
-            </a:endParaRPr>
           </a:p>
         </p:txBody>
       </p:sp>
@@ -15185,7 +15624,7 @@
           <p:nvPr/>
         </p:nvPicPr>
         <p:blipFill>
-          <a:blip r:embed="rId2"/>
+          <a:blip r:embed="rId3"/>
           <a:stretch>
             <a:fillRect/>
           </a:stretch>
@@ -15888,7 +16327,7 @@
           <p:nvPr/>
         </p:nvPicPr>
         <p:blipFill>
-          <a:blip r:embed="rId2"/>
+          <a:blip r:embed="rId3"/>
           <a:stretch>
             <a:fillRect/>
           </a:stretch>
@@ -16496,7 +16935,7 @@
           <p:nvPr/>
         </p:nvPicPr>
         <p:blipFill>
-          <a:blip r:embed="rId2"/>
+          <a:blip r:embed="rId3"/>
           <a:stretch>
             <a:fillRect/>
           </a:stretch>
@@ -16520,7 +16959,7 @@
           <p:nvPr/>
         </p:nvPicPr>
         <p:blipFill>
-          <a:blip r:embed="rId3"/>
+          <a:blip r:embed="rId4"/>
           <a:stretch>
             <a:fillRect/>
           </a:stretch>
@@ -16584,7 +17023,7 @@
         </p:nvSpPr>
         <p:spPr>
           <a:xfrm>
-            <a:off x="223417" y="81782"/>
+            <a:off x="98427" y="101517"/>
             <a:ext cx="9404723" cy="849871"/>
           </a:xfrm>
         </p:spPr>
@@ -16620,7 +17059,7 @@
         <p:spPr>
           <a:xfrm>
             <a:off x="223417" y="1213450"/>
-            <a:ext cx="11231592" cy="5644550"/>
+            <a:ext cx="11231592" cy="5029468"/>
           </a:xfrm>
         </p:spPr>
         <p:txBody>
@@ -17257,7 +17696,7 @@
           <p:nvPr/>
         </p:nvPicPr>
         <p:blipFill>
-          <a:blip r:embed="rId2"/>
+          <a:blip r:embed="rId3"/>
           <a:stretch>
             <a:fillRect/>
           </a:stretch>

--- a/src/main/resources/JavaGenerics.pptx
+++ b/src/main/resources/JavaGenerics.pptx
@@ -1464,6 +1464,101 @@
 </p:notes>
 </file>
 
+<file path=ppt/notesSlides/notesSlide19.xml><?xml version="1.0" encoding="utf-8"?>
+<p:notes xmlns:a="http://schemas.openxmlformats.org/drawingml/2006/main" xmlns:r="http://schemas.openxmlformats.org/officeDocument/2006/relationships" xmlns:p="http://schemas.openxmlformats.org/presentationml/2006/main">
+  <p:cSld>
+    <p:spTree>
+      <p:nvGrpSpPr>
+        <p:cNvPr id="1" name=""/>
+        <p:cNvGrpSpPr/>
+        <p:nvPr/>
+      </p:nvGrpSpPr>
+      <p:grpSpPr>
+        <a:xfrm>
+          <a:off x="0" y="0"/>
+          <a:ext cx="0" cy="0"/>
+          <a:chOff x="0" y="0"/>
+          <a:chExt cx="0" cy="0"/>
+        </a:xfrm>
+      </p:grpSpPr>
+      <p:sp>
+        <p:nvSpPr>
+          <p:cNvPr id="2" name="Slide Image Placeholder 1"/>
+          <p:cNvSpPr>
+            <a:spLocks noGrp="1" noRot="1" noChangeAspect="1"/>
+          </p:cNvSpPr>
+          <p:nvPr>
+            <p:ph type="sldImg"/>
+          </p:nvPr>
+        </p:nvSpPr>
+        <p:spPr/>
+      </p:sp>
+      <p:sp>
+        <p:nvSpPr>
+          <p:cNvPr id="3" name="Notes Placeholder 2"/>
+          <p:cNvSpPr>
+            <a:spLocks noGrp="1"/>
+          </p:cNvSpPr>
+          <p:nvPr>
+            <p:ph type="body" idx="1"/>
+          </p:nvPr>
+        </p:nvSpPr>
+        <p:spPr/>
+        <p:txBody>
+          <a:bodyPr/>
+          <a:lstStyle/>
+          <a:p>
+            <a:r>
+              <a:rPr lang="en-GB" sz="1200" kern="1200" dirty="0" smtClean="0">
+                <a:solidFill>
+                  <a:schemeClr val="tx1"/>
+                </a:solidFill>
+                <a:latin typeface="+mn-lt"/>
+                <a:ea typeface="+mn-ea"/>
+                <a:cs typeface="+mn-cs"/>
+              </a:rPr>
+              <a:t>DiamondOperatorExample1.java</a:t>
+            </a:r>
+            <a:endParaRPr lang="en-GB" dirty="0"/>
+          </a:p>
+        </p:txBody>
+      </p:sp>
+      <p:sp>
+        <p:nvSpPr>
+          <p:cNvPr id="4" name="Slide Number Placeholder 3"/>
+          <p:cNvSpPr>
+            <a:spLocks noGrp="1"/>
+          </p:cNvSpPr>
+          <p:nvPr>
+            <p:ph type="sldNum" sz="quarter" idx="10"/>
+          </p:nvPr>
+        </p:nvSpPr>
+        <p:spPr/>
+        <p:txBody>
+          <a:bodyPr/>
+          <a:lstStyle/>
+          <a:p>
+            <a:fld id="{EB8B6B8F-4498-4E9D-8DE1-125892E25737}" type="slidenum">
+              <a:rPr lang="en-IN" smtClean="0"/>
+              <a:t>31</a:t>
+            </a:fld>
+            <a:endParaRPr lang="en-IN"/>
+          </a:p>
+        </p:txBody>
+      </p:sp>
+    </p:spTree>
+    <p:extLst>
+      <p:ext uri="{BB962C8B-B14F-4D97-AF65-F5344CB8AC3E}">
+        <p14:creationId xmlns:p14="http://schemas.microsoft.com/office/powerpoint/2010/main" val="406845382"/>
+      </p:ext>
+    </p:extLst>
+  </p:cSld>
+  <p:clrMapOvr>
+    <a:masterClrMapping/>
+  </p:clrMapOvr>
+</p:notes>
+</file>
+
 <file path=ppt/notesSlides/notesSlide2.xml><?xml version="1.0" encoding="utf-8"?>
 <p:notes xmlns:a="http://schemas.openxmlformats.org/drawingml/2006/main" xmlns:r="http://schemas.openxmlformats.org/officeDocument/2006/relationships" xmlns:p="http://schemas.openxmlformats.org/presentationml/2006/main">
   <p:cSld>
@@ -1539,6 +1634,196 @@
     <p:extLst>
       <p:ext uri="{BB962C8B-B14F-4D97-AF65-F5344CB8AC3E}">
         <p14:creationId xmlns:p14="http://schemas.microsoft.com/office/powerpoint/2010/main" val="2022894282"/>
+      </p:ext>
+    </p:extLst>
+  </p:cSld>
+  <p:clrMapOvr>
+    <a:masterClrMapping/>
+  </p:clrMapOvr>
+</p:notes>
+</file>
+
+<file path=ppt/notesSlides/notesSlide20.xml><?xml version="1.0" encoding="utf-8"?>
+<p:notes xmlns:a="http://schemas.openxmlformats.org/drawingml/2006/main" xmlns:r="http://schemas.openxmlformats.org/officeDocument/2006/relationships" xmlns:p="http://schemas.openxmlformats.org/presentationml/2006/main">
+  <p:cSld>
+    <p:spTree>
+      <p:nvGrpSpPr>
+        <p:cNvPr id="1" name=""/>
+        <p:cNvGrpSpPr/>
+        <p:nvPr/>
+      </p:nvGrpSpPr>
+      <p:grpSpPr>
+        <a:xfrm>
+          <a:off x="0" y="0"/>
+          <a:ext cx="0" cy="0"/>
+          <a:chOff x="0" y="0"/>
+          <a:chExt cx="0" cy="0"/>
+        </a:xfrm>
+      </p:grpSpPr>
+      <p:sp>
+        <p:nvSpPr>
+          <p:cNvPr id="2" name="Slide Image Placeholder 1"/>
+          <p:cNvSpPr>
+            <a:spLocks noGrp="1" noRot="1" noChangeAspect="1"/>
+          </p:cNvSpPr>
+          <p:nvPr>
+            <p:ph type="sldImg"/>
+          </p:nvPr>
+        </p:nvSpPr>
+        <p:spPr/>
+      </p:sp>
+      <p:sp>
+        <p:nvSpPr>
+          <p:cNvPr id="3" name="Notes Placeholder 2"/>
+          <p:cNvSpPr>
+            <a:spLocks noGrp="1"/>
+          </p:cNvSpPr>
+          <p:nvPr>
+            <p:ph type="body" idx="1"/>
+          </p:nvPr>
+        </p:nvSpPr>
+        <p:spPr/>
+        <p:txBody>
+          <a:bodyPr/>
+          <a:lstStyle/>
+          <a:p>
+            <a:r>
+              <a:rPr lang="en-GB" sz="1200" kern="1200" dirty="0" smtClean="0">
+                <a:solidFill>
+                  <a:schemeClr val="tx1"/>
+                </a:solidFill>
+                <a:latin typeface="+mn-lt"/>
+                <a:ea typeface="+mn-ea"/>
+                <a:cs typeface="+mn-cs"/>
+              </a:rPr>
+              <a:t>TypeInferenceExample3.java</a:t>
+            </a:r>
+            <a:endParaRPr lang="en-GB" dirty="0"/>
+          </a:p>
+        </p:txBody>
+      </p:sp>
+      <p:sp>
+        <p:nvSpPr>
+          <p:cNvPr id="4" name="Slide Number Placeholder 3"/>
+          <p:cNvSpPr>
+            <a:spLocks noGrp="1"/>
+          </p:cNvSpPr>
+          <p:nvPr>
+            <p:ph type="sldNum" sz="quarter" idx="10"/>
+          </p:nvPr>
+        </p:nvSpPr>
+        <p:spPr/>
+        <p:txBody>
+          <a:bodyPr/>
+          <a:lstStyle/>
+          <a:p>
+            <a:fld id="{EB8B6B8F-4498-4E9D-8DE1-125892E25737}" type="slidenum">
+              <a:rPr lang="en-IN" smtClean="0"/>
+              <a:t>32</a:t>
+            </a:fld>
+            <a:endParaRPr lang="en-IN"/>
+          </a:p>
+        </p:txBody>
+      </p:sp>
+    </p:spTree>
+    <p:extLst>
+      <p:ext uri="{BB962C8B-B14F-4D97-AF65-F5344CB8AC3E}">
+        <p14:creationId xmlns:p14="http://schemas.microsoft.com/office/powerpoint/2010/main" val="2962503034"/>
+      </p:ext>
+    </p:extLst>
+  </p:cSld>
+  <p:clrMapOvr>
+    <a:masterClrMapping/>
+  </p:clrMapOvr>
+</p:notes>
+</file>
+
+<file path=ppt/notesSlides/notesSlide21.xml><?xml version="1.0" encoding="utf-8"?>
+<p:notes xmlns:a="http://schemas.openxmlformats.org/drawingml/2006/main" xmlns:r="http://schemas.openxmlformats.org/officeDocument/2006/relationships" xmlns:p="http://schemas.openxmlformats.org/presentationml/2006/main">
+  <p:cSld>
+    <p:spTree>
+      <p:nvGrpSpPr>
+        <p:cNvPr id="1" name=""/>
+        <p:cNvGrpSpPr/>
+        <p:nvPr/>
+      </p:nvGrpSpPr>
+      <p:grpSpPr>
+        <a:xfrm>
+          <a:off x="0" y="0"/>
+          <a:ext cx="0" cy="0"/>
+          <a:chOff x="0" y="0"/>
+          <a:chExt cx="0" cy="0"/>
+        </a:xfrm>
+      </p:grpSpPr>
+      <p:sp>
+        <p:nvSpPr>
+          <p:cNvPr id="2" name="Slide Image Placeholder 1"/>
+          <p:cNvSpPr>
+            <a:spLocks noGrp="1" noRot="1" noChangeAspect="1"/>
+          </p:cNvSpPr>
+          <p:nvPr>
+            <p:ph type="sldImg"/>
+          </p:nvPr>
+        </p:nvSpPr>
+        <p:spPr/>
+      </p:sp>
+      <p:sp>
+        <p:nvSpPr>
+          <p:cNvPr id="3" name="Notes Placeholder 2"/>
+          <p:cNvSpPr>
+            <a:spLocks noGrp="1"/>
+          </p:cNvSpPr>
+          <p:nvPr>
+            <p:ph type="body" idx="1"/>
+          </p:nvPr>
+        </p:nvSpPr>
+        <p:spPr/>
+        <p:txBody>
+          <a:bodyPr/>
+          <a:lstStyle/>
+          <a:p>
+            <a:r>
+              <a:rPr lang="en-GB" sz="1200" kern="1200" dirty="0" smtClean="0">
+                <a:solidFill>
+                  <a:schemeClr val="tx1"/>
+                </a:solidFill>
+                <a:latin typeface="+mn-lt"/>
+                <a:ea typeface="+mn-ea"/>
+                <a:cs typeface="+mn-cs"/>
+              </a:rPr>
+              <a:t>TargetTypesExample1.java</a:t>
+            </a:r>
+            <a:endParaRPr lang="en-GB" dirty="0"/>
+          </a:p>
+        </p:txBody>
+      </p:sp>
+      <p:sp>
+        <p:nvSpPr>
+          <p:cNvPr id="4" name="Slide Number Placeholder 3"/>
+          <p:cNvSpPr>
+            <a:spLocks noGrp="1"/>
+          </p:cNvSpPr>
+          <p:nvPr>
+            <p:ph type="sldNum" sz="quarter" idx="10"/>
+          </p:nvPr>
+        </p:nvSpPr>
+        <p:spPr/>
+        <p:txBody>
+          <a:bodyPr/>
+          <a:lstStyle/>
+          <a:p>
+            <a:fld id="{EB8B6B8F-4498-4E9D-8DE1-125892E25737}" type="slidenum">
+              <a:rPr lang="en-IN" smtClean="0"/>
+              <a:t>33</a:t>
+            </a:fld>
+            <a:endParaRPr lang="en-IN"/>
+          </a:p>
+        </p:txBody>
+      </p:sp>
+    </p:spTree>
+    <p:extLst>
+      <p:ext uri="{BB962C8B-B14F-4D97-AF65-F5344CB8AC3E}">
+        <p14:creationId xmlns:p14="http://schemas.microsoft.com/office/powerpoint/2010/main" val="2504911630"/>
       </p:ext>
     </p:extLst>
   </p:cSld>
@@ -17796,7 +18081,7 @@
         <p:spPr>
           <a:xfrm>
             <a:off x="0" y="560716"/>
-            <a:ext cx="11430000" cy="5618671"/>
+            <a:ext cx="11430000" cy="5794035"/>
           </a:xfrm>
         </p:spPr>
         <p:txBody>
@@ -18299,7 +18584,7 @@
         </p:nvSpPr>
         <p:spPr>
           <a:xfrm>
-            <a:off x="267419" y="560717"/>
+            <a:off x="280576" y="462041"/>
             <a:ext cx="11153955" cy="6297283"/>
           </a:xfrm>
         </p:spPr>

--- a/src/main/resources/JavaGenerics.pptx
+++ b/src/main/resources/JavaGenerics.pptx
@@ -5,7 +5,7 @@
     <p:sldMasterId id="2147483771" r:id="rId1"/>
   </p:sldMasterIdLst>
   <p:notesMasterIdLst>
-    <p:notesMasterId r:id="rId76"/>
+    <p:notesMasterId r:id="rId72"/>
   </p:notesMasterIdLst>
   <p:sldIdLst>
     <p:sldId id="256" r:id="rId2"/>
@@ -77,11 +77,7 @@
     <p:sldId id="424" r:id="rId68"/>
     <p:sldId id="425" r:id="rId69"/>
     <p:sldId id="426" r:id="rId70"/>
-    <p:sldId id="428" r:id="rId71"/>
-    <p:sldId id="427" r:id="rId72"/>
-    <p:sldId id="429" r:id="rId73"/>
-    <p:sldId id="430" r:id="rId74"/>
-    <p:sldId id="268" r:id="rId75"/>
+    <p:sldId id="268" r:id="rId71"/>
   </p:sldIdLst>
   <p:sldSz cx="12192000" cy="6858000"/>
   <p:notesSz cx="6858000" cy="9144000"/>
@@ -270,7 +266,7 @@
           <a:p>
             <a:fld id="{085A4362-1548-4C12-A63A-A7FA9FF20440}" type="datetimeFigureOut">
               <a:rPr lang="en-IN" smtClean="0"/>
-              <a:t>27-04-2020</a:t>
+              <a:t>28-04-2020</a:t>
             </a:fld>
             <a:endParaRPr lang="en-IN"/>
           </a:p>
@@ -2140,6 +2136,101 @@
 </p:notes>
 </file>
 
+<file path=ppt/notesSlides/notesSlide25.xml><?xml version="1.0" encoding="utf-8"?>
+<p:notes xmlns:a="http://schemas.openxmlformats.org/drawingml/2006/main" xmlns:r="http://schemas.openxmlformats.org/officeDocument/2006/relationships" xmlns:p="http://schemas.openxmlformats.org/presentationml/2006/main">
+  <p:cSld>
+    <p:spTree>
+      <p:nvGrpSpPr>
+        <p:cNvPr id="1" name=""/>
+        <p:cNvGrpSpPr/>
+        <p:nvPr/>
+      </p:nvGrpSpPr>
+      <p:grpSpPr>
+        <a:xfrm>
+          <a:off x="0" y="0"/>
+          <a:ext cx="0" cy="0"/>
+          <a:chOff x="0" y="0"/>
+          <a:chExt cx="0" cy="0"/>
+        </a:xfrm>
+      </p:grpSpPr>
+      <p:sp>
+        <p:nvSpPr>
+          <p:cNvPr id="2" name="Slide Image Placeholder 1"/>
+          <p:cNvSpPr>
+            <a:spLocks noGrp="1" noRot="1" noChangeAspect="1"/>
+          </p:cNvSpPr>
+          <p:nvPr>
+            <p:ph type="sldImg"/>
+          </p:nvPr>
+        </p:nvSpPr>
+        <p:spPr/>
+      </p:sp>
+      <p:sp>
+        <p:nvSpPr>
+          <p:cNvPr id="3" name="Notes Placeholder 2"/>
+          <p:cNvSpPr>
+            <a:spLocks noGrp="1"/>
+          </p:cNvSpPr>
+          <p:nvPr>
+            <p:ph type="body" idx="1"/>
+          </p:nvPr>
+        </p:nvSpPr>
+        <p:spPr/>
+        <p:txBody>
+          <a:bodyPr/>
+          <a:lstStyle/>
+          <a:p>
+            <a:r>
+              <a:rPr lang="en-GB" sz="1200" kern="1200" dirty="0" smtClean="0">
+                <a:solidFill>
+                  <a:schemeClr val="tx1"/>
+                </a:solidFill>
+                <a:latin typeface="+mn-lt"/>
+                <a:ea typeface="+mn-ea"/>
+                <a:cs typeface="+mn-cs"/>
+              </a:rPr>
+              <a:t>LowerBoundedWildcardsExample1.java</a:t>
+            </a:r>
+            <a:endParaRPr lang="en-GB" dirty="0"/>
+          </a:p>
+        </p:txBody>
+      </p:sp>
+      <p:sp>
+        <p:nvSpPr>
+          <p:cNvPr id="4" name="Slide Number Placeholder 3"/>
+          <p:cNvSpPr>
+            <a:spLocks noGrp="1"/>
+          </p:cNvSpPr>
+          <p:nvPr>
+            <p:ph type="sldNum" sz="quarter" idx="10"/>
+          </p:nvPr>
+        </p:nvSpPr>
+        <p:spPr/>
+        <p:txBody>
+          <a:bodyPr/>
+          <a:lstStyle/>
+          <a:p>
+            <a:fld id="{EB8B6B8F-4498-4E9D-8DE1-125892E25737}" type="slidenum">
+              <a:rPr lang="en-IN" smtClean="0"/>
+              <a:t>42</a:t>
+            </a:fld>
+            <a:endParaRPr lang="en-IN"/>
+          </a:p>
+        </p:txBody>
+      </p:sp>
+    </p:spTree>
+    <p:extLst>
+      <p:ext uri="{BB962C8B-B14F-4D97-AF65-F5344CB8AC3E}">
+        <p14:creationId xmlns:p14="http://schemas.microsoft.com/office/powerpoint/2010/main" val="551063399"/>
+      </p:ext>
+    </p:extLst>
+  </p:cSld>
+  <p:clrMapOvr>
+    <a:masterClrMapping/>
+  </p:clrMapOvr>
+</p:notes>
+</file>
+
 <file path=ppt/notesSlides/notesSlide3.xml><?xml version="1.0" encoding="utf-8"?>
 <p:notes xmlns:a="http://schemas.openxmlformats.org/drawingml/2006/main" xmlns:r="http://schemas.openxmlformats.org/officeDocument/2006/relationships" xmlns:p="http://schemas.openxmlformats.org/presentationml/2006/main">
   <p:cSld>
@@ -3025,7 +3116,7 @@
           <a:p>
             <a:fld id="{D4BA8270-C9CF-44CA-BE5A-02C2BDCCEDE4}" type="datetimeFigureOut">
               <a:rPr lang="en-GB" smtClean="0"/>
-              <a:t>27/04/2020</a:t>
+              <a:t>28/04/2020</a:t>
             </a:fld>
             <a:endParaRPr lang="en-GB"/>
           </a:p>
@@ -3300,7 +3391,7 @@
           <a:p>
             <a:fld id="{D4BA8270-C9CF-44CA-BE5A-02C2BDCCEDE4}" type="datetimeFigureOut">
               <a:rPr lang="en-GB" smtClean="0"/>
-              <a:t>27/04/2020</a:t>
+              <a:t>28/04/2020</a:t>
             </a:fld>
             <a:endParaRPr lang="en-GB"/>
           </a:p>
@@ -3494,7 +3585,7 @@
           <a:p>
             <a:fld id="{D4BA8270-C9CF-44CA-BE5A-02C2BDCCEDE4}" type="datetimeFigureOut">
               <a:rPr lang="en-GB" smtClean="0"/>
-              <a:t>27/04/2020</a:t>
+              <a:t>28/04/2020</a:t>
             </a:fld>
             <a:endParaRPr lang="en-GB"/>
           </a:p>
@@ -3767,7 +3858,7 @@
           <a:p>
             <a:fld id="{D4BA8270-C9CF-44CA-BE5A-02C2BDCCEDE4}" type="datetimeFigureOut">
               <a:rPr lang="en-GB" smtClean="0"/>
-              <a:t>27/04/2020</a:t>
+              <a:t>28/04/2020</a:t>
             </a:fld>
             <a:endParaRPr lang="en-GB"/>
           </a:p>
@@ -4108,7 +4199,7 @@
           <a:p>
             <a:fld id="{D4BA8270-C9CF-44CA-BE5A-02C2BDCCEDE4}" type="datetimeFigureOut">
               <a:rPr lang="en-GB" smtClean="0"/>
-              <a:t>27/04/2020</a:t>
+              <a:t>28/04/2020</a:t>
             </a:fld>
             <a:endParaRPr lang="en-GB"/>
           </a:p>
@@ -4731,7 +4822,7 @@
           <a:p>
             <a:fld id="{D4BA8270-C9CF-44CA-BE5A-02C2BDCCEDE4}" type="datetimeFigureOut">
               <a:rPr lang="en-GB" smtClean="0"/>
-              <a:t>27/04/2020</a:t>
+              <a:t>28/04/2020</a:t>
             </a:fld>
             <a:endParaRPr lang="en-GB"/>
           </a:p>
@@ -5591,7 +5682,7 @@
           <a:p>
             <a:fld id="{D4BA8270-C9CF-44CA-BE5A-02C2BDCCEDE4}" type="datetimeFigureOut">
               <a:rPr lang="en-GB" smtClean="0"/>
-              <a:t>27/04/2020</a:t>
+              <a:t>28/04/2020</a:t>
             </a:fld>
             <a:endParaRPr lang="en-GB"/>
           </a:p>
@@ -5761,7 +5852,7 @@
           <a:p>
             <a:fld id="{D4BA8270-C9CF-44CA-BE5A-02C2BDCCEDE4}" type="datetimeFigureOut">
               <a:rPr lang="en-GB" smtClean="0"/>
-              <a:t>27/04/2020</a:t>
+              <a:t>28/04/2020</a:t>
             </a:fld>
             <a:endParaRPr lang="en-GB"/>
           </a:p>
@@ -5941,7 +6032,7 @@
           <a:p>
             <a:fld id="{D4BA8270-C9CF-44CA-BE5A-02C2BDCCEDE4}" type="datetimeFigureOut">
               <a:rPr lang="en-GB" smtClean="0"/>
-              <a:t>27/04/2020</a:t>
+              <a:t>28/04/2020</a:t>
             </a:fld>
             <a:endParaRPr lang="en-GB"/>
           </a:p>
@@ -6111,7 +6202,7 @@
           <a:p>
             <a:fld id="{D4BA8270-C9CF-44CA-BE5A-02C2BDCCEDE4}" type="datetimeFigureOut">
               <a:rPr lang="en-GB" smtClean="0"/>
-              <a:t>27/04/2020</a:t>
+              <a:t>28/04/2020</a:t>
             </a:fld>
             <a:endParaRPr lang="en-GB"/>
           </a:p>
@@ -6358,7 +6449,7 @@
           <a:p>
             <a:fld id="{D4BA8270-C9CF-44CA-BE5A-02C2BDCCEDE4}" type="datetimeFigureOut">
               <a:rPr lang="en-GB" smtClean="0"/>
-              <a:t>27/04/2020</a:t>
+              <a:t>28/04/2020</a:t>
             </a:fld>
             <a:endParaRPr lang="en-GB"/>
           </a:p>
@@ -6650,7 +6741,7 @@
           <a:p>
             <a:fld id="{D4BA8270-C9CF-44CA-BE5A-02C2BDCCEDE4}" type="datetimeFigureOut">
               <a:rPr lang="en-GB" smtClean="0"/>
-              <a:t>27/04/2020</a:t>
+              <a:t>28/04/2020</a:t>
             </a:fld>
             <a:endParaRPr lang="en-GB"/>
           </a:p>
@@ -7094,7 +7185,7 @@
           <a:p>
             <a:fld id="{D4BA8270-C9CF-44CA-BE5A-02C2BDCCEDE4}" type="datetimeFigureOut">
               <a:rPr lang="en-GB" smtClean="0"/>
-              <a:t>27/04/2020</a:t>
+              <a:t>28/04/2020</a:t>
             </a:fld>
             <a:endParaRPr lang="en-GB"/>
           </a:p>
@@ -7212,7 +7303,7 @@
           <a:p>
             <a:fld id="{D4BA8270-C9CF-44CA-BE5A-02C2BDCCEDE4}" type="datetimeFigureOut">
               <a:rPr lang="en-GB" smtClean="0"/>
-              <a:t>27/04/2020</a:t>
+              <a:t>28/04/2020</a:t>
             </a:fld>
             <a:endParaRPr lang="en-GB"/>
           </a:p>
@@ -7307,7 +7398,7 @@
           <a:p>
             <a:fld id="{D4BA8270-C9CF-44CA-BE5A-02C2BDCCEDE4}" type="datetimeFigureOut">
               <a:rPr lang="en-GB" smtClean="0"/>
-              <a:t>27/04/2020</a:t>
+              <a:t>28/04/2020</a:t>
             </a:fld>
             <a:endParaRPr lang="en-GB"/>
           </a:p>
@@ -7586,7 +7677,7 @@
           <a:p>
             <a:fld id="{D4BA8270-C9CF-44CA-BE5A-02C2BDCCEDE4}" type="datetimeFigureOut">
               <a:rPr lang="en-GB" smtClean="0"/>
-              <a:t>27/04/2020</a:t>
+              <a:t>28/04/2020</a:t>
             </a:fld>
             <a:endParaRPr lang="en-GB"/>
           </a:p>
@@ -7861,7 +7952,7 @@
           <a:p>
             <a:fld id="{D4BA8270-C9CF-44CA-BE5A-02C2BDCCEDE4}" type="datetimeFigureOut">
               <a:rPr lang="en-GB" smtClean="0"/>
-              <a:t>27/04/2020</a:t>
+              <a:t>28/04/2020</a:t>
             </a:fld>
             <a:endParaRPr lang="en-GB"/>
           </a:p>
@@ -8290,7 +8381,7 @@
           <a:p>
             <a:fld id="{D4BA8270-C9CF-44CA-BE5A-02C2BDCCEDE4}" type="datetimeFigureOut">
               <a:rPr lang="en-GB" smtClean="0"/>
-              <a:t>27/04/2020</a:t>
+              <a:t>28/04/2020</a:t>
             </a:fld>
             <a:endParaRPr lang="en-GB"/>
           </a:p>
@@ -19723,8 +19814,29 @@
             </a:pPr>
             <a:r>
               <a:rPr lang="en-IN" sz="1400" dirty="0"/>
-              <a:t>If Student is an interface we can access this method by passing an ArrayList of either Student Type or super class of implementation class of Student.</a:t>
-            </a:r>
+              <a:t>If Student is an interface we can access this method by passing an ArrayList of either Student Type or super </a:t>
+            </a:r>
+            <a:r>
+              <a:rPr lang="en-IN" sz="1400" dirty="0" smtClean="0"/>
+              <a:t>interface </a:t>
+            </a:r>
+            <a:r>
+              <a:rPr lang="en-IN" sz="1400" dirty="0"/>
+              <a:t>of </a:t>
+            </a:r>
+            <a:r>
+              <a:rPr lang="en-IN" sz="1400" dirty="0" smtClean="0"/>
+              <a:t> Student</a:t>
+            </a:r>
+            <a:r>
+              <a:rPr lang="en-IN" sz="1400" dirty="0"/>
+              <a:t> </a:t>
+            </a:r>
+            <a:r>
+              <a:rPr lang="en-IN" sz="1400" dirty="0" smtClean="0"/>
+              <a:t>or Object</a:t>
+            </a:r>
+            <a:endParaRPr lang="en-IN" sz="1400" dirty="0"/>
           </a:p>
           <a:p>
             <a:pPr lvl="1">
@@ -19736,7 +19848,15 @@
             </a:pPr>
             <a:r>
               <a:rPr lang="en-IN" sz="1400" dirty="0"/>
-              <a:t>Within this method we can Add Student type of objects and also null to the ArrayList .</a:t>
+              <a:t>Within this method we can Add Student </a:t>
+            </a:r>
+            <a:r>
+              <a:rPr lang="en-IN" sz="1400" dirty="0" smtClean="0"/>
+              <a:t>type/child classes of Student type </a:t>
+            </a:r>
+            <a:r>
+              <a:rPr lang="en-IN" sz="1400" dirty="0"/>
+              <a:t>and also null to the ArrayList .</a:t>
             </a:r>
           </a:p>
           <a:p>
@@ -20467,12 +20587,19 @@
               <a:t>In this example, the compiler processes the </a:t>
             </a:r>
             <a:r>
-              <a:rPr lang="en-IN" dirty="0" err="1"/>
-              <a:t>i</a:t>
-            </a:r>
-            <a:r>
-              <a:rPr lang="en-IN" dirty="0"/>
-              <a:t> input parameter as being of type Object. When the foo method invokes </a:t>
+              <a:rPr lang="en-IN" dirty="0">
+                <a:latin typeface="Verdana" panose="020B0604030504040204" pitchFamily="34" charset="0"/>
+                <a:ea typeface="Verdana" panose="020B0604030504040204" pitchFamily="34" charset="0"/>
+              </a:rPr>
+              <a:t>?</a:t>
+            </a:r>
+            <a:r>
+              <a:rPr lang="en-IN" dirty="0" smtClean="0"/>
+              <a:t> </a:t>
+            </a:r>
+            <a:r>
+              <a:rPr lang="en-IN" dirty="0"/>
+              <a:t>input parameter as being of type Object. When the foo method invokes </a:t>
             </a:r>
             <a:r>
               <a:rPr lang="en-IN" dirty="0" err="1"/>
@@ -24707,7 +24834,7 @@
         </p:spPr>
         <p:txBody>
           <a:bodyPr>
-            <a:normAutofit fontScale="77500" lnSpcReduction="20000"/>
+            <a:normAutofit fontScale="85000" lnSpcReduction="20000"/>
           </a:bodyPr>
           <a:lstStyle/>
           <a:p>
@@ -24737,29 +24864,29 @@
             </a:r>
             <a:r>
               <a:rPr lang="en-IN" dirty="0"/>
-              <a:t> type. See the section Arbitrary Number of Arguments in Passing Information to a Method or a Constructor for more information about </a:t>
-            </a:r>
-            <a:r>
-              <a:rPr lang="en-IN" dirty="0" err="1"/>
-              <a:t>varargs</a:t>
-            </a:r>
-            <a:r>
-              <a:rPr lang="en-IN" dirty="0"/>
-              <a:t> methods.</a:t>
-            </a:r>
-          </a:p>
-          <a:p>
+              <a:t> </a:t>
+            </a:r>
+            <a:r>
+              <a:rPr lang="en-IN" dirty="0" smtClean="0"/>
+              <a:t>type</a:t>
+            </a:r>
+          </a:p>
+          <a:p>
+            <a:r>
+              <a:rPr lang="en-IN" b="1" u="sng" dirty="0" smtClean="0"/>
+              <a:t>Non-</a:t>
+            </a:r>
+            <a:r>
+              <a:rPr lang="en-IN" b="1" u="sng" dirty="0" err="1" smtClean="0"/>
+              <a:t>Reifiable</a:t>
+            </a:r>
+            <a:r>
+              <a:rPr lang="en-IN" b="1" u="sng" dirty="0" smtClean="0"/>
+              <a:t> </a:t>
+            </a:r>
             <a:r>
               <a:rPr lang="en-IN" b="1" u="sng" dirty="0"/>
-              <a:t>Non-</a:t>
-            </a:r>
-            <a:r>
-              <a:rPr lang="en-IN" b="1" u="sng" dirty="0" err="1"/>
-              <a:t>Reifiable</a:t>
-            </a:r>
-            <a:r>
-              <a:rPr lang="en-IN" b="1" u="sng" dirty="0"/>
-              <a:t> Types</a:t>
+              <a:t>Types</a:t>
             </a:r>
           </a:p>
           <a:p>
@@ -24803,7 +24930,15 @@
             </a:r>
             <a:r>
               <a:rPr lang="en-IN" dirty="0"/>
-              <a:t> types are List&lt;String&gt; and List&lt;Number&gt;; the JVM cannot tell the difference between these types at runtime. As shown in Restrictions on Generics, there are certain situations where non-</a:t>
+              <a:t> types are List&lt;String&gt; and List&lt;Number&gt;; the JVM cannot tell the difference between these types at </a:t>
+            </a:r>
+            <a:r>
+              <a:rPr lang="en-IN" dirty="0" smtClean="0"/>
+              <a:t>runtime, </a:t>
+            </a:r>
+            <a:r>
+              <a:rPr lang="en-IN" dirty="0"/>
+              <a:t>there are certain situations where non-</a:t>
             </a:r>
             <a:r>
               <a:rPr lang="en-IN" dirty="0" err="1"/>
@@ -28323,1180 +28458,6 @@
 </file>
 
 <file path=ppt/slides/slide70.xml><?xml version="1.0" encoding="utf-8"?>
-<p:sld xmlns:a="http://schemas.openxmlformats.org/drawingml/2006/main" xmlns:r="http://schemas.openxmlformats.org/officeDocument/2006/relationships" xmlns:p="http://schemas.openxmlformats.org/presentationml/2006/main">
-  <p:cSld>
-    <p:spTree>
-      <p:nvGrpSpPr>
-        <p:cNvPr id="1" name=""/>
-        <p:cNvGrpSpPr/>
-        <p:nvPr/>
-      </p:nvGrpSpPr>
-      <p:grpSpPr>
-        <a:xfrm>
-          <a:off x="0" y="0"/>
-          <a:ext cx="0" cy="0"/>
-          <a:chOff x="0" y="0"/>
-          <a:chExt cx="0" cy="0"/>
-        </a:xfrm>
-      </p:grpSpPr>
-      <p:sp>
-        <p:nvSpPr>
-          <p:cNvPr id="2" name="Title 1"/>
-          <p:cNvSpPr>
-            <a:spLocks noGrp="1"/>
-          </p:cNvSpPr>
-          <p:nvPr>
-            <p:ph type="title"/>
-          </p:nvPr>
-        </p:nvSpPr>
-        <p:spPr>
-          <a:xfrm>
-            <a:off x="275175" y="99035"/>
-            <a:ext cx="9404723" cy="401297"/>
-          </a:xfrm>
-        </p:spPr>
-        <p:txBody>
-          <a:bodyPr/>
-          <a:lstStyle/>
-          <a:p>
-            <a:r>
-              <a:rPr lang="en-GB" sz="1600" b="1" dirty="0"/>
-              <a:t>Questions and Exercises: Generics</a:t>
-            </a:r>
-            <a:br>
-              <a:rPr lang="en-GB" sz="1600" b="1" dirty="0"/>
-            </a:br>
-            <a:endParaRPr lang="en-GB" sz="1600" dirty="0"/>
-          </a:p>
-        </p:txBody>
-      </p:sp>
-      <p:sp>
-        <p:nvSpPr>
-          <p:cNvPr id="3" name="Content Placeholder 2"/>
-          <p:cNvSpPr>
-            <a:spLocks noGrp="1"/>
-          </p:cNvSpPr>
-          <p:nvPr>
-            <p:ph idx="1"/>
-          </p:nvPr>
-        </p:nvSpPr>
-        <p:spPr>
-          <a:xfrm>
-            <a:off x="275175" y="500332"/>
-            <a:ext cx="11715541" cy="5748067"/>
-          </a:xfrm>
-        </p:spPr>
-        <p:txBody>
-          <a:bodyPr>
-            <a:normAutofit fontScale="40000" lnSpcReduction="20000"/>
-          </a:bodyPr>
-          <a:lstStyle/>
-          <a:p>
-            <a:r>
-              <a:rPr lang="en-IN" dirty="0"/>
-              <a:t>Q1-Write a generic method to count the number of elements in a collection that have a specific property (for example, odd integers, prime numbers, palindromes).</a:t>
-            </a:r>
-          </a:p>
-          <a:p>
-            <a:r>
-              <a:rPr lang="en-IN" dirty="0"/>
-              <a:t>Q2:-Will the following class compile</a:t>
-            </a:r>
-            <a:r>
-              <a:rPr lang="en-IN" dirty="0">
-                <a:latin typeface="Times New Roman" panose="02020603050405020304" pitchFamily="18" charset="0"/>
-                <a:cs typeface="Times New Roman" panose="02020603050405020304" pitchFamily="18" charset="0"/>
-              </a:rPr>
-              <a:t>?</a:t>
-            </a:r>
-            <a:r>
-              <a:rPr lang="en-IN" dirty="0"/>
-              <a:t> If not, why</a:t>
-            </a:r>
-            <a:r>
-              <a:rPr lang="en-IN" dirty="0">
-                <a:latin typeface="Times New Roman" panose="02020603050405020304" pitchFamily="18" charset="0"/>
-                <a:cs typeface="Times New Roman" panose="02020603050405020304" pitchFamily="18" charset="0"/>
-              </a:rPr>
-              <a:t>?</a:t>
-            </a:r>
-          </a:p>
-          <a:p>
-            <a:pPr lvl="1"/>
-            <a:r>
-              <a:rPr lang="en-IN" dirty="0"/>
-              <a:t>public final class Algorithm {</a:t>
-            </a:r>
-          </a:p>
-          <a:p>
-            <a:pPr marL="857250" lvl="2" indent="0">
-              <a:buNone/>
-            </a:pPr>
-            <a:r>
-              <a:rPr lang="en-IN" dirty="0"/>
-              <a:t>    public static &lt;T&gt; T max(T x, T y) {</a:t>
-            </a:r>
-          </a:p>
-          <a:p>
-            <a:pPr marL="857250" lvl="2" indent="0">
-              <a:buNone/>
-            </a:pPr>
-            <a:r>
-              <a:rPr lang="en-IN" dirty="0"/>
-              <a:t>        return x &gt; y </a:t>
-            </a:r>
-            <a:r>
-              <a:rPr lang="en-IN" dirty="0">
-                <a:latin typeface="Times New Roman" panose="02020603050405020304" pitchFamily="18" charset="0"/>
-                <a:cs typeface="Times New Roman" panose="02020603050405020304" pitchFamily="18" charset="0"/>
-              </a:rPr>
-              <a:t>?</a:t>
-            </a:r>
-            <a:r>
-              <a:rPr lang="en-IN" dirty="0"/>
-              <a:t> x : y;</a:t>
-            </a:r>
-          </a:p>
-          <a:p>
-            <a:pPr marL="857250" lvl="2" indent="0">
-              <a:buNone/>
-            </a:pPr>
-            <a:r>
-              <a:rPr lang="en-IN" dirty="0"/>
-              <a:t>    }</a:t>
-            </a:r>
-          </a:p>
-          <a:p>
-            <a:pPr marL="857250" lvl="2" indent="0">
-              <a:buNone/>
-            </a:pPr>
-            <a:r>
-              <a:rPr lang="en-IN" dirty="0"/>
-              <a:t>}</a:t>
-            </a:r>
-          </a:p>
-          <a:p>
-            <a:r>
-              <a:rPr lang="en-IN" dirty="0"/>
-              <a:t>Q3:-Write a generic method to exchange the positions of two different elements in an array.</a:t>
-            </a:r>
-          </a:p>
-          <a:p>
-            <a:r>
-              <a:rPr lang="en-IN" dirty="0"/>
-              <a:t>Q4:-If the compiler erases all type parameters at compile time, why should you use generics</a:t>
-            </a:r>
-            <a:r>
-              <a:rPr lang="en-IN" dirty="0">
-                <a:latin typeface="Times New Roman" panose="02020603050405020304" pitchFamily="18" charset="0"/>
-                <a:cs typeface="Times New Roman" panose="02020603050405020304" pitchFamily="18" charset="0"/>
-              </a:rPr>
-              <a:t>?</a:t>
-            </a:r>
-          </a:p>
-          <a:p>
-            <a:r>
-              <a:rPr lang="en-IN" dirty="0"/>
-              <a:t>5:-What is the following class converted to after type erasure</a:t>
-            </a:r>
-            <a:r>
-              <a:rPr lang="en-IN" dirty="0">
-                <a:latin typeface="Times New Roman" panose="02020603050405020304" pitchFamily="18" charset="0"/>
-                <a:cs typeface="Times New Roman" panose="02020603050405020304" pitchFamily="18" charset="0"/>
-              </a:rPr>
-              <a:t>?</a:t>
-            </a:r>
-          </a:p>
-          <a:p>
-            <a:pPr lvl="1"/>
-            <a:r>
-              <a:rPr lang="en-IN" dirty="0"/>
-              <a:t>public class Pair&lt;K, V&gt; {</a:t>
-            </a:r>
-          </a:p>
-          <a:p>
-            <a:pPr marL="857250" lvl="2" indent="0">
-              <a:buNone/>
-            </a:pPr>
-            <a:r>
-              <a:rPr lang="en-IN" dirty="0"/>
-              <a:t>    public Pair(K key, V value) {</a:t>
-            </a:r>
-          </a:p>
-          <a:p>
-            <a:pPr marL="857250" lvl="2" indent="0">
-              <a:buNone/>
-            </a:pPr>
-            <a:r>
-              <a:rPr lang="en-IN" dirty="0"/>
-              <a:t>        </a:t>
-            </a:r>
-            <a:r>
-              <a:rPr lang="en-IN" dirty="0" err="1"/>
-              <a:t>this.key</a:t>
-            </a:r>
-            <a:r>
-              <a:rPr lang="en-IN" dirty="0"/>
-              <a:t> = key;</a:t>
-            </a:r>
-          </a:p>
-          <a:p>
-            <a:pPr marL="857250" lvl="2" indent="0">
-              <a:buNone/>
-            </a:pPr>
-            <a:r>
-              <a:rPr lang="en-IN" dirty="0"/>
-              <a:t>        </a:t>
-            </a:r>
-            <a:r>
-              <a:rPr lang="en-IN" dirty="0" err="1"/>
-              <a:t>this.value</a:t>
-            </a:r>
-            <a:r>
-              <a:rPr lang="en-IN" dirty="0"/>
-              <a:t> = value;</a:t>
-            </a:r>
-          </a:p>
-          <a:p>
-            <a:pPr marL="857250" lvl="2" indent="0">
-              <a:buNone/>
-            </a:pPr>
-            <a:r>
-              <a:rPr lang="en-IN" dirty="0"/>
-              <a:t>    }</a:t>
-            </a:r>
-          </a:p>
-          <a:p>
-            <a:pPr marL="857250" lvl="2" indent="0">
-              <a:buNone/>
-            </a:pPr>
-            <a:r>
-              <a:rPr lang="en-IN" dirty="0"/>
-              <a:t>    public K </a:t>
-            </a:r>
-            <a:r>
-              <a:rPr lang="en-IN" dirty="0" err="1"/>
-              <a:t>getKey</a:t>
-            </a:r>
-            <a:r>
-              <a:rPr lang="en-IN" dirty="0"/>
-              <a:t>(); { return key; }</a:t>
-            </a:r>
-          </a:p>
-          <a:p>
-            <a:pPr marL="857250" lvl="2" indent="0">
-              <a:buNone/>
-            </a:pPr>
-            <a:r>
-              <a:rPr lang="en-IN" dirty="0"/>
-              <a:t>    public V </a:t>
-            </a:r>
-            <a:r>
-              <a:rPr lang="en-IN" dirty="0" err="1"/>
-              <a:t>getValue</a:t>
-            </a:r>
-            <a:r>
-              <a:rPr lang="en-IN" dirty="0"/>
-              <a:t>(); { return value; }</a:t>
-            </a:r>
-          </a:p>
-          <a:p>
-            <a:pPr marL="857250" lvl="2" indent="0">
-              <a:buNone/>
-            </a:pPr>
-            <a:r>
-              <a:rPr lang="en-IN" dirty="0"/>
-              <a:t>    public void </a:t>
-            </a:r>
-            <a:r>
-              <a:rPr lang="en-IN" dirty="0" err="1"/>
-              <a:t>setKey</a:t>
-            </a:r>
-            <a:r>
-              <a:rPr lang="en-IN" dirty="0"/>
-              <a:t>(K key)     { </a:t>
-            </a:r>
-            <a:r>
-              <a:rPr lang="en-IN" dirty="0" err="1"/>
-              <a:t>this.key</a:t>
-            </a:r>
-            <a:r>
-              <a:rPr lang="en-IN" dirty="0"/>
-              <a:t> = key; }</a:t>
-            </a:r>
-          </a:p>
-          <a:p>
-            <a:pPr marL="857250" lvl="2" indent="0">
-              <a:buNone/>
-            </a:pPr>
-            <a:r>
-              <a:rPr lang="en-IN" dirty="0"/>
-              <a:t>    public void </a:t>
-            </a:r>
-            <a:r>
-              <a:rPr lang="en-IN" dirty="0" err="1"/>
-              <a:t>setValue</a:t>
-            </a:r>
-            <a:r>
-              <a:rPr lang="en-IN" dirty="0"/>
-              <a:t>(V value) { </a:t>
-            </a:r>
-            <a:r>
-              <a:rPr lang="en-IN" dirty="0" err="1"/>
-              <a:t>this.value</a:t>
-            </a:r>
-            <a:r>
-              <a:rPr lang="en-IN" dirty="0"/>
-              <a:t> = value; }</a:t>
-            </a:r>
-          </a:p>
-          <a:p>
-            <a:pPr marL="857250" lvl="2" indent="0">
-              <a:buNone/>
-            </a:pPr>
-            <a:r>
-              <a:rPr lang="en-IN" dirty="0"/>
-              <a:t>    private K key;</a:t>
-            </a:r>
-          </a:p>
-          <a:p>
-            <a:pPr marL="857250" lvl="2" indent="0">
-              <a:buNone/>
-            </a:pPr>
-            <a:r>
-              <a:rPr lang="en-IN" dirty="0"/>
-              <a:t>    private V value;</a:t>
-            </a:r>
-          </a:p>
-          <a:p>
-            <a:pPr marL="857250" lvl="2" indent="0">
-              <a:buNone/>
-            </a:pPr>
-            <a:r>
-              <a:rPr lang="en-IN" dirty="0"/>
-              <a:t>}</a:t>
-            </a:r>
-          </a:p>
-          <a:p>
-            <a:r>
-              <a:rPr lang="en-IN" dirty="0"/>
-              <a:t>Q6:-What is the following method converted to after type erasure</a:t>
-            </a:r>
-            <a:r>
-              <a:rPr lang="en-IN" dirty="0">
-                <a:latin typeface="Times New Roman" panose="02020603050405020304" pitchFamily="18" charset="0"/>
-                <a:cs typeface="Times New Roman" panose="02020603050405020304" pitchFamily="18" charset="0"/>
-              </a:rPr>
-              <a:t>?</a:t>
-            </a:r>
-          </a:p>
-          <a:p>
-            <a:pPr lvl="1"/>
-            <a:r>
-              <a:rPr lang="en-IN" dirty="0"/>
-              <a:t>public static &lt;T extends Comparable&lt;T&gt;&gt;</a:t>
-            </a:r>
-          </a:p>
-          <a:p>
-            <a:pPr marL="857250" lvl="2" indent="0">
-              <a:buNone/>
-            </a:pPr>
-            <a:r>
-              <a:rPr lang="en-IN" dirty="0"/>
-              <a:t>    </a:t>
-            </a:r>
-            <a:r>
-              <a:rPr lang="en-IN" dirty="0" err="1"/>
-              <a:t>int</a:t>
-            </a:r>
-            <a:r>
-              <a:rPr lang="en-IN" dirty="0"/>
-              <a:t> </a:t>
-            </a:r>
-            <a:r>
-              <a:rPr lang="en-IN" dirty="0" err="1"/>
-              <a:t>findFirstGreaterThan</a:t>
-            </a:r>
-            <a:r>
-              <a:rPr lang="en-IN" dirty="0"/>
-              <a:t>(T[] at, T </a:t>
-            </a:r>
-            <a:r>
-              <a:rPr lang="en-IN" dirty="0" err="1"/>
-              <a:t>elem</a:t>
-            </a:r>
-            <a:r>
-              <a:rPr lang="en-IN" dirty="0"/>
-              <a:t>) {</a:t>
-            </a:r>
-          </a:p>
-          <a:p>
-            <a:pPr marL="857250" lvl="2" indent="0">
-              <a:buNone/>
-            </a:pPr>
-            <a:r>
-              <a:rPr lang="en-IN" dirty="0"/>
-              <a:t>    // ...</a:t>
-            </a:r>
-          </a:p>
-          <a:p>
-            <a:pPr marL="857250" lvl="2" indent="0">
-              <a:buNone/>
-            </a:pPr>
-            <a:r>
-              <a:rPr lang="en-IN" dirty="0"/>
-              <a:t>}</a:t>
-            </a:r>
-          </a:p>
-        </p:txBody>
-      </p:sp>
-    </p:spTree>
-    <p:extLst>
-      <p:ext uri="{BB962C8B-B14F-4D97-AF65-F5344CB8AC3E}">
-        <p14:creationId xmlns:p14="http://schemas.microsoft.com/office/powerpoint/2010/main" val="1307029869"/>
-      </p:ext>
-    </p:extLst>
-  </p:cSld>
-  <p:clrMapOvr>
-    <a:masterClrMapping/>
-  </p:clrMapOvr>
-</p:sld>
-</file>
-
-<file path=ppt/slides/slide71.xml><?xml version="1.0" encoding="utf-8"?>
-<p:sld xmlns:a="http://schemas.openxmlformats.org/drawingml/2006/main" xmlns:r="http://schemas.openxmlformats.org/officeDocument/2006/relationships" xmlns:p="http://schemas.openxmlformats.org/presentationml/2006/main">
-  <p:cSld>
-    <p:spTree>
-      <p:nvGrpSpPr>
-        <p:cNvPr id="1" name=""/>
-        <p:cNvGrpSpPr/>
-        <p:nvPr/>
-      </p:nvGrpSpPr>
-      <p:grpSpPr>
-        <a:xfrm>
-          <a:off x="0" y="0"/>
-          <a:ext cx="0" cy="0"/>
-          <a:chOff x="0" y="0"/>
-          <a:chExt cx="0" cy="0"/>
-        </a:xfrm>
-      </p:grpSpPr>
-      <p:sp>
-        <p:nvSpPr>
-          <p:cNvPr id="2" name="Title 1"/>
-          <p:cNvSpPr>
-            <a:spLocks noGrp="1"/>
-          </p:cNvSpPr>
-          <p:nvPr>
-            <p:ph type="title"/>
-          </p:nvPr>
-        </p:nvSpPr>
-        <p:spPr>
-          <a:xfrm>
-            <a:off x="275175" y="99035"/>
-            <a:ext cx="9404723" cy="401297"/>
-          </a:xfrm>
-        </p:spPr>
-        <p:txBody>
-          <a:bodyPr/>
-          <a:lstStyle/>
-          <a:p>
-            <a:r>
-              <a:rPr lang="en-GB" sz="1600" b="1" dirty="0"/>
-              <a:t>Questions and Exercises: Generics</a:t>
-            </a:r>
-            <a:br>
-              <a:rPr lang="en-GB" sz="1600" b="1" dirty="0"/>
-            </a:br>
-            <a:endParaRPr lang="en-GB" sz="1600" dirty="0"/>
-          </a:p>
-        </p:txBody>
-      </p:sp>
-      <p:sp>
-        <p:nvSpPr>
-          <p:cNvPr id="3" name="Content Placeholder 2"/>
-          <p:cNvSpPr>
-            <a:spLocks noGrp="1"/>
-          </p:cNvSpPr>
-          <p:nvPr>
-            <p:ph idx="1"/>
-          </p:nvPr>
-        </p:nvSpPr>
-        <p:spPr>
-          <a:xfrm>
-            <a:off x="275175" y="500332"/>
-            <a:ext cx="11715541" cy="5748067"/>
-          </a:xfrm>
-        </p:spPr>
-        <p:txBody>
-          <a:bodyPr>
-            <a:normAutofit fontScale="47500" lnSpcReduction="20000"/>
-          </a:bodyPr>
-          <a:lstStyle/>
-          <a:p>
-            <a:r>
-              <a:rPr lang="en-IN" dirty="0"/>
-              <a:t>Q7:-Will the following method compile</a:t>
-            </a:r>
-            <a:r>
-              <a:rPr lang="en-IN" dirty="0">
-                <a:latin typeface="Times New Roman" panose="02020603050405020304" pitchFamily="18" charset="0"/>
-                <a:cs typeface="Times New Roman" panose="02020603050405020304" pitchFamily="18" charset="0"/>
-              </a:rPr>
-              <a:t>?</a:t>
-            </a:r>
-            <a:r>
-              <a:rPr lang="en-IN" dirty="0"/>
-              <a:t> If not, why</a:t>
-            </a:r>
-            <a:r>
-              <a:rPr lang="en-IN" dirty="0">
-                <a:latin typeface="Times New Roman" panose="02020603050405020304" pitchFamily="18" charset="0"/>
-                <a:cs typeface="Times New Roman" panose="02020603050405020304" pitchFamily="18" charset="0"/>
-              </a:rPr>
-              <a:t>?</a:t>
-            </a:r>
-          </a:p>
-          <a:p>
-            <a:pPr lvl="1"/>
-            <a:r>
-              <a:rPr lang="en-IN" dirty="0"/>
-              <a:t>public static void print(List&lt;</a:t>
-            </a:r>
-            <a:r>
-              <a:rPr lang="en-IN" dirty="0">
-                <a:latin typeface="Times New Roman" panose="02020603050405020304" pitchFamily="18" charset="0"/>
-                <a:cs typeface="Times New Roman" panose="02020603050405020304" pitchFamily="18" charset="0"/>
-              </a:rPr>
-              <a:t>?</a:t>
-            </a:r>
-            <a:r>
-              <a:rPr lang="en-IN" dirty="0"/>
-              <a:t> extends Number&gt; list) {</a:t>
-            </a:r>
-          </a:p>
-          <a:p>
-            <a:pPr marL="857250" lvl="2" indent="0">
-              <a:buNone/>
-            </a:pPr>
-            <a:r>
-              <a:rPr lang="en-IN" dirty="0"/>
-              <a:t>    for (Number n : list)</a:t>
-            </a:r>
-          </a:p>
-          <a:p>
-            <a:pPr marL="857250" lvl="2" indent="0">
-              <a:buNone/>
-            </a:pPr>
-            <a:r>
-              <a:rPr lang="en-IN" dirty="0"/>
-              <a:t>        </a:t>
-            </a:r>
-            <a:r>
-              <a:rPr lang="en-IN" dirty="0" err="1"/>
-              <a:t>System.out.print</a:t>
-            </a:r>
-            <a:r>
-              <a:rPr lang="en-IN" dirty="0"/>
-              <a:t>(n + " ");</a:t>
-            </a:r>
-          </a:p>
-          <a:p>
-            <a:pPr marL="857250" lvl="2" indent="0">
-              <a:buNone/>
-            </a:pPr>
-            <a:r>
-              <a:rPr lang="en-IN" dirty="0"/>
-              <a:t>    </a:t>
-            </a:r>
-            <a:r>
-              <a:rPr lang="en-IN" dirty="0" err="1"/>
-              <a:t>System.out.println</a:t>
-            </a:r>
-            <a:r>
-              <a:rPr lang="en-IN" dirty="0"/>
-              <a:t>();</a:t>
-            </a:r>
-          </a:p>
-          <a:p>
-            <a:pPr marL="857250" lvl="2" indent="0">
-              <a:buNone/>
-            </a:pPr>
-            <a:r>
-              <a:rPr lang="en-IN" dirty="0"/>
-              <a:t>}</a:t>
-            </a:r>
-          </a:p>
-          <a:p>
-            <a:r>
-              <a:rPr lang="en-IN" dirty="0"/>
-              <a:t>Q8:-Write a generic method to find the maximal element in the range [begin, end) of a list.</a:t>
-            </a:r>
-          </a:p>
-          <a:p>
-            <a:r>
-              <a:rPr lang="en-IN" dirty="0"/>
-              <a:t>Q9:-Will the following class compile</a:t>
-            </a:r>
-            <a:r>
-              <a:rPr lang="en-IN" dirty="0">
-                <a:latin typeface="Times New Roman" panose="02020603050405020304" pitchFamily="18" charset="0"/>
-                <a:cs typeface="Times New Roman" panose="02020603050405020304" pitchFamily="18" charset="0"/>
-              </a:rPr>
-              <a:t>?</a:t>
-            </a:r>
-            <a:r>
-              <a:rPr lang="en-IN" dirty="0"/>
-              <a:t> If not, why</a:t>
-            </a:r>
-            <a:r>
-              <a:rPr lang="en-IN" dirty="0">
-                <a:latin typeface="Times New Roman" panose="02020603050405020304" pitchFamily="18" charset="0"/>
-                <a:cs typeface="Times New Roman" panose="02020603050405020304" pitchFamily="18" charset="0"/>
-              </a:rPr>
-              <a:t>?</a:t>
-            </a:r>
-          </a:p>
-          <a:p>
-            <a:pPr lvl="1"/>
-            <a:r>
-              <a:rPr lang="en-IN" dirty="0"/>
-              <a:t>public class Singleton&lt;T&gt; {</a:t>
-            </a:r>
-          </a:p>
-          <a:p>
-            <a:pPr marL="857250" lvl="2" indent="0">
-              <a:buNone/>
-            </a:pPr>
-            <a:r>
-              <a:rPr lang="en-IN" dirty="0"/>
-              <a:t>    public static T </a:t>
-            </a:r>
-            <a:r>
-              <a:rPr lang="en-IN" dirty="0" err="1"/>
-              <a:t>getInstance</a:t>
-            </a:r>
-            <a:r>
-              <a:rPr lang="en-IN" dirty="0"/>
-              <a:t>() {</a:t>
-            </a:r>
-          </a:p>
-          <a:p>
-            <a:pPr marL="857250" lvl="2" indent="0">
-              <a:buNone/>
-            </a:pPr>
-            <a:r>
-              <a:rPr lang="en-IN" dirty="0"/>
-              <a:t>        if (instance == null)</a:t>
-            </a:r>
-          </a:p>
-          <a:p>
-            <a:pPr marL="857250" lvl="2" indent="0">
-              <a:buNone/>
-            </a:pPr>
-            <a:r>
-              <a:rPr lang="en-IN" dirty="0"/>
-              <a:t>            instance = new Singleton&lt;T&gt;();</a:t>
-            </a:r>
-          </a:p>
-          <a:p>
-            <a:pPr marL="857250" lvl="2" indent="0">
-              <a:buNone/>
-            </a:pPr>
-            <a:r>
-              <a:rPr lang="en-IN" dirty="0"/>
-              <a:t>        return instance;</a:t>
-            </a:r>
-          </a:p>
-          <a:p>
-            <a:pPr marL="857250" lvl="2" indent="0">
-              <a:buNone/>
-            </a:pPr>
-            <a:r>
-              <a:rPr lang="en-IN" dirty="0"/>
-              <a:t>    }</a:t>
-            </a:r>
-          </a:p>
-          <a:p>
-            <a:pPr marL="857250" lvl="2" indent="0">
-              <a:buNone/>
-            </a:pPr>
-            <a:r>
-              <a:rPr lang="en-IN" dirty="0"/>
-              <a:t>    private static T instance = null;</a:t>
-            </a:r>
-          </a:p>
-          <a:p>
-            <a:pPr marL="857250" lvl="2" indent="0">
-              <a:buNone/>
-            </a:pPr>
-            <a:r>
-              <a:rPr lang="en-IN" dirty="0"/>
-              <a:t>}</a:t>
-            </a:r>
-          </a:p>
-          <a:p>
-            <a:r>
-              <a:rPr lang="en-IN" dirty="0"/>
-              <a:t>Q10:-Given the following classes:</a:t>
-            </a:r>
-          </a:p>
-          <a:p>
-            <a:pPr lvl="1"/>
-            <a:r>
-              <a:rPr lang="en-IN" dirty="0"/>
-              <a:t>class Shape { /* ... */ }</a:t>
-            </a:r>
-          </a:p>
-          <a:p>
-            <a:pPr lvl="1"/>
-            <a:r>
-              <a:rPr lang="en-IN" dirty="0"/>
-              <a:t>class Circle extends Shape { /* ... */ }</a:t>
-            </a:r>
-          </a:p>
-          <a:p>
-            <a:pPr lvl="1"/>
-            <a:r>
-              <a:rPr lang="en-IN" dirty="0"/>
-              <a:t>class Rectangle extends Shape { /* ... */ }</a:t>
-            </a:r>
-          </a:p>
-          <a:p>
-            <a:pPr lvl="1"/>
-            <a:r>
-              <a:rPr lang="en-IN" dirty="0"/>
-              <a:t>class Node&lt;T&gt; { /* ... */ }</a:t>
-            </a:r>
-          </a:p>
-          <a:p>
-            <a:r>
-              <a:rPr lang="en-IN" dirty="0"/>
-              <a:t>Will the following code compile</a:t>
-            </a:r>
-            <a:r>
-              <a:rPr lang="en-IN" dirty="0">
-                <a:latin typeface="Times New Roman" panose="02020603050405020304" pitchFamily="18" charset="0"/>
-                <a:cs typeface="Times New Roman" panose="02020603050405020304" pitchFamily="18" charset="0"/>
-              </a:rPr>
-              <a:t>?</a:t>
-            </a:r>
-            <a:r>
-              <a:rPr lang="en-IN" dirty="0"/>
-              <a:t> If not, why</a:t>
-            </a:r>
-            <a:r>
-              <a:rPr lang="en-IN" dirty="0">
-                <a:latin typeface="Times New Roman" panose="02020603050405020304" pitchFamily="18" charset="0"/>
-                <a:cs typeface="Times New Roman" panose="02020603050405020304" pitchFamily="18" charset="0"/>
-              </a:rPr>
-              <a:t>?</a:t>
-            </a:r>
-          </a:p>
-          <a:p>
-            <a:pPr lvl="1"/>
-            <a:r>
-              <a:rPr lang="en-IN" dirty="0"/>
-              <a:t>Node&lt;Circle&gt; </a:t>
-            </a:r>
-            <a:r>
-              <a:rPr lang="en-IN" dirty="0" err="1"/>
-              <a:t>nc</a:t>
-            </a:r>
-            <a:r>
-              <a:rPr lang="en-IN" dirty="0"/>
-              <a:t> = new Node&lt;&gt;();</a:t>
-            </a:r>
-          </a:p>
-          <a:p>
-            <a:pPr lvl="1"/>
-            <a:r>
-              <a:rPr lang="en-IN" dirty="0"/>
-              <a:t>Node&lt;Shape&gt;  ns = </a:t>
-            </a:r>
-            <a:r>
-              <a:rPr lang="en-IN" dirty="0" err="1"/>
-              <a:t>nc</a:t>
-            </a:r>
-            <a:r>
-              <a:rPr lang="en-IN" dirty="0"/>
-              <a:t>;</a:t>
-            </a:r>
-          </a:p>
-        </p:txBody>
-      </p:sp>
-    </p:spTree>
-    <p:extLst>
-      <p:ext uri="{BB962C8B-B14F-4D97-AF65-F5344CB8AC3E}">
-        <p14:creationId xmlns:p14="http://schemas.microsoft.com/office/powerpoint/2010/main" val="94891288"/>
-      </p:ext>
-    </p:extLst>
-  </p:cSld>
-  <p:clrMapOvr>
-    <a:masterClrMapping/>
-  </p:clrMapOvr>
-</p:sld>
-</file>
-
-<file path=ppt/slides/slide72.xml><?xml version="1.0" encoding="utf-8"?>
-<p:sld xmlns:a="http://schemas.openxmlformats.org/drawingml/2006/main" xmlns:r="http://schemas.openxmlformats.org/officeDocument/2006/relationships" xmlns:p="http://schemas.openxmlformats.org/presentationml/2006/main">
-  <p:cSld>
-    <p:spTree>
-      <p:nvGrpSpPr>
-        <p:cNvPr id="1" name=""/>
-        <p:cNvGrpSpPr/>
-        <p:nvPr/>
-      </p:nvGrpSpPr>
-      <p:grpSpPr>
-        <a:xfrm>
-          <a:off x="0" y="0"/>
-          <a:ext cx="0" cy="0"/>
-          <a:chOff x="0" y="0"/>
-          <a:chExt cx="0" cy="0"/>
-        </a:xfrm>
-      </p:grpSpPr>
-      <p:sp>
-        <p:nvSpPr>
-          <p:cNvPr id="2" name="Title 1"/>
-          <p:cNvSpPr>
-            <a:spLocks noGrp="1"/>
-          </p:cNvSpPr>
-          <p:nvPr>
-            <p:ph type="title"/>
-          </p:nvPr>
-        </p:nvSpPr>
-        <p:spPr>
-          <a:xfrm>
-            <a:off x="275175" y="99035"/>
-            <a:ext cx="9404723" cy="401297"/>
-          </a:xfrm>
-        </p:spPr>
-        <p:txBody>
-          <a:bodyPr/>
-          <a:lstStyle/>
-          <a:p>
-            <a:r>
-              <a:rPr lang="en-GB" sz="1600" b="1" dirty="0"/>
-              <a:t>Questions and Exercises: Generics</a:t>
-            </a:r>
-            <a:br>
-              <a:rPr lang="en-GB" sz="1600" b="1" dirty="0"/>
-            </a:br>
-            <a:endParaRPr lang="en-GB" sz="1600" dirty="0"/>
-          </a:p>
-        </p:txBody>
-      </p:sp>
-      <p:sp>
-        <p:nvSpPr>
-          <p:cNvPr id="3" name="Content Placeholder 2"/>
-          <p:cNvSpPr>
-            <a:spLocks noGrp="1"/>
-          </p:cNvSpPr>
-          <p:nvPr>
-            <p:ph idx="1"/>
-          </p:nvPr>
-        </p:nvSpPr>
-        <p:spPr>
-          <a:xfrm>
-            <a:off x="275175" y="500332"/>
-            <a:ext cx="11715541" cy="5748067"/>
-          </a:xfrm>
-        </p:spPr>
-        <p:txBody>
-          <a:bodyPr>
-            <a:normAutofit/>
-          </a:bodyPr>
-          <a:lstStyle/>
-          <a:p>
-            <a:r>
-              <a:rPr lang="en-IN" dirty="0"/>
-              <a:t>Q11:-Consider this class:</a:t>
-            </a:r>
-          </a:p>
-          <a:p>
-            <a:pPr lvl="1"/>
-            <a:r>
-              <a:rPr lang="en-IN" dirty="0"/>
-              <a:t>class Node&lt;T&gt; implements Comparable&lt;T&gt; {</a:t>
-            </a:r>
-          </a:p>
-          <a:p>
-            <a:pPr marL="857250" lvl="2" indent="0">
-              <a:buNone/>
-            </a:pPr>
-            <a:r>
-              <a:rPr lang="en-IN" dirty="0"/>
-              <a:t>    public </a:t>
-            </a:r>
-            <a:r>
-              <a:rPr lang="en-IN" dirty="0" err="1"/>
-              <a:t>int</a:t>
-            </a:r>
-            <a:r>
-              <a:rPr lang="en-IN" dirty="0"/>
-              <a:t> </a:t>
-            </a:r>
-            <a:r>
-              <a:rPr lang="en-IN" dirty="0" err="1"/>
-              <a:t>compareTo</a:t>
-            </a:r>
-            <a:r>
-              <a:rPr lang="en-IN" dirty="0"/>
-              <a:t>(T </a:t>
-            </a:r>
-            <a:r>
-              <a:rPr lang="en-IN" dirty="0" err="1"/>
-              <a:t>obj</a:t>
-            </a:r>
-            <a:r>
-              <a:rPr lang="en-IN" dirty="0"/>
-              <a:t>) { /* ... */ }</a:t>
-            </a:r>
-          </a:p>
-          <a:p>
-            <a:pPr marL="857250" lvl="2" indent="0">
-              <a:buNone/>
-            </a:pPr>
-            <a:r>
-              <a:rPr lang="en-IN" dirty="0"/>
-              <a:t>    // ...</a:t>
-            </a:r>
-          </a:p>
-          <a:p>
-            <a:pPr marL="857250" lvl="2" indent="0">
-              <a:buNone/>
-            </a:pPr>
-            <a:r>
-              <a:rPr lang="en-IN" dirty="0"/>
-              <a:t>}</a:t>
-            </a:r>
-          </a:p>
-          <a:p>
-            <a:r>
-              <a:rPr lang="en-IN" dirty="0"/>
-              <a:t>Will the following code compile</a:t>
-            </a:r>
-            <a:r>
-              <a:rPr lang="en-IN" dirty="0">
-                <a:latin typeface="Times New Roman" panose="02020603050405020304" pitchFamily="18" charset="0"/>
-                <a:cs typeface="Times New Roman" panose="02020603050405020304" pitchFamily="18" charset="0"/>
-              </a:rPr>
-              <a:t>?</a:t>
-            </a:r>
-            <a:r>
-              <a:rPr lang="en-IN" dirty="0"/>
-              <a:t> If not, why</a:t>
-            </a:r>
-            <a:r>
-              <a:rPr lang="en-IN" dirty="0">
-                <a:latin typeface="Times New Roman" panose="02020603050405020304" pitchFamily="18" charset="0"/>
-                <a:cs typeface="Times New Roman" panose="02020603050405020304" pitchFamily="18" charset="0"/>
-              </a:rPr>
-              <a:t>?</a:t>
-            </a:r>
-          </a:p>
-          <a:p>
-            <a:pPr lvl="1"/>
-            <a:r>
-              <a:rPr lang="en-IN" dirty="0"/>
-              <a:t>Node&lt;String&gt; node = new Node&lt;&gt;();</a:t>
-            </a:r>
-          </a:p>
-          <a:p>
-            <a:pPr lvl="1"/>
-            <a:r>
-              <a:rPr lang="en-IN" dirty="0"/>
-              <a:t>Comparable&lt;String&gt; comp = node;</a:t>
-            </a:r>
-          </a:p>
-          <a:p>
-            <a:r>
-              <a:rPr lang="en-IN" dirty="0"/>
-              <a:t>Q12:-How do you invoke the following method to find the first integer in a list that is relatively prime to a list of specified integers</a:t>
-            </a:r>
-            <a:r>
-              <a:rPr lang="en-IN" dirty="0">
-                <a:latin typeface="Times New Roman" panose="02020603050405020304" pitchFamily="18" charset="0"/>
-                <a:cs typeface="Times New Roman" panose="02020603050405020304" pitchFamily="18" charset="0"/>
-              </a:rPr>
-              <a:t>?</a:t>
-            </a:r>
-          </a:p>
-          <a:p>
-            <a:pPr lvl="1"/>
-            <a:r>
-              <a:rPr lang="en-IN" dirty="0"/>
-              <a:t>public static &lt;T&gt;</a:t>
-            </a:r>
-          </a:p>
-          <a:p>
-            <a:pPr lvl="1"/>
-            <a:r>
-              <a:rPr lang="en-IN" dirty="0"/>
-              <a:t>    </a:t>
-            </a:r>
-            <a:r>
-              <a:rPr lang="en-IN" dirty="0" err="1"/>
-              <a:t>int</a:t>
-            </a:r>
-            <a:r>
-              <a:rPr lang="en-IN" dirty="0"/>
-              <a:t> </a:t>
-            </a:r>
-            <a:r>
-              <a:rPr lang="en-IN" dirty="0" err="1"/>
-              <a:t>findFirst</a:t>
-            </a:r>
-            <a:r>
-              <a:rPr lang="en-IN" dirty="0"/>
-              <a:t>(List&lt;T&gt; list, </a:t>
-            </a:r>
-            <a:r>
-              <a:rPr lang="en-IN" dirty="0" err="1"/>
-              <a:t>int</a:t>
-            </a:r>
-            <a:r>
-              <a:rPr lang="en-IN" dirty="0"/>
-              <a:t> begin, </a:t>
-            </a:r>
-            <a:r>
-              <a:rPr lang="en-IN" dirty="0" err="1"/>
-              <a:t>int</a:t>
-            </a:r>
-            <a:r>
-              <a:rPr lang="en-IN" dirty="0"/>
-              <a:t> end, </a:t>
-            </a:r>
-            <a:r>
-              <a:rPr lang="en-IN" dirty="0" err="1"/>
-              <a:t>UnaryPredicate</a:t>
-            </a:r>
-            <a:r>
-              <a:rPr lang="en-IN" dirty="0"/>
-              <a:t>&lt;T&gt; p)</a:t>
-            </a:r>
-          </a:p>
-          <a:p>
-            <a:r>
-              <a:rPr lang="en-IN" dirty="0"/>
-              <a:t>Note that two integers a and b are relatively prime if </a:t>
-            </a:r>
-            <a:r>
-              <a:rPr lang="en-IN" dirty="0" err="1"/>
-              <a:t>gcd</a:t>
-            </a:r>
-            <a:r>
-              <a:rPr lang="en-IN" dirty="0"/>
-              <a:t>(a, b) = 1, where </a:t>
-            </a:r>
-            <a:r>
-              <a:rPr lang="en-IN" dirty="0" err="1"/>
-              <a:t>gcd</a:t>
-            </a:r>
-            <a:r>
-              <a:rPr lang="en-IN" dirty="0"/>
-              <a:t> is short for greatest common divisor.</a:t>
-            </a:r>
-            <a:endParaRPr lang="en-GB" dirty="0"/>
-          </a:p>
-        </p:txBody>
-      </p:sp>
-    </p:spTree>
-    <p:extLst>
-      <p:ext uri="{BB962C8B-B14F-4D97-AF65-F5344CB8AC3E}">
-        <p14:creationId xmlns:p14="http://schemas.microsoft.com/office/powerpoint/2010/main" val="2527000653"/>
-      </p:ext>
-    </p:extLst>
-  </p:cSld>
-  <p:clrMapOvr>
-    <a:masterClrMapping/>
-  </p:clrMapOvr>
-</p:sld>
-</file>
-
-<file path=ppt/slides/slide73.xml><?xml version="1.0" encoding="utf-8"?>
-<p:sld xmlns:a="http://schemas.openxmlformats.org/drawingml/2006/main" xmlns:r="http://schemas.openxmlformats.org/officeDocument/2006/relationships" xmlns:p="http://schemas.openxmlformats.org/presentationml/2006/main">
-  <p:cSld>
-    <p:spTree>
-      <p:nvGrpSpPr>
-        <p:cNvPr id="1" name=""/>
-        <p:cNvGrpSpPr/>
-        <p:nvPr/>
-      </p:nvGrpSpPr>
-      <p:grpSpPr>
-        <a:xfrm>
-          <a:off x="0" y="0"/>
-          <a:ext cx="0" cy="0"/>
-          <a:chOff x="0" y="0"/>
-          <a:chExt cx="0" cy="0"/>
-        </a:xfrm>
-      </p:grpSpPr>
-      <p:sp>
-        <p:nvSpPr>
-          <p:cNvPr id="2" name="Title 1"/>
-          <p:cNvSpPr>
-            <a:spLocks noGrp="1"/>
-          </p:cNvSpPr>
-          <p:nvPr>
-            <p:ph type="title"/>
-          </p:nvPr>
-        </p:nvSpPr>
-        <p:spPr/>
-        <p:txBody>
-          <a:bodyPr/>
-          <a:lstStyle/>
-          <a:p>
-            <a:r>
-              <a:rPr lang="en-US" dirty="0"/>
-              <a:t>ANSWERS</a:t>
-            </a:r>
-            <a:endParaRPr lang="en-GB" dirty="0"/>
-          </a:p>
-        </p:txBody>
-      </p:sp>
-      <p:sp>
-        <p:nvSpPr>
-          <p:cNvPr id="3" name="Content Placeholder 2"/>
-          <p:cNvSpPr>
-            <a:spLocks noGrp="1"/>
-          </p:cNvSpPr>
-          <p:nvPr>
-            <p:ph idx="1"/>
-          </p:nvPr>
-        </p:nvSpPr>
-        <p:spPr>
-          <a:xfrm>
-            <a:off x="1241335" y="3226111"/>
-            <a:ext cx="8946541" cy="1190614"/>
-          </a:xfrm>
-        </p:spPr>
-        <p:txBody>
-          <a:bodyPr/>
-          <a:lstStyle/>
-          <a:p>
-            <a:r>
-              <a:rPr lang="en-GB" dirty="0">
-                <a:hlinkClick r:id="rId2"/>
-              </a:rPr>
-              <a:t>https://docs.oracle.com/javase/tutorial/java/generics/QandE/generics-answers.html</a:t>
-            </a:r>
-            <a:endParaRPr lang="en-GB" dirty="0"/>
-          </a:p>
-        </p:txBody>
-      </p:sp>
-    </p:spTree>
-    <p:extLst>
-      <p:ext uri="{BB962C8B-B14F-4D97-AF65-F5344CB8AC3E}">
-        <p14:creationId xmlns:p14="http://schemas.microsoft.com/office/powerpoint/2010/main" val="77185842"/>
-      </p:ext>
-    </p:extLst>
-  </p:cSld>
-  <p:clrMapOvr>
-    <a:masterClrMapping/>
-  </p:clrMapOvr>
-</p:sld>
-</file>
-
-<file path=ppt/slides/slide74.xml><?xml version="1.0" encoding="utf-8"?>
 <p:sld xmlns:a="http://schemas.openxmlformats.org/drawingml/2006/main" xmlns:r="http://schemas.openxmlformats.org/officeDocument/2006/relationships" xmlns:p="http://schemas.openxmlformats.org/presentationml/2006/main">
   <p:cSld>
     <p:spTree>

--- a/src/main/resources/JavaGenerics.pptx
+++ b/src/main/resources/JavaGenerics.pptx
@@ -5,7 +5,7 @@
     <p:sldMasterId id="2147483771" r:id="rId1"/>
   </p:sldMasterIdLst>
   <p:notesMasterIdLst>
-    <p:notesMasterId r:id="rId72"/>
+    <p:notesMasterId r:id="rId73"/>
   </p:notesMasterIdLst>
   <p:sldIdLst>
     <p:sldId id="256" r:id="rId2"/>
@@ -56,28 +56,29 @@
     <p:sldId id="403" r:id="rId47"/>
     <p:sldId id="404" r:id="rId48"/>
     <p:sldId id="405" r:id="rId49"/>
-    <p:sldId id="406" r:id="rId50"/>
-    <p:sldId id="407" r:id="rId51"/>
-    <p:sldId id="409" r:id="rId52"/>
-    <p:sldId id="408" r:id="rId53"/>
-    <p:sldId id="410" r:id="rId54"/>
-    <p:sldId id="411" r:id="rId55"/>
-    <p:sldId id="412" r:id="rId56"/>
-    <p:sldId id="413" r:id="rId57"/>
-    <p:sldId id="414" r:id="rId58"/>
-    <p:sldId id="415" r:id="rId59"/>
-    <p:sldId id="416" r:id="rId60"/>
-    <p:sldId id="417" r:id="rId61"/>
-    <p:sldId id="418" r:id="rId62"/>
-    <p:sldId id="419" r:id="rId63"/>
-    <p:sldId id="420" r:id="rId64"/>
-    <p:sldId id="421" r:id="rId65"/>
-    <p:sldId id="422" r:id="rId66"/>
-    <p:sldId id="423" r:id="rId67"/>
-    <p:sldId id="424" r:id="rId68"/>
-    <p:sldId id="425" r:id="rId69"/>
-    <p:sldId id="426" r:id="rId70"/>
-    <p:sldId id="268" r:id="rId71"/>
+    <p:sldId id="434" r:id="rId50"/>
+    <p:sldId id="406" r:id="rId51"/>
+    <p:sldId id="407" r:id="rId52"/>
+    <p:sldId id="409" r:id="rId53"/>
+    <p:sldId id="408" r:id="rId54"/>
+    <p:sldId id="410" r:id="rId55"/>
+    <p:sldId id="411" r:id="rId56"/>
+    <p:sldId id="412" r:id="rId57"/>
+    <p:sldId id="413" r:id="rId58"/>
+    <p:sldId id="414" r:id="rId59"/>
+    <p:sldId id="415" r:id="rId60"/>
+    <p:sldId id="416" r:id="rId61"/>
+    <p:sldId id="417" r:id="rId62"/>
+    <p:sldId id="418" r:id="rId63"/>
+    <p:sldId id="419" r:id="rId64"/>
+    <p:sldId id="420" r:id="rId65"/>
+    <p:sldId id="421" r:id="rId66"/>
+    <p:sldId id="422" r:id="rId67"/>
+    <p:sldId id="423" r:id="rId68"/>
+    <p:sldId id="424" r:id="rId69"/>
+    <p:sldId id="425" r:id="rId70"/>
+    <p:sldId id="426" r:id="rId71"/>
+    <p:sldId id="268" r:id="rId72"/>
   </p:sldIdLst>
   <p:sldSz cx="12192000" cy="6858000"/>
   <p:notesSz cx="6858000" cy="9144000"/>
@@ -266,7 +267,7 @@
           <a:p>
             <a:fld id="{085A4362-1548-4C12-A63A-A7FA9FF20440}" type="datetimeFigureOut">
               <a:rPr lang="en-IN" smtClean="0"/>
-              <a:t>28-04-2020</a:t>
+              <a:t>30-04-2020</a:t>
             </a:fld>
             <a:endParaRPr lang="en-IN"/>
           </a:p>
@@ -3116,7 +3117,7 @@
           <a:p>
             <a:fld id="{D4BA8270-C9CF-44CA-BE5A-02C2BDCCEDE4}" type="datetimeFigureOut">
               <a:rPr lang="en-GB" smtClean="0"/>
-              <a:t>28/04/2020</a:t>
+              <a:t>30/04/2020</a:t>
             </a:fld>
             <a:endParaRPr lang="en-GB"/>
           </a:p>
@@ -3391,7 +3392,7 @@
           <a:p>
             <a:fld id="{D4BA8270-C9CF-44CA-BE5A-02C2BDCCEDE4}" type="datetimeFigureOut">
               <a:rPr lang="en-GB" smtClean="0"/>
-              <a:t>28/04/2020</a:t>
+              <a:t>30/04/2020</a:t>
             </a:fld>
             <a:endParaRPr lang="en-GB"/>
           </a:p>
@@ -3585,7 +3586,7 @@
           <a:p>
             <a:fld id="{D4BA8270-C9CF-44CA-BE5A-02C2BDCCEDE4}" type="datetimeFigureOut">
               <a:rPr lang="en-GB" smtClean="0"/>
-              <a:t>28/04/2020</a:t>
+              <a:t>30/04/2020</a:t>
             </a:fld>
             <a:endParaRPr lang="en-GB"/>
           </a:p>
@@ -3858,7 +3859,7 @@
           <a:p>
             <a:fld id="{D4BA8270-C9CF-44CA-BE5A-02C2BDCCEDE4}" type="datetimeFigureOut">
               <a:rPr lang="en-GB" smtClean="0"/>
-              <a:t>28/04/2020</a:t>
+              <a:t>30/04/2020</a:t>
             </a:fld>
             <a:endParaRPr lang="en-GB"/>
           </a:p>
@@ -4199,7 +4200,7 @@
           <a:p>
             <a:fld id="{D4BA8270-C9CF-44CA-BE5A-02C2BDCCEDE4}" type="datetimeFigureOut">
               <a:rPr lang="en-GB" smtClean="0"/>
-              <a:t>28/04/2020</a:t>
+              <a:t>30/04/2020</a:t>
             </a:fld>
             <a:endParaRPr lang="en-GB"/>
           </a:p>
@@ -4822,7 +4823,7 @@
           <a:p>
             <a:fld id="{D4BA8270-C9CF-44CA-BE5A-02C2BDCCEDE4}" type="datetimeFigureOut">
               <a:rPr lang="en-GB" smtClean="0"/>
-              <a:t>28/04/2020</a:t>
+              <a:t>30/04/2020</a:t>
             </a:fld>
             <a:endParaRPr lang="en-GB"/>
           </a:p>
@@ -5682,7 +5683,7 @@
           <a:p>
             <a:fld id="{D4BA8270-C9CF-44CA-BE5A-02C2BDCCEDE4}" type="datetimeFigureOut">
               <a:rPr lang="en-GB" smtClean="0"/>
-              <a:t>28/04/2020</a:t>
+              <a:t>30/04/2020</a:t>
             </a:fld>
             <a:endParaRPr lang="en-GB"/>
           </a:p>
@@ -5852,7 +5853,7 @@
           <a:p>
             <a:fld id="{D4BA8270-C9CF-44CA-BE5A-02C2BDCCEDE4}" type="datetimeFigureOut">
               <a:rPr lang="en-GB" smtClean="0"/>
-              <a:t>28/04/2020</a:t>
+              <a:t>30/04/2020</a:t>
             </a:fld>
             <a:endParaRPr lang="en-GB"/>
           </a:p>
@@ -6032,7 +6033,7 @@
           <a:p>
             <a:fld id="{D4BA8270-C9CF-44CA-BE5A-02C2BDCCEDE4}" type="datetimeFigureOut">
               <a:rPr lang="en-GB" smtClean="0"/>
-              <a:t>28/04/2020</a:t>
+              <a:t>30/04/2020</a:t>
             </a:fld>
             <a:endParaRPr lang="en-GB"/>
           </a:p>
@@ -6202,7 +6203,7 @@
           <a:p>
             <a:fld id="{D4BA8270-C9CF-44CA-BE5A-02C2BDCCEDE4}" type="datetimeFigureOut">
               <a:rPr lang="en-GB" smtClean="0"/>
-              <a:t>28/04/2020</a:t>
+              <a:t>30/04/2020</a:t>
             </a:fld>
             <a:endParaRPr lang="en-GB"/>
           </a:p>
@@ -6449,7 +6450,7 @@
           <a:p>
             <a:fld id="{D4BA8270-C9CF-44CA-BE5A-02C2BDCCEDE4}" type="datetimeFigureOut">
               <a:rPr lang="en-GB" smtClean="0"/>
-              <a:t>28/04/2020</a:t>
+              <a:t>30/04/2020</a:t>
             </a:fld>
             <a:endParaRPr lang="en-GB"/>
           </a:p>
@@ -6741,7 +6742,7 @@
           <a:p>
             <a:fld id="{D4BA8270-C9CF-44CA-BE5A-02C2BDCCEDE4}" type="datetimeFigureOut">
               <a:rPr lang="en-GB" smtClean="0"/>
-              <a:t>28/04/2020</a:t>
+              <a:t>30/04/2020</a:t>
             </a:fld>
             <a:endParaRPr lang="en-GB"/>
           </a:p>
@@ -7185,7 +7186,7 @@
           <a:p>
             <a:fld id="{D4BA8270-C9CF-44CA-BE5A-02C2BDCCEDE4}" type="datetimeFigureOut">
               <a:rPr lang="en-GB" smtClean="0"/>
-              <a:t>28/04/2020</a:t>
+              <a:t>30/04/2020</a:t>
             </a:fld>
             <a:endParaRPr lang="en-GB"/>
           </a:p>
@@ -7303,7 +7304,7 @@
           <a:p>
             <a:fld id="{D4BA8270-C9CF-44CA-BE5A-02C2BDCCEDE4}" type="datetimeFigureOut">
               <a:rPr lang="en-GB" smtClean="0"/>
-              <a:t>28/04/2020</a:t>
+              <a:t>30/04/2020</a:t>
             </a:fld>
             <a:endParaRPr lang="en-GB"/>
           </a:p>
@@ -7398,7 +7399,7 @@
           <a:p>
             <a:fld id="{D4BA8270-C9CF-44CA-BE5A-02C2BDCCEDE4}" type="datetimeFigureOut">
               <a:rPr lang="en-GB" smtClean="0"/>
-              <a:t>28/04/2020</a:t>
+              <a:t>30/04/2020</a:t>
             </a:fld>
             <a:endParaRPr lang="en-GB"/>
           </a:p>
@@ -7677,7 +7678,7 @@
           <a:p>
             <a:fld id="{D4BA8270-C9CF-44CA-BE5A-02C2BDCCEDE4}" type="datetimeFigureOut">
               <a:rPr lang="en-GB" smtClean="0"/>
-              <a:t>28/04/2020</a:t>
+              <a:t>30/04/2020</a:t>
             </a:fld>
             <a:endParaRPr lang="en-GB"/>
           </a:p>
@@ -7952,7 +7953,7 @@
           <a:p>
             <a:fld id="{D4BA8270-C9CF-44CA-BE5A-02C2BDCCEDE4}" type="datetimeFigureOut">
               <a:rPr lang="en-GB" smtClean="0"/>
-              <a:t>28/04/2020</a:t>
+              <a:t>30/04/2020</a:t>
             </a:fld>
             <a:endParaRPr lang="en-GB"/>
           </a:p>
@@ -8381,7 +8382,7 @@
           <a:p>
             <a:fld id="{D4BA8270-C9CF-44CA-BE5A-02C2BDCCEDE4}" type="datetimeFigureOut">
               <a:rPr lang="en-GB" smtClean="0"/>
-              <a:t>28/04/2020</a:t>
+              <a:t>30/04/2020</a:t>
             </a:fld>
             <a:endParaRPr lang="en-GB"/>
           </a:p>
@@ -21723,7 +21724,7 @@
           <a:p>
             <a:r>
               <a:rPr lang="en-GB" sz="2000" b="1" dirty="0"/>
-              <a:t>Guidelines for Wildcard Use Cont…</a:t>
+              <a:t>Guidelines for Wildcard Use</a:t>
             </a:r>
             <a:r>
               <a:rPr lang="en-GB" b="1" dirty="0"/>
@@ -21749,377 +21750,106 @@
         <p:spPr>
           <a:xfrm>
             <a:off x="370936" y="577970"/>
-            <a:ext cx="11447253" cy="6185139"/>
+            <a:ext cx="11447253" cy="5978105"/>
           </a:xfrm>
         </p:spPr>
         <p:txBody>
           <a:bodyPr>
-            <a:normAutofit fontScale="70000" lnSpcReduction="20000"/>
+            <a:normAutofit/>
           </a:bodyPr>
           <a:lstStyle/>
           <a:p>
             <a:r>
-              <a:rPr lang="en-IN" dirty="0"/>
-              <a:t>A list defined by List&lt;</a:t>
+              <a:rPr lang="en-IN" dirty="0" smtClean="0"/>
+              <a:t>The Concept Described on previous slide is also popularly known as </a:t>
+            </a:r>
+            <a:r>
+              <a:rPr lang="en-IN" b="1" dirty="0" smtClean="0"/>
+              <a:t>PECS</a:t>
+            </a:r>
+          </a:p>
+          <a:p>
+            <a:r>
+              <a:rPr lang="en-IN" b="1" dirty="0" smtClean="0"/>
+              <a:t>Producer Extends Consumer Super</a:t>
+            </a:r>
+          </a:p>
+          <a:p>
+            <a:r>
+              <a:rPr lang="en-IN" dirty="0" smtClean="0"/>
+              <a:t>Producer Extends:</a:t>
+            </a:r>
+          </a:p>
+          <a:p>
+            <a:pPr lvl="1"/>
+            <a:r>
+              <a:rPr lang="en-IN" dirty="0" smtClean="0"/>
+              <a:t>If we want to read from a List we have to declare it with extends . List&lt;</a:t>
+            </a:r>
+            <a:r>
+              <a:rPr lang="en-IN" dirty="0" smtClean="0">
+                <a:latin typeface="Verdana" panose="020B0604030504040204" pitchFamily="34" charset="0"/>
+                <a:ea typeface="Verdana" panose="020B0604030504040204" pitchFamily="34" charset="0"/>
+              </a:rPr>
+              <a:t>? </a:t>
             </a:r>
             <a:r>
               <a:rPr lang="en-IN" dirty="0">
-                <a:latin typeface="Times New Roman" panose="02020603050405020304" pitchFamily="18" charset="0"/>
-                <a:cs typeface="Times New Roman" panose="02020603050405020304" pitchFamily="18" charset="0"/>
+                <a:latin typeface="Verdana" panose="020B0604030504040204" pitchFamily="34" charset="0"/>
+                <a:ea typeface="Verdana" panose="020B0604030504040204" pitchFamily="34" charset="0"/>
+              </a:rPr>
+              <a:t>e</a:t>
+            </a:r>
+            <a:r>
+              <a:rPr lang="en-IN" dirty="0" smtClean="0">
+                <a:latin typeface="Verdana" panose="020B0604030504040204" pitchFamily="34" charset="0"/>
+                <a:ea typeface="Verdana" panose="020B0604030504040204" pitchFamily="34" charset="0"/>
+              </a:rPr>
+              <a:t>xtends T</a:t>
+            </a:r>
+            <a:r>
+              <a:rPr lang="en-IN" dirty="0" smtClean="0"/>
+              <a:t>&gt; we can read values of T type from this list but we cannot add values to this list.</a:t>
+            </a:r>
+            <a:endParaRPr lang="en-GB" dirty="0"/>
+          </a:p>
+          <a:p>
+            <a:r>
+              <a:rPr lang="en-GB" dirty="0" smtClean="0"/>
+              <a:t>Consumer Super:</a:t>
+            </a:r>
+          </a:p>
+          <a:p>
+            <a:pPr lvl="1"/>
+            <a:r>
+              <a:rPr lang="en-GB" dirty="0" smtClean="0"/>
+              <a:t>If we want to add values to a List we have to declare it with super . List&lt;</a:t>
+            </a:r>
+            <a:r>
+              <a:rPr lang="en-GB" dirty="0" smtClean="0">
+                <a:latin typeface="Verdana" panose="020B0604030504040204" pitchFamily="34" charset="0"/>
+                <a:ea typeface="Verdana" panose="020B0604030504040204" pitchFamily="34" charset="0"/>
               </a:rPr>
               <a:t>?</a:t>
             </a:r>
             <a:r>
-              <a:rPr lang="en-IN" dirty="0"/>
-              <a:t> extends ...&gt; can be informally thought of as read-only, but that is not a strict guarantee. Suppose you have the following two classes:</a:t>
-            </a:r>
-          </a:p>
-          <a:p>
-            <a:pPr lvl="1"/>
-            <a:r>
-              <a:rPr lang="en-IN" dirty="0"/>
-              <a:t>class </a:t>
-            </a:r>
-            <a:r>
-              <a:rPr lang="en-IN" dirty="0" err="1"/>
-              <a:t>NaturalNumber</a:t>
-            </a:r>
-            <a:r>
-              <a:rPr lang="en-IN" dirty="0"/>
-              <a:t> {</a:t>
-            </a:r>
-          </a:p>
-          <a:p>
-            <a:pPr marL="857250" lvl="2" indent="0">
-              <a:buNone/>
-            </a:pPr>
-            <a:r>
-              <a:rPr lang="en-IN" dirty="0"/>
-              <a:t>    private </a:t>
-            </a:r>
-            <a:r>
-              <a:rPr lang="en-IN" dirty="0" err="1"/>
-              <a:t>int</a:t>
-            </a:r>
-            <a:r>
-              <a:rPr lang="en-IN" dirty="0"/>
-              <a:t> </a:t>
-            </a:r>
-            <a:r>
-              <a:rPr lang="en-IN" dirty="0" err="1"/>
-              <a:t>i</a:t>
-            </a:r>
-            <a:r>
-              <a:rPr lang="en-IN" dirty="0"/>
-              <a:t>;</a:t>
-            </a:r>
-          </a:p>
-          <a:p>
-            <a:pPr marL="857250" lvl="2" indent="0">
-              <a:buNone/>
-            </a:pPr>
-            <a:r>
-              <a:rPr lang="en-IN" dirty="0"/>
-              <a:t>    public </a:t>
-            </a:r>
-            <a:r>
-              <a:rPr lang="en-IN" dirty="0" err="1"/>
-              <a:t>NaturalNumber</a:t>
-            </a:r>
-            <a:r>
-              <a:rPr lang="en-IN" dirty="0"/>
-              <a:t>(</a:t>
-            </a:r>
-            <a:r>
-              <a:rPr lang="en-IN" dirty="0" err="1"/>
-              <a:t>int</a:t>
-            </a:r>
-            <a:r>
-              <a:rPr lang="en-IN" dirty="0"/>
-              <a:t> </a:t>
-            </a:r>
-            <a:r>
-              <a:rPr lang="en-IN" dirty="0" err="1"/>
-              <a:t>i</a:t>
-            </a:r>
-            <a:r>
-              <a:rPr lang="en-IN" dirty="0"/>
-              <a:t>) { </a:t>
-            </a:r>
-            <a:r>
-              <a:rPr lang="en-IN" dirty="0" err="1"/>
-              <a:t>this.i</a:t>
-            </a:r>
-            <a:r>
-              <a:rPr lang="en-IN" dirty="0"/>
-              <a:t> = </a:t>
-            </a:r>
-            <a:r>
-              <a:rPr lang="en-IN" dirty="0" err="1"/>
-              <a:t>i</a:t>
-            </a:r>
-            <a:r>
-              <a:rPr lang="en-IN" dirty="0"/>
-              <a:t>; }</a:t>
-            </a:r>
-          </a:p>
-          <a:p>
-            <a:pPr marL="857250" lvl="2" indent="0">
-              <a:buNone/>
-            </a:pPr>
-            <a:r>
-              <a:rPr lang="en-IN" dirty="0"/>
-              <a:t>    // ...</a:t>
-            </a:r>
-          </a:p>
-          <a:p>
-            <a:pPr marL="857250" lvl="2" indent="0">
-              <a:buNone/>
-            </a:pPr>
-            <a:r>
-              <a:rPr lang="en-IN" dirty="0"/>
-              <a:t>}</a:t>
-            </a:r>
-          </a:p>
-          <a:p>
-            <a:pPr marL="857250" lvl="2" indent="0">
-              <a:buNone/>
-            </a:pPr>
-            <a:r>
-              <a:rPr lang="en-IN" dirty="0"/>
-              <a:t>class </a:t>
-            </a:r>
-            <a:r>
-              <a:rPr lang="en-IN" dirty="0" err="1"/>
-              <a:t>EvenNumber</a:t>
-            </a:r>
-            <a:r>
-              <a:rPr lang="en-IN" dirty="0"/>
-              <a:t> extends </a:t>
-            </a:r>
-            <a:r>
-              <a:rPr lang="en-IN" dirty="0" err="1"/>
-              <a:t>NaturalNumber</a:t>
-            </a:r>
-            <a:r>
-              <a:rPr lang="en-IN" dirty="0"/>
-              <a:t> {</a:t>
-            </a:r>
-          </a:p>
-          <a:p>
-            <a:pPr marL="857250" lvl="2" indent="0">
-              <a:buNone/>
-            </a:pPr>
-            <a:r>
-              <a:rPr lang="en-IN" dirty="0"/>
-              <a:t>    public </a:t>
-            </a:r>
-            <a:r>
-              <a:rPr lang="en-IN" dirty="0" err="1"/>
-              <a:t>EvenNumber</a:t>
-            </a:r>
-            <a:r>
-              <a:rPr lang="en-IN" dirty="0"/>
-              <a:t>(</a:t>
-            </a:r>
-            <a:r>
-              <a:rPr lang="en-IN" dirty="0" err="1"/>
-              <a:t>int</a:t>
-            </a:r>
-            <a:r>
-              <a:rPr lang="en-IN" dirty="0"/>
-              <a:t> </a:t>
-            </a:r>
-            <a:r>
-              <a:rPr lang="en-IN" dirty="0" err="1"/>
-              <a:t>i</a:t>
-            </a:r>
-            <a:r>
-              <a:rPr lang="en-IN" dirty="0"/>
-              <a:t>) { super(</a:t>
-            </a:r>
-            <a:r>
-              <a:rPr lang="en-IN" dirty="0" err="1"/>
-              <a:t>i</a:t>
-            </a:r>
-            <a:r>
-              <a:rPr lang="en-IN" dirty="0"/>
-              <a:t>); }</a:t>
-            </a:r>
-          </a:p>
-          <a:p>
-            <a:pPr marL="857250" lvl="2" indent="0">
-              <a:buNone/>
-            </a:pPr>
-            <a:r>
-              <a:rPr lang="en-IN" dirty="0"/>
-              <a:t>    // ...</a:t>
-            </a:r>
-          </a:p>
-          <a:p>
-            <a:pPr marL="857250" lvl="2" indent="0">
-              <a:buNone/>
-            </a:pPr>
-            <a:r>
-              <a:rPr lang="en-IN" dirty="0"/>
-              <a:t>}</a:t>
-            </a:r>
-          </a:p>
-          <a:p>
-            <a:r>
-              <a:rPr lang="en-IN" dirty="0"/>
-              <a:t>Consider the following code:</a:t>
-            </a:r>
-          </a:p>
-          <a:p>
-            <a:pPr lvl="1"/>
-            <a:r>
-              <a:rPr lang="en-IN" dirty="0"/>
-              <a:t>List&lt;</a:t>
-            </a:r>
-            <a:r>
-              <a:rPr lang="en-IN" dirty="0" err="1"/>
-              <a:t>EvenNumber</a:t>
-            </a:r>
-            <a:r>
-              <a:rPr lang="en-IN" dirty="0"/>
-              <a:t>&gt; le = new ArrayList&lt;&gt;();</a:t>
-            </a:r>
-          </a:p>
-          <a:p>
-            <a:pPr lvl="1"/>
-            <a:r>
-              <a:rPr lang="en-IN" dirty="0"/>
-              <a:t>List&lt;</a:t>
-            </a:r>
-            <a:r>
-              <a:rPr lang="en-IN" dirty="0">
-                <a:latin typeface="Times New Roman" panose="02020603050405020304" pitchFamily="18" charset="0"/>
-                <a:cs typeface="Times New Roman" panose="02020603050405020304" pitchFamily="18" charset="0"/>
-              </a:rPr>
-              <a:t>?</a:t>
-            </a:r>
-            <a:r>
-              <a:rPr lang="en-IN" dirty="0"/>
-              <a:t> extends </a:t>
-            </a:r>
-            <a:r>
-              <a:rPr lang="en-IN" dirty="0" err="1"/>
-              <a:t>NaturalNumber</a:t>
-            </a:r>
-            <a:r>
-              <a:rPr lang="en-IN" dirty="0"/>
-              <a:t>&gt; ln = le;</a:t>
-            </a:r>
-          </a:p>
-          <a:p>
-            <a:pPr lvl="1"/>
-            <a:r>
-              <a:rPr lang="en-IN" dirty="0" err="1"/>
-              <a:t>ln.add</a:t>
-            </a:r>
-            <a:r>
-              <a:rPr lang="en-IN" dirty="0"/>
-              <a:t>(new </a:t>
-            </a:r>
-            <a:r>
-              <a:rPr lang="en-IN" dirty="0" err="1"/>
-              <a:t>NaturalNumber</a:t>
-            </a:r>
-            <a:r>
-              <a:rPr lang="en-IN" dirty="0"/>
-              <a:t>(35));  // compile-time error</a:t>
-            </a:r>
-          </a:p>
-          <a:p>
-            <a:r>
-              <a:rPr lang="en-IN" dirty="0"/>
-              <a:t>Because List&lt;</a:t>
-            </a:r>
-            <a:r>
-              <a:rPr lang="en-IN" dirty="0" err="1"/>
-              <a:t>EvenNumber</a:t>
-            </a:r>
-            <a:r>
-              <a:rPr lang="en-IN" dirty="0"/>
-              <a:t>&gt; is a subtype of List&lt;</a:t>
-            </a:r>
-            <a:r>
-              <a:rPr lang="en-IN" dirty="0">
-                <a:latin typeface="Times New Roman" panose="02020603050405020304" pitchFamily="18" charset="0"/>
-                <a:cs typeface="Times New Roman" panose="02020603050405020304" pitchFamily="18" charset="0"/>
-              </a:rPr>
-              <a:t>?</a:t>
-            </a:r>
-            <a:r>
-              <a:rPr lang="en-IN" dirty="0"/>
-              <a:t> extends </a:t>
-            </a:r>
-            <a:r>
-              <a:rPr lang="en-IN" dirty="0" err="1"/>
-              <a:t>NaturalNumber</a:t>
-            </a:r>
-            <a:r>
-              <a:rPr lang="en-IN" dirty="0"/>
-              <a:t>&gt;, you can assign le to ln. But you cannot use ln to add a natural number to a list of even numbers. The following operations on the list are possible:</a:t>
-            </a:r>
-          </a:p>
-          <a:p>
-            <a:r>
-              <a:rPr lang="en-IN" dirty="0"/>
-              <a:t>You can add null.</a:t>
-            </a:r>
-          </a:p>
-          <a:p>
-            <a:r>
-              <a:rPr lang="en-IN" dirty="0"/>
-              <a:t>You can invoke clear.</a:t>
-            </a:r>
-          </a:p>
-          <a:p>
-            <a:r>
-              <a:rPr lang="en-IN" dirty="0"/>
-              <a:t>You can get the iterator and invoke remove.</a:t>
-            </a:r>
-          </a:p>
-          <a:p>
-            <a:r>
-              <a:rPr lang="en-IN" dirty="0"/>
-              <a:t>You can capture the wildcard and write elements that you've read from the list.</a:t>
-            </a:r>
-          </a:p>
-          <a:p>
-            <a:r>
-              <a:rPr lang="en-IN" dirty="0"/>
-              <a:t>You can see that the list defined by List&lt;</a:t>
-            </a:r>
-            <a:r>
-              <a:rPr lang="en-IN" dirty="0">
-                <a:latin typeface="Times New Roman" panose="02020603050405020304" pitchFamily="18" charset="0"/>
-                <a:cs typeface="Times New Roman" panose="02020603050405020304" pitchFamily="18" charset="0"/>
-              </a:rPr>
-              <a:t>?</a:t>
-            </a:r>
-            <a:r>
-              <a:rPr lang="en-IN" dirty="0"/>
-              <a:t> extends </a:t>
-            </a:r>
-            <a:r>
-              <a:rPr lang="en-IN" dirty="0" err="1"/>
-              <a:t>NaturalNumber</a:t>
-            </a:r>
-            <a:r>
-              <a:rPr lang="en-IN" dirty="0"/>
-              <a:t>&gt; is not read-only in the strictest sense of the word, but you might think of it that way because you cannot store a new element or change an existing element in the list.</a:t>
-            </a:r>
-            <a:endParaRPr lang="en-GB" dirty="0"/>
+              <a:rPr lang="en-GB" dirty="0" smtClean="0"/>
+              <a:t> Super T&gt; we can add T values  or subclass of T values to the list but we cannot read T values from it . We can only read Object class from it.</a:t>
+            </a:r>
+          </a:p>
+          <a:p>
+            <a:r>
+              <a:rPr lang="en-GB" dirty="0" smtClean="0"/>
+              <a:t>If we want to both add and read values at the same time we have to declare the collection without wildcard for example List&lt;Double&gt; we can both read and add Doubles. </a:t>
+            </a:r>
+            <a:endParaRPr lang="en-IN" dirty="0" smtClean="0"/>
           </a:p>
         </p:txBody>
       </p:sp>
     </p:spTree>
     <p:extLst>
       <p:ext uri="{BB962C8B-B14F-4D97-AF65-F5344CB8AC3E}">
-        <p14:creationId xmlns:p14="http://schemas.microsoft.com/office/powerpoint/2010/main" val="2775583363"/>
+        <p14:creationId xmlns:p14="http://schemas.microsoft.com/office/powerpoint/2010/main" val="4217484697"/>
       </p:ext>
     </p:extLst>
   </p:cSld>
@@ -22336,8 +22066,8 @@
         </p:nvSpPr>
         <p:spPr>
           <a:xfrm>
-            <a:off x="180284" y="0"/>
-            <a:ext cx="9404723" cy="608331"/>
+            <a:off x="145779" y="64529"/>
+            <a:ext cx="9404723" cy="444429"/>
           </a:xfrm>
         </p:spPr>
         <p:txBody>
@@ -22345,9 +22075,17 @@
           <a:lstStyle/>
           <a:p>
             <a:r>
+              <a:rPr lang="en-GB" sz="2000" b="1" dirty="0"/>
+              <a:t>Guidelines for Wildcard Use Cont…</a:t>
+            </a:r>
+            <a:r>
               <a:rPr lang="en-GB" b="1" dirty="0"/>
-              <a:t>Type Erasure</a:t>
-            </a:r>
+              <a:t/>
+            </a:r>
+            <a:br>
+              <a:rPr lang="en-GB" b="1" dirty="0"/>
+            </a:br>
+            <a:endParaRPr lang="en-GB" dirty="0"/>
           </a:p>
         </p:txBody>
       </p:sp>
@@ -22363,44 +22101,369 @@
         </p:nvSpPr>
         <p:spPr>
           <a:xfrm>
-            <a:off x="180284" y="759126"/>
-            <a:ext cx="11637905" cy="5857334"/>
+            <a:off x="370936" y="577970"/>
+            <a:ext cx="11447253" cy="6185139"/>
           </a:xfrm>
         </p:spPr>
         <p:txBody>
-          <a:bodyPr/>
+          <a:bodyPr>
+            <a:normAutofit fontScale="70000" lnSpcReduction="20000"/>
+          </a:bodyPr>
           <a:lstStyle/>
           <a:p>
             <a:r>
               <a:rPr lang="en-IN" dirty="0"/>
-              <a:t>Generics were introduced to the Java language to provide tighter type checks at compile time and to support generic programming. To implement generics, the Java compiler applies type erasure to:</a:t>
+              <a:t>A list defined by List&lt;</a:t>
+            </a:r>
+            <a:r>
+              <a:rPr lang="en-IN" dirty="0">
+                <a:latin typeface="Times New Roman" panose="02020603050405020304" pitchFamily="18" charset="0"/>
+                <a:cs typeface="Times New Roman" panose="02020603050405020304" pitchFamily="18" charset="0"/>
+              </a:rPr>
+              <a:t>?</a:t>
+            </a:r>
+            <a:r>
+              <a:rPr lang="en-IN" dirty="0"/>
+              <a:t> extends ...&gt; can be informally thought of as read-only, but that is not a strict guarantee. Suppose you have the following two classes:</a:t>
             </a:r>
           </a:p>
           <a:p>
             <a:pPr lvl="1"/>
             <a:r>
               <a:rPr lang="en-IN" dirty="0"/>
-              <a:t>Replace all type parameters in generic types with their bounds or Object if the type parameters are unbounded. The produced bytecode, therefore, contains only ordinary classes, interfaces, and methods.</a:t>
+              <a:t>class </a:t>
+            </a:r>
+            <a:r>
+              <a:rPr lang="en-IN" dirty="0" err="1"/>
+              <a:t>NaturalNumber</a:t>
+            </a:r>
+            <a:r>
+              <a:rPr lang="en-IN" dirty="0"/>
+              <a:t> {</a:t>
+            </a:r>
+          </a:p>
+          <a:p>
+            <a:pPr marL="857250" lvl="2" indent="0">
+              <a:buNone/>
+            </a:pPr>
+            <a:r>
+              <a:rPr lang="en-IN" dirty="0"/>
+              <a:t>    private </a:t>
+            </a:r>
+            <a:r>
+              <a:rPr lang="en-IN" dirty="0" err="1"/>
+              <a:t>int</a:t>
+            </a:r>
+            <a:r>
+              <a:rPr lang="en-IN" dirty="0"/>
+              <a:t> </a:t>
+            </a:r>
+            <a:r>
+              <a:rPr lang="en-IN" dirty="0" err="1"/>
+              <a:t>i</a:t>
+            </a:r>
+            <a:r>
+              <a:rPr lang="en-IN" dirty="0"/>
+              <a:t>;</a:t>
+            </a:r>
+          </a:p>
+          <a:p>
+            <a:pPr marL="857250" lvl="2" indent="0">
+              <a:buNone/>
+            </a:pPr>
+            <a:r>
+              <a:rPr lang="en-IN" dirty="0"/>
+              <a:t>    public </a:t>
+            </a:r>
+            <a:r>
+              <a:rPr lang="en-IN" dirty="0" err="1"/>
+              <a:t>NaturalNumber</a:t>
+            </a:r>
+            <a:r>
+              <a:rPr lang="en-IN" dirty="0"/>
+              <a:t>(</a:t>
+            </a:r>
+            <a:r>
+              <a:rPr lang="en-IN" dirty="0" err="1"/>
+              <a:t>int</a:t>
+            </a:r>
+            <a:r>
+              <a:rPr lang="en-IN" dirty="0"/>
+              <a:t> </a:t>
+            </a:r>
+            <a:r>
+              <a:rPr lang="en-IN" dirty="0" err="1"/>
+              <a:t>i</a:t>
+            </a:r>
+            <a:r>
+              <a:rPr lang="en-IN" dirty="0"/>
+              <a:t>) { </a:t>
+            </a:r>
+            <a:r>
+              <a:rPr lang="en-IN" dirty="0" err="1"/>
+              <a:t>this.i</a:t>
+            </a:r>
+            <a:r>
+              <a:rPr lang="en-IN" dirty="0"/>
+              <a:t> = </a:t>
+            </a:r>
+            <a:r>
+              <a:rPr lang="en-IN" dirty="0" err="1"/>
+              <a:t>i</a:t>
+            </a:r>
+            <a:r>
+              <a:rPr lang="en-IN" dirty="0"/>
+              <a:t>; }</a:t>
+            </a:r>
+          </a:p>
+          <a:p>
+            <a:pPr marL="857250" lvl="2" indent="0">
+              <a:buNone/>
+            </a:pPr>
+            <a:r>
+              <a:rPr lang="en-IN" dirty="0"/>
+              <a:t>    // ...</a:t>
+            </a:r>
+          </a:p>
+          <a:p>
+            <a:pPr marL="857250" lvl="2" indent="0">
+              <a:buNone/>
+            </a:pPr>
+            <a:r>
+              <a:rPr lang="en-IN" dirty="0"/>
+              <a:t>}</a:t>
+            </a:r>
+          </a:p>
+          <a:p>
+            <a:pPr marL="857250" lvl="2" indent="0">
+              <a:buNone/>
+            </a:pPr>
+            <a:r>
+              <a:rPr lang="en-IN" dirty="0"/>
+              <a:t>class </a:t>
+            </a:r>
+            <a:r>
+              <a:rPr lang="en-IN" dirty="0" err="1"/>
+              <a:t>EvenNumber</a:t>
+            </a:r>
+            <a:r>
+              <a:rPr lang="en-IN" dirty="0"/>
+              <a:t> extends </a:t>
+            </a:r>
+            <a:r>
+              <a:rPr lang="en-IN" dirty="0" err="1"/>
+              <a:t>NaturalNumber</a:t>
+            </a:r>
+            <a:r>
+              <a:rPr lang="en-IN" dirty="0"/>
+              <a:t> {</a:t>
+            </a:r>
+          </a:p>
+          <a:p>
+            <a:pPr marL="857250" lvl="2" indent="0">
+              <a:buNone/>
+            </a:pPr>
+            <a:r>
+              <a:rPr lang="en-IN" dirty="0"/>
+              <a:t>    public </a:t>
+            </a:r>
+            <a:r>
+              <a:rPr lang="en-IN" dirty="0" err="1"/>
+              <a:t>EvenNumber</a:t>
+            </a:r>
+            <a:r>
+              <a:rPr lang="en-IN" dirty="0"/>
+              <a:t>(</a:t>
+            </a:r>
+            <a:r>
+              <a:rPr lang="en-IN" dirty="0" err="1"/>
+              <a:t>int</a:t>
+            </a:r>
+            <a:r>
+              <a:rPr lang="en-IN" dirty="0"/>
+              <a:t> </a:t>
+            </a:r>
+            <a:r>
+              <a:rPr lang="en-IN" dirty="0" err="1"/>
+              <a:t>i</a:t>
+            </a:r>
+            <a:r>
+              <a:rPr lang="en-IN" dirty="0"/>
+              <a:t>) { super(</a:t>
+            </a:r>
+            <a:r>
+              <a:rPr lang="en-IN" dirty="0" err="1"/>
+              <a:t>i</a:t>
+            </a:r>
+            <a:r>
+              <a:rPr lang="en-IN" dirty="0"/>
+              <a:t>); }</a:t>
+            </a:r>
+          </a:p>
+          <a:p>
+            <a:pPr marL="857250" lvl="2" indent="0">
+              <a:buNone/>
+            </a:pPr>
+            <a:r>
+              <a:rPr lang="en-IN" dirty="0"/>
+              <a:t>    // ...</a:t>
+            </a:r>
+          </a:p>
+          <a:p>
+            <a:pPr marL="857250" lvl="2" indent="0">
+              <a:buNone/>
+            </a:pPr>
+            <a:r>
+              <a:rPr lang="en-IN" dirty="0"/>
+              <a:t>}</a:t>
+            </a:r>
+          </a:p>
+          <a:p>
+            <a:r>
+              <a:rPr lang="en-IN" dirty="0"/>
+              <a:t>Consider the following code:</a:t>
             </a:r>
           </a:p>
           <a:p>
             <a:pPr lvl="1"/>
             <a:r>
               <a:rPr lang="en-IN" dirty="0"/>
-              <a:t>Insert type casts if necessary to preserve type safety.</a:t>
+              <a:t>List&lt;</a:t>
+            </a:r>
+            <a:r>
+              <a:rPr lang="en-IN" dirty="0" err="1"/>
+              <a:t>EvenNumber</a:t>
+            </a:r>
+            <a:r>
+              <a:rPr lang="en-IN" dirty="0"/>
+              <a:t>&gt; le = new ArrayList&lt;&gt;();</a:t>
             </a:r>
           </a:p>
           <a:p>
             <a:pPr lvl="1"/>
             <a:r>
               <a:rPr lang="en-IN" dirty="0"/>
-              <a:t>Generate bridge methods to preserve polymorphism in extended generic types.</a:t>
-            </a:r>
-          </a:p>
-          <a:p>
-            <a:r>
-              <a:rPr lang="en-IN" dirty="0"/>
-              <a:t>Type erasure ensures that no new classes are created for parameterized types; consequently, generics incur no runtime overhead.</a:t>
+              <a:t>List&lt;</a:t>
+            </a:r>
+            <a:r>
+              <a:rPr lang="en-IN" dirty="0">
+                <a:latin typeface="Times New Roman" panose="02020603050405020304" pitchFamily="18" charset="0"/>
+                <a:cs typeface="Times New Roman" panose="02020603050405020304" pitchFamily="18" charset="0"/>
+              </a:rPr>
+              <a:t>?</a:t>
+            </a:r>
+            <a:r>
+              <a:rPr lang="en-IN" dirty="0"/>
+              <a:t> extends </a:t>
+            </a:r>
+            <a:r>
+              <a:rPr lang="en-IN" dirty="0" err="1"/>
+              <a:t>NaturalNumber</a:t>
+            </a:r>
+            <a:r>
+              <a:rPr lang="en-IN" dirty="0"/>
+              <a:t>&gt; ln = le;</a:t>
+            </a:r>
+          </a:p>
+          <a:p>
+            <a:pPr lvl="1"/>
+            <a:r>
+              <a:rPr lang="en-IN" dirty="0" err="1"/>
+              <a:t>ln.add</a:t>
+            </a:r>
+            <a:r>
+              <a:rPr lang="en-IN" dirty="0"/>
+              <a:t>(new </a:t>
+            </a:r>
+            <a:r>
+              <a:rPr lang="en-IN" dirty="0" err="1"/>
+              <a:t>NaturalNumber</a:t>
+            </a:r>
+            <a:r>
+              <a:rPr lang="en-IN" dirty="0"/>
+              <a:t>(35));  // compile-time error</a:t>
+            </a:r>
+          </a:p>
+          <a:p>
+            <a:r>
+              <a:rPr lang="en-IN" dirty="0"/>
+              <a:t>Because List&lt;</a:t>
+            </a:r>
+            <a:r>
+              <a:rPr lang="en-IN" dirty="0" err="1"/>
+              <a:t>EvenNumber</a:t>
+            </a:r>
+            <a:r>
+              <a:rPr lang="en-IN" dirty="0"/>
+              <a:t>&gt; is a subtype of List&lt;</a:t>
+            </a:r>
+            <a:r>
+              <a:rPr lang="en-IN" dirty="0">
+                <a:latin typeface="Times New Roman" panose="02020603050405020304" pitchFamily="18" charset="0"/>
+                <a:cs typeface="Times New Roman" panose="02020603050405020304" pitchFamily="18" charset="0"/>
+              </a:rPr>
+              <a:t>?</a:t>
+            </a:r>
+            <a:r>
+              <a:rPr lang="en-IN" dirty="0"/>
+              <a:t> extends </a:t>
+            </a:r>
+            <a:r>
+              <a:rPr lang="en-IN" dirty="0" err="1"/>
+              <a:t>NaturalNumber</a:t>
+            </a:r>
+            <a:r>
+              <a:rPr lang="en-IN" dirty="0"/>
+              <a:t>&gt;, you can assign le to ln. But you cannot use ln to add a natural number to a list of even numbers. The following operations on the list are possible:</a:t>
+            </a:r>
+          </a:p>
+          <a:p>
+            <a:r>
+              <a:rPr lang="en-IN" dirty="0"/>
+              <a:t>You can add null.</a:t>
+            </a:r>
+          </a:p>
+          <a:p>
+            <a:r>
+              <a:rPr lang="en-IN" dirty="0"/>
+              <a:t>You can invoke clear.</a:t>
+            </a:r>
+          </a:p>
+          <a:p>
+            <a:r>
+              <a:rPr lang="en-IN" dirty="0"/>
+              <a:t>You can get the iterator and invoke remove.</a:t>
+            </a:r>
+          </a:p>
+          <a:p>
+            <a:r>
+              <a:rPr lang="en-IN" dirty="0"/>
+              <a:t>You can capture the wildcard and write elements that you've read from the list.</a:t>
+            </a:r>
+          </a:p>
+          <a:p>
+            <a:r>
+              <a:rPr lang="en-IN" dirty="0"/>
+              <a:t>You can see that the list defined by List&lt;</a:t>
+            </a:r>
+            <a:r>
+              <a:rPr lang="en-IN" dirty="0">
+                <a:latin typeface="Times New Roman" panose="02020603050405020304" pitchFamily="18" charset="0"/>
+                <a:cs typeface="Times New Roman" panose="02020603050405020304" pitchFamily="18" charset="0"/>
+              </a:rPr>
+              <a:t>?</a:t>
+            </a:r>
+            <a:r>
+              <a:rPr lang="en-IN" dirty="0"/>
+              <a:t> extends </a:t>
+            </a:r>
+            <a:r>
+              <a:rPr lang="en-IN" dirty="0" err="1"/>
+              <a:t>NaturalNumber</a:t>
+            </a:r>
+            <a:r>
+              <a:rPr lang="en-IN" dirty="0"/>
+              <a:t>&gt; is not read-only in the strictest sense of the word, but you might think of it that way because you cannot store a new element or change an existing element in the list.</a:t>
             </a:r>
             <a:endParaRPr lang="en-GB" dirty="0"/>
           </a:p>
@@ -22409,7 +22472,7 @@
     </p:spTree>
     <p:extLst>
       <p:ext uri="{BB962C8B-B14F-4D97-AF65-F5344CB8AC3E}">
-        <p14:creationId xmlns:p14="http://schemas.microsoft.com/office/powerpoint/2010/main" val="2130056321"/>
+        <p14:creationId xmlns:p14="http://schemas.microsoft.com/office/powerpoint/2010/main" val="2775583363"/>
       </p:ext>
     </p:extLst>
   </p:cSld>
@@ -22448,8 +22511,8 @@
         </p:nvSpPr>
         <p:spPr>
           <a:xfrm>
-            <a:off x="0" y="0"/>
-            <a:ext cx="9404723" cy="271901"/>
+            <a:off x="180284" y="0"/>
+            <a:ext cx="9404723" cy="608331"/>
           </a:xfrm>
         </p:spPr>
         <p:txBody>
@@ -22457,17 +22520,9 @@
           <a:lstStyle/>
           <a:p>
             <a:r>
-              <a:rPr lang="en-GB" sz="1800" b="1" dirty="0"/>
-              <a:t>Erasure of Generic Types</a:t>
-            </a:r>
-            <a:r>
               <a:rPr lang="en-GB" b="1" dirty="0"/>
-              <a:t/>
-            </a:r>
-            <a:br>
-              <a:rPr lang="en-GB" b="1" dirty="0"/>
-            </a:br>
-            <a:endParaRPr lang="en-GB" dirty="0"/>
+              <a:t>Type Erasure</a:t>
+            </a:r>
           </a:p>
         </p:txBody>
       </p:sp>
@@ -22483,227 +22538,53 @@
         </p:nvSpPr>
         <p:spPr>
           <a:xfrm>
-            <a:off x="396815" y="491706"/>
-            <a:ext cx="11145327" cy="5756693"/>
+            <a:off x="180284" y="759126"/>
+            <a:ext cx="11637905" cy="5857334"/>
           </a:xfrm>
         </p:spPr>
         <p:txBody>
-          <a:bodyPr>
-            <a:normAutofit fontScale="77500" lnSpcReduction="20000"/>
-          </a:bodyPr>
+          <a:bodyPr/>
           <a:lstStyle/>
           <a:p>
             <a:r>
-              <a:rPr lang="en-GB" dirty="0"/>
-              <a:t>During the type erasure process, the Java compiler erases all type parameters and replaces each with its first bound if the type parameter is bounded, or Object if the type parameter is unbounded.</a:t>
-            </a:r>
-          </a:p>
-          <a:p>
-            <a:r>
-              <a:rPr lang="en-GB" dirty="0"/>
-              <a:t>Consider the following generic class that represents a node in a singly linked list:</a:t>
+              <a:rPr lang="en-IN" dirty="0"/>
+              <a:t>Generics were introduced to the Java language to provide tighter type checks at compile time and to support generic programming. To implement generics, the Java compiler applies type erasure to:</a:t>
             </a:r>
           </a:p>
           <a:p>
             <a:pPr lvl="1"/>
             <a:r>
-              <a:rPr lang="en-GB" dirty="0"/>
-              <a:t>public class Node&lt;T&gt; {</a:t>
-            </a:r>
-          </a:p>
-          <a:p>
-            <a:pPr marL="857250" lvl="2" indent="0">
-              <a:buNone/>
-            </a:pPr>
-            <a:r>
-              <a:rPr lang="en-GB" dirty="0"/>
-              <a:t>    private T data;    private Node&lt;T&gt; next;</a:t>
-            </a:r>
-          </a:p>
-          <a:p>
-            <a:pPr marL="857250" lvl="2" indent="0">
-              <a:buNone/>
-            </a:pPr>
-            <a:r>
-              <a:rPr lang="en-GB" dirty="0"/>
-              <a:t>    public Node(T data, Node&lt;T&gt; next) {</a:t>
-            </a:r>
-          </a:p>
-          <a:p>
-            <a:pPr marL="857250" lvl="2" indent="0">
-              <a:buNone/>
-            </a:pPr>
-            <a:r>
-              <a:rPr lang="en-GB" dirty="0"/>
-              <a:t>        </a:t>
-            </a:r>
-            <a:r>
-              <a:rPr lang="en-GB" dirty="0" err="1"/>
-              <a:t>this.data</a:t>
-            </a:r>
-            <a:r>
-              <a:rPr lang="en-GB" dirty="0"/>
-              <a:t> = data;        </a:t>
-            </a:r>
-            <a:r>
-              <a:rPr lang="en-GB" dirty="0" err="1"/>
-              <a:t>this.next</a:t>
-            </a:r>
-            <a:r>
-              <a:rPr lang="en-GB" dirty="0"/>
-              <a:t> = next;</a:t>
-            </a:r>
-          </a:p>
-          <a:p>
-            <a:pPr marL="857250" lvl="2" indent="0">
-              <a:buNone/>
-            </a:pPr>
-            <a:r>
-              <a:rPr lang="en-GB" dirty="0"/>
-              <a:t>    }</a:t>
-            </a:r>
-          </a:p>
-          <a:p>
-            <a:pPr marL="857250" lvl="2" indent="0">
-              <a:buNone/>
-            </a:pPr>
-            <a:r>
-              <a:rPr lang="en-GB" dirty="0"/>
-              <a:t>    public T </a:t>
-            </a:r>
-            <a:r>
-              <a:rPr lang="en-GB" dirty="0" err="1"/>
-              <a:t>getData</a:t>
-            </a:r>
-            <a:r>
-              <a:rPr lang="en-GB" dirty="0"/>
-              <a:t>() { return data; }</a:t>
-            </a:r>
-          </a:p>
-          <a:p>
-            <a:pPr marL="857250" lvl="2" indent="0">
-              <a:buNone/>
-            </a:pPr>
-            <a:r>
-              <a:rPr lang="en-GB" dirty="0"/>
-              <a:t>    // ...</a:t>
-            </a:r>
-          </a:p>
-          <a:p>
-            <a:pPr marL="857250" lvl="2" indent="0">
-              <a:buNone/>
-            </a:pPr>
-            <a:r>
-              <a:rPr lang="en-GB" dirty="0"/>
-              <a:t>}</a:t>
-            </a:r>
-          </a:p>
-          <a:p>
-            <a:r>
-              <a:rPr lang="en-GB" dirty="0"/>
-              <a:t>Because the type parameter T is unbounded, the Java compiler replaces it with Object:</a:t>
+              <a:rPr lang="en-IN" dirty="0"/>
+              <a:t>Replace all type parameters in generic types with their bounds or Object if the type parameters are unbounded. The produced bytecode, therefore, contains only ordinary classes, interfaces, and methods.</a:t>
             </a:r>
           </a:p>
           <a:p>
             <a:pPr lvl="1"/>
             <a:r>
-              <a:rPr lang="en-GB" dirty="0"/>
-              <a:t>public class Node {</a:t>
-            </a:r>
-          </a:p>
-          <a:p>
-            <a:pPr marL="857250" lvl="2" indent="0">
-              <a:buNone/>
-            </a:pPr>
-            <a:r>
-              <a:rPr lang="en-GB" dirty="0"/>
-              <a:t>    private Object data;    private Node next;</a:t>
-            </a:r>
-          </a:p>
-          <a:p>
-            <a:pPr marL="857250" lvl="2" indent="0">
-              <a:buNone/>
-            </a:pPr>
-            <a:r>
-              <a:rPr lang="en-GB" dirty="0"/>
-              <a:t>    public Node(Object data, Node next) {</a:t>
-            </a:r>
-          </a:p>
-          <a:p>
-            <a:pPr marL="857250" lvl="2" indent="0">
-              <a:buNone/>
-            </a:pPr>
-            <a:r>
-              <a:rPr lang="en-GB" dirty="0"/>
-              <a:t>        </a:t>
-            </a:r>
-            <a:r>
-              <a:rPr lang="en-GB" dirty="0" err="1"/>
-              <a:t>this.data</a:t>
-            </a:r>
-            <a:r>
-              <a:rPr lang="en-GB" dirty="0"/>
-              <a:t> = data;        </a:t>
-            </a:r>
-            <a:r>
-              <a:rPr lang="en-GB" dirty="0" err="1"/>
-              <a:t>this.next</a:t>
-            </a:r>
-            <a:r>
-              <a:rPr lang="en-GB" dirty="0"/>
-              <a:t> = next;</a:t>
-            </a:r>
-          </a:p>
-          <a:p>
-            <a:pPr marL="857250" lvl="2" indent="0">
-              <a:buNone/>
-            </a:pPr>
-            <a:r>
-              <a:rPr lang="en-GB" dirty="0"/>
-              <a:t>    }</a:t>
-            </a:r>
-          </a:p>
-          <a:p>
-            <a:pPr marL="857250" lvl="2" indent="0">
-              <a:buNone/>
-            </a:pPr>
-            <a:r>
-              <a:rPr lang="en-GB" dirty="0"/>
-              <a:t>    public Object </a:t>
-            </a:r>
-            <a:r>
-              <a:rPr lang="en-GB" dirty="0" err="1"/>
-              <a:t>getData</a:t>
-            </a:r>
-            <a:r>
-              <a:rPr lang="en-GB" dirty="0"/>
-              <a:t>() { return data; }</a:t>
-            </a:r>
-          </a:p>
-          <a:p>
-            <a:pPr marL="857250" lvl="2" indent="0">
-              <a:buNone/>
-            </a:pPr>
-            <a:r>
-              <a:rPr lang="en-GB" dirty="0"/>
-              <a:t>    // ...</a:t>
-            </a:r>
-          </a:p>
-          <a:p>
-            <a:pPr marL="857250" lvl="2" indent="0">
-              <a:buNone/>
-            </a:pPr>
-            <a:r>
-              <a:rPr lang="en-GB" dirty="0"/>
-              <a:t>}</a:t>
-            </a:r>
+              <a:rPr lang="en-IN" dirty="0"/>
+              <a:t>Insert type casts if necessary to preserve type safety.</a:t>
+            </a:r>
+          </a:p>
+          <a:p>
+            <a:pPr lvl="1"/>
+            <a:r>
+              <a:rPr lang="en-IN" dirty="0"/>
+              <a:t>Generate bridge methods to preserve polymorphism in extended generic types.</a:t>
+            </a:r>
+          </a:p>
+          <a:p>
+            <a:r>
+              <a:rPr lang="en-IN" dirty="0"/>
+              <a:t>Type erasure ensures that no new classes are created for parameterized types; consequently, generics incur no runtime overhead.</a:t>
+            </a:r>
+            <a:endParaRPr lang="en-GB" dirty="0"/>
           </a:p>
         </p:txBody>
       </p:sp>
     </p:spTree>
     <p:extLst>
       <p:ext uri="{BB962C8B-B14F-4D97-AF65-F5344CB8AC3E}">
-        <p14:creationId xmlns:p14="http://schemas.microsoft.com/office/powerpoint/2010/main" val="1854116039"/>
+        <p14:creationId xmlns:p14="http://schemas.microsoft.com/office/powerpoint/2010/main" val="2130056321"/>
       </p:ext>
     </p:extLst>
   </p:cSld>
@@ -22778,7 +22659,7 @@
         <p:spPr>
           <a:xfrm>
             <a:off x="396815" y="491706"/>
-            <a:ext cx="11145327" cy="6055743"/>
+            <a:ext cx="11145327" cy="5756693"/>
           </a:xfrm>
         </p:spPr>
         <p:txBody>
@@ -22789,14 +22670,20 @@
           <a:p>
             <a:r>
               <a:rPr lang="en-GB" dirty="0"/>
-              <a:t>In the following example, the generic Node class uses a bounded type parameter:</a:t>
+              <a:t>During the type erasure process, the Java compiler erases all type parameters and replaces each with its first bound if the type parameter is bounded, or Object if the type parameter is unbounded.</a:t>
+            </a:r>
+          </a:p>
+          <a:p>
+            <a:r>
+              <a:rPr lang="en-GB" dirty="0"/>
+              <a:t>Consider the following generic class that represents a node in a singly linked list:</a:t>
             </a:r>
           </a:p>
           <a:p>
             <a:pPr lvl="1"/>
             <a:r>
               <a:rPr lang="en-GB" dirty="0"/>
-              <a:t>public class Node&lt;T extends Comparable&lt;T&gt;&gt; {</a:t>
+              <a:t>public class Node&lt;T&gt; {</a:t>
             </a:r>
           </a:p>
           <a:p>
@@ -22831,7 +22718,90 @@
             </a:r>
             <a:r>
               <a:rPr lang="en-GB" dirty="0"/>
-              <a:t> = data;</a:t>
+              <a:t> = data;        </a:t>
+            </a:r>
+            <a:r>
+              <a:rPr lang="en-GB" dirty="0" err="1"/>
+              <a:t>this.next</a:t>
+            </a:r>
+            <a:r>
+              <a:rPr lang="en-GB" dirty="0"/>
+              <a:t> = next;</a:t>
+            </a:r>
+          </a:p>
+          <a:p>
+            <a:pPr marL="857250" lvl="2" indent="0">
+              <a:buNone/>
+            </a:pPr>
+            <a:r>
+              <a:rPr lang="en-GB" dirty="0"/>
+              <a:t>    }</a:t>
+            </a:r>
+          </a:p>
+          <a:p>
+            <a:pPr marL="857250" lvl="2" indent="0">
+              <a:buNone/>
+            </a:pPr>
+            <a:r>
+              <a:rPr lang="en-GB" dirty="0"/>
+              <a:t>    public T </a:t>
+            </a:r>
+            <a:r>
+              <a:rPr lang="en-GB" dirty="0" err="1"/>
+              <a:t>getData</a:t>
+            </a:r>
+            <a:r>
+              <a:rPr lang="en-GB" dirty="0"/>
+              <a:t>() { return data; }</a:t>
+            </a:r>
+          </a:p>
+          <a:p>
+            <a:pPr marL="857250" lvl="2" indent="0">
+              <a:buNone/>
+            </a:pPr>
+            <a:r>
+              <a:rPr lang="en-GB" dirty="0"/>
+              <a:t>    // ...</a:t>
+            </a:r>
+          </a:p>
+          <a:p>
+            <a:pPr marL="857250" lvl="2" indent="0">
+              <a:buNone/>
+            </a:pPr>
+            <a:r>
+              <a:rPr lang="en-GB" dirty="0"/>
+              <a:t>}</a:t>
+            </a:r>
+          </a:p>
+          <a:p>
+            <a:r>
+              <a:rPr lang="en-GB" dirty="0"/>
+              <a:t>Because the type parameter T is unbounded, the Java compiler replaces it with Object:</a:t>
+            </a:r>
+          </a:p>
+          <a:p>
+            <a:pPr lvl="1"/>
+            <a:r>
+              <a:rPr lang="en-GB" dirty="0"/>
+              <a:t>public class Node {</a:t>
+            </a:r>
+          </a:p>
+          <a:p>
+            <a:pPr marL="857250" lvl="2" indent="0">
+              <a:buNone/>
+            </a:pPr>
+            <a:r>
+              <a:rPr lang="en-GB" dirty="0"/>
+              <a:t>    private Object data;    private Node next;</a:t>
+            </a:r>
+          </a:p>
+          <a:p>
+            <a:pPr marL="857250" lvl="2" indent="0">
+              <a:buNone/>
+            </a:pPr>
+            <a:r>
+              <a:rPr lang="en-GB" dirty="0"/>
+              <a:t>    public Node(Object data, Node next) {</a:t>
             </a:r>
           </a:p>
           <a:p>
@@ -22844,6 +22814,14 @@
             </a:r>
             <a:r>
               <a:rPr lang="en-GB" dirty="0" err="1"/>
+              <a:t>this.data</a:t>
+            </a:r>
+            <a:r>
+              <a:rPr lang="en-GB" dirty="0"/>
+              <a:t> = data;        </a:t>
+            </a:r>
+            <a:r>
+              <a:rPr lang="en-GB" dirty="0" err="1"/>
               <a:t>this.next</a:t>
             </a:r>
             <a:r>
@@ -22866,125 +22844,7 @@
             </a:pPr>
             <a:r>
               <a:rPr lang="en-GB" dirty="0"/>
-              <a:t>    public T </a:t>
-            </a:r>
-            <a:r>
-              <a:rPr lang="en-GB" dirty="0" err="1"/>
-              <a:t>getData</a:t>
-            </a:r>
-            <a:r>
-              <a:rPr lang="en-GB" dirty="0"/>
-              <a:t>() { return data; }</a:t>
-            </a:r>
-          </a:p>
-          <a:p>
-            <a:pPr marL="857250" lvl="2" indent="0">
-              <a:buNone/>
-            </a:pPr>
-            <a:r>
-              <a:rPr lang="en-GB" dirty="0"/>
-              <a:t>    // ...</a:t>
-            </a:r>
-          </a:p>
-          <a:p>
-            <a:pPr marL="857250" lvl="2" indent="0">
-              <a:buNone/>
-            </a:pPr>
-            <a:r>
-              <a:rPr lang="en-GB" dirty="0"/>
-              <a:t>}</a:t>
-            </a:r>
-          </a:p>
-          <a:p>
-            <a:r>
-              <a:rPr lang="en-GB" dirty="0"/>
-              <a:t>The Java compiler replaces the bounded type parameter T with the first bound class, Comparable:</a:t>
-            </a:r>
-          </a:p>
-          <a:p>
-            <a:pPr lvl="1"/>
-            <a:r>
-              <a:rPr lang="en-GB" dirty="0"/>
-              <a:t>public class Node {</a:t>
-            </a:r>
-          </a:p>
-          <a:p>
-            <a:pPr marL="857250" lvl="2" indent="0">
-              <a:buNone/>
-            </a:pPr>
-            <a:r>
-              <a:rPr lang="en-GB" dirty="0"/>
-              <a:t>    private Comparable data;</a:t>
-            </a:r>
-          </a:p>
-          <a:p>
-            <a:pPr marL="857250" lvl="2" indent="0">
-              <a:buNone/>
-            </a:pPr>
-            <a:r>
-              <a:rPr lang="en-GB" dirty="0"/>
-              <a:t>    private Node next;</a:t>
-            </a:r>
-          </a:p>
-          <a:p>
-            <a:pPr marL="857250" lvl="2" indent="0">
-              <a:buNone/>
-            </a:pPr>
-            <a:r>
-              <a:rPr lang="en-GB" dirty="0"/>
-              <a:t>    public Node(Comparable data, Node next) {</a:t>
-            </a:r>
-          </a:p>
-          <a:p>
-            <a:pPr marL="857250" lvl="2" indent="0">
-              <a:buNone/>
-            </a:pPr>
-            <a:r>
-              <a:rPr lang="en-GB" dirty="0"/>
-              <a:t>        </a:t>
-            </a:r>
-            <a:r>
-              <a:rPr lang="en-GB" dirty="0" err="1"/>
-              <a:t>this.data</a:t>
-            </a:r>
-            <a:r>
-              <a:rPr lang="en-GB" dirty="0"/>
-              <a:t> = data;</a:t>
-            </a:r>
-          </a:p>
-          <a:p>
-            <a:pPr marL="857250" lvl="2" indent="0">
-              <a:buNone/>
-            </a:pPr>
-            <a:r>
-              <a:rPr lang="en-GB" dirty="0"/>
-              <a:t>        </a:t>
-            </a:r>
-            <a:r>
-              <a:rPr lang="en-GB" dirty="0" err="1"/>
-              <a:t>this.next</a:t>
-            </a:r>
-            <a:r>
-              <a:rPr lang="en-GB" dirty="0"/>
-              <a:t> = next;</a:t>
-            </a:r>
-          </a:p>
-          <a:p>
-            <a:pPr marL="857250" lvl="2" indent="0">
-              <a:buNone/>
-            </a:pPr>
-            <a:r>
-              <a:rPr lang="en-GB" dirty="0"/>
-              <a:t>    }</a:t>
-            </a:r>
-          </a:p>
-          <a:p>
-            <a:pPr marL="857250" lvl="2" indent="0">
-              <a:buNone/>
-            </a:pPr>
-            <a:r>
-              <a:rPr lang="en-GB" dirty="0"/>
-              <a:t>    public Comparable </a:t>
+              <a:t>    public Object </a:t>
             </a:r>
             <a:r>
               <a:rPr lang="en-GB" dirty="0" err="1"/>
@@ -23018,7 +22878,7 @@
     </p:spTree>
     <p:extLst>
       <p:ext uri="{BB962C8B-B14F-4D97-AF65-F5344CB8AC3E}">
-        <p14:creationId xmlns:p14="http://schemas.microsoft.com/office/powerpoint/2010/main" val="2988659219"/>
+        <p14:creationId xmlns:p14="http://schemas.microsoft.com/office/powerpoint/2010/main" val="1854116039"/>
       </p:ext>
     </p:extLst>
   </p:cSld>
@@ -23057,8 +22917,8 @@
         </p:nvSpPr>
         <p:spPr>
           <a:xfrm>
-            <a:off x="94020" y="90408"/>
-            <a:ext cx="9404723" cy="711848"/>
+            <a:off x="0" y="0"/>
+            <a:ext cx="9404723" cy="271901"/>
           </a:xfrm>
         </p:spPr>
         <p:txBody>
@@ -23066,8 +22926,12 @@
           <a:lstStyle/>
           <a:p>
             <a:r>
+              <a:rPr lang="en-GB" sz="1800" b="1" dirty="0"/>
+              <a:t>Erasure of Generic Types</a:t>
+            </a:r>
+            <a:r>
               <a:rPr lang="en-GB" b="1" dirty="0"/>
-              <a:t>Erasure of Generic Methods</a:t>
+              <a:t/>
             </a:r>
             <a:br>
               <a:rPr lang="en-GB" b="1" dirty="0"/>
@@ -23088,167 +22952,113 @@
         </p:nvSpPr>
         <p:spPr>
           <a:xfrm>
-            <a:off x="224287" y="698739"/>
-            <a:ext cx="11464506" cy="6055744"/>
+            <a:off x="396815" y="491706"/>
+            <a:ext cx="11145327" cy="6055743"/>
           </a:xfrm>
         </p:spPr>
         <p:txBody>
           <a:bodyPr>
-            <a:normAutofit fontScale="55000" lnSpcReduction="20000"/>
+            <a:normAutofit fontScale="77500" lnSpcReduction="20000"/>
           </a:bodyPr>
           <a:lstStyle/>
           <a:p>
             <a:r>
               <a:rPr lang="en-GB" dirty="0"/>
-              <a:t>The Java compiler also erases type parameters in generic method arguments. Consider the following generic method: which Counts the number of occurrences of </a:t>
+              <a:t>In the following example, the generic Node class uses a bounded type parameter:</a:t>
+            </a:r>
+          </a:p>
+          <a:p>
+            <a:pPr lvl="1"/>
+            <a:r>
+              <a:rPr lang="en-GB" dirty="0"/>
+              <a:t>public class Node&lt;T extends Comparable&lt;T&gt;&gt; {</a:t>
+            </a:r>
+          </a:p>
+          <a:p>
+            <a:pPr marL="857250" lvl="2" indent="0">
+              <a:buNone/>
+            </a:pPr>
+            <a:r>
+              <a:rPr lang="en-GB" dirty="0"/>
+              <a:t>    private T data;    private Node&lt;T&gt; next;</a:t>
+            </a:r>
+          </a:p>
+          <a:p>
+            <a:pPr marL="857250" lvl="2" indent="0">
+              <a:buNone/>
+            </a:pPr>
+            <a:r>
+              <a:rPr lang="en-GB" dirty="0"/>
+              <a:t>    public Node(T data, Node&lt;T&gt; next) {</a:t>
+            </a:r>
+          </a:p>
+          <a:p>
+            <a:pPr marL="857250" lvl="2" indent="0">
+              <a:buNone/>
+            </a:pPr>
+            <a:r>
+              <a:rPr lang="en-GB" dirty="0"/>
+              <a:t>        </a:t>
             </a:r>
             <a:r>
               <a:rPr lang="en-GB" dirty="0" err="1"/>
-              <a:t>elem</a:t>
+              <a:t>this.data</a:t>
             </a:r>
             <a:r>
               <a:rPr lang="en-GB" dirty="0"/>
-              <a:t> in </a:t>
+              <a:t> = data;</a:t>
+            </a:r>
+          </a:p>
+          <a:p>
+            <a:pPr marL="857250" lvl="2" indent="0">
+              <a:buNone/>
+            </a:pPr>
+            <a:r>
+              <a:rPr lang="en-GB" dirty="0"/>
+              <a:t>        </a:t>
             </a:r>
             <a:r>
               <a:rPr lang="en-GB" dirty="0" err="1"/>
-              <a:t>anArray</a:t>
+              <a:t>this.next</a:t>
             </a:r>
             <a:r>
               <a:rPr lang="en-GB" dirty="0"/>
-              <a:t>.</a:t>
-            </a:r>
-          </a:p>
-          <a:p>
-            <a:pPr lvl="1"/>
+              <a:t> = next;</a:t>
+            </a:r>
+          </a:p>
+          <a:p>
+            <a:pPr marL="857250" lvl="2" indent="0">
+              <a:buNone/>
+            </a:pPr>
             <a:r>
               <a:rPr lang="en-GB" dirty="0"/>
-              <a:t>public static &lt;T&gt; </a:t>
+              <a:t>    }</a:t>
+            </a:r>
+          </a:p>
+          <a:p>
+            <a:pPr marL="857250" lvl="2" indent="0">
+              <a:buNone/>
+            </a:pPr>
+            <a:r>
+              <a:rPr lang="en-GB" dirty="0"/>
+              <a:t>    public T </a:t>
             </a:r>
             <a:r>
               <a:rPr lang="en-GB" dirty="0" err="1"/>
-              <a:t>int</a:t>
+              <a:t>getData</a:t>
             </a:r>
             <a:r>
               <a:rPr lang="en-GB" dirty="0"/>
-              <a:t> count(T[] </a:t>
-            </a:r>
-            <a:r>
-              <a:rPr lang="en-GB" dirty="0" err="1"/>
-              <a:t>anArray</a:t>
-            </a:r>
+              <a:t>() { return data; }</a:t>
+            </a:r>
+          </a:p>
+          <a:p>
+            <a:pPr marL="857250" lvl="2" indent="0">
+              <a:buNone/>
+            </a:pPr>
             <a:r>
               <a:rPr lang="en-GB" dirty="0"/>
-              <a:t>, T </a:t>
-            </a:r>
-            <a:r>
-              <a:rPr lang="en-GB" dirty="0" err="1"/>
-              <a:t>elem</a:t>
-            </a:r>
-            <a:r>
-              <a:rPr lang="en-GB" dirty="0"/>
-              <a:t>) {</a:t>
-            </a:r>
-          </a:p>
-          <a:p>
-            <a:pPr marL="857250" lvl="2" indent="0">
-              <a:buNone/>
-            </a:pPr>
-            <a:r>
-              <a:rPr lang="en-GB" dirty="0"/>
-              <a:t>    </a:t>
-            </a:r>
-            <a:r>
-              <a:rPr lang="en-GB" dirty="0" err="1"/>
-              <a:t>int</a:t>
-            </a:r>
-            <a:r>
-              <a:rPr lang="en-GB" dirty="0"/>
-              <a:t> </a:t>
-            </a:r>
-            <a:r>
-              <a:rPr lang="en-GB" dirty="0" err="1"/>
-              <a:t>cnt</a:t>
-            </a:r>
-            <a:r>
-              <a:rPr lang="en-GB" dirty="0"/>
-              <a:t> = 0;</a:t>
-            </a:r>
-          </a:p>
-          <a:p>
-            <a:pPr marL="857250" lvl="2" indent="0">
-              <a:buNone/>
-            </a:pPr>
-            <a:r>
-              <a:rPr lang="en-GB" dirty="0"/>
-              <a:t>    for (T e : </a:t>
-            </a:r>
-            <a:r>
-              <a:rPr lang="en-GB" dirty="0" err="1"/>
-              <a:t>anArray</a:t>
-            </a:r>
-            <a:r>
-              <a:rPr lang="en-GB" dirty="0"/>
-              <a:t>)</a:t>
-            </a:r>
-          </a:p>
-          <a:p>
-            <a:pPr marL="857250" lvl="2" indent="0">
-              <a:buNone/>
-            </a:pPr>
-            <a:r>
-              <a:rPr lang="en-GB" dirty="0"/>
-              <a:t>        if (</a:t>
-            </a:r>
-            <a:r>
-              <a:rPr lang="en-GB" dirty="0" err="1"/>
-              <a:t>e.equals</a:t>
-            </a:r>
-            <a:r>
-              <a:rPr lang="en-GB" dirty="0"/>
-              <a:t>(</a:t>
-            </a:r>
-            <a:r>
-              <a:rPr lang="en-GB" dirty="0" err="1"/>
-              <a:t>elem</a:t>
-            </a:r>
-            <a:r>
-              <a:rPr lang="en-GB" dirty="0"/>
-              <a:t>))</a:t>
-            </a:r>
-          </a:p>
-          <a:p>
-            <a:pPr marL="857250" lvl="2" indent="0">
-              <a:buNone/>
-            </a:pPr>
-            <a:r>
-              <a:rPr lang="en-GB" dirty="0"/>
-              <a:t>            ++</a:t>
-            </a:r>
-            <a:r>
-              <a:rPr lang="en-GB" dirty="0" err="1"/>
-              <a:t>cnt</a:t>
-            </a:r>
-            <a:r>
-              <a:rPr lang="en-GB" dirty="0"/>
-              <a:t>;</a:t>
-            </a:r>
-          </a:p>
-          <a:p>
-            <a:pPr marL="857250" lvl="2" indent="0">
-              <a:buNone/>
-            </a:pPr>
-            <a:r>
-              <a:rPr lang="en-GB" dirty="0"/>
-              <a:t>        return </a:t>
-            </a:r>
-            <a:r>
-              <a:rPr lang="en-GB" dirty="0" err="1"/>
-              <a:t>cnt</a:t>
-            </a:r>
-            <a:r>
-              <a:rPr lang="en-GB" dirty="0"/>
-              <a:t>;</a:t>
+              <a:t>    // ...</a:t>
             </a:r>
           </a:p>
           <a:p>
@@ -23263,38 +23073,101 @@
           <a:p>
             <a:r>
               <a:rPr lang="en-GB" dirty="0"/>
-              <a:t>Because T is unbounded, the Java compiler replaces it with Object:</a:t>
+              <a:t>The Java compiler replaces the bounded type parameter T with the first bound class, Comparable:</a:t>
             </a:r>
           </a:p>
           <a:p>
             <a:pPr lvl="1"/>
             <a:r>
               <a:rPr lang="en-GB" dirty="0"/>
-              <a:t>public static </a:t>
+              <a:t>public class Node {</a:t>
+            </a:r>
+          </a:p>
+          <a:p>
+            <a:pPr marL="857250" lvl="2" indent="0">
+              <a:buNone/>
+            </a:pPr>
+            <a:r>
+              <a:rPr lang="en-GB" dirty="0"/>
+              <a:t>    private Comparable data;</a:t>
+            </a:r>
+          </a:p>
+          <a:p>
+            <a:pPr marL="857250" lvl="2" indent="0">
+              <a:buNone/>
+            </a:pPr>
+            <a:r>
+              <a:rPr lang="en-GB" dirty="0"/>
+              <a:t>    private Node next;</a:t>
+            </a:r>
+          </a:p>
+          <a:p>
+            <a:pPr marL="857250" lvl="2" indent="0">
+              <a:buNone/>
+            </a:pPr>
+            <a:r>
+              <a:rPr lang="en-GB" dirty="0"/>
+              <a:t>    public Node(Comparable data, Node next) {</a:t>
+            </a:r>
+          </a:p>
+          <a:p>
+            <a:pPr marL="857250" lvl="2" indent="0">
+              <a:buNone/>
+            </a:pPr>
+            <a:r>
+              <a:rPr lang="en-GB" dirty="0"/>
+              <a:t>        </a:t>
             </a:r>
             <a:r>
               <a:rPr lang="en-GB" dirty="0" err="1"/>
-              <a:t>int</a:t>
+              <a:t>this.data</a:t>
             </a:r>
             <a:r>
               <a:rPr lang="en-GB" dirty="0"/>
-              <a:t> count(Object[] </a:t>
+              <a:t> = data;</a:t>
+            </a:r>
+          </a:p>
+          <a:p>
+            <a:pPr marL="857250" lvl="2" indent="0">
+              <a:buNone/>
+            </a:pPr>
+            <a:r>
+              <a:rPr lang="en-GB" dirty="0"/>
+              <a:t>        </a:t>
             </a:r>
             <a:r>
               <a:rPr lang="en-GB" dirty="0" err="1"/>
-              <a:t>anArray</a:t>
+              <a:t>this.next</a:t>
             </a:r>
             <a:r>
               <a:rPr lang="en-GB" dirty="0"/>
-              <a:t>, Object </a:t>
+              <a:t> = next;</a:t>
+            </a:r>
+          </a:p>
+          <a:p>
+            <a:pPr marL="857250" lvl="2" indent="0">
+              <a:buNone/>
+            </a:pPr>
+            <a:r>
+              <a:rPr lang="en-GB" dirty="0"/>
+              <a:t>    }</a:t>
+            </a:r>
+          </a:p>
+          <a:p>
+            <a:pPr marL="857250" lvl="2" indent="0">
+              <a:buNone/>
+            </a:pPr>
+            <a:r>
+              <a:rPr lang="en-GB" dirty="0"/>
+              <a:t>    public Comparable </a:t>
             </a:r>
             <a:r>
               <a:rPr lang="en-GB" dirty="0" err="1"/>
-              <a:t>elem</a:t>
+              <a:t>getData</a:t>
             </a:r>
             <a:r>
               <a:rPr lang="en-GB" dirty="0"/>
-              <a:t>) {</a:t>
+              <a:t>() { return data; }</a:t>
             </a:r>
           </a:p>
           <a:p>
@@ -23303,99 +23176,7 @@
             </a:pPr>
             <a:r>
               <a:rPr lang="en-GB" dirty="0"/>
-              <a:t>    </a:t>
-            </a:r>
-            <a:r>
-              <a:rPr lang="en-GB" dirty="0" err="1"/>
-              <a:t>int</a:t>
-            </a:r>
-            <a:r>
-              <a:rPr lang="en-GB" dirty="0"/>
-              <a:t> </a:t>
-            </a:r>
-            <a:r>
-              <a:rPr lang="en-GB" dirty="0" err="1"/>
-              <a:t>cnt</a:t>
-            </a:r>
-            <a:r>
-              <a:rPr lang="en-GB" dirty="0"/>
-              <a:t> = 0;</a:t>
-            </a:r>
-          </a:p>
-          <a:p>
-            <a:pPr marL="857250" lvl="2" indent="0">
-              <a:buNone/>
-            </a:pPr>
-            <a:r>
-              <a:rPr lang="en-GB" dirty="0"/>
-              <a:t>    for (Object e : </a:t>
-            </a:r>
-            <a:r>
-              <a:rPr lang="en-GB" dirty="0" err="1"/>
-              <a:t>anArray</a:t>
-            </a:r>
-            <a:r>
-              <a:rPr lang="en-GB" dirty="0"/>
-              <a:t>)</a:t>
-            </a:r>
-          </a:p>
-          <a:p>
-            <a:pPr marL="857250" lvl="2" indent="0">
-              <a:buNone/>
-            </a:pPr>
-            <a:r>
-              <a:rPr lang="en-GB" dirty="0"/>
-              <a:t>        if (</a:t>
-            </a:r>
-            <a:r>
-              <a:rPr lang="en-GB" dirty="0" err="1"/>
-              <a:t>e.equals</a:t>
-            </a:r>
-            <a:r>
-              <a:rPr lang="en-GB" dirty="0"/>
-              <a:t>(</a:t>
-            </a:r>
-            <a:r>
-              <a:rPr lang="en-GB" dirty="0" err="1"/>
-              <a:t>elem</a:t>
-            </a:r>
-            <a:r>
-              <a:rPr lang="en-GB" dirty="0"/>
-              <a:t>))</a:t>
-            </a:r>
-          </a:p>
-          <a:p>
-            <a:pPr marL="857250" lvl="2" indent="0">
-              <a:buNone/>
-            </a:pPr>
-            <a:r>
-              <a:rPr lang="en-GB" dirty="0"/>
-              <a:t>            ++</a:t>
-            </a:r>
-            <a:r>
-              <a:rPr lang="en-GB" dirty="0" err="1"/>
-              <a:t>cnt</a:t>
-            </a:r>
-            <a:r>
-              <a:rPr lang="en-GB" dirty="0"/>
-              <a:t>;</a:t>
-            </a:r>
-          </a:p>
-          <a:p>
-            <a:pPr marL="857250" lvl="2" indent="0">
-              <a:buNone/>
-            </a:pPr>
-            <a:r>
-              <a:rPr lang="en-GB" dirty="0"/>
-              <a:t>        return </a:t>
-            </a:r>
-            <a:r>
-              <a:rPr lang="en-GB" dirty="0" err="1"/>
-              <a:t>cnt</a:t>
-            </a:r>
-            <a:r>
-              <a:rPr lang="en-GB" dirty="0"/>
-              <a:t>;</a:t>
+              <a:t>    // ...</a:t>
             </a:r>
           </a:p>
           <a:p>
@@ -23405,59 +23186,6 @@
             <a:r>
               <a:rPr lang="en-GB" dirty="0"/>
               <a:t>}</a:t>
-            </a:r>
-          </a:p>
-          <a:p>
-            <a:r>
-              <a:rPr lang="en-GB" dirty="0"/>
-              <a:t>Suppose the following classes are defined:</a:t>
-            </a:r>
-          </a:p>
-          <a:p>
-            <a:pPr lvl="1"/>
-            <a:r>
-              <a:rPr lang="en-GB" dirty="0"/>
-              <a:t>class Shape { /* ... */ }</a:t>
-            </a:r>
-          </a:p>
-          <a:p>
-            <a:pPr lvl="1"/>
-            <a:r>
-              <a:rPr lang="en-GB" dirty="0"/>
-              <a:t>class Circle extends Shape { /* ... */ }</a:t>
-            </a:r>
-          </a:p>
-          <a:p>
-            <a:pPr lvl="1"/>
-            <a:r>
-              <a:rPr lang="en-GB" dirty="0"/>
-              <a:t>class Rectangle extends Shape { /* ... */ }</a:t>
-            </a:r>
-          </a:p>
-          <a:p>
-            <a:r>
-              <a:rPr lang="en-GB" dirty="0"/>
-              <a:t>You can write a generic method to draw different shapes:</a:t>
-            </a:r>
-          </a:p>
-          <a:p>
-            <a:pPr lvl="1"/>
-            <a:r>
-              <a:rPr lang="en-GB" dirty="0"/>
-              <a:t>public static &lt;T extends Shape&gt; void draw(T shape) { /* ... */ }</a:t>
-            </a:r>
-          </a:p>
-          <a:p>
-            <a:r>
-              <a:rPr lang="en-GB" dirty="0"/>
-              <a:t>The Java compiler replaces T with Shape:</a:t>
-            </a:r>
-          </a:p>
-          <a:p>
-            <a:pPr lvl="1"/>
-            <a:r>
-              <a:rPr lang="en-GB" dirty="0"/>
-              <a:t>public static void draw(Shape shape) { /* ... */ }</a:t>
             </a:r>
           </a:p>
         </p:txBody>
@@ -23465,7 +23193,7 @@
     </p:spTree>
     <p:extLst>
       <p:ext uri="{BB962C8B-B14F-4D97-AF65-F5344CB8AC3E}">
-        <p14:creationId xmlns:p14="http://schemas.microsoft.com/office/powerpoint/2010/main" val="4148216684"/>
+        <p14:creationId xmlns:p14="http://schemas.microsoft.com/office/powerpoint/2010/main" val="2988659219"/>
       </p:ext>
     </p:extLst>
   </p:cSld>
@@ -23504,8 +23232,8 @@
         </p:nvSpPr>
         <p:spPr>
           <a:xfrm>
-            <a:off x="85394" y="0"/>
-            <a:ext cx="9404723" cy="556573"/>
+            <a:off x="94020" y="90408"/>
+            <a:ext cx="9404723" cy="711848"/>
           </a:xfrm>
         </p:spPr>
         <p:txBody>
@@ -23513,15 +23241,11 @@
           <a:lstStyle/>
           <a:p>
             <a:r>
-              <a:rPr lang="en-IN" sz="2800" b="1" dirty="0"/>
-              <a:t>Effects of Type Erasure and Bridge Methods</a:t>
-            </a:r>
-            <a:r>
-              <a:rPr lang="en-IN" b="1" dirty="0"/>
-              <a:t/>
+              <a:rPr lang="en-GB" b="1" dirty="0"/>
+              <a:t>Erasure of Generic Methods</a:t>
             </a:r>
             <a:br>
-              <a:rPr lang="en-IN" b="1" dirty="0"/>
+              <a:rPr lang="en-GB" b="1" dirty="0"/>
             </a:br>
             <a:endParaRPr lang="en-GB" dirty="0"/>
           </a:p>
@@ -23539,32 +23263,66 @@
         </p:nvSpPr>
         <p:spPr>
           <a:xfrm>
-            <a:off x="379562" y="672860"/>
-            <a:ext cx="11576649" cy="5926348"/>
+            <a:off x="224287" y="698739"/>
+            <a:ext cx="11464506" cy="6055744"/>
           </a:xfrm>
         </p:spPr>
         <p:txBody>
           <a:bodyPr>
-            <a:noAutofit/>
+            <a:normAutofit fontScale="55000" lnSpcReduction="20000"/>
           </a:bodyPr>
           <a:lstStyle/>
           <a:p>
             <a:r>
-              <a:rPr lang="en-IN" sz="1100" dirty="0"/>
-              <a:t>Sometimes type erasure causes a situation that you may not have anticipated. The following example shows how this can occur. The example (described in Bridge Methods) shows how a compiler sometimes creates a synthetic method, called a bridge method, as part of the type erasure process.</a:t>
-            </a:r>
-          </a:p>
-          <a:p>
-            <a:r>
-              <a:rPr lang="en-IN" sz="1100" dirty="0"/>
-              <a:t>Given the following two classes:</a:t>
+              <a:rPr lang="en-GB" dirty="0"/>
+              <a:t>The Java compiler also erases type parameters in generic method arguments. Consider the following generic method: which Counts the number of occurrences of </a:t>
+            </a:r>
+            <a:r>
+              <a:rPr lang="en-GB" dirty="0" err="1"/>
+              <a:t>elem</a:t>
+            </a:r>
+            <a:r>
+              <a:rPr lang="en-GB" dirty="0"/>
+              <a:t> in </a:t>
+            </a:r>
+            <a:r>
+              <a:rPr lang="en-GB" dirty="0" err="1"/>
+              <a:t>anArray</a:t>
+            </a:r>
+            <a:r>
+              <a:rPr lang="en-GB" dirty="0"/>
+              <a:t>.</a:t>
             </a:r>
           </a:p>
           <a:p>
             <a:pPr lvl="1"/>
             <a:r>
-              <a:rPr lang="en-IN" sz="1100" dirty="0"/>
-              <a:t>public class Node&lt;T&gt; {</a:t>
+              <a:rPr lang="en-GB" dirty="0"/>
+              <a:t>public static &lt;T&gt; </a:t>
+            </a:r>
+            <a:r>
+              <a:rPr lang="en-GB" dirty="0" err="1"/>
+              <a:t>int</a:t>
+            </a:r>
+            <a:r>
+              <a:rPr lang="en-GB" dirty="0"/>
+              <a:t> count(T[] </a:t>
+            </a:r>
+            <a:r>
+              <a:rPr lang="en-GB" dirty="0" err="1"/>
+              <a:t>anArray</a:t>
+            </a:r>
+            <a:r>
+              <a:rPr lang="en-GB" dirty="0"/>
+              <a:t>, T </a:t>
+            </a:r>
+            <a:r>
+              <a:rPr lang="en-GB" dirty="0" err="1"/>
+              <a:t>elem</a:t>
+            </a:r>
+            <a:r>
+              <a:rPr lang="en-GB" dirty="0"/>
+              <a:t>) {</a:t>
             </a:r>
           </a:p>
           <a:p>
@@ -23572,8 +23330,24 @@
               <a:buNone/>
             </a:pPr>
             <a:r>
-              <a:rPr lang="en-IN" sz="1100" dirty="0"/>
-              <a:t>    public T data;</a:t>
+              <a:rPr lang="en-GB" dirty="0"/>
+              <a:t>    </a:t>
+            </a:r>
+            <a:r>
+              <a:rPr lang="en-GB" dirty="0" err="1"/>
+              <a:t>int</a:t>
+            </a:r>
+            <a:r>
+              <a:rPr lang="en-GB" dirty="0"/>
+              <a:t> </a:t>
+            </a:r>
+            <a:r>
+              <a:rPr lang="en-GB" dirty="0" err="1"/>
+              <a:t>cnt</a:t>
+            </a:r>
+            <a:r>
+              <a:rPr lang="en-GB" dirty="0"/>
+              <a:t> = 0;</a:t>
             </a:r>
           </a:p>
           <a:p>
@@ -23581,16 +23355,16 @@
               <a:buNone/>
             </a:pPr>
             <a:r>
-              <a:rPr lang="en-IN" sz="1100" dirty="0"/>
-              <a:t>    public Node(T data) { </a:t>
-            </a:r>
-            <a:r>
-              <a:rPr lang="en-IN" sz="1100" dirty="0" err="1"/>
-              <a:t>this.data</a:t>
-            </a:r>
-            <a:r>
-              <a:rPr lang="en-IN" sz="1100" dirty="0"/>
-              <a:t> = data; }</a:t>
+              <a:rPr lang="en-GB" dirty="0"/>
+              <a:t>    for (T e : </a:t>
+            </a:r>
+            <a:r>
+              <a:rPr lang="en-GB" dirty="0" err="1"/>
+              <a:t>anArray</a:t>
+            </a:r>
+            <a:r>
+              <a:rPr lang="en-GB" dirty="0"/>
+              <a:t>)</a:t>
             </a:r>
           </a:p>
           <a:p>
@@ -23598,16 +23372,24 @@
               <a:buNone/>
             </a:pPr>
             <a:r>
-              <a:rPr lang="en-IN" sz="1100" dirty="0"/>
-              <a:t>    public void </a:t>
-            </a:r>
-            <a:r>
-              <a:rPr lang="en-IN" sz="1100" dirty="0" err="1"/>
-              <a:t>setData</a:t>
-            </a:r>
-            <a:r>
-              <a:rPr lang="en-IN" sz="1100" dirty="0"/>
-              <a:t>(T data) {</a:t>
+              <a:rPr lang="en-GB" dirty="0"/>
+              <a:t>        if (</a:t>
+            </a:r>
+            <a:r>
+              <a:rPr lang="en-GB" dirty="0" err="1"/>
+              <a:t>e.equals</a:t>
+            </a:r>
+            <a:r>
+              <a:rPr lang="en-GB" dirty="0"/>
+              <a:t>(</a:t>
+            </a:r>
+            <a:r>
+              <a:rPr lang="en-GB" dirty="0" err="1"/>
+              <a:t>elem</a:t>
+            </a:r>
+            <a:r>
+              <a:rPr lang="en-GB" dirty="0"/>
+              <a:t>))</a:t>
             </a:r>
           </a:p>
           <a:p>
@@ -23615,24 +23397,16 @@
               <a:buNone/>
             </a:pPr>
             <a:r>
-              <a:rPr lang="en-IN" sz="1100" dirty="0"/>
-              <a:t>        </a:t>
-            </a:r>
-            <a:r>
-              <a:rPr lang="en-IN" sz="1100" dirty="0" err="1"/>
-              <a:t>System.out.println</a:t>
-            </a:r>
-            <a:r>
-              <a:rPr lang="en-IN" sz="1100" dirty="0"/>
-              <a:t>("</a:t>
-            </a:r>
-            <a:r>
-              <a:rPr lang="en-IN" sz="1100" dirty="0" err="1"/>
-              <a:t>Node.setData</a:t>
-            </a:r>
-            <a:r>
-              <a:rPr lang="en-IN" sz="1100" dirty="0"/>
-              <a:t>");</a:t>
+              <a:rPr lang="en-GB" dirty="0"/>
+              <a:t>            ++</a:t>
+            </a:r>
+            <a:r>
+              <a:rPr lang="en-GB" dirty="0" err="1"/>
+              <a:t>cnt</a:t>
+            </a:r>
+            <a:r>
+              <a:rPr lang="en-GB" dirty="0"/>
+              <a:t>;</a:t>
             </a:r>
           </a:p>
           <a:p>
@@ -23640,16 +23414,16 @@
               <a:buNone/>
             </a:pPr>
             <a:r>
-              <a:rPr lang="en-IN" sz="1100" dirty="0"/>
-              <a:t>        </a:t>
-            </a:r>
-            <a:r>
-              <a:rPr lang="en-IN" sz="1100" dirty="0" err="1"/>
-              <a:t>this.data</a:t>
-            </a:r>
-            <a:r>
-              <a:rPr lang="en-IN" sz="1100" dirty="0"/>
-              <a:t> = data;    } }</a:t>
+              <a:rPr lang="en-GB" dirty="0"/>
+              <a:t>        return </a:t>
+            </a:r>
+            <a:r>
+              <a:rPr lang="en-GB" dirty="0" err="1"/>
+              <a:t>cnt</a:t>
+            </a:r>
+            <a:r>
+              <a:rPr lang="en-GB" dirty="0"/>
+              <a:t>;</a:t>
             </a:r>
           </a:p>
           <a:p>
@@ -23657,16 +23431,45 @@
               <a:buNone/>
             </a:pPr>
             <a:r>
-              <a:rPr lang="en-IN" sz="1100" dirty="0"/>
-              <a:t>public class </a:t>
-            </a:r>
-            <a:r>
-              <a:rPr lang="en-IN" sz="1100" dirty="0" err="1"/>
-              <a:t>MyNode</a:t>
-            </a:r>
-            <a:r>
-              <a:rPr lang="en-IN" sz="1100" dirty="0"/>
-              <a:t> extends Node&lt;Integer&gt; {</a:t>
+              <a:rPr lang="en-GB" dirty="0"/>
+              <a:t>}</a:t>
+            </a:r>
+          </a:p>
+          <a:p>
+            <a:r>
+              <a:rPr lang="en-GB" dirty="0"/>
+              <a:t>Because T is unbounded, the Java compiler replaces it with Object:</a:t>
+            </a:r>
+          </a:p>
+          <a:p>
+            <a:pPr lvl="1"/>
+            <a:r>
+              <a:rPr lang="en-GB" dirty="0"/>
+              <a:t>public static </a:t>
+            </a:r>
+            <a:r>
+              <a:rPr lang="en-GB" dirty="0" err="1"/>
+              <a:t>int</a:t>
+            </a:r>
+            <a:r>
+              <a:rPr lang="en-GB" dirty="0"/>
+              <a:t> count(Object[] </a:t>
+            </a:r>
+            <a:r>
+              <a:rPr lang="en-GB" dirty="0" err="1"/>
+              <a:t>anArray</a:t>
+            </a:r>
+            <a:r>
+              <a:rPr lang="en-GB" dirty="0"/>
+              <a:t>, Object </a:t>
+            </a:r>
+            <a:r>
+              <a:rPr lang="en-GB" dirty="0" err="1"/>
+              <a:t>elem</a:t>
+            </a:r>
+            <a:r>
+              <a:rPr lang="en-GB" dirty="0"/>
+              <a:t>) {</a:t>
             </a:r>
           </a:p>
           <a:p>
@@ -23674,16 +23477,24 @@
               <a:buNone/>
             </a:pPr>
             <a:r>
-              <a:rPr lang="en-IN" sz="1100" dirty="0"/>
-              <a:t>    public </a:t>
-            </a:r>
-            <a:r>
-              <a:rPr lang="en-IN" sz="1100" dirty="0" err="1"/>
-              <a:t>MyNode</a:t>
-            </a:r>
-            <a:r>
-              <a:rPr lang="en-IN" sz="1100" dirty="0"/>
-              <a:t>(Integer data) { super(data); }</a:t>
+              <a:rPr lang="en-GB" dirty="0"/>
+              <a:t>    </a:t>
+            </a:r>
+            <a:r>
+              <a:rPr lang="en-GB" dirty="0" err="1"/>
+              <a:t>int</a:t>
+            </a:r>
+            <a:r>
+              <a:rPr lang="en-GB" dirty="0"/>
+              <a:t> </a:t>
+            </a:r>
+            <a:r>
+              <a:rPr lang="en-GB" dirty="0" err="1"/>
+              <a:t>cnt</a:t>
+            </a:r>
+            <a:r>
+              <a:rPr lang="en-GB" dirty="0"/>
+              <a:t> = 0;</a:t>
             </a:r>
           </a:p>
           <a:p>
@@ -23691,16 +23502,16 @@
               <a:buNone/>
             </a:pPr>
             <a:r>
-              <a:rPr lang="en-IN" sz="1100" dirty="0"/>
-              <a:t>    public void </a:t>
-            </a:r>
-            <a:r>
-              <a:rPr lang="en-IN" sz="1100" dirty="0" err="1"/>
-              <a:t>setData</a:t>
-            </a:r>
-            <a:r>
-              <a:rPr lang="en-IN" sz="1100" dirty="0"/>
-              <a:t>(Integer data) {</a:t>
+              <a:rPr lang="en-GB" dirty="0"/>
+              <a:t>    for (Object e : </a:t>
+            </a:r>
+            <a:r>
+              <a:rPr lang="en-GB" dirty="0" err="1"/>
+              <a:t>anArray</a:t>
+            </a:r>
+            <a:r>
+              <a:rPr lang="en-GB" dirty="0"/>
+              <a:t>)</a:t>
             </a:r>
           </a:p>
           <a:p>
@@ -23708,24 +23519,24 @@
               <a:buNone/>
             </a:pPr>
             <a:r>
-              <a:rPr lang="en-IN" sz="1100" dirty="0"/>
-              <a:t>        </a:t>
-            </a:r>
-            <a:r>
-              <a:rPr lang="en-IN" sz="1100" dirty="0" err="1"/>
-              <a:t>System.out.println</a:t>
-            </a:r>
-            <a:r>
-              <a:rPr lang="en-IN" sz="1100" dirty="0"/>
-              <a:t>("</a:t>
-            </a:r>
-            <a:r>
-              <a:rPr lang="en-IN" sz="1100" dirty="0" err="1"/>
-              <a:t>MyNode.setData</a:t>
-            </a:r>
-            <a:r>
-              <a:rPr lang="en-IN" sz="1100" dirty="0"/>
-              <a:t>");</a:t>
+              <a:rPr lang="en-GB" dirty="0"/>
+              <a:t>        if (</a:t>
+            </a:r>
+            <a:r>
+              <a:rPr lang="en-GB" dirty="0" err="1"/>
+              <a:t>e.equals</a:t>
+            </a:r>
+            <a:r>
+              <a:rPr lang="en-GB" dirty="0"/>
+              <a:t>(</a:t>
+            </a:r>
+            <a:r>
+              <a:rPr lang="en-GB" dirty="0" err="1"/>
+              <a:t>elem</a:t>
+            </a:r>
+            <a:r>
+              <a:rPr lang="en-GB" dirty="0"/>
+              <a:t>))</a:t>
             </a:r>
           </a:p>
           <a:p>
@@ -23733,16 +23544,95 @@
               <a:buNone/>
             </a:pPr>
             <a:r>
-              <a:rPr lang="en-IN" sz="1100" dirty="0"/>
-              <a:t>        </a:t>
-            </a:r>
-            <a:r>
-              <a:rPr lang="en-IN" sz="1100" dirty="0" err="1"/>
-              <a:t>super.setData</a:t>
-            </a:r>
-            <a:r>
-              <a:rPr lang="en-IN" sz="1100" dirty="0"/>
-              <a:t>(data);    } }</a:t>
+              <a:rPr lang="en-GB" dirty="0"/>
+              <a:t>            ++</a:t>
+            </a:r>
+            <a:r>
+              <a:rPr lang="en-GB" dirty="0" err="1"/>
+              <a:t>cnt</a:t>
+            </a:r>
+            <a:r>
+              <a:rPr lang="en-GB" dirty="0"/>
+              <a:t>;</a:t>
+            </a:r>
+          </a:p>
+          <a:p>
+            <a:pPr marL="857250" lvl="2" indent="0">
+              <a:buNone/>
+            </a:pPr>
+            <a:r>
+              <a:rPr lang="en-GB" dirty="0"/>
+              <a:t>        return </a:t>
+            </a:r>
+            <a:r>
+              <a:rPr lang="en-GB" dirty="0" err="1"/>
+              <a:t>cnt</a:t>
+            </a:r>
+            <a:r>
+              <a:rPr lang="en-GB" dirty="0"/>
+              <a:t>;</a:t>
+            </a:r>
+          </a:p>
+          <a:p>
+            <a:pPr marL="857250" lvl="2" indent="0">
+              <a:buNone/>
+            </a:pPr>
+            <a:r>
+              <a:rPr lang="en-GB" dirty="0"/>
+              <a:t>}</a:t>
+            </a:r>
+          </a:p>
+          <a:p>
+            <a:r>
+              <a:rPr lang="en-GB" dirty="0"/>
+              <a:t>Suppose the following classes are defined:</a:t>
+            </a:r>
+          </a:p>
+          <a:p>
+            <a:pPr lvl="1"/>
+            <a:r>
+              <a:rPr lang="en-GB" dirty="0"/>
+              <a:t>class Shape { /* ... */ }</a:t>
+            </a:r>
+          </a:p>
+          <a:p>
+            <a:pPr lvl="1"/>
+            <a:r>
+              <a:rPr lang="en-GB" dirty="0"/>
+              <a:t>class Circle extends Shape { /* ... */ }</a:t>
+            </a:r>
+          </a:p>
+          <a:p>
+            <a:pPr lvl="1"/>
+            <a:r>
+              <a:rPr lang="en-GB" dirty="0"/>
+              <a:t>class Rectangle extends Shape { /* ... */ }</a:t>
+            </a:r>
+          </a:p>
+          <a:p>
+            <a:r>
+              <a:rPr lang="en-GB" dirty="0"/>
+              <a:t>You can write a generic method to draw different shapes:</a:t>
+            </a:r>
+          </a:p>
+          <a:p>
+            <a:pPr lvl="1"/>
+            <a:r>
+              <a:rPr lang="en-GB" dirty="0"/>
+              <a:t>public static &lt;T extends Shape&gt; void draw(T shape) { /* ... */ }</a:t>
+            </a:r>
+          </a:p>
+          <a:p>
+            <a:r>
+              <a:rPr lang="en-GB" dirty="0"/>
+              <a:t>The Java compiler replaces T with Shape:</a:t>
+            </a:r>
+          </a:p>
+          <a:p>
+            <a:pPr lvl="1"/>
+            <a:r>
+              <a:rPr lang="en-GB" dirty="0"/>
+              <a:t>public static void draw(Shape shape) { /* ... */ }</a:t>
             </a:r>
           </a:p>
         </p:txBody>
@@ -23750,7 +23640,7 @@
     </p:spTree>
     <p:extLst>
       <p:ext uri="{BB962C8B-B14F-4D97-AF65-F5344CB8AC3E}">
-        <p14:creationId xmlns:p14="http://schemas.microsoft.com/office/powerpoint/2010/main" val="1286782899"/>
+        <p14:creationId xmlns:p14="http://schemas.microsoft.com/office/powerpoint/2010/main" val="4148216684"/>
       </p:ext>
     </p:extLst>
   </p:cSld>
@@ -23799,7 +23689,7 @@
           <a:p>
             <a:r>
               <a:rPr lang="en-IN" sz="2800" b="1" dirty="0"/>
-              <a:t>Effects of Type Erasure and Bridge Methods Cont…</a:t>
+              <a:t>Effects of Type Erasure and Bridge Methods</a:t>
             </a:r>
             <a:r>
               <a:rPr lang="en-IN" b="1" dirty="0"/>
@@ -23835,289 +23725,215 @@
           <a:lstStyle/>
           <a:p>
             <a:r>
-              <a:rPr lang="en-IN" sz="1100" dirty="0"/>
-              <a:t>Consider the following code:</a:t>
+              <a:rPr lang="en-IN" sz="1600" dirty="0"/>
+              <a:t>Sometimes type erasure causes a situation that you may not have anticipated. The following example shows how this can occur. The example </a:t>
+            </a:r>
+            <a:r>
+              <a:rPr lang="en-IN" sz="1600" dirty="0" smtClean="0"/>
+              <a:t>shows </a:t>
+            </a:r>
+            <a:r>
+              <a:rPr lang="en-IN" sz="1600" dirty="0"/>
+              <a:t>how a compiler sometimes creates a synthetic method, called a bridge method, as part of the type erasure process.</a:t>
+            </a:r>
+          </a:p>
+          <a:p>
+            <a:r>
+              <a:rPr lang="en-IN" sz="1600" dirty="0"/>
+              <a:t>Given the following two classes:</a:t>
             </a:r>
           </a:p>
           <a:p>
             <a:pPr lvl="1"/>
             <a:r>
-              <a:rPr lang="en-IN" sz="1100" dirty="0" err="1"/>
+              <a:rPr lang="en-IN" sz="1600" dirty="0"/>
+              <a:t>public class Node&lt;T&gt; {</a:t>
+            </a:r>
+          </a:p>
+          <a:p>
+            <a:pPr marL="857250" lvl="2" indent="0">
+              <a:buNone/>
+            </a:pPr>
+            <a:r>
+              <a:rPr lang="en-IN" dirty="0"/>
+              <a:t>    public T data;</a:t>
+            </a:r>
+          </a:p>
+          <a:p>
+            <a:pPr marL="857250" lvl="2" indent="0">
+              <a:buNone/>
+            </a:pPr>
+            <a:r>
+              <a:rPr lang="en-IN" dirty="0"/>
+              <a:t>    public Node(T data) { </a:t>
+            </a:r>
+            <a:r>
+              <a:rPr lang="en-IN" dirty="0" err="1"/>
+              <a:t>this.data</a:t>
+            </a:r>
+            <a:r>
+              <a:rPr lang="en-IN" dirty="0"/>
+              <a:t> = data; }</a:t>
+            </a:r>
+          </a:p>
+          <a:p>
+            <a:pPr marL="857250" lvl="2" indent="0">
+              <a:buNone/>
+            </a:pPr>
+            <a:r>
+              <a:rPr lang="en-IN" dirty="0"/>
+              <a:t>    public void </a:t>
+            </a:r>
+            <a:r>
+              <a:rPr lang="en-IN" dirty="0" err="1"/>
+              <a:t>setData</a:t>
+            </a:r>
+            <a:r>
+              <a:rPr lang="en-IN" dirty="0"/>
+              <a:t>(T data) {</a:t>
+            </a:r>
+          </a:p>
+          <a:p>
+            <a:pPr marL="857250" lvl="2" indent="0">
+              <a:buNone/>
+            </a:pPr>
+            <a:r>
+              <a:rPr lang="en-IN" dirty="0"/>
+              <a:t>        </a:t>
+            </a:r>
+            <a:r>
+              <a:rPr lang="en-IN" dirty="0" err="1"/>
+              <a:t>System.out.println</a:t>
+            </a:r>
+            <a:r>
+              <a:rPr lang="en-IN" dirty="0"/>
+              <a:t>("</a:t>
+            </a:r>
+            <a:r>
+              <a:rPr lang="en-IN" dirty="0" err="1"/>
+              <a:t>Node.setData</a:t>
+            </a:r>
+            <a:r>
+              <a:rPr lang="en-IN" dirty="0"/>
+              <a:t>");</a:t>
+            </a:r>
+          </a:p>
+          <a:p>
+            <a:pPr marL="857250" lvl="2" indent="0">
+              <a:buNone/>
+            </a:pPr>
+            <a:r>
+              <a:rPr lang="en-IN" dirty="0"/>
+              <a:t>        </a:t>
+            </a:r>
+            <a:r>
+              <a:rPr lang="en-IN" dirty="0" err="1"/>
+              <a:t>this.data</a:t>
+            </a:r>
+            <a:r>
+              <a:rPr lang="en-IN" dirty="0"/>
+              <a:t> = data;    } }</a:t>
+            </a:r>
+          </a:p>
+          <a:p>
+            <a:pPr marL="857250" lvl="2" indent="0">
+              <a:buNone/>
+            </a:pPr>
+            <a:r>
+              <a:rPr lang="en-IN" dirty="0"/>
+              <a:t>public class </a:t>
+            </a:r>
+            <a:r>
+              <a:rPr lang="en-IN" dirty="0" err="1"/>
               <a:t>MyNode</a:t>
             </a:r>
             <a:r>
-              <a:rPr lang="en-IN" sz="1100" dirty="0"/>
-              <a:t> </a:t>
-            </a:r>
-            <a:r>
-              <a:rPr lang="en-IN" sz="1100" dirty="0" err="1"/>
-              <a:t>mn</a:t>
-            </a:r>
-            <a:r>
-              <a:rPr lang="en-IN" sz="1100" dirty="0"/>
-              <a:t> = new </a:t>
-            </a:r>
-            <a:r>
-              <a:rPr lang="en-IN" sz="1100" dirty="0" err="1"/>
+              <a:rPr lang="en-IN" dirty="0"/>
+              <a:t> extends Node&lt;Integer&gt; {</a:t>
+            </a:r>
+          </a:p>
+          <a:p>
+            <a:pPr marL="857250" lvl="2" indent="0">
+              <a:buNone/>
+            </a:pPr>
+            <a:r>
+              <a:rPr lang="en-IN" dirty="0"/>
+              <a:t>    public </a:t>
+            </a:r>
+            <a:r>
+              <a:rPr lang="en-IN" dirty="0" err="1"/>
               <a:t>MyNode</a:t>
             </a:r>
             <a:r>
-              <a:rPr lang="en-IN" sz="1100" dirty="0"/>
-              <a:t>(5);</a:t>
-            </a:r>
-          </a:p>
-          <a:p>
-            <a:pPr lvl="1"/>
-            <a:r>
-              <a:rPr lang="en-IN" sz="1100" dirty="0"/>
-              <a:t>Node n = </a:t>
-            </a:r>
-            <a:r>
-              <a:rPr lang="en-IN" sz="1100" dirty="0" err="1"/>
-              <a:t>mn</a:t>
-            </a:r>
-            <a:r>
-              <a:rPr lang="en-IN" sz="1100" dirty="0"/>
-              <a:t>;            // A raw type - compiler throws an unchecked warning</a:t>
-            </a:r>
-          </a:p>
-          <a:p>
-            <a:pPr lvl="1"/>
-            <a:r>
-              <a:rPr lang="en-IN" sz="1100" dirty="0" err="1"/>
-              <a:t>n.setData</a:t>
-            </a:r>
-            <a:r>
-              <a:rPr lang="en-IN" sz="1100" dirty="0"/>
-              <a:t>("Hello");     </a:t>
-            </a:r>
-          </a:p>
-          <a:p>
-            <a:pPr lvl="1"/>
-            <a:r>
-              <a:rPr lang="en-IN" sz="1100" dirty="0"/>
-              <a:t>Integer x = </a:t>
-            </a:r>
-            <a:r>
-              <a:rPr lang="en-IN" sz="1100" dirty="0" err="1"/>
-              <a:t>mn.data</a:t>
-            </a:r>
-            <a:r>
-              <a:rPr lang="en-IN" sz="1100" dirty="0"/>
-              <a:t>;    // Causes a </a:t>
-            </a:r>
-            <a:r>
-              <a:rPr lang="en-IN" sz="1100" dirty="0" err="1"/>
-              <a:t>ClassCastException</a:t>
-            </a:r>
-            <a:r>
-              <a:rPr lang="en-IN" sz="1100" dirty="0"/>
-              <a:t> to be thrown.</a:t>
-            </a:r>
-          </a:p>
-          <a:p>
-            <a:r>
-              <a:rPr lang="en-IN" sz="1100" dirty="0"/>
-              <a:t>After type erasure, this code becomes:</a:t>
-            </a:r>
-          </a:p>
-          <a:p>
-            <a:pPr lvl="1"/>
-            <a:r>
-              <a:rPr lang="en-IN" sz="1100" dirty="0" err="1"/>
-              <a:t>MyNode</a:t>
-            </a:r>
-            <a:r>
-              <a:rPr lang="en-IN" sz="1100" dirty="0"/>
-              <a:t> </a:t>
-            </a:r>
-            <a:r>
-              <a:rPr lang="en-IN" sz="1100" dirty="0" err="1"/>
-              <a:t>mn</a:t>
-            </a:r>
-            <a:r>
-              <a:rPr lang="en-IN" sz="1100" dirty="0"/>
-              <a:t> = new </a:t>
-            </a:r>
-            <a:r>
-              <a:rPr lang="en-IN" sz="1100" dirty="0" err="1"/>
-              <a:t>MyNode</a:t>
-            </a:r>
-            <a:r>
-              <a:rPr lang="en-IN" sz="1100" dirty="0"/>
-              <a:t>(5);</a:t>
-            </a:r>
-          </a:p>
-          <a:p>
-            <a:pPr lvl="1"/>
-            <a:r>
-              <a:rPr lang="en-IN" sz="1100" dirty="0"/>
-              <a:t>Node n = (</a:t>
-            </a:r>
-            <a:r>
-              <a:rPr lang="en-IN" sz="1100" dirty="0" err="1"/>
-              <a:t>MyNode</a:t>
-            </a:r>
-            <a:r>
-              <a:rPr lang="en-IN" sz="1100" dirty="0"/>
-              <a:t>)</a:t>
-            </a:r>
-            <a:r>
-              <a:rPr lang="en-IN" sz="1100" dirty="0" err="1"/>
-              <a:t>mn</a:t>
-            </a:r>
-            <a:r>
-              <a:rPr lang="en-IN" sz="1100" dirty="0"/>
-              <a:t>;         // A raw type - compiler throws an unchecked warning</a:t>
-            </a:r>
-          </a:p>
-          <a:p>
-            <a:pPr lvl="1"/>
-            <a:r>
-              <a:rPr lang="en-IN" sz="1100" dirty="0" err="1"/>
-              <a:t>n.setData</a:t>
-            </a:r>
-            <a:r>
-              <a:rPr lang="en-IN" sz="1100" dirty="0"/>
-              <a:t>("Hello");</a:t>
-            </a:r>
-          </a:p>
-          <a:p>
-            <a:pPr lvl="1"/>
-            <a:r>
-              <a:rPr lang="en-IN" sz="1100" dirty="0"/>
-              <a:t>Integer x = (String)</a:t>
-            </a:r>
-            <a:r>
-              <a:rPr lang="en-IN" sz="1100" dirty="0" err="1"/>
-              <a:t>mn.data</a:t>
-            </a:r>
-            <a:r>
-              <a:rPr lang="en-IN" sz="1100" dirty="0"/>
-              <a:t>; // Causes a </a:t>
-            </a:r>
-            <a:r>
-              <a:rPr lang="en-IN" sz="1100" dirty="0" err="1"/>
-              <a:t>ClassCastException</a:t>
-            </a:r>
-            <a:r>
-              <a:rPr lang="en-IN" sz="1100" dirty="0"/>
-              <a:t> to be thrown.</a:t>
-            </a:r>
-          </a:p>
-          <a:p>
-            <a:r>
-              <a:rPr lang="en-IN" sz="1100" dirty="0"/>
-              <a:t>Here is what happens as the code is executed:</a:t>
-            </a:r>
-          </a:p>
-          <a:p>
-            <a:r>
-              <a:rPr lang="en-IN" sz="1100" dirty="0" err="1"/>
-              <a:t>n.setData</a:t>
-            </a:r>
-            <a:r>
-              <a:rPr lang="en-IN" sz="1100" dirty="0"/>
-              <a:t>("Hello"); causes the method </a:t>
-            </a:r>
-            <a:r>
-              <a:rPr lang="en-IN" sz="1100" dirty="0" err="1"/>
+              <a:rPr lang="en-IN" dirty="0"/>
+              <a:t>(Integer data) { super(data); }</a:t>
+            </a:r>
+          </a:p>
+          <a:p>
+            <a:pPr marL="857250" lvl="2" indent="0">
+              <a:buNone/>
+            </a:pPr>
+            <a:r>
+              <a:rPr lang="en-IN" dirty="0"/>
+              <a:t>    public void </a:t>
+            </a:r>
+            <a:r>
+              <a:rPr lang="en-IN" dirty="0" err="1"/>
               <a:t>setData</a:t>
             </a:r>
             <a:r>
-              <a:rPr lang="en-IN" sz="1100" dirty="0"/>
-              <a:t>(Object) to be executed on the object of class </a:t>
-            </a:r>
-            <a:r>
-              <a:rPr lang="en-IN" sz="1100" dirty="0" err="1"/>
-              <a:t>MyNode</a:t>
-            </a:r>
-            <a:r>
-              <a:rPr lang="en-IN" sz="1100" dirty="0"/>
-              <a:t>. (The </a:t>
-            </a:r>
-            <a:r>
-              <a:rPr lang="en-IN" sz="1100" dirty="0" err="1"/>
-              <a:t>MyNode</a:t>
-            </a:r>
-            <a:r>
-              <a:rPr lang="en-IN" sz="1100" dirty="0"/>
-              <a:t> class inherited </a:t>
-            </a:r>
-            <a:r>
-              <a:rPr lang="en-IN" sz="1100" dirty="0" err="1"/>
-              <a:t>setData</a:t>
-            </a:r>
-            <a:r>
-              <a:rPr lang="en-IN" sz="1100" dirty="0"/>
-              <a:t>(Object) from Node.)</a:t>
-            </a:r>
-          </a:p>
-          <a:p>
-            <a:r>
-              <a:rPr lang="en-IN" sz="1100" dirty="0"/>
-              <a:t>In the body of </a:t>
-            </a:r>
-            <a:r>
-              <a:rPr lang="en-IN" sz="1100" dirty="0" err="1"/>
-              <a:t>setData</a:t>
-            </a:r>
-            <a:r>
-              <a:rPr lang="en-IN" sz="1100" dirty="0"/>
-              <a:t>(Object), the data field of the object referenced by n is assigned to a String.</a:t>
-            </a:r>
-          </a:p>
-          <a:p>
-            <a:r>
-              <a:rPr lang="en-IN" sz="1100" dirty="0"/>
-              <a:t>The data field of that same object, referenced via </a:t>
-            </a:r>
-            <a:r>
-              <a:rPr lang="en-IN" sz="1100" dirty="0" err="1"/>
-              <a:t>mn</a:t>
-            </a:r>
-            <a:r>
-              <a:rPr lang="en-IN" sz="1100" dirty="0"/>
-              <a:t>, can be accessed and is expected to be an integer (since </a:t>
-            </a:r>
-            <a:r>
-              <a:rPr lang="en-IN" sz="1100" dirty="0" err="1"/>
-              <a:t>mn</a:t>
-            </a:r>
-            <a:r>
-              <a:rPr lang="en-IN" sz="1100" dirty="0"/>
-              <a:t> is a </a:t>
-            </a:r>
-            <a:r>
-              <a:rPr lang="en-IN" sz="1100" dirty="0" err="1"/>
-              <a:t>MyNode</a:t>
-            </a:r>
-            <a:r>
-              <a:rPr lang="en-IN" sz="1100" dirty="0"/>
-              <a:t> which is a Node&lt;Integer&gt;.</a:t>
-            </a:r>
-          </a:p>
-          <a:p>
-            <a:r>
-              <a:rPr lang="en-IN" sz="1100" dirty="0"/>
-              <a:t>Trying to assign a String to an Integer causes a </a:t>
-            </a:r>
-            <a:r>
-              <a:rPr lang="en-IN" sz="1100" dirty="0" err="1"/>
-              <a:t>ClassCastException</a:t>
-            </a:r>
-            <a:r>
-              <a:rPr lang="en-IN" sz="1100" dirty="0"/>
-              <a:t> from a cast inserted at the assignment by a Java compiler.</a:t>
-            </a:r>
-            <a:endParaRPr lang="en-GB" sz="1100" dirty="0"/>
+              <a:rPr lang="en-IN" dirty="0"/>
+              <a:t>(Integer data) {</a:t>
+            </a:r>
+          </a:p>
+          <a:p>
+            <a:pPr marL="857250" lvl="2" indent="0">
+              <a:buNone/>
+            </a:pPr>
+            <a:r>
+              <a:rPr lang="en-IN" dirty="0"/>
+              <a:t>        </a:t>
+            </a:r>
+            <a:r>
+              <a:rPr lang="en-IN" dirty="0" err="1"/>
+              <a:t>System.out.println</a:t>
+            </a:r>
+            <a:r>
+              <a:rPr lang="en-IN" dirty="0"/>
+              <a:t>("</a:t>
+            </a:r>
+            <a:r>
+              <a:rPr lang="en-IN" dirty="0" err="1"/>
+              <a:t>MyNode.setData</a:t>
+            </a:r>
+            <a:r>
+              <a:rPr lang="en-IN" dirty="0"/>
+              <a:t>");</a:t>
+            </a:r>
+          </a:p>
+          <a:p>
+            <a:pPr marL="857250" lvl="2" indent="0">
+              <a:buNone/>
+            </a:pPr>
+            <a:r>
+              <a:rPr lang="en-IN" dirty="0"/>
+              <a:t>        </a:t>
+            </a:r>
+            <a:r>
+              <a:rPr lang="en-IN" dirty="0" err="1"/>
+              <a:t>super.setData</a:t>
+            </a:r>
+            <a:r>
+              <a:rPr lang="en-IN" dirty="0"/>
+              <a:t>(data);    } }</a:t>
+            </a:r>
           </a:p>
         </p:txBody>
       </p:sp>
     </p:spTree>
     <p:extLst>
       <p:ext uri="{BB962C8B-B14F-4D97-AF65-F5344CB8AC3E}">
-        <p14:creationId xmlns:p14="http://schemas.microsoft.com/office/powerpoint/2010/main" val="2826957391"/>
+        <p14:creationId xmlns:p14="http://schemas.microsoft.com/office/powerpoint/2010/main" val="1286782899"/>
       </p:ext>
     </p:extLst>
   </p:cSld>
@@ -24166,7 +23982,7 @@
           <a:p>
             <a:r>
               <a:rPr lang="en-IN" sz="2800" b="1" dirty="0"/>
-              <a:t>Bridge Methods </a:t>
+              <a:t>Effects of Type Erasure and Bridge Methods Cont…</a:t>
             </a:r>
             <a:r>
               <a:rPr lang="en-IN" b="1" dirty="0"/>
@@ -24202,269 +24018,289 @@
           <a:lstStyle/>
           <a:p>
             <a:r>
-              <a:rPr lang="en-IN" sz="1400" dirty="0"/>
-              <a:t>When compiling a class or interface that extends a parameterized class or implements a parameterized interface, the compiler may need to create a synthetic method, called a bridge method, as part of the type erasure process. You normally don't need to worry about bridge methods, but you might be puzzled if one appears in a stack trace.</a:t>
-            </a:r>
-          </a:p>
-          <a:p>
-            <a:r>
-              <a:rPr lang="en-IN" sz="1400" dirty="0"/>
-              <a:t>After type erasure, the Node and </a:t>
-            </a:r>
-            <a:r>
-              <a:rPr lang="en-IN" sz="1400" dirty="0" err="1"/>
+              <a:rPr lang="en-IN" sz="1100" dirty="0"/>
+              <a:t>Consider the following code:</a:t>
+            </a:r>
+          </a:p>
+          <a:p>
+            <a:pPr lvl="1"/>
+            <a:r>
+              <a:rPr lang="en-IN" sz="1100" dirty="0" err="1"/>
               <a:t>MyNode</a:t>
             </a:r>
             <a:r>
-              <a:rPr lang="en-IN" sz="1400" dirty="0"/>
-              <a:t> classes become:</a:t>
+              <a:rPr lang="en-IN" sz="1100" dirty="0"/>
+              <a:t> </a:t>
+            </a:r>
+            <a:r>
+              <a:rPr lang="en-IN" sz="1100" dirty="0" err="1"/>
+              <a:t>mn</a:t>
+            </a:r>
+            <a:r>
+              <a:rPr lang="en-IN" sz="1100" dirty="0"/>
+              <a:t> = new </a:t>
+            </a:r>
+            <a:r>
+              <a:rPr lang="en-IN" sz="1100" dirty="0" err="1"/>
+              <a:t>MyNode</a:t>
+            </a:r>
+            <a:r>
+              <a:rPr lang="en-IN" sz="1100" dirty="0"/>
+              <a:t>(5);</a:t>
             </a:r>
           </a:p>
           <a:p>
             <a:pPr lvl="1"/>
             <a:r>
-              <a:rPr lang="en-IN" sz="1400" dirty="0"/>
-              <a:t>public class Node {</a:t>
-            </a:r>
-          </a:p>
-          <a:p>
-            <a:pPr marL="857250" lvl="2" indent="0">
-              <a:buNone/>
-            </a:pPr>
-            <a:r>
-              <a:rPr lang="en-IN" sz="1400" dirty="0"/>
-              <a:t>    public Object data;</a:t>
-            </a:r>
-          </a:p>
-          <a:p>
-            <a:pPr marL="857250" lvl="2" indent="0">
-              <a:buNone/>
-            </a:pPr>
-            <a:r>
-              <a:rPr lang="en-IN" sz="1400" dirty="0"/>
-              <a:t>    public Node(Object data) { </a:t>
-            </a:r>
-            <a:r>
-              <a:rPr lang="en-IN" sz="1400" dirty="0" err="1"/>
-              <a:t>this.data</a:t>
-            </a:r>
-            <a:r>
-              <a:rPr lang="en-IN" sz="1400" dirty="0"/>
-              <a:t> = data; }</a:t>
-            </a:r>
-          </a:p>
-          <a:p>
-            <a:pPr marL="857250" lvl="2" indent="0">
-              <a:buNone/>
-            </a:pPr>
-            <a:r>
-              <a:rPr lang="en-IN" sz="1400" dirty="0"/>
-              <a:t>    public void </a:t>
-            </a:r>
-            <a:r>
-              <a:rPr lang="en-IN" sz="1400" dirty="0" err="1"/>
+              <a:rPr lang="en-IN" sz="1100" dirty="0"/>
+              <a:t>Node n = </a:t>
+            </a:r>
+            <a:r>
+              <a:rPr lang="en-IN" sz="1100" dirty="0" err="1"/>
+              <a:t>mn</a:t>
+            </a:r>
+            <a:r>
+              <a:rPr lang="en-IN" sz="1100" dirty="0"/>
+              <a:t>;            // A raw type - compiler throws an unchecked warning</a:t>
+            </a:r>
+          </a:p>
+          <a:p>
+            <a:pPr lvl="1"/>
+            <a:r>
+              <a:rPr lang="en-IN" sz="1100" dirty="0" err="1"/>
+              <a:t>n.setData</a:t>
+            </a:r>
+            <a:r>
+              <a:rPr lang="en-IN" sz="1100" dirty="0"/>
+              <a:t>("Hello");     </a:t>
+            </a:r>
+          </a:p>
+          <a:p>
+            <a:pPr lvl="1"/>
+            <a:r>
+              <a:rPr lang="en-IN" sz="1100" dirty="0"/>
+              <a:t>Integer x = </a:t>
+            </a:r>
+            <a:r>
+              <a:rPr lang="en-IN" sz="1100" dirty="0" err="1"/>
+              <a:t>mn.data</a:t>
+            </a:r>
+            <a:r>
+              <a:rPr lang="en-IN" sz="1100" dirty="0"/>
+              <a:t>;    // Causes a </a:t>
+            </a:r>
+            <a:r>
+              <a:rPr lang="en-IN" sz="1100" dirty="0" err="1"/>
+              <a:t>ClassCastException</a:t>
+            </a:r>
+            <a:r>
+              <a:rPr lang="en-IN" sz="1100" dirty="0"/>
+              <a:t> to be thrown.</a:t>
+            </a:r>
+          </a:p>
+          <a:p>
+            <a:r>
+              <a:rPr lang="en-IN" sz="1100" dirty="0"/>
+              <a:t>After type erasure, this code becomes:</a:t>
+            </a:r>
+          </a:p>
+          <a:p>
+            <a:pPr lvl="1"/>
+            <a:r>
+              <a:rPr lang="en-IN" sz="1100" dirty="0" err="1"/>
+              <a:t>MyNode</a:t>
+            </a:r>
+            <a:r>
+              <a:rPr lang="en-IN" sz="1100" dirty="0"/>
+              <a:t> </a:t>
+            </a:r>
+            <a:r>
+              <a:rPr lang="en-IN" sz="1100" dirty="0" err="1"/>
+              <a:t>mn</a:t>
+            </a:r>
+            <a:r>
+              <a:rPr lang="en-IN" sz="1100" dirty="0"/>
+              <a:t> = new </a:t>
+            </a:r>
+            <a:r>
+              <a:rPr lang="en-IN" sz="1100" dirty="0" err="1"/>
+              <a:t>MyNode</a:t>
+            </a:r>
+            <a:r>
+              <a:rPr lang="en-IN" sz="1100" dirty="0"/>
+              <a:t>(5);</a:t>
+            </a:r>
+          </a:p>
+          <a:p>
+            <a:pPr lvl="1"/>
+            <a:r>
+              <a:rPr lang="en-IN" sz="1100" dirty="0"/>
+              <a:t>Node n = (</a:t>
+            </a:r>
+            <a:r>
+              <a:rPr lang="en-IN" sz="1100" dirty="0" err="1"/>
+              <a:t>MyNode</a:t>
+            </a:r>
+            <a:r>
+              <a:rPr lang="en-IN" sz="1100" dirty="0"/>
+              <a:t>)</a:t>
+            </a:r>
+            <a:r>
+              <a:rPr lang="en-IN" sz="1100" dirty="0" err="1"/>
+              <a:t>mn</a:t>
+            </a:r>
+            <a:r>
+              <a:rPr lang="en-IN" sz="1100" dirty="0"/>
+              <a:t>;         // A raw type - compiler throws an unchecked warning</a:t>
+            </a:r>
+          </a:p>
+          <a:p>
+            <a:pPr lvl="1"/>
+            <a:r>
+              <a:rPr lang="en-IN" sz="1100" dirty="0" err="1"/>
+              <a:t>n.setData</a:t>
+            </a:r>
+            <a:r>
+              <a:rPr lang="en-IN" sz="1100" dirty="0"/>
+              <a:t>("Hello");</a:t>
+            </a:r>
+          </a:p>
+          <a:p>
+            <a:pPr lvl="1"/>
+            <a:r>
+              <a:rPr lang="en-IN" sz="1100" dirty="0"/>
+              <a:t>Integer x = (String)</a:t>
+            </a:r>
+            <a:r>
+              <a:rPr lang="en-IN" sz="1100" dirty="0" err="1"/>
+              <a:t>mn.data</a:t>
+            </a:r>
+            <a:r>
+              <a:rPr lang="en-IN" sz="1100" dirty="0"/>
+              <a:t>; // Causes a </a:t>
+            </a:r>
+            <a:r>
+              <a:rPr lang="en-IN" sz="1100" dirty="0" err="1"/>
+              <a:t>ClassCastException</a:t>
+            </a:r>
+            <a:r>
+              <a:rPr lang="en-IN" sz="1100" dirty="0"/>
+              <a:t> to be thrown.</a:t>
+            </a:r>
+          </a:p>
+          <a:p>
+            <a:r>
+              <a:rPr lang="en-IN" sz="1100" dirty="0"/>
+              <a:t>Here is what happens as the code is executed:</a:t>
+            </a:r>
+          </a:p>
+          <a:p>
+            <a:r>
+              <a:rPr lang="en-IN" sz="1100" dirty="0" err="1"/>
+              <a:t>n.setData</a:t>
+            </a:r>
+            <a:r>
+              <a:rPr lang="en-IN" sz="1100" dirty="0"/>
+              <a:t>("Hello"); causes the method </a:t>
+            </a:r>
+            <a:r>
+              <a:rPr lang="en-IN" sz="1100" dirty="0" err="1"/>
               <a:t>setData</a:t>
             </a:r>
             <a:r>
-              <a:rPr lang="en-IN" sz="1400" dirty="0"/>
-              <a:t>(Object data) {</a:t>
-            </a:r>
-          </a:p>
-          <a:p>
-            <a:pPr marL="857250" lvl="2" indent="0">
-              <a:buNone/>
-            </a:pPr>
-            <a:r>
-              <a:rPr lang="en-IN" sz="1400" dirty="0"/>
-              <a:t>        </a:t>
-            </a:r>
-            <a:r>
-              <a:rPr lang="en-IN" sz="1400" dirty="0" err="1"/>
-              <a:t>System.out.println</a:t>
-            </a:r>
-            <a:r>
-              <a:rPr lang="en-IN" sz="1400" dirty="0"/>
-              <a:t>("</a:t>
-            </a:r>
-            <a:r>
-              <a:rPr lang="en-IN" sz="1400" dirty="0" err="1"/>
-              <a:t>Node.setData</a:t>
-            </a:r>
-            <a:r>
-              <a:rPr lang="en-IN" sz="1400" dirty="0"/>
-              <a:t>");</a:t>
-            </a:r>
-          </a:p>
-          <a:p>
-            <a:pPr marL="857250" lvl="2" indent="0">
-              <a:buNone/>
-            </a:pPr>
-            <a:r>
-              <a:rPr lang="en-IN" sz="1400" dirty="0"/>
-              <a:t>        </a:t>
-            </a:r>
-            <a:r>
-              <a:rPr lang="en-IN" sz="1400" dirty="0" err="1"/>
-              <a:t>this.data</a:t>
-            </a:r>
-            <a:r>
-              <a:rPr lang="en-IN" sz="1400" dirty="0"/>
-              <a:t> = data;    } }</a:t>
-            </a:r>
-          </a:p>
-          <a:p>
-            <a:pPr marL="857250" lvl="2" indent="0">
-              <a:buNone/>
-            </a:pPr>
-            <a:r>
-              <a:rPr lang="en-IN" sz="1400" dirty="0"/>
-              <a:t>public class </a:t>
-            </a:r>
-            <a:r>
-              <a:rPr lang="en-IN" sz="1400" dirty="0" err="1"/>
+              <a:rPr lang="en-IN" sz="1100" dirty="0"/>
+              <a:t>(Object) to be executed on the object of class </a:t>
+            </a:r>
+            <a:r>
+              <a:rPr lang="en-IN" sz="1100" dirty="0" err="1"/>
               <a:t>MyNode</a:t>
             </a:r>
             <a:r>
-              <a:rPr lang="en-IN" sz="1400" dirty="0"/>
-              <a:t> extends Node {</a:t>
-            </a:r>
-          </a:p>
-          <a:p>
-            <a:pPr marL="857250" lvl="2" indent="0">
-              <a:buNone/>
-            </a:pPr>
-            <a:r>
-              <a:rPr lang="en-IN" sz="1400" dirty="0"/>
-              <a:t>    public </a:t>
-            </a:r>
-            <a:r>
-              <a:rPr lang="en-IN" sz="1400" dirty="0" err="1"/>
+              <a:rPr lang="en-IN" sz="1100" dirty="0"/>
+              <a:t>. (The </a:t>
+            </a:r>
+            <a:r>
+              <a:rPr lang="en-IN" sz="1100" dirty="0" err="1"/>
               <a:t>MyNode</a:t>
             </a:r>
             <a:r>
-              <a:rPr lang="en-IN" sz="1400" dirty="0"/>
-              <a:t>(Integer data) { super(data); }</a:t>
-            </a:r>
-          </a:p>
-          <a:p>
-            <a:pPr marL="857250" lvl="2" indent="0">
-              <a:buNone/>
-            </a:pPr>
-            <a:r>
-              <a:rPr lang="en-IN" sz="1400" dirty="0"/>
-              <a:t>    public void </a:t>
-            </a:r>
-            <a:r>
-              <a:rPr lang="en-IN" sz="1400" dirty="0" err="1"/>
+              <a:rPr lang="en-IN" sz="1100" dirty="0"/>
+              <a:t> class inherited </a:t>
+            </a:r>
+            <a:r>
+              <a:rPr lang="en-IN" sz="1100" dirty="0" err="1"/>
               <a:t>setData</a:t>
             </a:r>
             <a:r>
-              <a:rPr lang="en-IN" sz="1400" dirty="0"/>
-              <a:t>(Integer data) {</a:t>
-            </a:r>
-          </a:p>
-          <a:p>
-            <a:pPr marL="857250" lvl="2" indent="0">
-              <a:buNone/>
-            </a:pPr>
-            <a:r>
-              <a:rPr lang="en-IN" sz="1400" dirty="0"/>
-              <a:t>        </a:t>
-            </a:r>
-            <a:r>
-              <a:rPr lang="en-IN" sz="1400" dirty="0" err="1"/>
-              <a:t>System.out.println</a:t>
-            </a:r>
-            <a:r>
-              <a:rPr lang="en-IN" sz="1400" dirty="0"/>
-              <a:t>("</a:t>
-            </a:r>
-            <a:r>
-              <a:rPr lang="en-IN" sz="1400" dirty="0" err="1"/>
-              <a:t>MyNode.setData</a:t>
-            </a:r>
-            <a:r>
-              <a:rPr lang="en-IN" sz="1400" dirty="0"/>
-              <a:t>");</a:t>
-            </a:r>
-          </a:p>
-          <a:p>
-            <a:pPr marL="857250" lvl="2" indent="0">
-              <a:buNone/>
-            </a:pPr>
-            <a:r>
-              <a:rPr lang="en-IN" sz="1400" dirty="0"/>
-              <a:t>        </a:t>
-            </a:r>
-            <a:r>
-              <a:rPr lang="en-IN" sz="1400" dirty="0" err="1"/>
-              <a:t>super.setData</a:t>
-            </a:r>
-            <a:r>
-              <a:rPr lang="en-IN" sz="1400" dirty="0"/>
-              <a:t>(data);    } }</a:t>
-            </a:r>
-          </a:p>
-          <a:p>
-            <a:r>
-              <a:rPr lang="en-IN" sz="1400" dirty="0"/>
-              <a:t>After type erasure, the method signatures do not match. The Node method becomes </a:t>
-            </a:r>
-            <a:r>
-              <a:rPr lang="en-IN" sz="1400" dirty="0" err="1"/>
+              <a:rPr lang="en-IN" sz="1100" dirty="0"/>
+              <a:t>(Object) from Node.)</a:t>
+            </a:r>
+          </a:p>
+          <a:p>
+            <a:r>
+              <a:rPr lang="en-IN" sz="1100" dirty="0"/>
+              <a:t>In the body of </a:t>
+            </a:r>
+            <a:r>
+              <a:rPr lang="en-IN" sz="1100" dirty="0" err="1"/>
               <a:t>setData</a:t>
             </a:r>
             <a:r>
-              <a:rPr lang="en-IN" sz="1400" dirty="0"/>
-              <a:t>(Object) and the </a:t>
-            </a:r>
-            <a:r>
-              <a:rPr lang="en-IN" sz="1400" dirty="0" err="1"/>
+              <a:rPr lang="en-IN" sz="1100" dirty="0"/>
+              <a:t>(Object), the data field of the object referenced by n is assigned to a String.</a:t>
+            </a:r>
+          </a:p>
+          <a:p>
+            <a:r>
+              <a:rPr lang="en-IN" sz="1100" dirty="0"/>
+              <a:t>The data field of that same object, referenced via </a:t>
+            </a:r>
+            <a:r>
+              <a:rPr lang="en-IN" sz="1100" dirty="0" err="1"/>
+              <a:t>mn</a:t>
+            </a:r>
+            <a:r>
+              <a:rPr lang="en-IN" sz="1100" dirty="0"/>
+              <a:t>, can be accessed and is expected to be an integer (since </a:t>
+            </a:r>
+            <a:r>
+              <a:rPr lang="en-IN" sz="1100" dirty="0" err="1"/>
+              <a:t>mn</a:t>
+            </a:r>
+            <a:r>
+              <a:rPr lang="en-IN" sz="1100" dirty="0"/>
+              <a:t> is a </a:t>
+            </a:r>
+            <a:r>
+              <a:rPr lang="en-IN" sz="1100" dirty="0" err="1"/>
               <a:t>MyNode</a:t>
             </a:r>
             <a:r>
-              <a:rPr lang="en-IN" sz="1400" dirty="0"/>
-              <a:t> method becomes </a:t>
-            </a:r>
-            <a:r>
-              <a:rPr lang="en-IN" sz="1400" dirty="0" err="1"/>
-              <a:t>setData</a:t>
-            </a:r>
-            <a:r>
-              <a:rPr lang="en-IN" sz="1400" dirty="0"/>
-              <a:t>(Integer). Therefore, the </a:t>
-            </a:r>
-            <a:r>
-              <a:rPr lang="en-IN" sz="1400" dirty="0" err="1"/>
-              <a:t>MyNode</a:t>
-            </a:r>
-            <a:r>
-              <a:rPr lang="en-IN" sz="1400" dirty="0"/>
-              <a:t> </a:t>
-            </a:r>
-            <a:r>
-              <a:rPr lang="en-IN" sz="1400" dirty="0" err="1"/>
-              <a:t>setData</a:t>
-            </a:r>
-            <a:r>
-              <a:rPr lang="en-IN" sz="1400" dirty="0"/>
-              <a:t> method does not override the Node </a:t>
-            </a:r>
-            <a:r>
-              <a:rPr lang="en-IN" sz="1400" dirty="0" err="1"/>
-              <a:t>setData</a:t>
-            </a:r>
-            <a:r>
-              <a:rPr lang="en-IN" sz="1400" dirty="0"/>
-              <a:t> method.</a:t>
-            </a:r>
+              <a:rPr lang="en-IN" sz="1100" dirty="0"/>
+              <a:t> which is a Node&lt;Integer&gt;.</a:t>
+            </a:r>
+          </a:p>
+          <a:p>
+            <a:r>
+              <a:rPr lang="en-IN" sz="1100" dirty="0"/>
+              <a:t>Trying to assign a String to an Integer causes a </a:t>
+            </a:r>
+            <a:r>
+              <a:rPr lang="en-IN" sz="1100" dirty="0" err="1"/>
+              <a:t>ClassCastException</a:t>
+            </a:r>
+            <a:r>
+              <a:rPr lang="en-IN" sz="1100" dirty="0"/>
+              <a:t> from a cast inserted at the assignment by a Java compiler.</a:t>
+            </a:r>
+            <a:endParaRPr lang="en-GB" sz="1100" dirty="0"/>
           </a:p>
         </p:txBody>
       </p:sp>
     </p:spTree>
     <p:extLst>
       <p:ext uri="{BB962C8B-B14F-4D97-AF65-F5344CB8AC3E}">
-        <p14:creationId xmlns:p14="http://schemas.microsoft.com/office/powerpoint/2010/main" val="3492707244"/>
+        <p14:creationId xmlns:p14="http://schemas.microsoft.com/office/powerpoint/2010/main" val="2826957391"/>
       </p:ext>
     </p:extLst>
   </p:cSld>
@@ -24513,7 +24349,7 @@
           <a:p>
             <a:r>
               <a:rPr lang="en-IN" sz="2800" b="1" dirty="0"/>
-              <a:t>Bridge Methods Cont… </a:t>
+              <a:t>Bridge Methods </a:t>
             </a:r>
             <a:r>
               <a:rPr lang="en-IN" b="1" dirty="0"/>
@@ -24539,7 +24375,7 @@
         <p:spPr>
           <a:xfrm>
             <a:off x="379562" y="672860"/>
-            <a:ext cx="11576649" cy="5529532"/>
+            <a:ext cx="11576649" cy="5926348"/>
           </a:xfrm>
         </p:spPr>
         <p:txBody>
@@ -24550,7 +24386,13 @@
           <a:p>
             <a:r>
               <a:rPr lang="en-IN" sz="1400" dirty="0"/>
-              <a:t>To solve this problem and preserve the polymorphism of generic types after type erasure, a Java compiler generates a bridge method to ensure that subtyping works as expected. For the </a:t>
+              <a:t>When compiling a class or interface that extends a parameterized class or implements a parameterized interface, the compiler may need to create a synthetic method, called a bridge method, as part of the type erasure process. You normally don't need to worry about bridge methods, but you might be puzzled if one appears in a stack trace.</a:t>
+            </a:r>
+          </a:p>
+          <a:p>
+            <a:r>
+              <a:rPr lang="en-IN" sz="1400" dirty="0"/>
+              <a:t>After type erasure, the Node and </a:t>
             </a:r>
             <a:r>
               <a:rPr lang="en-IN" sz="1400" dirty="0" err="1"/>
@@ -24558,7 +24400,49 @@
             </a:r>
             <a:r>
               <a:rPr lang="en-IN" sz="1400" dirty="0"/>
-              <a:t> class, the compiler generates the following bridge method for </a:t>
+              <a:t> classes become:</a:t>
+            </a:r>
+          </a:p>
+          <a:p>
+            <a:pPr lvl="1"/>
+            <a:r>
+              <a:rPr lang="en-IN" sz="1400" dirty="0"/>
+              <a:t>public class Node {</a:t>
+            </a:r>
+          </a:p>
+          <a:p>
+            <a:pPr marL="857250" lvl="2" indent="0">
+              <a:buNone/>
+            </a:pPr>
+            <a:r>
+              <a:rPr lang="en-IN" sz="1400" dirty="0"/>
+              <a:t>    public Object data;</a:t>
+            </a:r>
+          </a:p>
+          <a:p>
+            <a:pPr marL="857250" lvl="2" indent="0">
+              <a:buNone/>
+            </a:pPr>
+            <a:r>
+              <a:rPr lang="en-IN" sz="1400" dirty="0"/>
+              <a:t>    public Node(Object data) { </a:t>
+            </a:r>
+            <a:r>
+              <a:rPr lang="en-IN" sz="1400" dirty="0" err="1"/>
+              <a:t>this.data</a:t>
+            </a:r>
+            <a:r>
+              <a:rPr lang="en-IN" sz="1400" dirty="0"/>
+              <a:t> = data; }</a:t>
+            </a:r>
+          </a:p>
+          <a:p>
+            <a:pPr marL="857250" lvl="2" indent="0">
+              <a:buNone/>
+            </a:pPr>
+            <a:r>
+              <a:rPr lang="en-IN" sz="1400" dirty="0"/>
+              <a:t>    public void </a:t>
             </a:r>
             <a:r>
               <a:rPr lang="en-IN" sz="1400" dirty="0" err="1"/>
@@ -24566,14 +24450,58 @@
             </a:r>
             <a:r>
               <a:rPr lang="en-IN" sz="1400" dirty="0"/>
-              <a:t>:</a:t>
-            </a:r>
-          </a:p>
-          <a:p>
-            <a:pPr lvl="1"/>
+              <a:t>(Object data) {</a:t>
+            </a:r>
+          </a:p>
+          <a:p>
+            <a:pPr marL="857250" lvl="2" indent="0">
+              <a:buNone/>
+            </a:pPr>
             <a:r>
               <a:rPr lang="en-IN" sz="1400" dirty="0"/>
-              <a:t>class </a:t>
+              <a:t>        </a:t>
+            </a:r>
+            <a:r>
+              <a:rPr lang="en-IN" sz="1400" dirty="0" err="1"/>
+              <a:t>System.out.println</a:t>
+            </a:r>
+            <a:r>
+              <a:rPr lang="en-IN" sz="1400" dirty="0"/>
+              <a:t>("</a:t>
+            </a:r>
+            <a:r>
+              <a:rPr lang="en-IN" sz="1400" dirty="0" err="1"/>
+              <a:t>Node.setData</a:t>
+            </a:r>
+            <a:r>
+              <a:rPr lang="en-IN" sz="1400" dirty="0"/>
+              <a:t>");</a:t>
+            </a:r>
+          </a:p>
+          <a:p>
+            <a:pPr marL="857250" lvl="2" indent="0">
+              <a:buNone/>
+            </a:pPr>
+            <a:r>
+              <a:rPr lang="en-IN" sz="1400" dirty="0"/>
+              <a:t>        </a:t>
+            </a:r>
+            <a:r>
+              <a:rPr lang="en-IN" sz="1400" dirty="0" err="1"/>
+              <a:t>this.data</a:t>
+            </a:r>
+            <a:r>
+              <a:rPr lang="en-IN" sz="1400" dirty="0"/>
+              <a:t> = data;    } }</a:t>
+            </a:r>
+          </a:p>
+          <a:p>
+            <a:pPr marL="857250" lvl="2" indent="0">
+              <a:buNone/>
+            </a:pPr>
+            <a:r>
+              <a:rPr lang="en-IN" sz="1400" dirty="0"/>
+              <a:t>public class </a:t>
             </a:r>
             <a:r>
               <a:rPr lang="en-IN" sz="1400" dirty="0" err="1"/>
@@ -24590,7 +24518,15 @@
             </a:pPr>
             <a:r>
               <a:rPr lang="en-IN" sz="1400" dirty="0"/>
-              <a:t>    // Bridge method generated by the compiler</a:t>
+              <a:t>    public </a:t>
+            </a:r>
+            <a:r>
+              <a:rPr lang="en-IN" sz="1400" dirty="0" err="1"/>
+              <a:t>MyNode</a:t>
+            </a:r>
+            <a:r>
+              <a:rPr lang="en-IN" sz="1400" dirty="0"/>
+              <a:t>(Integer data) { super(data); }</a:t>
             </a:r>
           </a:p>
           <a:p>
@@ -24607,7 +24543,7 @@
             </a:r>
             <a:r>
               <a:rPr lang="en-IN" sz="1400" dirty="0"/>
-              <a:t>(Object data) {</a:t>
+              <a:t>(Integer data) {</a:t>
             </a:r>
           </a:p>
           <a:p>
@@ -24620,11 +24556,19 @@
             </a:r>
             <a:r>
               <a:rPr lang="en-IN" sz="1400" dirty="0" err="1"/>
-              <a:t>setData</a:t>
+              <a:t>System.out.println</a:t>
             </a:r>
             <a:r>
               <a:rPr lang="en-IN" sz="1400" dirty="0"/>
-              <a:t>((Integer) data);</a:t>
+              <a:t>("</a:t>
+            </a:r>
+            <a:r>
+              <a:rPr lang="en-IN" sz="1400" dirty="0" err="1"/>
+              <a:t>MyNode.setData</a:t>
+            </a:r>
+            <a:r>
+              <a:rPr lang="en-IN" sz="1400" dirty="0"/>
+              <a:t>");</a:t>
             </a:r>
           </a:p>
           <a:p>
@@ -24633,16 +24577,21 @@
             </a:pPr>
             <a:r>
               <a:rPr lang="en-IN" sz="1400" dirty="0"/>
-              <a:t>    }</a:t>
-            </a:r>
-          </a:p>
-          <a:p>
-            <a:pPr marL="857250" lvl="2" indent="0">
-              <a:buNone/>
-            </a:pPr>
+              <a:t>        </a:t>
+            </a:r>
+            <a:r>
+              <a:rPr lang="en-IN" sz="1400" dirty="0" err="1"/>
+              <a:t>super.setData</a:t>
+            </a:r>
             <a:r>
               <a:rPr lang="en-IN" sz="1400" dirty="0"/>
-              <a:t>    public void </a:t>
+              <a:t>(data);    } }</a:t>
+            </a:r>
+          </a:p>
+          <a:p>
+            <a:r>
+              <a:rPr lang="en-IN" sz="1400" dirty="0"/>
+              <a:t>After type erasure, the method signatures do not match. The Node method becomes </a:t>
             </a:r>
             <a:r>
               <a:rPr lang="en-IN" sz="1400" dirty="0" err="1"/>
@@ -24650,82 +24599,15 @@
             </a:r>
             <a:r>
               <a:rPr lang="en-IN" sz="1400" dirty="0"/>
-              <a:t>(Integer data) {</a:t>
-            </a:r>
-          </a:p>
-          <a:p>
-            <a:pPr marL="857250" lvl="2" indent="0">
-              <a:buNone/>
-            </a:pPr>
+              <a:t>(Object) and the </a:t>
+            </a:r>
+            <a:r>
+              <a:rPr lang="en-IN" sz="1400" dirty="0" err="1"/>
+              <a:t>MyNode</a:t>
+            </a:r>
             <a:r>
               <a:rPr lang="en-IN" sz="1400" dirty="0"/>
-              <a:t>        </a:t>
-            </a:r>
-            <a:r>
-              <a:rPr lang="en-IN" sz="1400" dirty="0" err="1"/>
-              <a:t>System.out.println</a:t>
-            </a:r>
-            <a:r>
-              <a:rPr lang="en-IN" sz="1400" dirty="0"/>
-              <a:t>("</a:t>
-            </a:r>
-            <a:r>
-              <a:rPr lang="en-IN" sz="1400" dirty="0" err="1"/>
-              <a:t>MyNode.setData</a:t>
-            </a:r>
-            <a:r>
-              <a:rPr lang="en-IN" sz="1400" dirty="0"/>
-              <a:t>");</a:t>
-            </a:r>
-          </a:p>
-          <a:p>
-            <a:pPr marL="857250" lvl="2" indent="0">
-              <a:buNone/>
-            </a:pPr>
-            <a:r>
-              <a:rPr lang="en-IN" sz="1400" dirty="0"/>
-              <a:t>        </a:t>
-            </a:r>
-            <a:r>
-              <a:rPr lang="en-IN" sz="1400" dirty="0" err="1"/>
-              <a:t>super.setData</a:t>
-            </a:r>
-            <a:r>
-              <a:rPr lang="en-IN" sz="1400" dirty="0"/>
-              <a:t>(data);</a:t>
-            </a:r>
-          </a:p>
-          <a:p>
-            <a:pPr marL="857250" lvl="2" indent="0">
-              <a:buNone/>
-            </a:pPr>
-            <a:r>
-              <a:rPr lang="en-IN" sz="1400" dirty="0"/>
-              <a:t>    }</a:t>
-            </a:r>
-          </a:p>
-          <a:p>
-            <a:pPr marL="857250" lvl="2" indent="0">
-              <a:buNone/>
-            </a:pPr>
-            <a:r>
-              <a:rPr lang="en-IN" sz="1400" dirty="0"/>
-              <a:t>    // ...</a:t>
-            </a:r>
-          </a:p>
-          <a:p>
-            <a:pPr marL="857250" lvl="2" indent="0">
-              <a:buNone/>
-            </a:pPr>
-            <a:r>
-              <a:rPr lang="en-IN" sz="1400" dirty="0"/>
-              <a:t>}</a:t>
-            </a:r>
-          </a:p>
-          <a:p>
-            <a:r>
-              <a:rPr lang="en-IN" sz="1400" dirty="0"/>
-              <a:t>As you can see, the bridge method, which has the same method signature as the Node class's </a:t>
+              <a:t> method becomes </a:t>
             </a:r>
             <a:r>
               <a:rPr lang="en-IN" sz="1400" dirty="0" err="1"/>
@@ -24733,7 +24615,15 @@
             </a:r>
             <a:r>
               <a:rPr lang="en-IN" sz="1400" dirty="0"/>
-              <a:t> method after type erasure, delegates to the original </a:t>
+              <a:t>(Integer). Therefore, the </a:t>
+            </a:r>
+            <a:r>
+              <a:rPr lang="en-IN" sz="1400" dirty="0" err="1"/>
+              <a:t>MyNode</a:t>
+            </a:r>
+            <a:r>
+              <a:rPr lang="en-IN" sz="1400" dirty="0"/>
+              <a:t> </a:t>
             </a:r>
             <a:r>
               <a:rPr lang="en-IN" sz="1400" dirty="0" err="1"/>
@@ -24741,16 +24631,23 @@
             </a:r>
             <a:r>
               <a:rPr lang="en-IN" sz="1400" dirty="0"/>
+              <a:t> method does not override the Node </a:t>
+            </a:r>
+            <a:r>
+              <a:rPr lang="en-IN" sz="1400" dirty="0" err="1"/>
+              <a:t>setData</a:t>
+            </a:r>
+            <a:r>
+              <a:rPr lang="en-IN" sz="1400" dirty="0"/>
               <a:t> method.</a:t>
             </a:r>
-            <a:endParaRPr lang="en-GB" sz="1400" dirty="0"/>
           </a:p>
         </p:txBody>
       </p:sp>
     </p:spTree>
     <p:extLst>
       <p:ext uri="{BB962C8B-B14F-4D97-AF65-F5344CB8AC3E}">
-        <p14:creationId xmlns:p14="http://schemas.microsoft.com/office/powerpoint/2010/main" val="2224084991"/>
+        <p14:creationId xmlns:p14="http://schemas.microsoft.com/office/powerpoint/2010/main" val="3492707244"/>
       </p:ext>
     </p:extLst>
   </p:cSld>
@@ -24789,8 +24686,8 @@
         </p:nvSpPr>
         <p:spPr>
           <a:xfrm>
-            <a:off x="223416" y="90408"/>
-            <a:ext cx="9404723" cy="289154"/>
+            <a:off x="85394" y="0"/>
+            <a:ext cx="9404723" cy="556573"/>
           </a:xfrm>
         </p:spPr>
         <p:txBody>
@@ -24798,21 +24695,17 @@
           <a:lstStyle/>
           <a:p>
             <a:r>
-              <a:rPr lang="en-GB" sz="1600" b="1" dirty="0"/>
-              <a:t>Non-</a:t>
-            </a:r>
-            <a:r>
-              <a:rPr lang="en-GB" sz="1600" b="1" dirty="0" err="1"/>
-              <a:t>Reifiable</a:t>
-            </a:r>
-            <a:r>
-              <a:rPr lang="en-GB" sz="1600" b="1" dirty="0"/>
-              <a:t> Types</a:t>
+              <a:rPr lang="en-IN" sz="2800" b="1" dirty="0"/>
+              <a:t>Bridge Methods Cont… </a:t>
+            </a:r>
+            <a:r>
+              <a:rPr lang="en-IN" b="1" dirty="0"/>
+              <a:t/>
             </a:r>
             <a:br>
-              <a:rPr lang="en-GB" sz="1600" b="1" dirty="0"/>
+              <a:rPr lang="en-IN" b="1" dirty="0"/>
             </a:br>
-            <a:endParaRPr lang="en-GB" sz="1600" dirty="0"/>
+            <a:endParaRPr lang="en-GB" dirty="0"/>
           </a:p>
         </p:txBody>
       </p:sp>
@@ -24828,160 +24721,219 @@
         </p:nvSpPr>
         <p:spPr>
           <a:xfrm>
-            <a:off x="345058" y="517585"/>
-            <a:ext cx="10584610" cy="5986731"/>
+            <a:off x="379562" y="672860"/>
+            <a:ext cx="11576649" cy="5529532"/>
           </a:xfrm>
         </p:spPr>
         <p:txBody>
           <a:bodyPr>
-            <a:normAutofit fontScale="85000" lnSpcReduction="20000"/>
+            <a:noAutofit/>
           </a:bodyPr>
           <a:lstStyle/>
           <a:p>
             <a:r>
-              <a:rPr lang="en-IN" dirty="0"/>
-              <a:t>Type erasure has consequences related to variable arguments (also known as </a:t>
-            </a:r>
-            <a:r>
-              <a:rPr lang="en-IN" dirty="0" err="1"/>
-              <a:t>varargs</a:t>
-            </a:r>
-            <a:r>
-              <a:rPr lang="en-IN" dirty="0"/>
-              <a:t> ) methods whose </a:t>
-            </a:r>
-            <a:r>
-              <a:rPr lang="en-IN" dirty="0" err="1"/>
-              <a:t>varargs</a:t>
-            </a:r>
-            <a:r>
-              <a:rPr lang="en-IN" dirty="0"/>
-              <a:t> formal parameter has a non-</a:t>
-            </a:r>
-            <a:r>
-              <a:rPr lang="en-IN" dirty="0" err="1"/>
-              <a:t>reifiable</a:t>
-            </a:r>
-            <a:r>
-              <a:rPr lang="en-IN" dirty="0"/>
-              <a:t> </a:t>
-            </a:r>
-            <a:r>
-              <a:rPr lang="en-IN" dirty="0" smtClean="0"/>
-              <a:t>type</a:t>
-            </a:r>
-          </a:p>
-          <a:p>
-            <a:r>
-              <a:rPr lang="en-IN" b="1" u="sng" dirty="0" smtClean="0"/>
-              <a:t>Non-</a:t>
-            </a:r>
-            <a:r>
-              <a:rPr lang="en-IN" b="1" u="sng" dirty="0" err="1" smtClean="0"/>
-              <a:t>Reifiable</a:t>
-            </a:r>
-            <a:r>
-              <a:rPr lang="en-IN" b="1" u="sng" dirty="0" smtClean="0"/>
-              <a:t> </a:t>
-            </a:r>
-            <a:r>
-              <a:rPr lang="en-IN" b="1" u="sng" dirty="0"/>
-              <a:t>Types</a:t>
-            </a:r>
-          </a:p>
-          <a:p>
-            <a:r>
-              <a:rPr lang="en-IN" dirty="0"/>
-              <a:t>A </a:t>
-            </a:r>
-            <a:r>
-              <a:rPr lang="en-IN" dirty="0" err="1"/>
-              <a:t>reifiable</a:t>
-            </a:r>
-            <a:r>
-              <a:rPr lang="en-IN" dirty="0"/>
-              <a:t> type is a type whose type information is fully available at runtime. This includes primitives, non-generic types, raw types, and invocations of unbound wildcards.</a:t>
-            </a:r>
-          </a:p>
-          <a:p>
-            <a:r>
-              <a:rPr lang="en-IN" dirty="0"/>
-              <a:t>Non-</a:t>
-            </a:r>
-            <a:r>
-              <a:rPr lang="en-IN" dirty="0" err="1"/>
-              <a:t>reifiable</a:t>
-            </a:r>
-            <a:r>
-              <a:rPr lang="en-IN" dirty="0"/>
-              <a:t> types are types where information has been removed at compile-time by type erasure — invocations of generic types that are not defined as unbounded wildcards. A non-</a:t>
-            </a:r>
-            <a:r>
-              <a:rPr lang="en-IN" dirty="0" err="1"/>
-              <a:t>reifiable</a:t>
-            </a:r>
-            <a:r>
-              <a:rPr lang="en-IN" dirty="0"/>
-              <a:t> type does not have all of its information available at runtime. Examples of non-</a:t>
-            </a:r>
-            <a:r>
-              <a:rPr lang="en-IN" dirty="0" err="1"/>
-              <a:t>reifiable</a:t>
-            </a:r>
-            <a:r>
-              <a:rPr lang="en-IN" dirty="0"/>
-              <a:t> types are List&lt;String&gt; and List&lt;Number&gt;; the JVM cannot tell the difference between these types at </a:t>
-            </a:r>
-            <a:r>
-              <a:rPr lang="en-IN" dirty="0" smtClean="0"/>
-              <a:t>runtime, </a:t>
-            </a:r>
-            <a:r>
-              <a:rPr lang="en-IN" dirty="0"/>
-              <a:t>there are certain situations where non-</a:t>
-            </a:r>
-            <a:r>
-              <a:rPr lang="en-IN" dirty="0" err="1"/>
-              <a:t>reifiable</a:t>
-            </a:r>
-            <a:r>
-              <a:rPr lang="en-IN" dirty="0"/>
-              <a:t> types cannot be used: in an </a:t>
-            </a:r>
-            <a:r>
-              <a:rPr lang="en-IN" dirty="0" err="1"/>
-              <a:t>instanceof</a:t>
-            </a:r>
-            <a:r>
-              <a:rPr lang="en-IN" dirty="0"/>
-              <a:t> expression, for example, or as an element in an array.</a:t>
-            </a:r>
-          </a:p>
-          <a:p>
-            <a:r>
-              <a:rPr lang="en-IN" dirty="0"/>
-              <a:t>Heap Pollution</a:t>
-            </a:r>
-          </a:p>
-          <a:p>
-            <a:r>
-              <a:rPr lang="en-IN" dirty="0"/>
-              <a:t>Heap pollution occurs when a variable of a parameterized type refers to an object that is not of that parameterized type. This situation occurs if the program performed some operation that gives rise to an unchecked warning at compile-time. An unchecked warning is generated if, either at compile-time (within the limits of the compile-time type checking rules) or at runtime, the correctness of an operation involving a parameterized type (for example, a cast or method call) cannot be verified. For example, heap pollution occurs when mixing raw types and parameterized types, or when performing unchecked casts.</a:t>
-            </a:r>
-          </a:p>
-          <a:p>
-            <a:r>
-              <a:rPr lang="en-IN" dirty="0"/>
-              <a:t>In normal situations, when all code is compiled at the same time, the compiler issues an unchecked warning to draw your attention to potential heap pollution. If you compile sections of your code separately, it is difficult to detect the potential risk of heap pollution. If you ensure that your code compiles without warnings, then no heap pollution can occur.</a:t>
-            </a:r>
-            <a:endParaRPr lang="en-GB" dirty="0"/>
+              <a:rPr lang="en-IN" sz="1400" dirty="0"/>
+              <a:t>To solve this problem and preserve the polymorphism of generic types after type erasure, a Java compiler generates a bridge method to ensure that subtyping works as expected. For the </a:t>
+            </a:r>
+            <a:r>
+              <a:rPr lang="en-IN" sz="1400" dirty="0" err="1"/>
+              <a:t>MyNode</a:t>
+            </a:r>
+            <a:r>
+              <a:rPr lang="en-IN" sz="1400" dirty="0"/>
+              <a:t> class, the compiler generates the following bridge method for </a:t>
+            </a:r>
+            <a:r>
+              <a:rPr lang="en-IN" sz="1400" dirty="0" err="1"/>
+              <a:t>setData</a:t>
+            </a:r>
+            <a:r>
+              <a:rPr lang="en-IN" sz="1400" dirty="0"/>
+              <a:t>:</a:t>
+            </a:r>
+          </a:p>
+          <a:p>
+            <a:pPr lvl="1"/>
+            <a:r>
+              <a:rPr lang="en-IN" sz="1400" dirty="0"/>
+              <a:t>class </a:t>
+            </a:r>
+            <a:r>
+              <a:rPr lang="en-IN" sz="1400" dirty="0" err="1"/>
+              <a:t>MyNode</a:t>
+            </a:r>
+            <a:r>
+              <a:rPr lang="en-IN" sz="1400" dirty="0"/>
+              <a:t> extends Node {</a:t>
+            </a:r>
+          </a:p>
+          <a:p>
+            <a:pPr marL="857250" lvl="2" indent="0">
+              <a:buNone/>
+            </a:pPr>
+            <a:r>
+              <a:rPr lang="en-IN" sz="1400" dirty="0"/>
+              <a:t>    // Bridge method generated by the compiler</a:t>
+            </a:r>
+          </a:p>
+          <a:p>
+            <a:pPr marL="857250" lvl="2" indent="0">
+              <a:buNone/>
+            </a:pPr>
+            <a:r>
+              <a:rPr lang="en-IN" sz="1400" dirty="0"/>
+              <a:t>    public void </a:t>
+            </a:r>
+            <a:r>
+              <a:rPr lang="en-IN" sz="1400" dirty="0" err="1"/>
+              <a:t>setData</a:t>
+            </a:r>
+            <a:r>
+              <a:rPr lang="en-IN" sz="1400" dirty="0"/>
+              <a:t>(Object data) {</a:t>
+            </a:r>
+          </a:p>
+          <a:p>
+            <a:pPr marL="857250" lvl="2" indent="0">
+              <a:buNone/>
+            </a:pPr>
+            <a:r>
+              <a:rPr lang="en-IN" sz="1400" dirty="0"/>
+              <a:t>        </a:t>
+            </a:r>
+            <a:r>
+              <a:rPr lang="en-IN" sz="1400" dirty="0" err="1"/>
+              <a:t>setData</a:t>
+            </a:r>
+            <a:r>
+              <a:rPr lang="en-IN" sz="1400" dirty="0"/>
+              <a:t>((Integer) data);</a:t>
+            </a:r>
+          </a:p>
+          <a:p>
+            <a:pPr marL="857250" lvl="2" indent="0">
+              <a:buNone/>
+            </a:pPr>
+            <a:r>
+              <a:rPr lang="en-IN" sz="1400" dirty="0"/>
+              <a:t>    }</a:t>
+            </a:r>
+          </a:p>
+          <a:p>
+            <a:pPr marL="857250" lvl="2" indent="0">
+              <a:buNone/>
+            </a:pPr>
+            <a:r>
+              <a:rPr lang="en-IN" sz="1400" dirty="0"/>
+              <a:t>    public void </a:t>
+            </a:r>
+            <a:r>
+              <a:rPr lang="en-IN" sz="1400" dirty="0" err="1"/>
+              <a:t>setData</a:t>
+            </a:r>
+            <a:r>
+              <a:rPr lang="en-IN" sz="1400" dirty="0"/>
+              <a:t>(Integer data) {</a:t>
+            </a:r>
+          </a:p>
+          <a:p>
+            <a:pPr marL="857250" lvl="2" indent="0">
+              <a:buNone/>
+            </a:pPr>
+            <a:r>
+              <a:rPr lang="en-IN" sz="1400" dirty="0"/>
+              <a:t>        </a:t>
+            </a:r>
+            <a:r>
+              <a:rPr lang="en-IN" sz="1400" dirty="0" err="1"/>
+              <a:t>System.out.println</a:t>
+            </a:r>
+            <a:r>
+              <a:rPr lang="en-IN" sz="1400" dirty="0"/>
+              <a:t>("</a:t>
+            </a:r>
+            <a:r>
+              <a:rPr lang="en-IN" sz="1400" dirty="0" err="1"/>
+              <a:t>MyNode.setData</a:t>
+            </a:r>
+            <a:r>
+              <a:rPr lang="en-IN" sz="1400" dirty="0"/>
+              <a:t>");</a:t>
+            </a:r>
+          </a:p>
+          <a:p>
+            <a:pPr marL="857250" lvl="2" indent="0">
+              <a:buNone/>
+            </a:pPr>
+            <a:r>
+              <a:rPr lang="en-IN" sz="1400" dirty="0"/>
+              <a:t>        </a:t>
+            </a:r>
+            <a:r>
+              <a:rPr lang="en-IN" sz="1400" dirty="0" err="1"/>
+              <a:t>super.setData</a:t>
+            </a:r>
+            <a:r>
+              <a:rPr lang="en-IN" sz="1400" dirty="0"/>
+              <a:t>(data);</a:t>
+            </a:r>
+          </a:p>
+          <a:p>
+            <a:pPr marL="857250" lvl="2" indent="0">
+              <a:buNone/>
+            </a:pPr>
+            <a:r>
+              <a:rPr lang="en-IN" sz="1400" dirty="0"/>
+              <a:t>    }</a:t>
+            </a:r>
+          </a:p>
+          <a:p>
+            <a:pPr marL="857250" lvl="2" indent="0">
+              <a:buNone/>
+            </a:pPr>
+            <a:r>
+              <a:rPr lang="en-IN" sz="1400" dirty="0"/>
+              <a:t>    // ...</a:t>
+            </a:r>
+          </a:p>
+          <a:p>
+            <a:pPr marL="857250" lvl="2" indent="0">
+              <a:buNone/>
+            </a:pPr>
+            <a:r>
+              <a:rPr lang="en-IN" sz="1400" dirty="0"/>
+              <a:t>}</a:t>
+            </a:r>
+          </a:p>
+          <a:p>
+            <a:r>
+              <a:rPr lang="en-IN" sz="1400" dirty="0"/>
+              <a:t>As you can see, the bridge method, which has the same method signature as the Node class's </a:t>
+            </a:r>
+            <a:r>
+              <a:rPr lang="en-IN" sz="1400" dirty="0" err="1"/>
+              <a:t>setData</a:t>
+            </a:r>
+            <a:r>
+              <a:rPr lang="en-IN" sz="1400" dirty="0"/>
+              <a:t> method after type erasure, delegates to the original </a:t>
+            </a:r>
+            <a:r>
+              <a:rPr lang="en-IN" sz="1400" dirty="0" err="1"/>
+              <a:t>setData</a:t>
+            </a:r>
+            <a:r>
+              <a:rPr lang="en-IN" sz="1400" dirty="0"/>
+              <a:t> method.</a:t>
+            </a:r>
+            <a:endParaRPr lang="en-GB" sz="1400" dirty="0"/>
           </a:p>
         </p:txBody>
       </p:sp>
     </p:spTree>
     <p:extLst>
       <p:ext uri="{BB962C8B-B14F-4D97-AF65-F5344CB8AC3E}">
-        <p14:creationId xmlns:p14="http://schemas.microsoft.com/office/powerpoint/2010/main" val="1958244992"/>
+        <p14:creationId xmlns:p14="http://schemas.microsoft.com/office/powerpoint/2010/main" val="2224084991"/>
       </p:ext>
     </p:extLst>
   </p:cSld>
@@ -25029,40 +24981,21 @@
           <a:lstStyle/>
           <a:p>
             <a:r>
-              <a:rPr lang="en-IN" sz="1400" b="1" u="sng" dirty="0"/>
-              <a:t>Potential Vulnerabilities of </a:t>
-            </a:r>
-            <a:r>
-              <a:rPr lang="en-IN" sz="1400" b="1" u="sng" dirty="0" err="1"/>
-              <a:t>Varargs</a:t>
-            </a:r>
-            <a:r>
-              <a:rPr lang="en-IN" sz="1400" b="1" u="sng" dirty="0"/>
-              <a:t> Methods with Non-</a:t>
-            </a:r>
-            <a:r>
-              <a:rPr lang="en-IN" sz="1400" b="1" u="sng" dirty="0" err="1"/>
+              <a:rPr lang="en-GB" sz="1600" b="1" dirty="0"/>
+              <a:t>Non-</a:t>
+            </a:r>
+            <a:r>
+              <a:rPr lang="en-GB" sz="1600" b="1" dirty="0" err="1"/>
               <a:t>Reifiable</a:t>
             </a:r>
             <a:r>
-              <a:rPr lang="en-IN" sz="1400" b="1" u="sng" dirty="0"/>
-              <a:t> Formal Parameters</a:t>
-            </a:r>
-            <a:r>
-              <a:rPr lang="en-IN" sz="1400" b="1" dirty="0"/>
-              <a:t/>
+              <a:rPr lang="en-GB" sz="1600" b="1" dirty="0"/>
+              <a:t> Types</a:t>
             </a:r>
             <a:br>
-              <a:rPr lang="en-IN" sz="1400" b="1" dirty="0"/>
+              <a:rPr lang="en-GB" sz="1600" b="1" dirty="0"/>
             </a:br>
-            <a:r>
-              <a:rPr lang="en-GB" sz="1400" b="1" dirty="0"/>
-              <a:t/>
-            </a:r>
-            <a:br>
-              <a:rPr lang="en-GB" sz="1400" b="1" dirty="0"/>
-            </a:br>
-            <a:endParaRPr lang="en-GB" sz="1400" dirty="0"/>
+            <a:endParaRPr lang="en-GB" sz="1600" dirty="0"/>
           </a:p>
         </p:txBody>
       </p:sp>
@@ -25084,476 +25017,154 @@
         </p:spPr>
         <p:txBody>
           <a:bodyPr>
-            <a:normAutofit fontScale="62500" lnSpcReduction="20000"/>
+            <a:normAutofit fontScale="85000" lnSpcReduction="20000"/>
           </a:bodyPr>
           <a:lstStyle/>
           <a:p>
             <a:r>
-              <a:rPr lang="en-GB" dirty="0"/>
-              <a:t>Generic methods that include </a:t>
-            </a:r>
-            <a:r>
-              <a:rPr lang="en-GB" dirty="0" err="1"/>
-              <a:t>vararg</a:t>
-            </a:r>
-            <a:r>
-              <a:rPr lang="en-GB" dirty="0"/>
-              <a:t> input parameters can cause heap </a:t>
-            </a:r>
-            <a:r>
-              <a:rPr lang="en-GB" dirty="0" err="1"/>
-              <a:t>pollution.Consider</a:t>
-            </a:r>
-            <a:r>
-              <a:rPr lang="en-GB" dirty="0"/>
-              <a:t> the following </a:t>
-            </a:r>
-            <a:r>
-              <a:rPr lang="en-GB" dirty="0" err="1"/>
-              <a:t>ArrayBuilder</a:t>
-            </a:r>
-            <a:r>
-              <a:rPr lang="en-GB" dirty="0"/>
-              <a:t> class:</a:t>
-            </a:r>
-          </a:p>
-          <a:p>
-            <a:pPr lvl="1"/>
-            <a:r>
-              <a:rPr lang="en-GB" dirty="0"/>
-              <a:t>public class </a:t>
-            </a:r>
-            <a:r>
-              <a:rPr lang="en-GB" dirty="0" err="1"/>
-              <a:t>ArrayBuilder</a:t>
-            </a:r>
-            <a:r>
-              <a:rPr lang="en-GB" dirty="0"/>
-              <a:t> {</a:t>
-            </a:r>
-          </a:p>
-          <a:p>
-            <a:pPr marL="857250" lvl="2" indent="0">
-              <a:buNone/>
-            </a:pPr>
-            <a:r>
-              <a:rPr lang="en-GB" dirty="0"/>
-              <a:t>  public static &lt;T&gt; void </a:t>
-            </a:r>
-            <a:r>
-              <a:rPr lang="en-GB" dirty="0" err="1"/>
-              <a:t>addToList</a:t>
-            </a:r>
-            <a:r>
-              <a:rPr lang="en-GB" dirty="0"/>
-              <a:t> (List&lt;T&gt; </a:t>
-            </a:r>
-            <a:r>
-              <a:rPr lang="en-GB" dirty="0" err="1"/>
-              <a:t>listArg</a:t>
-            </a:r>
-            <a:r>
-              <a:rPr lang="en-GB" dirty="0"/>
-              <a:t>, T... elements) {</a:t>
-            </a:r>
-          </a:p>
-          <a:p>
-            <a:pPr marL="857250" lvl="2" indent="0">
-              <a:buNone/>
-            </a:pPr>
-            <a:r>
-              <a:rPr lang="en-GB" dirty="0"/>
-              <a:t>    for (T x : elements) {</a:t>
-            </a:r>
-          </a:p>
-          <a:p>
-            <a:pPr marL="857250" lvl="2" indent="0">
-              <a:buNone/>
-            </a:pPr>
-            <a:r>
-              <a:rPr lang="en-GB" dirty="0"/>
-              <a:t>      </a:t>
-            </a:r>
-            <a:r>
-              <a:rPr lang="en-GB" dirty="0" err="1"/>
-              <a:t>listArg.add</a:t>
-            </a:r>
-            <a:r>
-              <a:rPr lang="en-GB" dirty="0"/>
-              <a:t>(x);    }   }</a:t>
-            </a:r>
-          </a:p>
-          <a:p>
-            <a:pPr marL="857250" lvl="2" indent="0">
-              <a:buNone/>
-            </a:pPr>
-            <a:r>
-              <a:rPr lang="en-GB" dirty="0"/>
-              <a:t>  public static void </a:t>
-            </a:r>
-            <a:r>
-              <a:rPr lang="en-GB" dirty="0" err="1"/>
-              <a:t>faultyMethod</a:t>
-            </a:r>
-            <a:r>
-              <a:rPr lang="en-GB" dirty="0"/>
-              <a:t>(List&lt;String&gt;... l) {</a:t>
-            </a:r>
-          </a:p>
-          <a:p>
-            <a:pPr marL="857250" lvl="2" indent="0">
-              <a:buNone/>
-            </a:pPr>
-            <a:r>
-              <a:rPr lang="en-GB" dirty="0"/>
-              <a:t>    Object[] </a:t>
-            </a:r>
-            <a:r>
-              <a:rPr lang="en-GB" dirty="0" err="1"/>
-              <a:t>objectArray</a:t>
-            </a:r>
-            <a:r>
-              <a:rPr lang="en-GB" dirty="0"/>
-              <a:t> = l;     // Valid</a:t>
-            </a:r>
-          </a:p>
-          <a:p>
-            <a:pPr marL="857250" lvl="2" indent="0">
-              <a:buNone/>
-            </a:pPr>
-            <a:r>
-              <a:rPr lang="en-GB" dirty="0"/>
-              <a:t>    </a:t>
-            </a:r>
-            <a:r>
-              <a:rPr lang="en-GB" dirty="0" err="1"/>
-              <a:t>objectArray</a:t>
-            </a:r>
-            <a:r>
-              <a:rPr lang="en-GB" dirty="0"/>
-              <a:t>[0] = </a:t>
-            </a:r>
-            <a:r>
-              <a:rPr lang="en-GB" dirty="0" err="1"/>
-              <a:t>Arrays.asList</a:t>
-            </a:r>
-            <a:r>
-              <a:rPr lang="en-GB" dirty="0"/>
-              <a:t>(42);</a:t>
-            </a:r>
-          </a:p>
-          <a:p>
-            <a:pPr marL="857250" lvl="2" indent="0">
-              <a:buNone/>
-            </a:pPr>
-            <a:r>
-              <a:rPr lang="en-GB" dirty="0"/>
-              <a:t>    String s = l[0].get(0);       // </a:t>
-            </a:r>
-            <a:r>
-              <a:rPr lang="en-GB" dirty="0" err="1"/>
-              <a:t>ClassCastException</a:t>
-            </a:r>
-            <a:r>
-              <a:rPr lang="en-GB" dirty="0"/>
-              <a:t> thrown here  } }</a:t>
-            </a:r>
-          </a:p>
-          <a:p>
-            <a:r>
-              <a:rPr lang="en-GB" dirty="0"/>
-              <a:t>The following example, </a:t>
-            </a:r>
-            <a:r>
-              <a:rPr lang="en-GB" dirty="0" err="1"/>
-              <a:t>HeapPollutionExample</a:t>
-            </a:r>
-            <a:r>
-              <a:rPr lang="en-GB" dirty="0"/>
-              <a:t> uses the </a:t>
-            </a:r>
-            <a:r>
-              <a:rPr lang="en-GB" dirty="0" err="1"/>
-              <a:t>ArrayBuiler</a:t>
-            </a:r>
-            <a:r>
-              <a:rPr lang="en-GB" dirty="0"/>
-              <a:t> class:</a:t>
-            </a:r>
-          </a:p>
-          <a:p>
-            <a:pPr lvl="1"/>
-            <a:r>
-              <a:rPr lang="en-GB" dirty="0"/>
-              <a:t>public class </a:t>
-            </a:r>
-            <a:r>
-              <a:rPr lang="en-GB" dirty="0" err="1"/>
-              <a:t>HeapPollutionExample</a:t>
-            </a:r>
-            <a:r>
-              <a:rPr lang="en-GB" dirty="0"/>
-              <a:t> {</a:t>
-            </a:r>
-          </a:p>
-          <a:p>
-            <a:pPr marL="857250" lvl="2" indent="0">
-              <a:buNone/>
-            </a:pPr>
-            <a:r>
-              <a:rPr lang="en-GB" dirty="0"/>
-              <a:t>  public static void main(String[] </a:t>
-            </a:r>
-            <a:r>
-              <a:rPr lang="en-GB" dirty="0" err="1"/>
-              <a:t>args</a:t>
-            </a:r>
-            <a:r>
-              <a:rPr lang="en-GB" dirty="0"/>
-              <a:t>) {</a:t>
-            </a:r>
-          </a:p>
-          <a:p>
-            <a:pPr marL="857250" lvl="2" indent="0">
-              <a:buNone/>
-            </a:pPr>
-            <a:r>
-              <a:rPr lang="en-GB" dirty="0"/>
-              <a:t>    List&lt;String&gt; </a:t>
-            </a:r>
-            <a:r>
-              <a:rPr lang="en-GB" dirty="0" err="1"/>
-              <a:t>stringListA</a:t>
-            </a:r>
-            <a:r>
-              <a:rPr lang="en-GB" dirty="0"/>
-              <a:t> = new </a:t>
-            </a:r>
-            <a:r>
-              <a:rPr lang="en-GB" dirty="0" err="1"/>
-              <a:t>ArrayList</a:t>
-            </a:r>
-            <a:r>
-              <a:rPr lang="en-GB" dirty="0"/>
-              <a:t>&lt;String&gt;();</a:t>
-            </a:r>
-          </a:p>
-          <a:p>
-            <a:pPr marL="857250" lvl="2" indent="0">
-              <a:buNone/>
-            </a:pPr>
-            <a:r>
-              <a:rPr lang="en-GB" dirty="0"/>
-              <a:t>    List&lt;String&gt; </a:t>
-            </a:r>
-            <a:r>
-              <a:rPr lang="en-GB" dirty="0" err="1"/>
-              <a:t>stringListB</a:t>
-            </a:r>
-            <a:r>
-              <a:rPr lang="en-GB" dirty="0"/>
-              <a:t> = new </a:t>
-            </a:r>
-            <a:r>
-              <a:rPr lang="en-GB" dirty="0" err="1"/>
-              <a:t>ArrayList</a:t>
-            </a:r>
-            <a:r>
-              <a:rPr lang="en-GB" dirty="0"/>
-              <a:t>&lt;String&gt;();</a:t>
-            </a:r>
-          </a:p>
-          <a:p>
-            <a:pPr marL="857250" lvl="2" indent="0">
-              <a:buNone/>
-            </a:pPr>
-            <a:r>
-              <a:rPr lang="en-GB" dirty="0"/>
-              <a:t>    </a:t>
-            </a:r>
-            <a:r>
-              <a:rPr lang="en-GB" dirty="0" err="1"/>
-              <a:t>ArrayBuilder.addToList</a:t>
-            </a:r>
-            <a:r>
-              <a:rPr lang="en-GB" dirty="0"/>
-              <a:t>(</a:t>
-            </a:r>
-            <a:r>
-              <a:rPr lang="en-GB" dirty="0" err="1"/>
-              <a:t>stringListA</a:t>
-            </a:r>
-            <a:r>
-              <a:rPr lang="en-GB" dirty="0"/>
-              <a:t>, "Seven", "Eight", "Nine");</a:t>
-            </a:r>
-          </a:p>
-          <a:p>
-            <a:pPr marL="857250" lvl="2" indent="0">
-              <a:buNone/>
-            </a:pPr>
-            <a:r>
-              <a:rPr lang="en-GB" dirty="0"/>
-              <a:t>    </a:t>
-            </a:r>
-            <a:r>
-              <a:rPr lang="en-GB" dirty="0" err="1"/>
-              <a:t>ArrayBuilder.addToList</a:t>
-            </a:r>
-            <a:r>
-              <a:rPr lang="en-GB" dirty="0"/>
-              <a:t>(</a:t>
-            </a:r>
-            <a:r>
-              <a:rPr lang="en-GB" dirty="0" err="1"/>
-              <a:t>stringListB</a:t>
-            </a:r>
-            <a:r>
-              <a:rPr lang="en-GB" dirty="0"/>
-              <a:t>, "Ten", "Eleven", "Twelve");</a:t>
-            </a:r>
-          </a:p>
-          <a:p>
-            <a:pPr marL="857250" lvl="2" indent="0">
-              <a:buNone/>
-            </a:pPr>
-            <a:r>
-              <a:rPr lang="en-GB" dirty="0"/>
-              <a:t>    List&lt;List&lt;String&gt;&gt; </a:t>
-            </a:r>
-            <a:r>
-              <a:rPr lang="en-GB" dirty="0" err="1"/>
-              <a:t>listOfStringLists</a:t>
-            </a:r>
-            <a:r>
-              <a:rPr lang="en-GB" dirty="0"/>
-              <a:t> =</a:t>
-            </a:r>
-          </a:p>
-          <a:p>
-            <a:pPr marL="857250" lvl="2" indent="0">
-              <a:buNone/>
-            </a:pPr>
-            <a:r>
-              <a:rPr lang="en-GB" dirty="0"/>
-              <a:t>      new </a:t>
-            </a:r>
-            <a:r>
-              <a:rPr lang="en-GB" dirty="0" err="1"/>
-              <a:t>ArrayList</a:t>
-            </a:r>
-            <a:r>
-              <a:rPr lang="en-GB" dirty="0"/>
-              <a:t>&lt;List&lt;String&gt;&gt;();</a:t>
-            </a:r>
-          </a:p>
-          <a:p>
-            <a:pPr marL="857250" lvl="2" indent="0">
-              <a:buNone/>
-            </a:pPr>
-            <a:r>
-              <a:rPr lang="en-GB" dirty="0"/>
-              <a:t>    </a:t>
-            </a:r>
-            <a:r>
-              <a:rPr lang="en-GB" dirty="0" err="1"/>
-              <a:t>ArrayBuilder.addToList</a:t>
-            </a:r>
-            <a:r>
-              <a:rPr lang="en-GB" dirty="0"/>
-              <a:t>(</a:t>
-            </a:r>
-            <a:r>
-              <a:rPr lang="en-GB" dirty="0" err="1"/>
-              <a:t>listOfStringLists</a:t>
-            </a:r>
-            <a:r>
-              <a:rPr lang="en-GB" dirty="0"/>
-              <a:t>,</a:t>
-            </a:r>
-          </a:p>
-          <a:p>
-            <a:pPr marL="857250" lvl="2" indent="0">
-              <a:buNone/>
-            </a:pPr>
-            <a:r>
-              <a:rPr lang="en-GB" dirty="0"/>
-              <a:t>      </a:t>
-            </a:r>
-            <a:r>
-              <a:rPr lang="en-GB" dirty="0" err="1"/>
-              <a:t>stringListA</a:t>
-            </a:r>
-            <a:r>
-              <a:rPr lang="en-GB" dirty="0"/>
-              <a:t>, </a:t>
-            </a:r>
-            <a:r>
-              <a:rPr lang="en-GB" dirty="0" err="1"/>
-              <a:t>stringListB</a:t>
-            </a:r>
-            <a:r>
-              <a:rPr lang="en-GB" dirty="0"/>
-              <a:t>);</a:t>
-            </a:r>
-          </a:p>
-          <a:p>
-            <a:pPr marL="857250" lvl="2" indent="0">
-              <a:buNone/>
-            </a:pPr>
-            <a:r>
-              <a:rPr lang="en-GB" dirty="0"/>
-              <a:t>    </a:t>
-            </a:r>
-            <a:r>
-              <a:rPr lang="en-GB" dirty="0" err="1"/>
-              <a:t>ArrayBuilder.faultyMethod</a:t>
-            </a:r>
-            <a:r>
-              <a:rPr lang="en-GB" dirty="0"/>
-              <a:t>(</a:t>
-            </a:r>
-            <a:r>
-              <a:rPr lang="en-GB" dirty="0" err="1"/>
-              <a:t>Arrays.asList</a:t>
-            </a:r>
-            <a:r>
-              <a:rPr lang="en-GB" dirty="0"/>
-              <a:t>("Hello!"), </a:t>
-            </a:r>
-            <a:r>
-              <a:rPr lang="en-GB" dirty="0" err="1"/>
-              <a:t>Arrays.asList</a:t>
-            </a:r>
-            <a:r>
-              <a:rPr lang="en-GB" dirty="0"/>
-              <a:t>("World!"));</a:t>
-            </a:r>
-          </a:p>
-          <a:p>
-            <a:pPr marL="857250" lvl="2" indent="0">
-              <a:buNone/>
-            </a:pPr>
-            <a:r>
-              <a:rPr lang="en-GB" dirty="0"/>
-              <a:t>  }</a:t>
-            </a:r>
-          </a:p>
-          <a:p>
-            <a:pPr marL="857250" lvl="2" indent="0">
-              <a:buNone/>
-            </a:pPr>
-            <a:r>
-              <a:rPr lang="en-GB" dirty="0"/>
-              <a:t>}</a:t>
-            </a:r>
+              <a:rPr lang="en-IN" dirty="0"/>
+              <a:t>Type erasure has consequences related to variable arguments (also known as </a:t>
+            </a:r>
+            <a:r>
+              <a:rPr lang="en-IN" dirty="0" err="1"/>
+              <a:t>varargs</a:t>
+            </a:r>
+            <a:r>
+              <a:rPr lang="en-IN" dirty="0"/>
+              <a:t> ) methods whose </a:t>
+            </a:r>
+            <a:r>
+              <a:rPr lang="en-IN" dirty="0" err="1"/>
+              <a:t>varargs</a:t>
+            </a:r>
+            <a:r>
+              <a:rPr lang="en-IN" dirty="0"/>
+              <a:t> formal parameter has a non-</a:t>
+            </a:r>
+            <a:r>
+              <a:rPr lang="en-IN" dirty="0" err="1"/>
+              <a:t>reifiable</a:t>
+            </a:r>
+            <a:r>
+              <a:rPr lang="en-IN" dirty="0"/>
+              <a:t> </a:t>
+            </a:r>
+            <a:r>
+              <a:rPr lang="en-IN" dirty="0" smtClean="0"/>
+              <a:t>type</a:t>
+            </a:r>
+          </a:p>
+          <a:p>
+            <a:r>
+              <a:rPr lang="en-IN" b="1" u="sng" dirty="0" smtClean="0"/>
+              <a:t>Non-</a:t>
+            </a:r>
+            <a:r>
+              <a:rPr lang="en-IN" b="1" u="sng" dirty="0" err="1" smtClean="0"/>
+              <a:t>Reifiable</a:t>
+            </a:r>
+            <a:r>
+              <a:rPr lang="en-IN" b="1" u="sng" dirty="0" smtClean="0"/>
+              <a:t> </a:t>
+            </a:r>
+            <a:r>
+              <a:rPr lang="en-IN" b="1" u="sng" dirty="0"/>
+              <a:t>Types</a:t>
+            </a:r>
+          </a:p>
+          <a:p>
+            <a:r>
+              <a:rPr lang="en-IN" dirty="0"/>
+              <a:t>A </a:t>
+            </a:r>
+            <a:r>
+              <a:rPr lang="en-IN" dirty="0" err="1"/>
+              <a:t>reifiable</a:t>
+            </a:r>
+            <a:r>
+              <a:rPr lang="en-IN" dirty="0"/>
+              <a:t> type is a type whose type information is fully available at runtime. This includes primitives, non-generic types, raw types, and invocations of unbound wildcards.</a:t>
+            </a:r>
+          </a:p>
+          <a:p>
+            <a:r>
+              <a:rPr lang="en-IN" dirty="0"/>
+              <a:t>Non-</a:t>
+            </a:r>
+            <a:r>
+              <a:rPr lang="en-IN" dirty="0" err="1"/>
+              <a:t>reifiable</a:t>
+            </a:r>
+            <a:r>
+              <a:rPr lang="en-IN" dirty="0"/>
+              <a:t> types are types where information has been removed at compile-time by type erasure — invocations of generic types that are not defined as unbounded wildcards. A non-</a:t>
+            </a:r>
+            <a:r>
+              <a:rPr lang="en-IN" dirty="0" err="1"/>
+              <a:t>reifiable</a:t>
+            </a:r>
+            <a:r>
+              <a:rPr lang="en-IN" dirty="0"/>
+              <a:t> type does not have all of its information available at runtime. Examples of non-</a:t>
+            </a:r>
+            <a:r>
+              <a:rPr lang="en-IN" dirty="0" err="1"/>
+              <a:t>reifiable</a:t>
+            </a:r>
+            <a:r>
+              <a:rPr lang="en-IN" dirty="0"/>
+              <a:t> types are List&lt;String&gt; and List&lt;Number&gt;; the JVM cannot tell the difference between these types at </a:t>
+            </a:r>
+            <a:r>
+              <a:rPr lang="en-IN" dirty="0" smtClean="0"/>
+              <a:t>runtime, </a:t>
+            </a:r>
+            <a:r>
+              <a:rPr lang="en-IN" dirty="0"/>
+              <a:t>there are certain situations where non-</a:t>
+            </a:r>
+            <a:r>
+              <a:rPr lang="en-IN" dirty="0" err="1"/>
+              <a:t>reifiable</a:t>
+            </a:r>
+            <a:r>
+              <a:rPr lang="en-IN" dirty="0"/>
+              <a:t> types cannot be used: in an </a:t>
+            </a:r>
+            <a:r>
+              <a:rPr lang="en-IN" dirty="0" err="1"/>
+              <a:t>instanceof</a:t>
+            </a:r>
+            <a:r>
+              <a:rPr lang="en-IN" dirty="0"/>
+              <a:t> expression, for example, or as an element in an array.</a:t>
+            </a:r>
+          </a:p>
+          <a:p>
+            <a:r>
+              <a:rPr lang="en-IN" dirty="0"/>
+              <a:t>Heap Pollution</a:t>
+            </a:r>
+          </a:p>
+          <a:p>
+            <a:r>
+              <a:rPr lang="en-IN" dirty="0"/>
+              <a:t>Heap pollution occurs when a variable of a parameterized type refers to an object that is not of that parameterized type. This situation occurs if the program performed some operation that gives rise to an unchecked warning at compile-time. An unchecked warning is generated if, either at compile-time (within the limits of the compile-time type checking rules) or at runtime, the correctness of an operation involving a parameterized type (for example, a cast or method call) cannot be verified. For example, heap pollution occurs when mixing raw types and parameterized types, or when performing unchecked casts.</a:t>
+            </a:r>
+          </a:p>
+          <a:p>
+            <a:r>
+              <a:rPr lang="en-IN" dirty="0"/>
+              <a:t>In normal situations, when all code is compiled at the same time, the compiler issues an unchecked warning to draw your attention to potential heap pollution. If you compile sections of your code separately, it is difficult to detect the potential risk of heap pollution. If you ensure that your code compiles without warnings, then no heap pollution can occur.</a:t>
+            </a:r>
+            <a:endParaRPr lang="en-GB" dirty="0"/>
           </a:p>
         </p:txBody>
       </p:sp>
     </p:spTree>
     <p:extLst>
       <p:ext uri="{BB962C8B-B14F-4D97-AF65-F5344CB8AC3E}">
-        <p14:creationId xmlns:p14="http://schemas.microsoft.com/office/powerpoint/2010/main" val="4255131909"/>
+        <p14:creationId xmlns:p14="http://schemas.microsoft.com/office/powerpoint/2010/main" val="1958244992"/>
       </p:ext>
     </p:extLst>
   </p:cSld>
@@ -25790,290 +25401,480 @@
         </p:spPr>
         <p:txBody>
           <a:bodyPr>
-            <a:noAutofit/>
+            <a:normAutofit fontScale="62500" lnSpcReduction="20000"/>
           </a:bodyPr>
           <a:lstStyle/>
           <a:p>
             <a:r>
-              <a:rPr lang="en-IN" sz="1200" dirty="0"/>
-              <a:t>When compiled, the following warning is produced by the definition of the </a:t>
-            </a:r>
-            <a:r>
-              <a:rPr lang="en-IN" sz="1200" dirty="0" err="1"/>
+              <a:rPr lang="en-GB" dirty="0"/>
+              <a:t>Generic methods that include </a:t>
+            </a:r>
+            <a:r>
+              <a:rPr lang="en-GB" dirty="0" err="1"/>
+              <a:t>vararg</a:t>
+            </a:r>
+            <a:r>
+              <a:rPr lang="en-GB" dirty="0"/>
+              <a:t> input parameters can cause heap </a:t>
+            </a:r>
+            <a:r>
+              <a:rPr lang="en-GB" dirty="0" err="1"/>
+              <a:t>pollution.Consider</a:t>
+            </a:r>
+            <a:r>
+              <a:rPr lang="en-GB" dirty="0"/>
+              <a:t> the following </a:t>
+            </a:r>
+            <a:r>
+              <a:rPr lang="en-GB" dirty="0" err="1"/>
+              <a:t>ArrayBuilder</a:t>
+            </a:r>
+            <a:r>
+              <a:rPr lang="en-GB" dirty="0"/>
+              <a:t> class:</a:t>
+            </a:r>
+          </a:p>
+          <a:p>
+            <a:pPr lvl="1"/>
+            <a:r>
+              <a:rPr lang="en-GB" dirty="0"/>
+              <a:t>public class </a:t>
+            </a:r>
+            <a:r>
+              <a:rPr lang="en-GB" dirty="0" err="1"/>
+              <a:t>ArrayBuilder</a:t>
+            </a:r>
+            <a:r>
+              <a:rPr lang="en-GB" dirty="0"/>
+              <a:t> {</a:t>
+            </a:r>
+          </a:p>
+          <a:p>
+            <a:pPr marL="857250" lvl="2" indent="0">
+              <a:buNone/>
+            </a:pPr>
+            <a:r>
+              <a:rPr lang="en-GB" dirty="0"/>
+              <a:t>  public static &lt;T&gt; void </a:t>
+            </a:r>
+            <a:r>
+              <a:rPr lang="en-GB" dirty="0" err="1"/>
+              <a:t>addToList</a:t>
+            </a:r>
+            <a:r>
+              <a:rPr lang="en-GB" dirty="0"/>
+              <a:t> (List&lt;T&gt; </a:t>
+            </a:r>
+            <a:r>
+              <a:rPr lang="en-GB" dirty="0" err="1"/>
+              <a:t>listArg</a:t>
+            </a:r>
+            <a:r>
+              <a:rPr lang="en-GB" dirty="0"/>
+              <a:t>, T... elements) {</a:t>
+            </a:r>
+          </a:p>
+          <a:p>
+            <a:pPr marL="857250" lvl="2" indent="0">
+              <a:buNone/>
+            </a:pPr>
+            <a:r>
+              <a:rPr lang="en-GB" dirty="0"/>
+              <a:t>    for (T x : elements) {</a:t>
+            </a:r>
+          </a:p>
+          <a:p>
+            <a:pPr marL="857250" lvl="2" indent="0">
+              <a:buNone/>
+            </a:pPr>
+            <a:r>
+              <a:rPr lang="en-GB" dirty="0"/>
+              <a:t>      </a:t>
+            </a:r>
+            <a:r>
+              <a:rPr lang="en-GB" dirty="0" err="1"/>
+              <a:t>listArg.add</a:t>
+            </a:r>
+            <a:r>
+              <a:rPr lang="en-GB" dirty="0"/>
+              <a:t>(x);    }   }</a:t>
+            </a:r>
+          </a:p>
+          <a:p>
+            <a:pPr marL="857250" lvl="2" indent="0">
+              <a:buNone/>
+            </a:pPr>
+            <a:r>
+              <a:rPr lang="en-GB" dirty="0"/>
+              <a:t>  public static void </a:t>
+            </a:r>
+            <a:r>
+              <a:rPr lang="en-GB" dirty="0" err="1"/>
+              <a:t>faultyMethod</a:t>
+            </a:r>
+            <a:r>
+              <a:rPr lang="en-GB" dirty="0"/>
+              <a:t>(List&lt;String&gt;... l) {</a:t>
+            </a:r>
+          </a:p>
+          <a:p>
+            <a:pPr marL="857250" lvl="2" indent="0">
+              <a:buNone/>
+            </a:pPr>
+            <a:r>
+              <a:rPr lang="en-GB" dirty="0"/>
+              <a:t>    Object[] </a:t>
+            </a:r>
+            <a:r>
+              <a:rPr lang="en-GB" dirty="0" err="1"/>
+              <a:t>objectArray</a:t>
+            </a:r>
+            <a:r>
+              <a:rPr lang="en-GB" dirty="0"/>
+              <a:t> = l;     // Valid</a:t>
+            </a:r>
+          </a:p>
+          <a:p>
+            <a:pPr marL="857250" lvl="2" indent="0">
+              <a:buNone/>
+            </a:pPr>
+            <a:r>
+              <a:rPr lang="en-GB" dirty="0"/>
+              <a:t>    </a:t>
+            </a:r>
+            <a:r>
+              <a:rPr lang="en-GB" dirty="0" err="1"/>
+              <a:t>objectArray</a:t>
+            </a:r>
+            <a:r>
+              <a:rPr lang="en-GB" dirty="0"/>
+              <a:t>[0] = </a:t>
+            </a:r>
+            <a:r>
+              <a:rPr lang="en-GB" dirty="0" err="1"/>
+              <a:t>Arrays.asList</a:t>
+            </a:r>
+            <a:r>
+              <a:rPr lang="en-GB" dirty="0"/>
+              <a:t>(42);</a:t>
+            </a:r>
+          </a:p>
+          <a:p>
+            <a:pPr marL="857250" lvl="2" indent="0">
+              <a:buNone/>
+            </a:pPr>
+            <a:r>
+              <a:rPr lang="en-GB" dirty="0"/>
+              <a:t>    String s = l[0].get(0);       // </a:t>
+            </a:r>
+            <a:r>
+              <a:rPr lang="en-GB" dirty="0" err="1"/>
+              <a:t>ClassCastException</a:t>
+            </a:r>
+            <a:r>
+              <a:rPr lang="en-GB" dirty="0"/>
+              <a:t> thrown here  } }</a:t>
+            </a:r>
+          </a:p>
+          <a:p>
+            <a:r>
+              <a:rPr lang="en-GB" dirty="0"/>
+              <a:t>The following example, </a:t>
+            </a:r>
+            <a:r>
+              <a:rPr lang="en-GB" dirty="0" err="1"/>
+              <a:t>HeapPollutionExample</a:t>
+            </a:r>
+            <a:r>
+              <a:rPr lang="en-GB" dirty="0"/>
+              <a:t> uses the </a:t>
+            </a:r>
+            <a:r>
+              <a:rPr lang="en-GB" dirty="0" err="1" smtClean="0"/>
+              <a:t>ArrayBuilder</a:t>
+            </a:r>
+            <a:r>
+              <a:rPr lang="en-GB" dirty="0" smtClean="0"/>
+              <a:t> </a:t>
+            </a:r>
+            <a:r>
+              <a:rPr lang="en-GB" dirty="0"/>
+              <a:t>class:</a:t>
+            </a:r>
+          </a:p>
+          <a:p>
+            <a:pPr lvl="1"/>
+            <a:r>
+              <a:rPr lang="en-GB" dirty="0"/>
+              <a:t>public class </a:t>
+            </a:r>
+            <a:r>
+              <a:rPr lang="en-GB" dirty="0" err="1"/>
+              <a:t>HeapPollutionExample</a:t>
+            </a:r>
+            <a:r>
+              <a:rPr lang="en-GB" dirty="0"/>
+              <a:t> {</a:t>
+            </a:r>
+          </a:p>
+          <a:p>
+            <a:pPr marL="857250" lvl="2" indent="0">
+              <a:buNone/>
+            </a:pPr>
+            <a:r>
+              <a:rPr lang="en-GB" dirty="0"/>
+              <a:t>  public static void main(String[] </a:t>
+            </a:r>
+            <a:r>
+              <a:rPr lang="en-GB" dirty="0" err="1"/>
+              <a:t>args</a:t>
+            </a:r>
+            <a:r>
+              <a:rPr lang="en-GB" dirty="0"/>
+              <a:t>) {</a:t>
+            </a:r>
+          </a:p>
+          <a:p>
+            <a:pPr marL="857250" lvl="2" indent="0">
+              <a:buNone/>
+            </a:pPr>
+            <a:r>
+              <a:rPr lang="en-GB" dirty="0"/>
+              <a:t>    List&lt;String&gt; </a:t>
+            </a:r>
+            <a:r>
+              <a:rPr lang="en-GB" dirty="0" err="1"/>
+              <a:t>stringListA</a:t>
+            </a:r>
+            <a:r>
+              <a:rPr lang="en-GB" dirty="0"/>
+              <a:t> = new </a:t>
+            </a:r>
+            <a:r>
+              <a:rPr lang="en-GB" dirty="0" err="1"/>
+              <a:t>ArrayList</a:t>
+            </a:r>
+            <a:r>
+              <a:rPr lang="en-GB" dirty="0"/>
+              <a:t>&lt;String&gt;();</a:t>
+            </a:r>
+          </a:p>
+          <a:p>
+            <a:pPr marL="857250" lvl="2" indent="0">
+              <a:buNone/>
+            </a:pPr>
+            <a:r>
+              <a:rPr lang="en-GB" dirty="0"/>
+              <a:t>    List&lt;String&gt; </a:t>
+            </a:r>
+            <a:r>
+              <a:rPr lang="en-GB" dirty="0" err="1"/>
+              <a:t>stringListB</a:t>
+            </a:r>
+            <a:r>
+              <a:rPr lang="en-GB" dirty="0"/>
+              <a:t> = new </a:t>
+            </a:r>
+            <a:r>
+              <a:rPr lang="en-GB" dirty="0" err="1"/>
+              <a:t>ArrayList</a:t>
+            </a:r>
+            <a:r>
+              <a:rPr lang="en-GB" dirty="0"/>
+              <a:t>&lt;String&gt;();</a:t>
+            </a:r>
+          </a:p>
+          <a:p>
+            <a:pPr marL="857250" lvl="2" indent="0">
+              <a:buNone/>
+            </a:pPr>
+            <a:r>
+              <a:rPr lang="en-GB" dirty="0"/>
+              <a:t>    </a:t>
+            </a:r>
+            <a:r>
+              <a:rPr lang="en-GB" dirty="0" err="1"/>
               <a:t>ArrayBuilder.addToList</a:t>
             </a:r>
             <a:r>
-              <a:rPr lang="en-IN" sz="1200" dirty="0"/>
-              <a:t> method:</a:t>
-            </a:r>
-          </a:p>
-          <a:p>
-            <a:r>
-              <a:rPr lang="en-IN" sz="1200" dirty="0"/>
-              <a:t>warning: [</a:t>
-            </a:r>
-            <a:r>
-              <a:rPr lang="en-IN" sz="1200" dirty="0" err="1"/>
-              <a:t>varargs</a:t>
-            </a:r>
-            <a:r>
-              <a:rPr lang="en-IN" sz="1200" dirty="0"/>
-              <a:t>] Possible heap pollution from parameterized </a:t>
-            </a:r>
-            <a:r>
-              <a:rPr lang="en-IN" sz="1200" dirty="0" err="1"/>
-              <a:t>vararg</a:t>
-            </a:r>
-            <a:r>
-              <a:rPr lang="en-IN" sz="1200" dirty="0"/>
-              <a:t> type T</a:t>
-            </a:r>
-          </a:p>
-          <a:p>
-            <a:r>
-              <a:rPr lang="en-IN" sz="1200" dirty="0"/>
-              <a:t>When the compiler encounters a </a:t>
-            </a:r>
-            <a:r>
-              <a:rPr lang="en-IN" sz="1200" dirty="0" err="1"/>
-              <a:t>varargs</a:t>
-            </a:r>
-            <a:r>
-              <a:rPr lang="en-IN" sz="1200" dirty="0"/>
-              <a:t> method, it translates the </a:t>
-            </a:r>
-            <a:r>
-              <a:rPr lang="en-IN" sz="1200" dirty="0" err="1"/>
-              <a:t>varargs</a:t>
-            </a:r>
-            <a:r>
-              <a:rPr lang="en-IN" sz="1200" dirty="0"/>
-              <a:t> formal parameter into an array. However, the Java programming language does not permit the creation of arrays of parameterized types. In the method </a:t>
-            </a:r>
-            <a:r>
-              <a:rPr lang="en-IN" sz="1200" dirty="0" err="1"/>
+              <a:rPr lang="en-GB" dirty="0"/>
+              <a:t>(</a:t>
+            </a:r>
+            <a:r>
+              <a:rPr lang="en-GB" dirty="0" err="1"/>
+              <a:t>stringListA</a:t>
+            </a:r>
+            <a:r>
+              <a:rPr lang="en-GB" dirty="0"/>
+              <a:t>, "Seven", "Eight", "Nine");</a:t>
+            </a:r>
+          </a:p>
+          <a:p>
+            <a:pPr marL="857250" lvl="2" indent="0">
+              <a:buNone/>
+            </a:pPr>
+            <a:r>
+              <a:rPr lang="en-GB" dirty="0"/>
+              <a:t>    </a:t>
+            </a:r>
+            <a:r>
+              <a:rPr lang="en-GB" dirty="0" err="1"/>
               <a:t>ArrayBuilder.addToList</a:t>
             </a:r>
             <a:r>
-              <a:rPr lang="en-IN" sz="1200" dirty="0"/>
-              <a:t>, the compiler translates the </a:t>
-            </a:r>
-            <a:r>
-              <a:rPr lang="en-IN" sz="1200" dirty="0" err="1"/>
-              <a:t>varargs</a:t>
-            </a:r>
-            <a:r>
-              <a:rPr lang="en-IN" sz="1200" dirty="0"/>
-              <a:t> formal parameter T... elements to the formal parameter T[] elements, an array. However, because of type erasure, the compiler converts the </a:t>
-            </a:r>
-            <a:r>
-              <a:rPr lang="en-IN" sz="1200" dirty="0" err="1"/>
-              <a:t>varargs</a:t>
-            </a:r>
-            <a:r>
-              <a:rPr lang="en-IN" sz="1200" dirty="0"/>
-              <a:t> formal parameter to Object[] elements. Consequently, there is a possibility of heap pollution.</a:t>
-            </a:r>
-          </a:p>
-          <a:p>
-            <a:r>
-              <a:rPr lang="en-IN" sz="1200" dirty="0"/>
-              <a:t>The following statement assigns the </a:t>
-            </a:r>
-            <a:r>
-              <a:rPr lang="en-IN" sz="1200" dirty="0" err="1"/>
-              <a:t>varargs</a:t>
-            </a:r>
-            <a:r>
-              <a:rPr lang="en-IN" sz="1200" dirty="0"/>
-              <a:t> formal parameter l to the Object array </a:t>
-            </a:r>
-            <a:r>
-              <a:rPr lang="en-IN" sz="1200" dirty="0" err="1"/>
-              <a:t>objectArgs</a:t>
-            </a:r>
-            <a:r>
-              <a:rPr lang="en-IN" sz="1200" dirty="0"/>
-              <a:t>:</a:t>
-            </a:r>
-          </a:p>
-          <a:p>
-            <a:r>
-              <a:rPr lang="en-IN" sz="1200" dirty="0"/>
-              <a:t>Object[] </a:t>
-            </a:r>
-            <a:r>
-              <a:rPr lang="en-IN" sz="1200" dirty="0" err="1"/>
-              <a:t>objectArray</a:t>
-            </a:r>
-            <a:r>
-              <a:rPr lang="en-IN" sz="1200" dirty="0"/>
-              <a:t> = l;</a:t>
-            </a:r>
-          </a:p>
-          <a:p>
-            <a:r>
-              <a:rPr lang="en-IN" sz="1200" dirty="0"/>
-              <a:t>This statement can potentially introduce heap pollution. A value that does match the parameterized type of the </a:t>
-            </a:r>
-            <a:r>
-              <a:rPr lang="en-IN" sz="1200" dirty="0" err="1"/>
-              <a:t>varargs</a:t>
-            </a:r>
-            <a:r>
-              <a:rPr lang="en-IN" sz="1200" dirty="0"/>
-              <a:t> formal parameter l can be assigned to the variable </a:t>
-            </a:r>
-            <a:r>
-              <a:rPr lang="en-IN" sz="1200" dirty="0" err="1"/>
-              <a:t>objectArray</a:t>
-            </a:r>
-            <a:r>
-              <a:rPr lang="en-IN" sz="1200" dirty="0"/>
-              <a:t>, and thus can be assigned to l. However, the compiler does not generate an unchecked warning at this statement. The compiler has already generated a warning when it translated the </a:t>
-            </a:r>
-            <a:r>
-              <a:rPr lang="en-IN" sz="1200" dirty="0" err="1"/>
-              <a:t>varargs</a:t>
-            </a:r>
-            <a:r>
-              <a:rPr lang="en-IN" sz="1200" dirty="0"/>
-              <a:t> formal parameter List&lt;String&gt;... l to the formal parameter List[] l. This statement is valid; the variable l has the type List[], which is a subtype of Object[].</a:t>
-            </a:r>
-          </a:p>
-          <a:p>
-            <a:r>
-              <a:rPr lang="en-IN" sz="1200" dirty="0"/>
-              <a:t>Consequently, the compiler does not issue a warning or error if you assign a List object of any type to any array component of the </a:t>
-            </a:r>
-            <a:r>
-              <a:rPr lang="en-IN" sz="1200" dirty="0" err="1"/>
-              <a:t>objectArray</a:t>
-            </a:r>
-            <a:r>
-              <a:rPr lang="en-IN" sz="1200" dirty="0"/>
-              <a:t> array as shown by this statement:</a:t>
-            </a:r>
-          </a:p>
-          <a:p>
-            <a:r>
-              <a:rPr lang="en-IN" sz="1200" dirty="0" err="1"/>
-              <a:t>objectArray</a:t>
-            </a:r>
-            <a:r>
-              <a:rPr lang="en-IN" sz="1200" dirty="0"/>
-              <a:t>[0] = </a:t>
-            </a:r>
-            <a:r>
-              <a:rPr lang="en-IN" sz="1200" dirty="0" err="1"/>
+              <a:rPr lang="en-GB" dirty="0"/>
+              <a:t>(</a:t>
+            </a:r>
+            <a:r>
+              <a:rPr lang="en-GB" dirty="0" err="1"/>
+              <a:t>stringListB</a:t>
+            </a:r>
+            <a:r>
+              <a:rPr lang="en-GB" dirty="0"/>
+              <a:t>, "Ten", "Eleven", "Twelve");</a:t>
+            </a:r>
+          </a:p>
+          <a:p>
+            <a:pPr marL="857250" lvl="2" indent="0">
+              <a:buNone/>
+            </a:pPr>
+            <a:r>
+              <a:rPr lang="en-GB" dirty="0"/>
+              <a:t>    List&lt;List&lt;String&gt;&gt; </a:t>
+            </a:r>
+            <a:r>
+              <a:rPr lang="en-GB" dirty="0" err="1"/>
+              <a:t>listOfStringLists</a:t>
+            </a:r>
+            <a:r>
+              <a:rPr lang="en-GB" dirty="0"/>
+              <a:t> =</a:t>
+            </a:r>
+          </a:p>
+          <a:p>
+            <a:pPr marL="857250" lvl="2" indent="0">
+              <a:buNone/>
+            </a:pPr>
+            <a:r>
+              <a:rPr lang="en-GB" dirty="0"/>
+              <a:t>      new </a:t>
+            </a:r>
+            <a:r>
+              <a:rPr lang="en-GB" dirty="0" err="1"/>
+              <a:t>ArrayList</a:t>
+            </a:r>
+            <a:r>
+              <a:rPr lang="en-GB" dirty="0"/>
+              <a:t>&lt;List&lt;String&gt;&gt;();</a:t>
+            </a:r>
+          </a:p>
+          <a:p>
+            <a:pPr marL="857250" lvl="2" indent="0">
+              <a:buNone/>
+            </a:pPr>
+            <a:r>
+              <a:rPr lang="en-GB" dirty="0"/>
+              <a:t>    </a:t>
+            </a:r>
+            <a:r>
+              <a:rPr lang="en-GB" dirty="0" err="1"/>
+              <a:t>ArrayBuilder.addToList</a:t>
+            </a:r>
+            <a:r>
+              <a:rPr lang="en-GB" dirty="0"/>
+              <a:t>(</a:t>
+            </a:r>
+            <a:r>
+              <a:rPr lang="en-GB" dirty="0" err="1"/>
+              <a:t>listOfStringLists</a:t>
+            </a:r>
+            <a:r>
+              <a:rPr lang="en-GB" dirty="0"/>
+              <a:t>,</a:t>
+            </a:r>
+          </a:p>
+          <a:p>
+            <a:pPr marL="857250" lvl="2" indent="0">
+              <a:buNone/>
+            </a:pPr>
+            <a:r>
+              <a:rPr lang="en-GB" dirty="0"/>
+              <a:t>      </a:t>
+            </a:r>
+            <a:r>
+              <a:rPr lang="en-GB" dirty="0" err="1"/>
+              <a:t>stringListA</a:t>
+            </a:r>
+            <a:r>
+              <a:rPr lang="en-GB" dirty="0"/>
+              <a:t>, </a:t>
+            </a:r>
+            <a:r>
+              <a:rPr lang="en-GB" dirty="0" err="1"/>
+              <a:t>stringListB</a:t>
+            </a:r>
+            <a:r>
+              <a:rPr lang="en-GB" dirty="0"/>
+              <a:t>);</a:t>
+            </a:r>
+          </a:p>
+          <a:p>
+            <a:pPr marL="857250" lvl="2" indent="0">
+              <a:buNone/>
+            </a:pPr>
+            <a:r>
+              <a:rPr lang="en-GB" dirty="0"/>
+              <a:t>    </a:t>
+            </a:r>
+            <a:r>
+              <a:rPr lang="en-GB" dirty="0" err="1"/>
+              <a:t>ArrayBuilder.faultyMethod</a:t>
+            </a:r>
+            <a:r>
+              <a:rPr lang="en-GB" dirty="0"/>
+              <a:t>(</a:t>
+            </a:r>
+            <a:r>
+              <a:rPr lang="en-GB" dirty="0" err="1"/>
               <a:t>Arrays.asList</a:t>
             </a:r>
             <a:r>
-              <a:rPr lang="en-IN" sz="1200" dirty="0"/>
-              <a:t>(42);</a:t>
-            </a:r>
-          </a:p>
-          <a:p>
-            <a:r>
-              <a:rPr lang="en-IN" sz="1200" dirty="0"/>
-              <a:t>This statement assigns to the first array component of the </a:t>
-            </a:r>
-            <a:r>
-              <a:rPr lang="en-IN" sz="1200" dirty="0" err="1"/>
-              <a:t>objectArray</a:t>
-            </a:r>
-            <a:r>
-              <a:rPr lang="en-IN" sz="1200" dirty="0"/>
-              <a:t> array with a List object that contains one object of type Integer.</a:t>
-            </a:r>
-          </a:p>
-          <a:p>
-            <a:r>
-              <a:rPr lang="en-IN" sz="1200" dirty="0"/>
-              <a:t>Suppose you invoke </a:t>
-            </a:r>
-            <a:r>
-              <a:rPr lang="en-IN" sz="1200" dirty="0" err="1"/>
-              <a:t>ArrayBuilder.faultyMethod</a:t>
-            </a:r>
-            <a:r>
-              <a:rPr lang="en-IN" sz="1200" dirty="0"/>
-              <a:t> with the following statement:</a:t>
-            </a:r>
-          </a:p>
-          <a:p>
-            <a:r>
-              <a:rPr lang="en-IN" sz="1200" dirty="0" err="1"/>
-              <a:t>ArrayBuilder.faultyMethod</a:t>
-            </a:r>
-            <a:r>
-              <a:rPr lang="en-IN" sz="1200" dirty="0"/>
-              <a:t>(</a:t>
-            </a:r>
-            <a:r>
-              <a:rPr lang="en-IN" sz="1200" dirty="0" err="1"/>
+              <a:rPr lang="en-GB" dirty="0"/>
+              <a:t>("Hello!"), </a:t>
+            </a:r>
+            <a:r>
+              <a:rPr lang="en-GB" dirty="0" err="1"/>
               <a:t>Arrays.asList</a:t>
             </a:r>
             <a:r>
-              <a:rPr lang="en-IN" sz="1200" dirty="0"/>
-              <a:t>("Hello!"), </a:t>
-            </a:r>
-            <a:r>
-              <a:rPr lang="en-IN" sz="1200" dirty="0" err="1"/>
-              <a:t>Arrays.asList</a:t>
-            </a:r>
-            <a:r>
-              <a:rPr lang="en-IN" sz="1200" dirty="0"/>
+              <a:rPr lang="en-GB" dirty="0"/>
               <a:t>("World!"));</a:t>
             </a:r>
           </a:p>
           <a:p>
-            <a:r>
-              <a:rPr lang="en-IN" sz="1200" dirty="0"/>
-              <a:t>At runtime, the JVM throws a </a:t>
-            </a:r>
-            <a:r>
-              <a:rPr lang="en-IN" sz="1200" dirty="0" err="1"/>
-              <a:t>ClassCastException</a:t>
-            </a:r>
-            <a:r>
-              <a:rPr lang="en-IN" sz="1200" dirty="0"/>
-              <a:t> at the following statement:</a:t>
-            </a:r>
-          </a:p>
-          <a:p>
-            <a:r>
-              <a:rPr lang="en-IN" sz="1200" dirty="0"/>
-              <a:t>// </a:t>
-            </a:r>
-            <a:r>
-              <a:rPr lang="en-IN" sz="1200" dirty="0" err="1"/>
-              <a:t>ClassCastException</a:t>
-            </a:r>
-            <a:r>
-              <a:rPr lang="en-IN" sz="1200" dirty="0"/>
-              <a:t> thrown here</a:t>
-            </a:r>
-          </a:p>
-          <a:p>
-            <a:r>
-              <a:rPr lang="en-IN" sz="1200" dirty="0"/>
-              <a:t>String s = l[0].get(0);</a:t>
-            </a:r>
-          </a:p>
-          <a:p>
-            <a:r>
-              <a:rPr lang="en-IN" sz="1200" dirty="0"/>
-              <a:t>The object stored in the first array component of the variable l has the type List&lt;Integer&gt;, but this statement is expecting an object of type List&lt;String&gt;.</a:t>
-            </a:r>
-            <a:endParaRPr lang="en-GB" sz="1200" dirty="0"/>
+            <a:pPr marL="857250" lvl="2" indent="0">
+              <a:buNone/>
+            </a:pPr>
+            <a:r>
+              <a:rPr lang="en-GB" dirty="0"/>
+              <a:t>  }</a:t>
+            </a:r>
+          </a:p>
+          <a:p>
+            <a:pPr marL="857250" lvl="2" indent="0">
+              <a:buNone/>
+            </a:pPr>
+            <a:r>
+              <a:rPr lang="en-GB" dirty="0"/>
+              <a:t>}</a:t>
+            </a:r>
           </a:p>
         </p:txBody>
       </p:sp>
     </p:spTree>
     <p:extLst>
       <p:ext uri="{BB962C8B-B14F-4D97-AF65-F5344CB8AC3E}">
-        <p14:creationId xmlns:p14="http://schemas.microsoft.com/office/powerpoint/2010/main" val="3531218097"/>
+        <p14:creationId xmlns:p14="http://schemas.microsoft.com/office/powerpoint/2010/main" val="4255131909"/>
       </p:ext>
     </p:extLst>
   </p:cSld>
@@ -26112,8 +25913,8 @@
         </p:nvSpPr>
         <p:spPr>
           <a:xfrm>
-            <a:off x="154405" y="124915"/>
-            <a:ext cx="9404723" cy="332286"/>
+            <a:off x="223416" y="90408"/>
+            <a:ext cx="9404723" cy="289154"/>
           </a:xfrm>
         </p:spPr>
         <p:txBody>
@@ -26122,7 +25923,7 @@
           <a:p>
             <a:r>
               <a:rPr lang="en-IN" sz="1400" b="1" u="sng" dirty="0"/>
-              <a:t>Prevent Warnings from </a:t>
+              <a:t>Potential Vulnerabilities of </a:t>
             </a:r>
             <a:r>
               <a:rPr lang="en-IN" sz="1400" b="1" u="sng" dirty="0" err="1"/>
@@ -26147,6 +25948,13 @@
             <a:br>
               <a:rPr lang="en-IN" sz="1400" b="1" dirty="0"/>
             </a:br>
+            <a:r>
+              <a:rPr lang="en-GB" sz="1400" b="1" dirty="0"/>
+              <a:t/>
+            </a:r>
+            <a:br>
+              <a:rPr lang="en-GB" sz="1400" b="1" dirty="0"/>
+            </a:br>
             <a:endParaRPr lang="en-GB" sz="1400" dirty="0"/>
           </a:p>
         </p:txBody>
@@ -26163,136 +25971,312 @@
         </p:nvSpPr>
         <p:spPr>
           <a:xfrm>
-            <a:off x="293298" y="629728"/>
-            <a:ext cx="11283351" cy="5618671"/>
+            <a:off x="345058" y="517585"/>
+            <a:ext cx="10584610" cy="5986731"/>
           </a:xfrm>
         </p:spPr>
         <p:txBody>
           <a:bodyPr>
-            <a:normAutofit fontScale="92500" lnSpcReduction="10000"/>
+            <a:noAutofit/>
           </a:bodyPr>
           <a:lstStyle/>
           <a:p>
             <a:r>
-              <a:rPr lang="en-IN" dirty="0"/>
-              <a:t>If you declare a </a:t>
-            </a:r>
-            <a:r>
-              <a:rPr lang="en-IN" dirty="0" err="1"/>
+              <a:rPr lang="en-IN" sz="1200" dirty="0"/>
+              <a:t>When compiled, the following warning is produced by the definition of the </a:t>
+            </a:r>
+            <a:r>
+              <a:rPr lang="en-IN" sz="1200" dirty="0" err="1"/>
+              <a:t>ArrayBuilder.addToList</a:t>
+            </a:r>
+            <a:r>
+              <a:rPr lang="en-IN" sz="1200" dirty="0"/>
+              <a:t> method:</a:t>
+            </a:r>
+          </a:p>
+          <a:p>
+            <a:r>
+              <a:rPr lang="en-IN" sz="1200" dirty="0"/>
+              <a:t>warning: [</a:t>
+            </a:r>
+            <a:r>
+              <a:rPr lang="en-IN" sz="1200" dirty="0" err="1"/>
               <a:t>varargs</a:t>
             </a:r>
             <a:r>
-              <a:rPr lang="en-IN" dirty="0"/>
-              <a:t> method that has parameters of a parameterized type, and you ensure that the body of the method does not throw a </a:t>
-            </a:r>
-            <a:r>
-              <a:rPr lang="en-IN" dirty="0" err="1"/>
+              <a:rPr lang="en-IN" sz="1200" dirty="0"/>
+              <a:t>] Possible heap pollution from parameterized </a:t>
+            </a:r>
+            <a:r>
+              <a:rPr lang="en-IN" sz="1200" dirty="0" err="1"/>
+              <a:t>vararg</a:t>
+            </a:r>
+            <a:r>
+              <a:rPr lang="en-IN" sz="1200" dirty="0"/>
+              <a:t> type T</a:t>
+            </a:r>
+          </a:p>
+          <a:p>
+            <a:r>
+              <a:rPr lang="en-IN" sz="1200" dirty="0"/>
+              <a:t>When the compiler encounters a </a:t>
+            </a:r>
+            <a:r>
+              <a:rPr lang="en-IN" sz="1200" dirty="0" err="1"/>
+              <a:t>varargs</a:t>
+            </a:r>
+            <a:r>
+              <a:rPr lang="en-IN" sz="1200" dirty="0"/>
+              <a:t> method, it translates the </a:t>
+            </a:r>
+            <a:r>
+              <a:rPr lang="en-IN" sz="1200" dirty="0" err="1"/>
+              <a:t>varargs</a:t>
+            </a:r>
+            <a:r>
+              <a:rPr lang="en-IN" sz="1200" dirty="0"/>
+              <a:t> formal parameter into an array. However, the Java programming language does not permit the creation of arrays of parameterized types. In the method </a:t>
+            </a:r>
+            <a:r>
+              <a:rPr lang="en-IN" sz="1200" dirty="0" err="1"/>
+              <a:t>ArrayBuilder.addToList</a:t>
+            </a:r>
+            <a:r>
+              <a:rPr lang="en-IN" sz="1200" dirty="0"/>
+              <a:t>, the compiler translates the </a:t>
+            </a:r>
+            <a:r>
+              <a:rPr lang="en-IN" sz="1200" dirty="0" err="1"/>
+              <a:t>varargs</a:t>
+            </a:r>
+            <a:r>
+              <a:rPr lang="en-IN" sz="1200" dirty="0"/>
+              <a:t> formal parameter T... elements to the formal parameter T[] elements, an array. However, because of type erasure, the compiler converts the </a:t>
+            </a:r>
+            <a:r>
+              <a:rPr lang="en-IN" sz="1200" dirty="0" err="1"/>
+              <a:t>varargs</a:t>
+            </a:r>
+            <a:r>
+              <a:rPr lang="en-IN" sz="1200" dirty="0"/>
+              <a:t> formal parameter to Object[] elements. Consequently, there is a possibility of heap pollution.</a:t>
+            </a:r>
+          </a:p>
+          <a:p>
+            <a:r>
+              <a:rPr lang="en-IN" sz="1200" dirty="0"/>
+              <a:t>The following statement assigns the </a:t>
+            </a:r>
+            <a:r>
+              <a:rPr lang="en-IN" sz="1200" dirty="0" err="1"/>
+              <a:t>varargs</a:t>
+            </a:r>
+            <a:r>
+              <a:rPr lang="en-IN" sz="1200" dirty="0"/>
+              <a:t> formal parameter l to the Object array </a:t>
+            </a:r>
+            <a:r>
+              <a:rPr lang="en-IN" sz="1200" dirty="0" err="1"/>
+              <a:t>objectArgs</a:t>
+            </a:r>
+            <a:r>
+              <a:rPr lang="en-IN" sz="1200" dirty="0"/>
+              <a:t>:</a:t>
+            </a:r>
+          </a:p>
+          <a:p>
+            <a:r>
+              <a:rPr lang="en-IN" sz="1200" dirty="0"/>
+              <a:t>Object[] </a:t>
+            </a:r>
+            <a:r>
+              <a:rPr lang="en-IN" sz="1200" dirty="0" err="1"/>
+              <a:t>objectArray</a:t>
+            </a:r>
+            <a:r>
+              <a:rPr lang="en-IN" sz="1200" dirty="0"/>
+              <a:t> = l;</a:t>
+            </a:r>
+          </a:p>
+          <a:p>
+            <a:r>
+              <a:rPr lang="en-IN" sz="1200" dirty="0"/>
+              <a:t>This statement can potentially introduce heap pollution. A value that does match the parameterized type of the </a:t>
+            </a:r>
+            <a:r>
+              <a:rPr lang="en-IN" sz="1200" dirty="0" err="1"/>
+              <a:t>varargs</a:t>
+            </a:r>
+            <a:r>
+              <a:rPr lang="en-IN" sz="1200" dirty="0"/>
+              <a:t> formal parameter l can be assigned to the variable </a:t>
+            </a:r>
+            <a:r>
+              <a:rPr lang="en-IN" sz="1200" dirty="0" err="1"/>
+              <a:t>objectArray</a:t>
+            </a:r>
+            <a:r>
+              <a:rPr lang="en-IN" sz="1200" dirty="0"/>
+              <a:t>, and thus can be assigned to l. However, the compiler does not generate an unchecked warning at this statement. The compiler has already generated a warning when it translated the </a:t>
+            </a:r>
+            <a:r>
+              <a:rPr lang="en-IN" sz="1200" dirty="0" err="1"/>
+              <a:t>varargs</a:t>
+            </a:r>
+            <a:r>
+              <a:rPr lang="en-IN" sz="1200" dirty="0"/>
+              <a:t> formal parameter List&lt;String&gt;... l to the formal parameter List[] l. This statement is valid; the variable l has the type List[], which is a subtype of Object[].</a:t>
+            </a:r>
+          </a:p>
+          <a:p>
+            <a:r>
+              <a:rPr lang="en-IN" sz="1200" dirty="0"/>
+              <a:t>Consequently, the compiler does not issue a warning or error if you assign a List object of any type to any array </a:t>
+            </a:r>
+            <a:r>
+              <a:rPr lang="en-IN" sz="1200" dirty="0" smtClean="0"/>
+              <a:t>position </a:t>
+            </a:r>
+            <a:r>
+              <a:rPr lang="en-IN" sz="1200" dirty="0"/>
+              <a:t>of the </a:t>
+            </a:r>
+            <a:r>
+              <a:rPr lang="en-IN" sz="1200" dirty="0" err="1"/>
+              <a:t>objectArray</a:t>
+            </a:r>
+            <a:r>
+              <a:rPr lang="en-IN" sz="1200" dirty="0"/>
+              <a:t> array as shown by this statement:</a:t>
+            </a:r>
+          </a:p>
+          <a:p>
+            <a:r>
+              <a:rPr lang="en-IN" sz="1200" dirty="0" err="1"/>
+              <a:t>objectArray</a:t>
+            </a:r>
+            <a:r>
+              <a:rPr lang="en-IN" sz="1200" dirty="0"/>
+              <a:t>[0] = </a:t>
+            </a:r>
+            <a:r>
+              <a:rPr lang="en-IN" sz="1200" dirty="0" err="1"/>
+              <a:t>Arrays.asList</a:t>
+            </a:r>
+            <a:r>
+              <a:rPr lang="en-IN" sz="1200" dirty="0"/>
+              <a:t>(42);</a:t>
+            </a:r>
+          </a:p>
+          <a:p>
+            <a:r>
+              <a:rPr lang="en-IN" sz="1200" dirty="0"/>
+              <a:t>This statement assigns to the first array </a:t>
+            </a:r>
+            <a:r>
+              <a:rPr lang="en-IN" sz="1200" dirty="0"/>
+              <a:t>position </a:t>
+            </a:r>
+            <a:r>
+              <a:rPr lang="en-IN" sz="1200" dirty="0"/>
+              <a:t>of the </a:t>
+            </a:r>
+            <a:r>
+              <a:rPr lang="en-IN" sz="1200" dirty="0" err="1"/>
+              <a:t>objectArray</a:t>
+            </a:r>
+            <a:r>
+              <a:rPr lang="en-IN" sz="1200" dirty="0"/>
+              <a:t> array with a List object that contains one object of type Integer.</a:t>
+            </a:r>
+          </a:p>
+          <a:p>
+            <a:r>
+              <a:rPr lang="en-IN" sz="1200" dirty="0"/>
+              <a:t>Suppose you invoke </a:t>
+            </a:r>
+            <a:r>
+              <a:rPr lang="en-IN" sz="1200" dirty="0" err="1"/>
+              <a:t>ArrayBuilder.faultyMethod</a:t>
+            </a:r>
+            <a:r>
+              <a:rPr lang="en-IN" sz="1200" dirty="0"/>
+              <a:t> with the following statement:</a:t>
+            </a:r>
+          </a:p>
+          <a:p>
+            <a:r>
+              <a:rPr lang="en-IN" sz="1200" dirty="0" err="1"/>
+              <a:t>ArrayBuilder.faultyMethod</a:t>
+            </a:r>
+            <a:r>
+              <a:rPr lang="en-IN" sz="1200" dirty="0"/>
+              <a:t>(</a:t>
+            </a:r>
+            <a:r>
+              <a:rPr lang="en-IN" sz="1200" dirty="0" err="1"/>
+              <a:t>Arrays.asList</a:t>
+            </a:r>
+            <a:r>
+              <a:rPr lang="en-IN" sz="1200" dirty="0"/>
+              <a:t>("Hello!"), </a:t>
+            </a:r>
+            <a:r>
+              <a:rPr lang="en-IN" sz="1200" dirty="0" err="1"/>
+              <a:t>Arrays.asList</a:t>
+            </a:r>
+            <a:r>
+              <a:rPr lang="en-IN" sz="1200" dirty="0"/>
+              <a:t>("World!"));</a:t>
+            </a:r>
+          </a:p>
+          <a:p>
+            <a:r>
+              <a:rPr lang="en-IN" sz="1200" dirty="0"/>
+              <a:t>At runtime, the JVM throws a </a:t>
+            </a:r>
+            <a:r>
+              <a:rPr lang="en-IN" sz="1200" dirty="0" err="1"/>
               <a:t>ClassCastException</a:t>
             </a:r>
             <a:r>
-              <a:rPr lang="en-IN" dirty="0"/>
-              <a:t> or other similar exception due to improper handling of the </a:t>
-            </a:r>
-            <a:r>
-              <a:rPr lang="en-IN" dirty="0" err="1"/>
-              <a:t>varargs</a:t>
-            </a:r>
-            <a:r>
-              <a:rPr lang="en-IN" dirty="0"/>
-              <a:t> formal parameter, you can prevent the warning that the compiler generates for these kinds of </a:t>
-            </a:r>
-            <a:r>
-              <a:rPr lang="en-IN" dirty="0" err="1"/>
-              <a:t>varargs</a:t>
-            </a:r>
-            <a:r>
-              <a:rPr lang="en-IN" dirty="0"/>
-              <a:t> methods by adding the following annotation to static and non-constructor method declarations:</a:t>
-            </a:r>
-          </a:p>
-          <a:p>
-            <a:endParaRPr lang="en-IN" dirty="0"/>
-          </a:p>
-          <a:p>
-            <a:r>
-              <a:rPr lang="en-IN" dirty="0"/>
-              <a:t>@</a:t>
-            </a:r>
-            <a:r>
-              <a:rPr lang="en-IN" dirty="0" err="1"/>
-              <a:t>SafeVarargs</a:t>
-            </a:r>
-            <a:endParaRPr lang="en-IN" dirty="0"/>
-          </a:p>
-          <a:p>
-            <a:r>
-              <a:rPr lang="en-IN" dirty="0"/>
-              <a:t>The @</a:t>
-            </a:r>
-            <a:r>
-              <a:rPr lang="en-IN" dirty="0" err="1"/>
-              <a:t>SafeVarargs</a:t>
-            </a:r>
-            <a:r>
-              <a:rPr lang="en-IN" dirty="0"/>
-              <a:t> annotation is a documented part of the method's contract; this annotation asserts that the implementation of the method will not improperly handle the </a:t>
-            </a:r>
-            <a:r>
-              <a:rPr lang="en-IN" dirty="0" err="1"/>
-              <a:t>varargs</a:t>
-            </a:r>
-            <a:r>
-              <a:rPr lang="en-IN" dirty="0"/>
-              <a:t> formal parameter.</a:t>
-            </a:r>
-          </a:p>
-          <a:p>
-            <a:endParaRPr lang="en-IN" dirty="0"/>
-          </a:p>
-          <a:p>
-            <a:r>
-              <a:rPr lang="en-IN" dirty="0"/>
-              <a:t>It is also possible, though less desirable, to suppress such warnings by adding the following to the method declaration:</a:t>
-            </a:r>
-          </a:p>
-          <a:p>
-            <a:endParaRPr lang="en-IN" dirty="0"/>
-          </a:p>
-          <a:p>
-            <a:r>
-              <a:rPr lang="en-IN" dirty="0"/>
-              <a:t>@</a:t>
-            </a:r>
-            <a:r>
-              <a:rPr lang="en-IN" dirty="0" err="1"/>
-              <a:t>SuppressWarnings</a:t>
-            </a:r>
-            <a:r>
-              <a:rPr lang="en-IN" dirty="0"/>
-              <a:t>({"unchecked", "</a:t>
-            </a:r>
-            <a:r>
-              <a:rPr lang="en-IN" dirty="0" err="1"/>
-              <a:t>varargs</a:t>
-            </a:r>
-            <a:r>
-              <a:rPr lang="en-IN" dirty="0"/>
-              <a:t>"})</a:t>
-            </a:r>
-          </a:p>
-          <a:p>
-            <a:r>
-              <a:rPr lang="en-IN" dirty="0"/>
-              <a:t>However, this approach does not suppress warnings generated from the method's call site.</a:t>
-            </a:r>
-            <a:endParaRPr lang="en-GB" dirty="0"/>
+              <a:rPr lang="en-IN" sz="1200" dirty="0"/>
+              <a:t> at the following statement:</a:t>
+            </a:r>
+          </a:p>
+          <a:p>
+            <a:r>
+              <a:rPr lang="en-IN" sz="1200" dirty="0"/>
+              <a:t>// </a:t>
+            </a:r>
+            <a:r>
+              <a:rPr lang="en-IN" sz="1200" dirty="0" err="1"/>
+              <a:t>ClassCastException</a:t>
+            </a:r>
+            <a:r>
+              <a:rPr lang="en-IN" sz="1200" dirty="0"/>
+              <a:t> thrown here</a:t>
+            </a:r>
+          </a:p>
+          <a:p>
+            <a:r>
+              <a:rPr lang="en-IN" sz="1200" dirty="0"/>
+              <a:t>String s = l[0].get(0);</a:t>
+            </a:r>
+          </a:p>
+          <a:p>
+            <a:r>
+              <a:rPr lang="en-IN" sz="1200" dirty="0"/>
+              <a:t>The object stored in the first array component of the variable l has the type List&lt;Integer&gt;, but this statement is expecting an object of type List&lt;String&gt;.</a:t>
+            </a:r>
+            <a:endParaRPr lang="en-GB" sz="1200" dirty="0"/>
           </a:p>
         </p:txBody>
       </p:sp>
     </p:spTree>
     <p:extLst>
       <p:ext uri="{BB962C8B-B14F-4D97-AF65-F5344CB8AC3E}">
-        <p14:creationId xmlns:p14="http://schemas.microsoft.com/office/powerpoint/2010/main" val="2857161240"/>
+        <p14:creationId xmlns:p14="http://schemas.microsoft.com/office/powerpoint/2010/main" val="3531218097"/>
       </p:ext>
     </p:extLst>
   </p:cSld>
@@ -26331,8 +26315,8 @@
         </p:nvSpPr>
         <p:spPr>
           <a:xfrm>
-            <a:off x="352813" y="0"/>
-            <a:ext cx="9404723" cy="582452"/>
+            <a:off x="154405" y="124915"/>
+            <a:ext cx="9404723" cy="332286"/>
           </a:xfrm>
         </p:spPr>
         <p:txBody>
@@ -26340,13 +26324,33 @@
           <a:lstStyle/>
           <a:p>
             <a:r>
-              <a:rPr lang="en-GB" sz="2400" b="1" dirty="0"/>
-              <a:t>Restrictions on Generics</a:t>
+              <a:rPr lang="en-IN" sz="1400" b="1" u="sng" dirty="0"/>
+              <a:t>Prevent Warnings from </a:t>
+            </a:r>
+            <a:r>
+              <a:rPr lang="en-IN" sz="1400" b="1" u="sng" dirty="0" err="1"/>
+              <a:t>Varargs</a:t>
+            </a:r>
+            <a:r>
+              <a:rPr lang="en-IN" sz="1400" b="1" u="sng" dirty="0"/>
+              <a:t> Methods with Non-</a:t>
+            </a:r>
+            <a:r>
+              <a:rPr lang="en-IN" sz="1400" b="1" u="sng" dirty="0" err="1"/>
+              <a:t>Reifiable</a:t>
+            </a:r>
+            <a:r>
+              <a:rPr lang="en-IN" sz="1400" b="1" u="sng" dirty="0"/>
+              <a:t> Formal Parameters</a:t>
+            </a:r>
+            <a:r>
+              <a:rPr lang="en-IN" sz="1400" b="1" dirty="0"/>
+              <a:t/>
             </a:r>
             <a:br>
-              <a:rPr lang="en-GB" sz="2400" b="1" dirty="0"/>
+              <a:rPr lang="en-IN" sz="1400" b="1" dirty="0"/>
             </a:br>
-            <a:endParaRPr lang="en-GB" sz="2400" dirty="0"/>
+            <a:endParaRPr lang="en-GB" sz="1400" dirty="0"/>
           </a:p>
         </p:txBody>
       </p:sp>
@@ -26362,77 +26366,127 @@
         </p:nvSpPr>
         <p:spPr>
           <a:xfrm>
-            <a:off x="595224" y="776378"/>
-            <a:ext cx="9454630" cy="5472022"/>
+            <a:off x="293298" y="629728"/>
+            <a:ext cx="11283351" cy="5618671"/>
           </a:xfrm>
         </p:spPr>
         <p:txBody>
-          <a:bodyPr/>
+          <a:bodyPr>
+            <a:normAutofit fontScale="92500" lnSpcReduction="10000"/>
+          </a:bodyPr>
           <a:lstStyle/>
           <a:p>
             <a:r>
               <a:rPr lang="en-IN" dirty="0"/>
-              <a:t>To use Java generics effectively, you must consider the following restrictions:</a:t>
+              <a:t>If you declare a </a:t>
+            </a:r>
+            <a:r>
+              <a:rPr lang="en-IN" dirty="0" err="1"/>
+              <a:t>varargs</a:t>
+            </a:r>
+            <a:r>
+              <a:rPr lang="en-IN" dirty="0"/>
+              <a:t> method that has parameters of a parameterized type, and you ensure that the body of the method does not throw a </a:t>
+            </a:r>
+            <a:r>
+              <a:rPr lang="en-IN" dirty="0" err="1"/>
+              <a:t>ClassCastException</a:t>
+            </a:r>
+            <a:r>
+              <a:rPr lang="en-IN" dirty="0"/>
+              <a:t> or other similar exception due to improper handling of the </a:t>
+            </a:r>
+            <a:r>
+              <a:rPr lang="en-IN" dirty="0" err="1"/>
+              <a:t>varargs</a:t>
+            </a:r>
+            <a:r>
+              <a:rPr lang="en-IN" dirty="0"/>
+              <a:t> formal parameter, you can prevent the warning that the compiler generates for these kinds of </a:t>
+            </a:r>
+            <a:r>
+              <a:rPr lang="en-IN" dirty="0" err="1"/>
+              <a:t>varargs</a:t>
+            </a:r>
+            <a:r>
+              <a:rPr lang="en-IN" dirty="0"/>
+              <a:t> methods by adding the following annotation to static and non-constructor method declarations:</a:t>
             </a:r>
           </a:p>
           <a:p>
             <a:endParaRPr lang="en-IN" dirty="0"/>
           </a:p>
           <a:p>
-            <a:pPr lvl="1"/>
-            <a:r>
-              <a:rPr lang="en-IN" dirty="0"/>
-              <a:t>Cannot Instantiate Generic Types with Primitive Types</a:t>
-            </a:r>
-          </a:p>
-          <a:p>
-            <a:pPr lvl="1"/>
-            <a:r>
-              <a:rPr lang="en-IN" dirty="0"/>
-              <a:t>Cannot Create Instances of Type Parameters</a:t>
-            </a:r>
-          </a:p>
-          <a:p>
-            <a:pPr lvl="1"/>
-            <a:r>
-              <a:rPr lang="en-IN" dirty="0"/>
-              <a:t>Cannot Declare Static Fields Whose Types are Type Parameters</a:t>
-            </a:r>
-          </a:p>
-          <a:p>
-            <a:pPr lvl="1"/>
-            <a:r>
-              <a:rPr lang="en-IN" dirty="0"/>
-              <a:t>Cannot Use Casts or </a:t>
+            <a:r>
+              <a:rPr lang="en-IN" dirty="0"/>
+              <a:t>@</a:t>
             </a:r>
             <a:r>
               <a:rPr lang="en-IN" dirty="0" err="1"/>
-              <a:t>instanceof</a:t>
-            </a:r>
-            <a:r>
-              <a:rPr lang="en-IN" dirty="0"/>
-              <a:t> With Parameterized Types</a:t>
-            </a:r>
-          </a:p>
-          <a:p>
-            <a:pPr lvl="1"/>
-            <a:r>
-              <a:rPr lang="en-IN" dirty="0"/>
-              <a:t>Cannot Create Arrays of Parameterized Types</a:t>
-            </a:r>
-          </a:p>
-          <a:p>
-            <a:pPr lvl="1"/>
-            <a:r>
-              <a:rPr lang="en-IN" dirty="0"/>
-              <a:t>Cannot Create, Catch, or Throw Objects of Parameterized Types</a:t>
-            </a:r>
-          </a:p>
-          <a:p>
-            <a:pPr lvl="1"/>
-            <a:r>
-              <a:rPr lang="en-IN" dirty="0"/>
-              <a:t>Cannot Overload a Method Where the Formal Parameter Types of Each Overload Erase to the Same Raw Type</a:t>
+              <a:t>SafeVarargs</a:t>
+            </a:r>
+            <a:endParaRPr lang="en-IN" dirty="0"/>
+          </a:p>
+          <a:p>
+            <a:r>
+              <a:rPr lang="en-IN" dirty="0"/>
+              <a:t>The @</a:t>
+            </a:r>
+            <a:r>
+              <a:rPr lang="en-IN" dirty="0" err="1"/>
+              <a:t>SafeVarargs</a:t>
+            </a:r>
+            <a:r>
+              <a:rPr lang="en-IN" dirty="0"/>
+              <a:t> annotation is a documented part of the method's contract; this annotation asserts that the implementation of the method will not improperly handle the </a:t>
+            </a:r>
+            <a:r>
+              <a:rPr lang="en-IN" dirty="0" err="1"/>
+              <a:t>varargs</a:t>
+            </a:r>
+            <a:r>
+              <a:rPr lang="en-IN" dirty="0"/>
+              <a:t> formal parameter.</a:t>
+            </a:r>
+          </a:p>
+          <a:p>
+            <a:endParaRPr lang="en-IN" dirty="0"/>
+          </a:p>
+          <a:p>
+            <a:r>
+              <a:rPr lang="en-IN" dirty="0"/>
+              <a:t>It is also possible, though less desirable, to suppress such warnings by adding the following to the method declaration:</a:t>
+            </a:r>
+          </a:p>
+          <a:p>
+            <a:endParaRPr lang="en-IN" dirty="0"/>
+          </a:p>
+          <a:p>
+            <a:r>
+              <a:rPr lang="en-IN" dirty="0"/>
+              <a:t>@</a:t>
+            </a:r>
+            <a:r>
+              <a:rPr lang="en-IN" dirty="0" err="1"/>
+              <a:t>SuppressWarnings</a:t>
+            </a:r>
+            <a:r>
+              <a:rPr lang="en-IN" dirty="0"/>
+              <a:t>({"unchecked", "</a:t>
+            </a:r>
+            <a:r>
+              <a:rPr lang="en-IN" dirty="0" err="1"/>
+              <a:t>varargs</a:t>
+            </a:r>
+            <a:r>
+              <a:rPr lang="en-IN" dirty="0"/>
+              <a:t>"})</a:t>
+            </a:r>
+          </a:p>
+          <a:p>
+            <a:r>
+              <a:rPr lang="en-IN" dirty="0"/>
+              <a:t>However, this approach does not suppress warnings generated from the method's call site.</a:t>
             </a:r>
             <a:endParaRPr lang="en-GB" dirty="0"/>
           </a:p>
@@ -26441,7 +26495,7 @@
     </p:spTree>
     <p:extLst>
       <p:ext uri="{BB962C8B-B14F-4D97-AF65-F5344CB8AC3E}">
-        <p14:creationId xmlns:p14="http://schemas.microsoft.com/office/powerpoint/2010/main" val="1092948573"/>
+        <p14:creationId xmlns:p14="http://schemas.microsoft.com/office/powerpoint/2010/main" val="2857161240"/>
       </p:ext>
     </p:extLst>
   </p:cSld>
@@ -26480,8 +26534,8 @@
         </p:nvSpPr>
         <p:spPr>
           <a:xfrm>
-            <a:off x="85394" y="90409"/>
-            <a:ext cx="9404723" cy="453056"/>
+            <a:off x="352813" y="0"/>
+            <a:ext cx="9404723" cy="582452"/>
           </a:xfrm>
         </p:spPr>
         <p:txBody>
@@ -26489,10 +26543,13 @@
           <a:lstStyle/>
           <a:p>
             <a:r>
-              <a:rPr lang="en-IN" sz="1800" dirty="0"/>
-              <a:t>Cannot Instantiate Generic Types with Primitive Types</a:t>
-            </a:r>
-            <a:endParaRPr lang="en-GB" sz="1800" dirty="0"/>
+              <a:rPr lang="en-GB" sz="2400" b="1" dirty="0"/>
+              <a:t>Restrictions on Generics</a:t>
+            </a:r>
+            <a:br>
+              <a:rPr lang="en-GB" sz="2400" b="1" dirty="0"/>
+            </a:br>
+            <a:endParaRPr lang="en-GB" sz="2400" dirty="0"/>
           </a:p>
         </p:txBody>
       </p:sp>
@@ -26508,159 +26565,86 @@
         </p:nvSpPr>
         <p:spPr>
           <a:xfrm>
-            <a:off x="327804" y="483080"/>
-            <a:ext cx="11430000" cy="5765320"/>
+            <a:off x="595224" y="776378"/>
+            <a:ext cx="9454630" cy="5472022"/>
           </a:xfrm>
         </p:spPr>
         <p:txBody>
-          <a:bodyPr>
-            <a:normAutofit/>
-          </a:bodyPr>
+          <a:bodyPr/>
           <a:lstStyle/>
           <a:p>
             <a:r>
               <a:rPr lang="en-IN" dirty="0"/>
-              <a:t>class Pair&lt;K, V&gt; {</a:t>
-            </a:r>
-          </a:p>
-          <a:p>
-            <a:pPr marL="400050" lvl="1" indent="0">
-              <a:buNone/>
-            </a:pPr>
-            <a:r>
-              <a:rPr lang="en-IN" dirty="0"/>
-              <a:t>    private K key;    private V value;</a:t>
-            </a:r>
-          </a:p>
-          <a:p>
-            <a:pPr marL="400050" lvl="1" indent="0">
-              <a:buNone/>
-            </a:pPr>
-            <a:r>
-              <a:rPr lang="en-IN" dirty="0"/>
-              <a:t>    public Pair(K key, V value) {</a:t>
-            </a:r>
-          </a:p>
-          <a:p>
-            <a:pPr marL="400050" lvl="1" indent="0">
-              <a:buNone/>
-            </a:pPr>
-            <a:r>
-              <a:rPr lang="en-IN" dirty="0"/>
-              <a:t>        </a:t>
+              <a:t>To use Java generics effectively, you must consider the following restrictions:</a:t>
+            </a:r>
+          </a:p>
+          <a:p>
+            <a:endParaRPr lang="en-IN" dirty="0"/>
+          </a:p>
+          <a:p>
+            <a:pPr lvl="1"/>
+            <a:r>
+              <a:rPr lang="en-IN" dirty="0"/>
+              <a:t>Cannot Instantiate Generic Types with Primitive Types</a:t>
+            </a:r>
+          </a:p>
+          <a:p>
+            <a:pPr lvl="1"/>
+            <a:r>
+              <a:rPr lang="en-IN" dirty="0"/>
+              <a:t>Cannot Create Instances of Type Parameters</a:t>
+            </a:r>
+          </a:p>
+          <a:p>
+            <a:pPr lvl="1"/>
+            <a:r>
+              <a:rPr lang="en-IN" dirty="0"/>
+              <a:t>Cannot Declare Static Fields Whose Types are Type Parameters</a:t>
+            </a:r>
+          </a:p>
+          <a:p>
+            <a:pPr lvl="1"/>
+            <a:r>
+              <a:rPr lang="en-IN" dirty="0"/>
+              <a:t>Cannot Use Casts or </a:t>
             </a:r>
             <a:r>
               <a:rPr lang="en-IN" dirty="0" err="1"/>
-              <a:t>this.key</a:t>
-            </a:r>
-            <a:r>
-              <a:rPr lang="en-IN" dirty="0"/>
-              <a:t> = key;        </a:t>
-            </a:r>
-            <a:r>
-              <a:rPr lang="en-IN" dirty="0" err="1"/>
-              <a:t>this.value</a:t>
-            </a:r>
-            <a:r>
-              <a:rPr lang="en-IN" dirty="0"/>
-              <a:t> = value;    </a:t>
-            </a:r>
-          </a:p>
-          <a:p>
-            <a:pPr marL="800100" lvl="2" indent="0">
-              <a:buNone/>
-            </a:pPr>
-            <a:r>
-              <a:rPr lang="en-IN" dirty="0"/>
-              <a:t>}</a:t>
-            </a:r>
-          </a:p>
-          <a:p>
-            <a:pPr marL="800100" lvl="2" indent="0">
-              <a:buNone/>
-            </a:pPr>
-            <a:r>
-              <a:rPr lang="en-IN" dirty="0"/>
-              <a:t>}</a:t>
-            </a:r>
-          </a:p>
-          <a:p>
-            <a:r>
-              <a:rPr lang="en-IN" dirty="0"/>
-              <a:t>When creating a Pair object, you cannot substitute a primitive type for the type parameter K or V:</a:t>
+              <a:t>instanceof</a:t>
+            </a:r>
+            <a:r>
+              <a:rPr lang="en-IN" dirty="0"/>
+              <a:t> With Parameterized Types</a:t>
             </a:r>
           </a:p>
           <a:p>
             <a:pPr lvl="1"/>
             <a:r>
               <a:rPr lang="en-IN" dirty="0"/>
-              <a:t>Pair&lt;</a:t>
-            </a:r>
-            <a:r>
-              <a:rPr lang="en-IN" dirty="0" err="1"/>
-              <a:t>int</a:t>
-            </a:r>
-            <a:r>
-              <a:rPr lang="en-IN" dirty="0"/>
-              <a:t>, char&gt; p = new Pair&lt;&gt;(8, 'a');  // compile-time error</a:t>
-            </a:r>
-          </a:p>
-          <a:p>
-            <a:r>
-              <a:rPr lang="en-IN" dirty="0"/>
-              <a:t>You can substitute only non-primitive types for the type parameters K and V:</a:t>
+              <a:t>Cannot Create Arrays of Parameterized Types</a:t>
             </a:r>
           </a:p>
           <a:p>
             <a:pPr lvl="1"/>
             <a:r>
               <a:rPr lang="en-IN" dirty="0"/>
-              <a:t>Pair&lt;Integer, Character&gt; p = new Pair&lt;&gt;(8, 'a');</a:t>
-            </a:r>
-          </a:p>
-          <a:p>
-            <a:r>
-              <a:rPr lang="en-IN" dirty="0"/>
-              <a:t>Java compiler </a:t>
-            </a:r>
-            <a:r>
-              <a:rPr lang="en-IN" dirty="0" err="1"/>
-              <a:t>autoboxes</a:t>
-            </a:r>
-            <a:r>
-              <a:rPr lang="en-IN" dirty="0"/>
-              <a:t> 8 to </a:t>
-            </a:r>
-            <a:r>
-              <a:rPr lang="en-IN" dirty="0" err="1"/>
-              <a:t>Integer.valueOf</a:t>
-            </a:r>
-            <a:r>
-              <a:rPr lang="en-IN" dirty="0"/>
-              <a:t>(8) and 'a' to Character('a'):</a:t>
+              <a:t>Cannot Create, Catch, or Throw Objects of Parameterized Types</a:t>
             </a:r>
           </a:p>
           <a:p>
             <a:pPr lvl="1"/>
             <a:r>
               <a:rPr lang="en-IN" dirty="0"/>
-              <a:t>Pair&lt;Integer, Character&gt; p = new Pair&lt;&gt;(</a:t>
-            </a:r>
-            <a:r>
-              <a:rPr lang="en-IN" dirty="0" err="1"/>
-              <a:t>Integer.valueOf</a:t>
-            </a:r>
-            <a:r>
-              <a:rPr lang="en-IN" dirty="0"/>
-              <a:t>(8), new Character('a'));</a:t>
-            </a:r>
+              <a:t>Cannot Overload a Method Where the Formal Parameter Types of Each Overload Erase to the Same Raw Type</a:t>
+            </a:r>
+            <a:endParaRPr lang="en-GB" dirty="0"/>
           </a:p>
         </p:txBody>
       </p:sp>
     </p:spTree>
     <p:extLst>
       <p:ext uri="{BB962C8B-B14F-4D97-AF65-F5344CB8AC3E}">
-        <p14:creationId xmlns:p14="http://schemas.microsoft.com/office/powerpoint/2010/main" val="4195735311"/>
+        <p14:creationId xmlns:p14="http://schemas.microsoft.com/office/powerpoint/2010/main" val="1092948573"/>
       </p:ext>
     </p:extLst>
   </p:cSld>
@@ -26709,8 +26693,9 @@
           <a:p>
             <a:r>
               <a:rPr lang="en-IN" sz="1800" dirty="0"/>
-              <a:t>Cannot Create Instances of Type Parameters</a:t>
-            </a:r>
+              <a:t>Cannot Instantiate Generic Types with Primitive Types</a:t>
+            </a:r>
+            <a:endParaRPr lang="en-GB" sz="1800" dirty="0"/>
           </a:p>
         </p:txBody>
       </p:sp>
@@ -26732,175 +26717,153 @@
         </p:spPr>
         <p:txBody>
           <a:bodyPr>
-            <a:normAutofit fontScale="85000" lnSpcReduction="20000"/>
+            <a:normAutofit/>
           </a:bodyPr>
           <a:lstStyle/>
           <a:p>
             <a:r>
               <a:rPr lang="en-IN" dirty="0"/>
-              <a:t>You cannot create an instance of a type parameter. For example, the following code causes a compile-time error:</a:t>
-            </a:r>
-          </a:p>
-          <a:p>
-            <a:endParaRPr lang="en-IN" dirty="0"/>
-          </a:p>
-          <a:p>
-            <a:r>
-              <a:rPr lang="en-IN" dirty="0"/>
-              <a:t>public static &lt;E&gt; void append(List&lt;E&gt; list) {</a:t>
-            </a:r>
-          </a:p>
-          <a:p>
-            <a:r>
-              <a:rPr lang="en-IN" dirty="0"/>
-              <a:t>    E </a:t>
+              <a:t>class Pair&lt;K, V&gt; {</a:t>
+            </a:r>
+          </a:p>
+          <a:p>
+            <a:pPr marL="400050" lvl="1" indent="0">
+              <a:buNone/>
+            </a:pPr>
+            <a:r>
+              <a:rPr lang="en-IN" dirty="0"/>
+              <a:t>    private K key;    private V value;</a:t>
+            </a:r>
+          </a:p>
+          <a:p>
+            <a:pPr marL="400050" lvl="1" indent="0">
+              <a:buNone/>
+            </a:pPr>
+            <a:r>
+              <a:rPr lang="en-IN" dirty="0"/>
+              <a:t>    public Pair(K key, V value) {</a:t>
+            </a:r>
+          </a:p>
+          <a:p>
+            <a:pPr marL="400050" lvl="1" indent="0">
+              <a:buNone/>
+            </a:pPr>
+            <a:r>
+              <a:rPr lang="en-IN" dirty="0"/>
+              <a:t>        </a:t>
             </a:r>
             <a:r>
               <a:rPr lang="en-IN" dirty="0" err="1"/>
-              <a:t>elem</a:t>
-            </a:r>
-            <a:r>
-              <a:rPr lang="en-IN" dirty="0"/>
-              <a:t> = new E();  // compile-time error</a:t>
-            </a:r>
-          </a:p>
-          <a:p>
-            <a:r>
-              <a:rPr lang="en-IN" dirty="0"/>
-              <a:t>    </a:t>
+              <a:t>this.key</a:t>
+            </a:r>
+            <a:r>
+              <a:rPr lang="en-IN" dirty="0"/>
+              <a:t> = key;        </a:t>
             </a:r>
             <a:r>
               <a:rPr lang="en-IN" dirty="0" err="1"/>
-              <a:t>list.add</a:t>
-            </a:r>
-            <a:r>
-              <a:rPr lang="en-IN" dirty="0"/>
-              <a:t>(</a:t>
+              <a:t>this.value</a:t>
+            </a:r>
+            <a:r>
+              <a:rPr lang="en-IN" dirty="0"/>
+              <a:t> = value;    </a:t>
+            </a:r>
+          </a:p>
+          <a:p>
+            <a:pPr marL="800100" lvl="2" indent="0">
+              <a:buNone/>
+            </a:pPr>
+            <a:r>
+              <a:rPr lang="en-IN" dirty="0"/>
+              <a:t>}</a:t>
+            </a:r>
+          </a:p>
+          <a:p>
+            <a:pPr marL="800100" lvl="2" indent="0">
+              <a:buNone/>
+            </a:pPr>
+            <a:r>
+              <a:rPr lang="en-IN" dirty="0"/>
+              <a:t>}</a:t>
+            </a:r>
+          </a:p>
+          <a:p>
+            <a:r>
+              <a:rPr lang="en-IN" dirty="0"/>
+              <a:t>When creating a Pair object, you cannot substitute a primitive type for the type parameter K or V:</a:t>
+            </a:r>
+          </a:p>
+          <a:p>
+            <a:pPr lvl="1"/>
+            <a:r>
+              <a:rPr lang="en-IN" dirty="0"/>
+              <a:t>Pair&lt;</a:t>
             </a:r>
             <a:r>
               <a:rPr lang="en-IN" dirty="0" err="1"/>
-              <a:t>elem</a:t>
-            </a:r>
-            <a:r>
-              <a:rPr lang="en-IN" dirty="0"/>
-              <a:t>);</a:t>
-            </a:r>
-          </a:p>
-          <a:p>
-            <a:r>
-              <a:rPr lang="en-IN" dirty="0"/>
-              <a:t>}</a:t>
-            </a:r>
-          </a:p>
-          <a:p>
-            <a:r>
-              <a:rPr lang="en-IN" dirty="0"/>
-              <a:t>As a workaround, you can create an object of a type parameter through reflection:</a:t>
-            </a:r>
-          </a:p>
-          <a:p>
-            <a:endParaRPr lang="en-IN" dirty="0"/>
-          </a:p>
-          <a:p>
-            <a:r>
-              <a:rPr lang="en-IN" dirty="0"/>
-              <a:t>public static &lt;E&gt; void append(List&lt;E&gt; list, Class&lt;E&gt; </a:t>
+              <a:t>int</a:t>
+            </a:r>
+            <a:r>
+              <a:rPr lang="en-IN" dirty="0"/>
+              <a:t>, char&gt; p = new Pair&lt;&gt;(8, 'a');  // compile-time error</a:t>
+            </a:r>
+          </a:p>
+          <a:p>
+            <a:r>
+              <a:rPr lang="en-IN" dirty="0"/>
+              <a:t>You can substitute only non-primitive types for the type parameters K and V:</a:t>
+            </a:r>
+          </a:p>
+          <a:p>
+            <a:pPr lvl="1"/>
+            <a:r>
+              <a:rPr lang="en-IN" dirty="0"/>
+              <a:t>Pair&lt;Integer, Character&gt; p = new Pair&lt;&gt;(8, 'a');</a:t>
+            </a:r>
+          </a:p>
+          <a:p>
+            <a:r>
+              <a:rPr lang="en-IN" dirty="0"/>
+              <a:t>Java compiler </a:t>
             </a:r>
             <a:r>
               <a:rPr lang="en-IN" dirty="0" err="1"/>
-              <a:t>cls</a:t>
-            </a:r>
-            <a:r>
-              <a:rPr lang="en-IN" dirty="0"/>
-              <a:t>) throws Exception {</a:t>
-            </a:r>
-          </a:p>
-          <a:p>
-            <a:r>
-              <a:rPr lang="en-IN" dirty="0"/>
-              <a:t>    E </a:t>
+              <a:t>autoboxes</a:t>
+            </a:r>
+            <a:r>
+              <a:rPr lang="en-IN" dirty="0"/>
+              <a:t> 8 to </a:t>
             </a:r>
             <a:r>
               <a:rPr lang="en-IN" dirty="0" err="1"/>
-              <a:t>elem</a:t>
-            </a:r>
-            <a:r>
-              <a:rPr lang="en-IN" dirty="0"/>
-              <a:t> = </a:t>
+              <a:t>Integer.valueOf</a:t>
+            </a:r>
+            <a:r>
+              <a:rPr lang="en-IN" dirty="0"/>
+              <a:t>(8) and 'a' to Character('a'):</a:t>
+            </a:r>
+          </a:p>
+          <a:p>
+            <a:pPr lvl="1"/>
+            <a:r>
+              <a:rPr lang="en-IN" dirty="0"/>
+              <a:t>Pair&lt;Integer, Character&gt; p = new Pair&lt;&gt;(</a:t>
             </a:r>
             <a:r>
               <a:rPr lang="en-IN" dirty="0" err="1"/>
-              <a:t>cls.newInstance</a:t>
-            </a:r>
-            <a:r>
-              <a:rPr lang="en-IN" dirty="0"/>
-              <a:t>();   // OK</a:t>
-            </a:r>
-          </a:p>
-          <a:p>
-            <a:r>
-              <a:rPr lang="en-IN" dirty="0"/>
-              <a:t>    </a:t>
-            </a:r>
-            <a:r>
-              <a:rPr lang="en-IN" dirty="0" err="1"/>
-              <a:t>list.add</a:t>
-            </a:r>
-            <a:r>
-              <a:rPr lang="en-IN" dirty="0"/>
-              <a:t>(</a:t>
-            </a:r>
-            <a:r>
-              <a:rPr lang="en-IN" dirty="0" err="1"/>
-              <a:t>elem</a:t>
-            </a:r>
-            <a:r>
-              <a:rPr lang="en-IN" dirty="0"/>
-              <a:t>);</a:t>
-            </a:r>
-          </a:p>
-          <a:p>
-            <a:r>
-              <a:rPr lang="en-IN" dirty="0"/>
-              <a:t>}</a:t>
-            </a:r>
-          </a:p>
-          <a:p>
-            <a:r>
-              <a:rPr lang="en-IN" dirty="0"/>
-              <a:t>You can invoke the append method as follows:</a:t>
-            </a:r>
-          </a:p>
-          <a:p>
-            <a:endParaRPr lang="en-IN" dirty="0"/>
-          </a:p>
-          <a:p>
-            <a:r>
-              <a:rPr lang="en-IN" dirty="0"/>
-              <a:t>List&lt;String&gt; ls = new ArrayList&lt;&gt;();</a:t>
-            </a:r>
-          </a:p>
-          <a:p>
-            <a:r>
-              <a:rPr lang="en-IN" dirty="0"/>
-              <a:t>append(ls, </a:t>
-            </a:r>
-            <a:r>
-              <a:rPr lang="en-IN" dirty="0" err="1"/>
-              <a:t>String.class</a:t>
-            </a:r>
-            <a:r>
-              <a:rPr lang="en-IN" dirty="0"/>
-              <a:t>);</a:t>
-            </a:r>
-            <a:endParaRPr lang="en-GB" dirty="0"/>
+              <a:t>Integer.valueOf</a:t>
+            </a:r>
+            <a:r>
+              <a:rPr lang="en-IN" dirty="0"/>
+              <a:t>(8), new Character('a'));</a:t>
+            </a:r>
           </a:p>
         </p:txBody>
       </p:sp>
     </p:spTree>
     <p:extLst>
       <p:ext uri="{BB962C8B-B14F-4D97-AF65-F5344CB8AC3E}">
-        <p14:creationId xmlns:p14="http://schemas.microsoft.com/office/powerpoint/2010/main" val="4086266013"/>
+        <p14:creationId xmlns:p14="http://schemas.microsoft.com/office/powerpoint/2010/main" val="4195735311"/>
       </p:ext>
     </p:extLst>
   </p:cSld>
@@ -26948,8 +26911,8 @@
           <a:lstStyle/>
           <a:p>
             <a:r>
-              <a:rPr lang="en-IN" sz="1400" b="1" dirty="0"/>
-              <a:t>Cannot Declare Static Fields Whose Types are Type Parameters</a:t>
+              <a:rPr lang="en-IN" sz="1800" dirty="0"/>
+              <a:t>Cannot Create Instances of Type Parameters</a:t>
             </a:r>
           </a:p>
         </p:txBody>
@@ -26972,13 +26935,13 @@
         </p:spPr>
         <p:txBody>
           <a:bodyPr>
-            <a:normAutofit fontScale="92500" lnSpcReduction="20000"/>
+            <a:normAutofit fontScale="85000" lnSpcReduction="20000"/>
           </a:bodyPr>
           <a:lstStyle/>
           <a:p>
             <a:r>
               <a:rPr lang="en-IN" dirty="0"/>
-              <a:t>A class's static field is a class-level variable shared by all non-static objects of the class. Hence, static fields of type parameters are not allowed. Consider the following class:</a:t>
+              <a:t>You cannot create an instance of a type parameter. For example, the following code causes a compile-time error:</a:t>
             </a:r>
           </a:p>
           <a:p>
@@ -26987,29 +26950,55 @@
           <a:p>
             <a:r>
               <a:rPr lang="en-IN" dirty="0"/>
-              <a:t>public class </a:t>
+              <a:t>public static &lt;E&gt; void append(List&lt;E&gt; list) {</a:t>
+            </a:r>
+          </a:p>
+          <a:p>
+            <a:r>
+              <a:rPr lang="en-IN" dirty="0"/>
+              <a:t>    E </a:t>
             </a:r>
             <a:r>
               <a:rPr lang="en-IN" dirty="0" err="1"/>
-              <a:t>MobileDevice</a:t>
-            </a:r>
-            <a:r>
-              <a:rPr lang="en-IN" dirty="0"/>
-              <a:t>&lt;T&gt; {</a:t>
-            </a:r>
-          </a:p>
-          <a:p>
-            <a:r>
-              <a:rPr lang="en-IN" dirty="0"/>
-              <a:t>    private static T </a:t>
+              <a:t>elem</a:t>
+            </a:r>
+            <a:r>
+              <a:rPr lang="en-IN" dirty="0"/>
+              <a:t> = new E();  // compile-time error</a:t>
+            </a:r>
+          </a:p>
+          <a:p>
+            <a:r>
+              <a:rPr lang="en-IN" dirty="0"/>
+              <a:t>    </a:t>
             </a:r>
             <a:r>
               <a:rPr lang="en-IN" dirty="0" err="1"/>
-              <a:t>os</a:t>
-            </a:r>
-            <a:r>
-              <a:rPr lang="en-IN" dirty="0"/>
-              <a:t>;</a:t>
+              <a:t>list.add</a:t>
+            </a:r>
+            <a:r>
+              <a:rPr lang="en-IN" dirty="0"/>
+              <a:t>(</a:t>
+            </a:r>
+            <a:r>
+              <a:rPr lang="en-IN" dirty="0" err="1"/>
+              <a:t>elem</a:t>
+            </a:r>
+            <a:r>
+              <a:rPr lang="en-IN" dirty="0"/>
+              <a:t>);</a:t>
+            </a:r>
+          </a:p>
+          <a:p>
+            <a:r>
+              <a:rPr lang="en-IN" dirty="0"/>
+              <a:t>}</a:t>
+            </a:r>
+          </a:p>
+          <a:p>
+            <a:r>
+              <a:rPr lang="en-IN" dirty="0"/>
+              <a:t>As a workaround, you can create an object of a type parameter through reflection:</a:t>
             </a:r>
           </a:p>
           <a:p>
@@ -27018,7 +27007,59 @@
           <a:p>
             <a:r>
               <a:rPr lang="en-IN" dirty="0"/>
-              <a:t>    // ...</a:t>
+              <a:t>public static &lt;E&gt; void append(List&lt;E&gt; list, Class&lt;E&gt; </a:t>
+            </a:r>
+            <a:r>
+              <a:rPr lang="en-IN" dirty="0" err="1"/>
+              <a:t>cls</a:t>
+            </a:r>
+            <a:r>
+              <a:rPr lang="en-IN" dirty="0"/>
+              <a:t>) throws Exception {</a:t>
+            </a:r>
+          </a:p>
+          <a:p>
+            <a:r>
+              <a:rPr lang="en-IN" dirty="0"/>
+              <a:t>    E </a:t>
+            </a:r>
+            <a:r>
+              <a:rPr lang="en-IN" dirty="0" err="1"/>
+              <a:t>elem</a:t>
+            </a:r>
+            <a:r>
+              <a:rPr lang="en-IN" dirty="0"/>
+              <a:t> = </a:t>
+            </a:r>
+            <a:r>
+              <a:rPr lang="en-IN" dirty="0" err="1"/>
+              <a:t>cls.newInstance</a:t>
+            </a:r>
+            <a:r>
+              <a:rPr lang="en-IN" dirty="0"/>
+              <a:t>();   // OK</a:t>
+            </a:r>
+          </a:p>
+          <a:p>
+            <a:r>
+              <a:rPr lang="en-IN" dirty="0"/>
+              <a:t>    </a:t>
+            </a:r>
+            <a:r>
+              <a:rPr lang="en-IN" dirty="0" err="1"/>
+              <a:t>list.add</a:t>
+            </a:r>
+            <a:r>
+              <a:rPr lang="en-IN" dirty="0"/>
+              <a:t>(</a:t>
+            </a:r>
+            <a:r>
+              <a:rPr lang="en-IN" dirty="0" err="1"/>
+              <a:t>elem</a:t>
+            </a:r>
+            <a:r>
+              <a:rPr lang="en-IN" dirty="0"/>
+              <a:t>);</a:t>
             </a:r>
           </a:p>
           <a:p>
@@ -27030,7 +27071,7 @@
           <a:p>
             <a:r>
               <a:rPr lang="en-IN" dirty="0"/>
-              <a:t>If static fields of type parameters were allowed, then the following code would be confused:</a:t>
+              <a:t>You can invoke the append method as follows:</a:t>
             </a:r>
           </a:p>
           <a:p>
@@ -27038,101 +27079,22 @@
           </a:p>
           <a:p>
             <a:r>
+              <a:rPr lang="en-IN" dirty="0"/>
+              <a:t>List&lt;String&gt; ls = new ArrayList&lt;&gt;();</a:t>
+            </a:r>
+          </a:p>
+          <a:p>
+            <a:r>
+              <a:rPr lang="en-IN" dirty="0"/>
+              <a:t>append(ls, </a:t>
+            </a:r>
+            <a:r>
               <a:rPr lang="en-IN" dirty="0" err="1"/>
-              <a:t>MobileDevice</a:t>
-            </a:r>
-            <a:r>
-              <a:rPr lang="en-IN" dirty="0"/>
-              <a:t>&lt;Smartphone&gt; phone = new </a:t>
-            </a:r>
-            <a:r>
-              <a:rPr lang="en-IN" dirty="0" err="1"/>
-              <a:t>MobileDevice</a:t>
-            </a:r>
-            <a:r>
-              <a:rPr lang="en-IN" dirty="0"/>
-              <a:t>&lt;&gt;();</a:t>
-            </a:r>
-          </a:p>
-          <a:p>
-            <a:r>
-              <a:rPr lang="en-IN" dirty="0" err="1"/>
-              <a:t>MobileDevice</a:t>
-            </a:r>
-            <a:r>
-              <a:rPr lang="en-IN" dirty="0"/>
-              <a:t>&lt;Pager&gt; pager = new </a:t>
-            </a:r>
-            <a:r>
-              <a:rPr lang="en-IN" dirty="0" err="1"/>
-              <a:t>MobileDevice</a:t>
-            </a:r>
-            <a:r>
-              <a:rPr lang="en-IN" dirty="0"/>
-              <a:t>&lt;&gt;();</a:t>
-            </a:r>
-          </a:p>
-          <a:p>
-            <a:r>
-              <a:rPr lang="en-IN" dirty="0" err="1"/>
-              <a:t>MobileDevice</a:t>
-            </a:r>
-            <a:r>
-              <a:rPr lang="en-IN" dirty="0"/>
-              <a:t>&lt;</a:t>
-            </a:r>
-            <a:r>
-              <a:rPr lang="en-IN" dirty="0" err="1"/>
-              <a:t>TabletPC</a:t>
-            </a:r>
-            <a:r>
-              <a:rPr lang="en-IN" dirty="0"/>
-              <a:t>&gt; pc = new </a:t>
-            </a:r>
-            <a:r>
-              <a:rPr lang="en-IN" dirty="0" err="1"/>
-              <a:t>MobileDevice</a:t>
-            </a:r>
-            <a:r>
-              <a:rPr lang="en-IN" dirty="0"/>
-              <a:t>&lt;&gt;();</a:t>
-            </a:r>
-          </a:p>
-          <a:p>
-            <a:r>
-              <a:rPr lang="en-IN" dirty="0"/>
-              <a:t>Because the static field </a:t>
-            </a:r>
-            <a:r>
-              <a:rPr lang="en-IN" dirty="0" err="1"/>
-              <a:t>os</a:t>
-            </a:r>
-            <a:r>
-              <a:rPr lang="en-IN" dirty="0"/>
-              <a:t> is shared by phone, pager, and pc, what is the actual type of </a:t>
-            </a:r>
-            <a:r>
-              <a:rPr lang="en-IN" dirty="0" err="1"/>
-              <a:t>os</a:t>
-            </a:r>
-            <a:r>
-              <a:rPr lang="en-IN" dirty="0">
-                <a:latin typeface="Times New Roman" panose="02020603050405020304" pitchFamily="18" charset="0"/>
-                <a:cs typeface="Times New Roman" panose="02020603050405020304" pitchFamily="18" charset="0"/>
-              </a:rPr>
-              <a:t>?</a:t>
-            </a:r>
-            <a:r>
-              <a:rPr lang="en-IN" dirty="0"/>
-              <a:t> It cannot be Smartphone, Pager, and </a:t>
-            </a:r>
-            <a:r>
-              <a:rPr lang="en-IN" dirty="0" err="1"/>
-              <a:t>TabletPC</a:t>
-            </a:r>
-            <a:r>
-              <a:rPr lang="en-IN" dirty="0"/>
-              <a:t> at the same time. You cannot, therefore, create static fields of type parameters.</a:t>
+              <a:t>String.class</a:t>
+            </a:r>
+            <a:r>
+              <a:rPr lang="en-IN" dirty="0"/>
+              <a:t>);</a:t>
             </a:r>
             <a:endParaRPr lang="en-GB" dirty="0"/>
           </a:p>
@@ -27141,7 +27103,7 @@
     </p:spTree>
     <p:extLst>
       <p:ext uri="{BB962C8B-B14F-4D97-AF65-F5344CB8AC3E}">
-        <p14:creationId xmlns:p14="http://schemas.microsoft.com/office/powerpoint/2010/main" val="444119242"/>
+        <p14:creationId xmlns:p14="http://schemas.microsoft.com/office/powerpoint/2010/main" val="4086266013"/>
       </p:ext>
     </p:extLst>
   </p:cSld>
@@ -27188,58 +27150,10 @@
           <a:bodyPr/>
           <a:lstStyle/>
           <a:p>
-            <a:pPr lvl="0" defTabSz="914400" eaLnBrk="0" fontAlgn="base" hangingPunct="0">
-              <a:spcAft>
-                <a:spcPct val="0"/>
-              </a:spcAft>
-            </a:pPr>
-            <a:r>
-              <a:rPr lang="en-US" altLang="en-US" sz="1400" b="1" dirty="0">
-                <a:solidFill>
-                  <a:schemeClr val="tx1"/>
-                </a:solidFill>
-                <a:latin typeface="Arial" panose="020B0604020202020204" pitchFamily="34" charset="0"/>
-                <a:cs typeface="Arial" panose="020B0604020202020204" pitchFamily="34" charset="0"/>
-              </a:rPr>
-              <a:t>C</a:t>
-            </a:r>
-            <a:r>
-              <a:rPr lang="en-US" altLang="en-US" sz="1400" b="1" dirty="0" bmk="">
-                <a:solidFill>
-                  <a:schemeClr val="tx1"/>
-                </a:solidFill>
-                <a:latin typeface="Arial" panose="020B0604020202020204" pitchFamily="34" charset="0"/>
-                <a:cs typeface="Arial" panose="020B0604020202020204" pitchFamily="34" charset="0"/>
-              </a:rPr>
-              <a:t>annot Use Casts or </a:t>
-            </a:r>
-            <a:r>
-              <a:rPr lang="en-US" altLang="en-US" sz="1050" b="1" dirty="0" err="1" bmk="">
-                <a:solidFill>
-                  <a:schemeClr val="tx1"/>
-                </a:solidFill>
-                <a:latin typeface="Arial Unicode MS" panose="020B0604020202020204" pitchFamily="34" charset="-128"/>
-                <a:cs typeface="Arial" panose="020B0604020202020204" pitchFamily="34" charset="0"/>
-              </a:rPr>
-              <a:t>instanceof</a:t>
-            </a:r>
-            <a:r>
-              <a:rPr lang="en-US" altLang="en-US" sz="1400" b="1" dirty="0" bmk="">
-                <a:solidFill>
-                  <a:schemeClr val="tx1"/>
-                </a:solidFill>
-                <a:latin typeface="Arial" panose="020B0604020202020204" pitchFamily="34" charset="0"/>
-                <a:cs typeface="Arial" panose="020B0604020202020204" pitchFamily="34" charset="0"/>
-              </a:rPr>
-              <a:t> with Parameterized Types</a:t>
-            </a:r>
-            <a:endParaRPr lang="en-US" altLang="en-US" sz="1400" b="1" dirty="0">
-              <a:solidFill>
-                <a:schemeClr val="tx1"/>
-              </a:solidFill>
-              <a:latin typeface="Arial" panose="020B0604020202020204" pitchFamily="34" charset="0"/>
-              <a:cs typeface="Arial" panose="020B0604020202020204" pitchFamily="34" charset="0"/>
-            </a:endParaRPr>
+            <a:r>
+              <a:rPr lang="en-IN" sz="1400" b="1" dirty="0"/>
+              <a:t>Cannot Declare Static Fields Whose Types are Type Parameters</a:t>
+            </a:r>
           </a:p>
         </p:txBody>
       </p:sp>
@@ -27261,69 +27175,56 @@
         </p:spPr>
         <p:txBody>
           <a:bodyPr>
-            <a:normAutofit fontScale="62500" lnSpcReduction="20000"/>
+            <a:normAutofit fontScale="92500" lnSpcReduction="20000"/>
           </a:bodyPr>
           <a:lstStyle/>
           <a:p>
             <a:r>
               <a:rPr lang="en-IN" dirty="0"/>
-              <a:t>Because the Java compiler erases all type parameters in generic code, you cannot verify which parameterized type for a generic type is being used at runtime:</a:t>
-            </a:r>
-          </a:p>
-          <a:p>
-            <a:pPr lvl="1"/>
-            <a:r>
-              <a:rPr lang="en-IN" dirty="0"/>
-              <a:t>public static &lt;E&gt; void </a:t>
+              <a:t>A class's static field is a class-level variable shared by all non-static objects of the class. Hence, static fields of type parameters are not allowed. Consider the following class:</a:t>
+            </a:r>
+          </a:p>
+          <a:p>
+            <a:endParaRPr lang="en-IN" dirty="0"/>
+          </a:p>
+          <a:p>
+            <a:r>
+              <a:rPr lang="en-IN" dirty="0"/>
+              <a:t>public class </a:t>
             </a:r>
             <a:r>
               <a:rPr lang="en-IN" dirty="0" err="1"/>
-              <a:t>rtti</a:t>
-            </a:r>
-            <a:r>
-              <a:rPr lang="en-IN" dirty="0"/>
-              <a:t>(List&lt;E&gt; list) {</a:t>
-            </a:r>
-          </a:p>
-          <a:p>
-            <a:pPr marL="857250" lvl="2" indent="0">
-              <a:buNone/>
-            </a:pPr>
-            <a:r>
-              <a:rPr lang="en-IN" dirty="0"/>
-              <a:t>    if (list </a:t>
+              <a:t>MobileDevice</a:t>
+            </a:r>
+            <a:r>
+              <a:rPr lang="en-IN" dirty="0"/>
+              <a:t>&lt;T&gt; {</a:t>
+            </a:r>
+          </a:p>
+          <a:p>
+            <a:r>
+              <a:rPr lang="en-IN" dirty="0"/>
+              <a:t>    private static T </a:t>
             </a:r>
             <a:r>
               <a:rPr lang="en-IN" dirty="0" err="1"/>
-              <a:t>instanceof</a:t>
-            </a:r>
-            <a:r>
-              <a:rPr lang="en-IN" dirty="0"/>
-              <a:t> ArrayList&lt;Integer&gt;) {  // compile-time error</a:t>
-            </a:r>
-          </a:p>
-          <a:p>
-            <a:pPr marL="857250" lvl="2" indent="0">
-              <a:buNone/>
-            </a:pPr>
-            <a:r>
-              <a:rPr lang="en-IN" dirty="0"/>
-              <a:t>        // ...</a:t>
-            </a:r>
-          </a:p>
-          <a:p>
-            <a:pPr marL="857250" lvl="2" indent="0">
-              <a:buNone/>
-            </a:pPr>
-            <a:r>
-              <a:rPr lang="en-IN" dirty="0"/>
-              <a:t>    }</a:t>
-            </a:r>
-          </a:p>
-          <a:p>
-            <a:pPr marL="857250" lvl="2" indent="0">
-              <a:buNone/>
-            </a:pPr>
+              <a:t>os</a:t>
+            </a:r>
+            <a:r>
+              <a:rPr lang="en-IN" dirty="0"/>
+              <a:t>;</a:t>
+            </a:r>
+          </a:p>
+          <a:p>
+            <a:endParaRPr lang="en-IN" dirty="0"/>
+          </a:p>
+          <a:p>
+            <a:r>
+              <a:rPr lang="en-IN" dirty="0"/>
+              <a:t>    // ...</a:t>
+            </a:r>
+          </a:p>
+          <a:p>
             <a:r>
               <a:rPr lang="en-IN" dirty="0"/>
               <a:t>}</a:t>
@@ -27332,43 +27233,90 @@
           <a:p>
             <a:r>
               <a:rPr lang="en-IN" dirty="0"/>
-              <a:t>The set of parameterized types passed to the </a:t>
-            </a:r>
+              <a:t>If static fields of type parameters were allowed, then the following code would be confused:</a:t>
+            </a:r>
+          </a:p>
+          <a:p>
+            <a:endParaRPr lang="en-IN" dirty="0"/>
+          </a:p>
+          <a:p>
             <a:r>
               <a:rPr lang="en-IN" dirty="0" err="1"/>
-              <a:t>rtti</a:t>
-            </a:r>
-            <a:r>
-              <a:rPr lang="en-IN" dirty="0"/>
-              <a:t> method is:</a:t>
-            </a:r>
-          </a:p>
-          <a:p>
-            <a:pPr lvl="1"/>
-            <a:r>
-              <a:rPr lang="en-IN" dirty="0"/>
-              <a:t>S = { ArrayList&lt;Integer&gt;, ArrayList&lt;String&gt; LinkedList&lt;Character&gt;, ... }</a:t>
-            </a:r>
-          </a:p>
-          <a:p>
-            <a:r>
-              <a:rPr lang="en-IN" dirty="0"/>
-              <a:t>The runtime does not keep track of type parameters, so it cannot tell the difference between an ArrayList&lt;Integer&gt; and an ArrayList&lt;String&gt;. The most you can do is to use an unbounded wildcard to verify that the list is an ArrayList:</a:t>
-            </a:r>
-          </a:p>
-          <a:p>
-            <a:pPr lvl="1"/>
-            <a:r>
-              <a:rPr lang="en-IN" dirty="0"/>
-              <a:t>public static void </a:t>
+              <a:t>MobileDevice</a:t>
+            </a:r>
+            <a:r>
+              <a:rPr lang="en-IN" dirty="0"/>
+              <a:t>&lt;Smartphone&gt; phone = new </a:t>
             </a:r>
             <a:r>
               <a:rPr lang="en-IN" dirty="0" err="1"/>
-              <a:t>rtti</a:t>
-            </a:r>
-            <a:r>
-              <a:rPr lang="en-IN" dirty="0"/>
-              <a:t>(List&lt;</a:t>
+              <a:t>MobileDevice</a:t>
+            </a:r>
+            <a:r>
+              <a:rPr lang="en-IN" dirty="0"/>
+              <a:t>&lt;&gt;();</a:t>
+            </a:r>
+          </a:p>
+          <a:p>
+            <a:r>
+              <a:rPr lang="en-IN" dirty="0" err="1"/>
+              <a:t>MobileDevice</a:t>
+            </a:r>
+            <a:r>
+              <a:rPr lang="en-IN" dirty="0"/>
+              <a:t>&lt;Pager&gt; pager = new </a:t>
+            </a:r>
+            <a:r>
+              <a:rPr lang="en-IN" dirty="0" err="1"/>
+              <a:t>MobileDevice</a:t>
+            </a:r>
+            <a:r>
+              <a:rPr lang="en-IN" dirty="0"/>
+              <a:t>&lt;&gt;();</a:t>
+            </a:r>
+          </a:p>
+          <a:p>
+            <a:r>
+              <a:rPr lang="en-IN" dirty="0" err="1"/>
+              <a:t>MobileDevice</a:t>
+            </a:r>
+            <a:r>
+              <a:rPr lang="en-IN" dirty="0"/>
+              <a:t>&lt;</a:t>
+            </a:r>
+            <a:r>
+              <a:rPr lang="en-IN" dirty="0" err="1"/>
+              <a:t>TabletPC</a:t>
+            </a:r>
+            <a:r>
+              <a:rPr lang="en-IN" dirty="0"/>
+              <a:t>&gt; pc = new </a:t>
+            </a:r>
+            <a:r>
+              <a:rPr lang="en-IN" dirty="0" err="1"/>
+              <a:t>MobileDevice</a:t>
+            </a:r>
+            <a:r>
+              <a:rPr lang="en-IN" dirty="0"/>
+              <a:t>&lt;&gt;();</a:t>
+            </a:r>
+          </a:p>
+          <a:p>
+            <a:r>
+              <a:rPr lang="en-IN" dirty="0"/>
+              <a:t>Because the static field </a:t>
+            </a:r>
+            <a:r>
+              <a:rPr lang="en-IN" dirty="0" err="1"/>
+              <a:t>os</a:t>
+            </a:r>
+            <a:r>
+              <a:rPr lang="en-IN" dirty="0"/>
+              <a:t> is shared by phone, pager, and pc, what is the actual type of </a:t>
+            </a:r>
+            <a:r>
+              <a:rPr lang="en-IN" dirty="0" err="1"/>
+              <a:t>os</a:t>
             </a:r>
             <a:r>
               <a:rPr lang="en-IN" dirty="0">
@@ -27379,110 +27327,15 @@
             </a:r>
             <a:r>
               <a:rPr lang="en-IN" dirty="0"/>
-              <a:t>&gt; list) {</a:t>
-            </a:r>
-          </a:p>
-          <a:p>
-            <a:pPr marL="857250" lvl="2" indent="0">
-              <a:buNone/>
-            </a:pPr>
-            <a:r>
-              <a:rPr lang="en-IN" dirty="0"/>
-              <a:t>    if (list </a:t>
+              <a:t> It cannot be Smartphone, Pager, and </a:t>
             </a:r>
             <a:r>
               <a:rPr lang="en-IN" dirty="0" err="1"/>
-              <a:t>instanceof</a:t>
-            </a:r>
-            <a:r>
-              <a:rPr lang="en-IN" dirty="0"/>
-              <a:t> ArrayList&lt;</a:t>
-            </a:r>
-            <a:r>
-              <a:rPr lang="en-IN" dirty="0">
-                <a:latin typeface="Times New Roman" panose="02020603050405020304" pitchFamily="18" charset="0"/>
-                <a:cs typeface="Times New Roman" panose="02020603050405020304" pitchFamily="18" charset="0"/>
-              </a:rPr>
-              <a:t>?</a:t>
-            </a:r>
-            <a:r>
-              <a:rPr lang="en-IN" dirty="0"/>
-              <a:t>&gt;) {  // OK; </a:t>
-            </a:r>
-            <a:r>
-              <a:rPr lang="en-IN" dirty="0" err="1"/>
-              <a:t>instanceof</a:t>
-            </a:r>
-            <a:r>
-              <a:rPr lang="en-IN" dirty="0"/>
-              <a:t> requires a reifiable type</a:t>
-            </a:r>
-          </a:p>
-          <a:p>
-            <a:pPr marL="857250" lvl="2" indent="0">
-              <a:buNone/>
-            </a:pPr>
-            <a:r>
-              <a:rPr lang="en-IN" dirty="0"/>
-              <a:t>        // ...</a:t>
-            </a:r>
-          </a:p>
-          <a:p>
-            <a:pPr marL="857250" lvl="2" indent="0">
-              <a:buNone/>
-            </a:pPr>
-            <a:r>
-              <a:rPr lang="en-IN" dirty="0"/>
-              <a:t>    }</a:t>
-            </a:r>
-          </a:p>
-          <a:p>
-            <a:pPr marL="857250" lvl="2" indent="0">
-              <a:buNone/>
-            </a:pPr>
-            <a:r>
-              <a:rPr lang="en-IN" dirty="0"/>
-              <a:t>}</a:t>
-            </a:r>
-          </a:p>
-          <a:p>
-            <a:r>
-              <a:rPr lang="en-IN" dirty="0"/>
-              <a:t>Typically, you cannot cast to a parameterized type unless it is parameterized by unbounded wildcards. For example:</a:t>
-            </a:r>
-          </a:p>
-          <a:p>
-            <a:pPr lvl="1"/>
-            <a:r>
-              <a:rPr lang="en-IN" dirty="0"/>
-              <a:t>List&lt;Integer&gt; li = new ArrayList&lt;&gt;();</a:t>
-            </a:r>
-          </a:p>
-          <a:p>
-            <a:pPr lvl="1"/>
-            <a:r>
-              <a:rPr lang="en-IN" dirty="0"/>
-              <a:t>List&lt;Number&gt;  ln = (List&lt;Number&gt;) li;  // compile-time error</a:t>
-            </a:r>
-          </a:p>
-          <a:p>
-            <a:r>
-              <a:rPr lang="en-IN" dirty="0"/>
-              <a:t>However, in some cases the compiler knows that a type parameter is always valid and allows the cast. For example:</a:t>
-            </a:r>
-          </a:p>
-          <a:p>
-            <a:pPr lvl="1"/>
-            <a:r>
-              <a:rPr lang="en-IN" dirty="0"/>
-              <a:t>List&lt;String&gt; l1 = ...;</a:t>
-            </a:r>
-          </a:p>
-          <a:p>
-            <a:pPr lvl="1"/>
-            <a:r>
-              <a:rPr lang="en-IN" dirty="0"/>
-              <a:t>ArrayList&lt;String&gt; l2 = (ArrayList&lt;String&gt;)l1;  // OK</a:t>
+              <a:t>TabletPC</a:t>
+            </a:r>
+            <a:r>
+              <a:rPr lang="en-IN" dirty="0"/>
+              <a:t> at the same time. You cannot, therefore, create static fields of type parameters.</a:t>
             </a:r>
             <a:endParaRPr lang="en-GB" dirty="0"/>
           </a:p>
@@ -27491,7 +27344,7 @@
     </p:spTree>
     <p:extLst>
       <p:ext uri="{BB962C8B-B14F-4D97-AF65-F5344CB8AC3E}">
-        <p14:creationId xmlns:p14="http://schemas.microsoft.com/office/powerpoint/2010/main" val="4108969356"/>
+        <p14:creationId xmlns:p14="http://schemas.microsoft.com/office/powerpoint/2010/main" val="444119242"/>
       </p:ext>
     </p:extLst>
   </p:cSld>
@@ -27530,26 +27383,66 @@
         </p:nvSpPr>
         <p:spPr>
           <a:xfrm>
-            <a:off x="68141" y="73156"/>
-            <a:ext cx="9404723" cy="306407"/>
+            <a:off x="85394" y="90409"/>
+            <a:ext cx="9404723" cy="453056"/>
           </a:xfrm>
         </p:spPr>
         <p:txBody>
           <a:bodyPr/>
           <a:lstStyle/>
           <a:p>
-            <a:r>
-              <a:rPr lang="en-IN" sz="1400" b="1" u="sng" dirty="0"/>
-              <a:t>Cannot Create Arrays of Parameterized Types</a:t>
-            </a:r>
-            <a:r>
-              <a:rPr lang="en-IN" sz="1400" b="1" dirty="0"/>
-              <a:t/>
-            </a:r>
-            <a:br>
-              <a:rPr lang="en-IN" sz="1400" b="1" dirty="0"/>
-            </a:br>
-            <a:endParaRPr lang="en-GB" sz="1400" dirty="0"/>
+            <a:pPr lvl="0" defTabSz="914400" eaLnBrk="0" fontAlgn="base" hangingPunct="0">
+              <a:spcAft>
+                <a:spcPct val="0"/>
+              </a:spcAft>
+            </a:pPr>
+            <a:r>
+              <a:rPr lang="en-US" altLang="en-US" sz="1400" b="1" dirty="0">
+                <a:solidFill>
+                  <a:schemeClr val="tx1"/>
+                </a:solidFill>
+                <a:latin typeface="Arial" panose="020B0604020202020204" pitchFamily="34" charset="0"/>
+                <a:cs typeface="Arial" panose="020B0604020202020204" pitchFamily="34" charset="0"/>
+              </a:rPr>
+              <a:t>C</a:t>
+            </a:r>
+            <a:r>
+              <a:rPr lang="en-US" altLang="en-US" sz="1400" b="1" dirty="0" bmk="">
+                <a:solidFill>
+                  <a:schemeClr val="tx1"/>
+                </a:solidFill>
+                <a:latin typeface="Arial" panose="020B0604020202020204" pitchFamily="34" charset="0"/>
+                <a:cs typeface="Arial" panose="020B0604020202020204" pitchFamily="34" charset="0"/>
+              </a:rPr>
+              <a:t>annot Use Casts or </a:t>
+            </a:r>
+            <a:r>
+              <a:rPr lang="en-US" altLang="en-US" sz="1050" b="1" dirty="0" err="1" bmk="">
+                <a:solidFill>
+                  <a:schemeClr val="tx1"/>
+                </a:solidFill>
+                <a:latin typeface="Arial Unicode MS" panose="020B0604020202020204" pitchFamily="34" charset="-128"/>
+                <a:cs typeface="Arial" panose="020B0604020202020204" pitchFamily="34" charset="0"/>
+              </a:rPr>
+              <a:t>instanceof</a:t>
+            </a:r>
+            <a:r>
+              <a:rPr lang="en-US" altLang="en-US" sz="1400" b="1" dirty="0" bmk="">
+                <a:solidFill>
+                  <a:schemeClr val="tx1"/>
+                </a:solidFill>
+                <a:latin typeface="Arial" panose="020B0604020202020204" pitchFamily="34" charset="0"/>
+                <a:cs typeface="Arial" panose="020B0604020202020204" pitchFamily="34" charset="0"/>
+              </a:rPr>
+              <a:t> with Parameterized Types</a:t>
+            </a:r>
+            <a:endParaRPr lang="en-US" altLang="en-US" sz="1400" b="1" dirty="0">
+              <a:solidFill>
+                <a:schemeClr val="tx1"/>
+              </a:solidFill>
+              <a:latin typeface="Arial" panose="020B0604020202020204" pitchFamily="34" charset="0"/>
+              <a:cs typeface="Arial" panose="020B0604020202020204" pitchFamily="34" charset="0"/>
+            </a:endParaRPr>
           </a:p>
         </p:txBody>
       </p:sp>
@@ -27565,142 +27458,234 @@
         </p:nvSpPr>
         <p:spPr>
           <a:xfrm>
-            <a:off x="293298" y="586596"/>
-            <a:ext cx="11490385" cy="5960853"/>
+            <a:off x="327804" y="483080"/>
+            <a:ext cx="11430000" cy="5765320"/>
           </a:xfrm>
         </p:spPr>
         <p:txBody>
           <a:bodyPr>
-            <a:normAutofit fontScale="92500" lnSpcReduction="20000"/>
+            <a:normAutofit fontScale="62500" lnSpcReduction="20000"/>
           </a:bodyPr>
           <a:lstStyle/>
           <a:p>
             <a:r>
               <a:rPr lang="en-IN" dirty="0"/>
-              <a:t>You cannot create arrays of parameterized types. For example, the following code does not compile:</a:t>
-            </a:r>
-          </a:p>
-          <a:p>
-            <a:endParaRPr lang="en-IN" dirty="0"/>
-          </a:p>
-          <a:p>
-            <a:r>
-              <a:rPr lang="en-IN" dirty="0"/>
-              <a:t>List&lt;Integer&gt;[] </a:t>
+              <a:t>Because the Java compiler erases all type parameters in generic code, you cannot verify which parameterized type for a generic type is being used at runtime:</a:t>
+            </a:r>
+          </a:p>
+          <a:p>
+            <a:pPr lvl="1"/>
+            <a:r>
+              <a:rPr lang="en-IN" dirty="0"/>
+              <a:t>public static &lt;E&gt; void </a:t>
             </a:r>
             <a:r>
               <a:rPr lang="en-IN" dirty="0" err="1"/>
-              <a:t>arrayOfLists</a:t>
-            </a:r>
-            <a:r>
-              <a:rPr lang="en-IN" dirty="0"/>
-              <a:t> = new List&lt;Integer&gt;[2];  // compile-time error</a:t>
-            </a:r>
-          </a:p>
-          <a:p>
-            <a:r>
-              <a:rPr lang="en-IN" dirty="0"/>
-              <a:t>The following code illustrates what happens when different types are inserted into an array:</a:t>
-            </a:r>
-          </a:p>
-          <a:p>
-            <a:endParaRPr lang="en-IN" dirty="0"/>
-          </a:p>
-          <a:p>
-            <a:r>
-              <a:rPr lang="en-IN" dirty="0"/>
-              <a:t>Object[] strings = new String[2];</a:t>
-            </a:r>
-          </a:p>
-          <a:p>
-            <a:r>
-              <a:rPr lang="en-IN" dirty="0"/>
-              <a:t>strings[0] = "hi";   // OK</a:t>
-            </a:r>
-          </a:p>
-          <a:p>
-            <a:r>
-              <a:rPr lang="en-IN" dirty="0"/>
-              <a:t>strings[1] = 100;    // An </a:t>
+              <a:t>rtti</a:t>
+            </a:r>
+            <a:r>
+              <a:rPr lang="en-IN" dirty="0"/>
+              <a:t>(List&lt;E&gt; list) {</a:t>
+            </a:r>
+          </a:p>
+          <a:p>
+            <a:pPr marL="857250" lvl="2" indent="0">
+              <a:buNone/>
+            </a:pPr>
+            <a:r>
+              <a:rPr lang="en-IN" dirty="0"/>
+              <a:t>    if (list </a:t>
             </a:r>
             <a:r>
               <a:rPr lang="en-IN" dirty="0" err="1"/>
-              <a:t>ArrayStoreException</a:t>
-            </a:r>
-            <a:r>
-              <a:rPr lang="en-IN" dirty="0"/>
-              <a:t> is thrown.</a:t>
-            </a:r>
-          </a:p>
-          <a:p>
-            <a:r>
-              <a:rPr lang="en-IN" dirty="0"/>
-              <a:t>If you try the same thing with a generic list, there would be a problem:</a:t>
-            </a:r>
-          </a:p>
-          <a:p>
-            <a:endParaRPr lang="en-IN" dirty="0"/>
-          </a:p>
-          <a:p>
-            <a:r>
-              <a:rPr lang="en-IN" dirty="0"/>
-              <a:t>Object[] </a:t>
+              <a:t>instanceof</a:t>
+            </a:r>
+            <a:r>
+              <a:rPr lang="en-IN" dirty="0"/>
+              <a:t> ArrayList&lt;Integer&gt;) {  // compile-time error</a:t>
+            </a:r>
+          </a:p>
+          <a:p>
+            <a:pPr marL="857250" lvl="2" indent="0">
+              <a:buNone/>
+            </a:pPr>
+            <a:r>
+              <a:rPr lang="en-IN" dirty="0"/>
+              <a:t>        // ...</a:t>
+            </a:r>
+          </a:p>
+          <a:p>
+            <a:pPr marL="857250" lvl="2" indent="0">
+              <a:buNone/>
+            </a:pPr>
+            <a:r>
+              <a:rPr lang="en-IN" dirty="0"/>
+              <a:t>    }</a:t>
+            </a:r>
+          </a:p>
+          <a:p>
+            <a:pPr marL="857250" lvl="2" indent="0">
+              <a:buNone/>
+            </a:pPr>
+            <a:r>
+              <a:rPr lang="en-IN" dirty="0"/>
+              <a:t>}</a:t>
+            </a:r>
+          </a:p>
+          <a:p>
+            <a:r>
+              <a:rPr lang="en-IN" dirty="0"/>
+              <a:t>The set of parameterized types passed to the </a:t>
             </a:r>
             <a:r>
               <a:rPr lang="en-IN" dirty="0" err="1"/>
-              <a:t>stringLists</a:t>
-            </a:r>
-            <a:r>
-              <a:rPr lang="en-IN" dirty="0"/>
-              <a:t> = new List&lt;String&gt;[];  // compiler error, but pretend it's allowed</a:t>
-            </a:r>
-          </a:p>
-          <a:p>
+              <a:t>rtti</a:t>
+            </a:r>
+            <a:r>
+              <a:rPr lang="en-IN" dirty="0"/>
+              <a:t> method is:</a:t>
+            </a:r>
+          </a:p>
+          <a:p>
+            <a:pPr lvl="1"/>
+            <a:r>
+              <a:rPr lang="en-IN" dirty="0"/>
+              <a:t>S = { ArrayList&lt;Integer&gt;, ArrayList&lt;String&gt; LinkedList&lt;Character&gt;, ... }</a:t>
+            </a:r>
+          </a:p>
+          <a:p>
+            <a:r>
+              <a:rPr lang="en-IN" dirty="0"/>
+              <a:t>The runtime does not keep track of type parameters, so it cannot tell the difference between an ArrayList&lt;Integer&gt; and an ArrayList&lt;String&gt;. The most you can do is to use an unbounded wildcard to verify that the list is an ArrayList:</a:t>
+            </a:r>
+          </a:p>
+          <a:p>
+            <a:pPr lvl="1"/>
+            <a:r>
+              <a:rPr lang="en-IN" dirty="0"/>
+              <a:t>public static void </a:t>
+            </a:r>
             <a:r>
               <a:rPr lang="en-IN" dirty="0" err="1"/>
-              <a:t>stringLists</a:t>
-            </a:r>
-            <a:r>
-              <a:rPr lang="en-IN" dirty="0"/>
-              <a:t>[0] = new ArrayList&lt;String&gt;();   // OK</a:t>
-            </a:r>
-          </a:p>
-          <a:p>
+              <a:t>rtti</a:t>
+            </a:r>
+            <a:r>
+              <a:rPr lang="en-IN" dirty="0"/>
+              <a:t>(List&lt;</a:t>
+            </a:r>
+            <a:r>
+              <a:rPr lang="en-IN" dirty="0">
+                <a:latin typeface="Times New Roman" panose="02020603050405020304" pitchFamily="18" charset="0"/>
+                <a:cs typeface="Times New Roman" panose="02020603050405020304" pitchFamily="18" charset="0"/>
+              </a:rPr>
+              <a:t>?</a:t>
+            </a:r>
+            <a:r>
+              <a:rPr lang="en-IN" dirty="0"/>
+              <a:t>&gt; list) {</a:t>
+            </a:r>
+          </a:p>
+          <a:p>
+            <a:pPr marL="857250" lvl="2" indent="0">
+              <a:buNone/>
+            </a:pPr>
+            <a:r>
+              <a:rPr lang="en-IN" dirty="0"/>
+              <a:t>    if (list </a:t>
+            </a:r>
             <a:r>
               <a:rPr lang="en-IN" dirty="0" err="1"/>
-              <a:t>stringLists</a:t>
-            </a:r>
-            <a:r>
-              <a:rPr lang="en-IN" dirty="0"/>
-              <a:t>[1] = new ArrayList&lt;Integer&gt;();  // An </a:t>
+              <a:t>instanceof</a:t>
+            </a:r>
+            <a:r>
+              <a:rPr lang="en-IN" dirty="0"/>
+              <a:t> ArrayList&lt;</a:t>
+            </a:r>
+            <a:r>
+              <a:rPr lang="en-IN" dirty="0">
+                <a:latin typeface="Times New Roman" panose="02020603050405020304" pitchFamily="18" charset="0"/>
+                <a:cs typeface="Times New Roman" panose="02020603050405020304" pitchFamily="18" charset="0"/>
+              </a:rPr>
+              <a:t>?</a:t>
+            </a:r>
+            <a:r>
+              <a:rPr lang="en-IN" dirty="0"/>
+              <a:t>&gt;) {  // OK; </a:t>
             </a:r>
             <a:r>
               <a:rPr lang="en-IN" dirty="0" err="1"/>
-              <a:t>ArrayStoreException</a:t>
-            </a:r>
-            <a:r>
-              <a:rPr lang="en-IN" dirty="0"/>
-              <a:t> should be thrown,</a:t>
-            </a:r>
-          </a:p>
-          <a:p>
-            <a:r>
-              <a:rPr lang="en-IN" dirty="0"/>
-              <a:t>                                            // but the runtime can't detect it.</a:t>
-            </a:r>
-          </a:p>
-          <a:p>
-            <a:r>
-              <a:rPr lang="en-IN" dirty="0"/>
-              <a:t>If arrays of parameterized lists were allowed, the previous code would fail to throw the desired </a:t>
-            </a:r>
-            <a:r>
-              <a:rPr lang="en-IN" dirty="0" err="1"/>
-              <a:t>ArrayStoreException</a:t>
-            </a:r>
-            <a:r>
-              <a:rPr lang="en-IN" dirty="0"/>
-              <a:t>.</a:t>
+              <a:t>instanceof</a:t>
+            </a:r>
+            <a:r>
+              <a:rPr lang="en-IN" dirty="0"/>
+              <a:t> requires a reifiable type</a:t>
+            </a:r>
+          </a:p>
+          <a:p>
+            <a:pPr marL="857250" lvl="2" indent="0">
+              <a:buNone/>
+            </a:pPr>
+            <a:r>
+              <a:rPr lang="en-IN" dirty="0"/>
+              <a:t>        // ...</a:t>
+            </a:r>
+          </a:p>
+          <a:p>
+            <a:pPr marL="857250" lvl="2" indent="0">
+              <a:buNone/>
+            </a:pPr>
+            <a:r>
+              <a:rPr lang="en-IN" dirty="0"/>
+              <a:t>    }</a:t>
+            </a:r>
+          </a:p>
+          <a:p>
+            <a:pPr marL="857250" lvl="2" indent="0">
+              <a:buNone/>
+            </a:pPr>
+            <a:r>
+              <a:rPr lang="en-IN" dirty="0"/>
+              <a:t>}</a:t>
+            </a:r>
+          </a:p>
+          <a:p>
+            <a:r>
+              <a:rPr lang="en-IN" dirty="0"/>
+              <a:t>Typically, you cannot cast to a parameterized type unless it is parameterized by unbounded wildcards. For example:</a:t>
+            </a:r>
+          </a:p>
+          <a:p>
+            <a:pPr lvl="1"/>
+            <a:r>
+              <a:rPr lang="en-IN" dirty="0"/>
+              <a:t>List&lt;Integer&gt; li = new ArrayList&lt;&gt;();</a:t>
+            </a:r>
+          </a:p>
+          <a:p>
+            <a:pPr lvl="1"/>
+            <a:r>
+              <a:rPr lang="en-IN" dirty="0"/>
+              <a:t>List&lt;Number&gt;  ln = (List&lt;Number&gt;) li;  // compile-time error</a:t>
+            </a:r>
+          </a:p>
+          <a:p>
+            <a:r>
+              <a:rPr lang="en-IN" dirty="0"/>
+              <a:t>However, in some cases the compiler knows that a type parameter is always valid and allows the cast. For example:</a:t>
+            </a:r>
+          </a:p>
+          <a:p>
+            <a:pPr lvl="1"/>
+            <a:r>
+              <a:rPr lang="en-IN" dirty="0"/>
+              <a:t>List&lt;String&gt; l1 = ...;</a:t>
+            </a:r>
+          </a:p>
+          <a:p>
+            <a:pPr lvl="1"/>
+            <a:r>
+              <a:rPr lang="en-IN" dirty="0"/>
+              <a:t>ArrayList&lt;String&gt; l2 = (ArrayList&lt;String&gt;)l1;  // OK</a:t>
             </a:r>
             <a:endParaRPr lang="en-GB" dirty="0"/>
           </a:p>
@@ -27709,7 +27694,7 @@
     </p:spTree>
     <p:extLst>
       <p:ext uri="{BB962C8B-B14F-4D97-AF65-F5344CB8AC3E}">
-        <p14:creationId xmlns:p14="http://schemas.microsoft.com/office/powerpoint/2010/main" val="1509344518"/>
+        <p14:creationId xmlns:p14="http://schemas.microsoft.com/office/powerpoint/2010/main" val="4108969356"/>
       </p:ext>
     </p:extLst>
   </p:cSld>
@@ -27748,8 +27733,8 @@
         </p:nvSpPr>
         <p:spPr>
           <a:xfrm>
-            <a:off x="102647" y="81782"/>
-            <a:ext cx="9404723" cy="332286"/>
+            <a:off x="68141" y="73156"/>
+            <a:ext cx="9404723" cy="306407"/>
           </a:xfrm>
         </p:spPr>
         <p:txBody>
@@ -27758,7 +27743,7 @@
           <a:p>
             <a:r>
               <a:rPr lang="en-IN" sz="1400" b="1" u="sng" dirty="0"/>
-              <a:t>Cannot Create, Catch, or Throw Objects of Parameterized Types</a:t>
+              <a:t>Cannot Create Arrays of Parameterized Types</a:t>
             </a:r>
             <a:r>
               <a:rPr lang="en-IN" sz="1400" b="1" dirty="0"/>
@@ -27783,191 +27768,151 @@
         </p:nvSpPr>
         <p:spPr>
           <a:xfrm>
-            <a:off x="241540" y="552091"/>
-            <a:ext cx="11585275" cy="6193765"/>
+            <a:off x="293298" y="586596"/>
+            <a:ext cx="11490385" cy="5960853"/>
           </a:xfrm>
         </p:spPr>
         <p:txBody>
           <a:bodyPr>
-            <a:normAutofit fontScale="70000" lnSpcReduction="20000"/>
+            <a:normAutofit fontScale="92500" lnSpcReduction="20000"/>
           </a:bodyPr>
           <a:lstStyle/>
           <a:p>
             <a:r>
-              <a:rPr lang="en-GB" dirty="0"/>
-              <a:t>A generic class cannot extend the </a:t>
-            </a:r>
-            <a:r>
-              <a:rPr lang="en-GB" dirty="0" err="1"/>
-              <a:t>Throwable</a:t>
-            </a:r>
-            <a:r>
-              <a:rPr lang="en-GB" dirty="0"/>
-              <a:t> class directly or indirectly. For example, the following classes will not compile:</a:t>
-            </a:r>
-          </a:p>
-          <a:p>
-            <a:r>
-              <a:rPr lang="en-GB" dirty="0"/>
-              <a:t> Extends </a:t>
-            </a:r>
-            <a:r>
-              <a:rPr lang="en-GB" dirty="0" err="1"/>
-              <a:t>Throwable</a:t>
-            </a:r>
-            <a:r>
-              <a:rPr lang="en-GB" dirty="0"/>
-              <a:t> indirectly</a:t>
-            </a:r>
-          </a:p>
-          <a:p>
-            <a:pPr lvl="1"/>
-            <a:r>
-              <a:rPr lang="en-GB" dirty="0"/>
-              <a:t>class </a:t>
-            </a:r>
-            <a:r>
-              <a:rPr lang="en-GB" dirty="0" err="1"/>
-              <a:t>MathException</a:t>
-            </a:r>
-            <a:r>
-              <a:rPr lang="en-GB" dirty="0"/>
-              <a:t>&lt;T&gt; extends Exception { /* ... */ }    // compile-time error</a:t>
-            </a:r>
-          </a:p>
-          <a:p>
-            <a:r>
-              <a:rPr lang="en-GB" dirty="0"/>
-              <a:t> Extends </a:t>
-            </a:r>
-            <a:r>
-              <a:rPr lang="en-GB" dirty="0" err="1"/>
-              <a:t>Throwable</a:t>
-            </a:r>
-            <a:r>
-              <a:rPr lang="en-GB" dirty="0"/>
-              <a:t> directly</a:t>
-            </a:r>
-          </a:p>
-          <a:p>
-            <a:pPr lvl="1"/>
-            <a:r>
-              <a:rPr lang="en-GB" dirty="0"/>
-              <a:t>class </a:t>
-            </a:r>
-            <a:r>
-              <a:rPr lang="en-GB" dirty="0" err="1"/>
-              <a:t>QueueFullException</a:t>
-            </a:r>
-            <a:r>
-              <a:rPr lang="en-GB" dirty="0"/>
-              <a:t>&lt;T&gt; extends </a:t>
-            </a:r>
-            <a:r>
-              <a:rPr lang="en-GB" dirty="0" err="1"/>
-              <a:t>Throwable</a:t>
-            </a:r>
-            <a:r>
-              <a:rPr lang="en-GB" dirty="0"/>
-              <a:t> { /* ... */ // compile-time error</a:t>
-            </a:r>
-          </a:p>
-          <a:p>
-            <a:r>
-              <a:rPr lang="en-GB" dirty="0"/>
-              <a:t>A method cannot catch an instance of a type parameter:</a:t>
-            </a:r>
-          </a:p>
-          <a:p>
-            <a:r>
-              <a:rPr lang="en-GB" dirty="0"/>
-              <a:t>public static &lt;T extends Exception, J&gt; void execute(List&lt;J&gt; jobs) {</a:t>
-            </a:r>
-          </a:p>
-          <a:p>
-            <a:r>
-              <a:rPr lang="en-GB" dirty="0"/>
-              <a:t>    try {</a:t>
-            </a:r>
-          </a:p>
-          <a:p>
-            <a:r>
-              <a:rPr lang="en-GB" dirty="0"/>
-              <a:t>        for (J job : jobs)</a:t>
-            </a:r>
-          </a:p>
-          <a:p>
-            <a:r>
-              <a:rPr lang="en-GB" dirty="0"/>
-              <a:t>            // ...</a:t>
-            </a:r>
-          </a:p>
-          <a:p>
-            <a:r>
-              <a:rPr lang="en-GB" dirty="0"/>
-              <a:t>    } catch (T e) {   // compile-time error</a:t>
-            </a:r>
-          </a:p>
-          <a:p>
-            <a:r>
-              <a:rPr lang="en-GB" dirty="0"/>
-              <a:t>        // ...</a:t>
-            </a:r>
-          </a:p>
-          <a:p>
-            <a:r>
-              <a:rPr lang="en-GB" dirty="0"/>
-              <a:t>    }</a:t>
-            </a:r>
-          </a:p>
-          <a:p>
-            <a:r>
-              <a:rPr lang="en-GB" dirty="0"/>
-              <a:t>}</a:t>
-            </a:r>
-          </a:p>
-          <a:p>
-            <a:r>
-              <a:rPr lang="en-GB" dirty="0"/>
-              <a:t>You can, however, use a type parameter in a throws clause:</a:t>
-            </a:r>
-          </a:p>
-          <a:p>
-            <a:r>
-              <a:rPr lang="en-GB" dirty="0"/>
-              <a:t>class Parser&lt;T extends Exception&gt; {</a:t>
-            </a:r>
-          </a:p>
-          <a:p>
-            <a:r>
-              <a:rPr lang="en-GB" dirty="0"/>
-              <a:t>    public void parse(File file) throws T {     // OK</a:t>
-            </a:r>
-          </a:p>
-          <a:p>
-            <a:r>
-              <a:rPr lang="en-GB" dirty="0"/>
-              <a:t>        // ...</a:t>
-            </a:r>
-          </a:p>
-          <a:p>
-            <a:r>
-              <a:rPr lang="en-GB" dirty="0"/>
-              <a:t>    }</a:t>
-            </a:r>
-          </a:p>
-          <a:p>
-            <a:r>
-              <a:rPr lang="en-GB" dirty="0"/>
-              <a:t>}</a:t>
-            </a:r>
+              <a:rPr lang="en-IN" dirty="0"/>
+              <a:t>You cannot create arrays of parameterized types. For example, the following code does not compile:</a:t>
+            </a:r>
+          </a:p>
+          <a:p>
+            <a:endParaRPr lang="en-IN" dirty="0"/>
+          </a:p>
+          <a:p>
+            <a:r>
+              <a:rPr lang="en-IN" dirty="0"/>
+              <a:t>List&lt;Integer&gt;[] </a:t>
+            </a:r>
+            <a:r>
+              <a:rPr lang="en-IN" dirty="0" err="1"/>
+              <a:t>arrayOfLists</a:t>
+            </a:r>
+            <a:r>
+              <a:rPr lang="en-IN" dirty="0"/>
+              <a:t> = new List&lt;Integer&gt;[2];  // compile-time error</a:t>
+            </a:r>
+          </a:p>
+          <a:p>
+            <a:r>
+              <a:rPr lang="en-IN" dirty="0"/>
+              <a:t>The following code illustrates what happens when different types are inserted into an array:</a:t>
+            </a:r>
+          </a:p>
+          <a:p>
+            <a:endParaRPr lang="en-IN" dirty="0"/>
+          </a:p>
+          <a:p>
+            <a:r>
+              <a:rPr lang="en-IN" dirty="0"/>
+              <a:t>Object[] strings = new String[2];</a:t>
+            </a:r>
+          </a:p>
+          <a:p>
+            <a:r>
+              <a:rPr lang="en-IN" dirty="0"/>
+              <a:t>strings[0] = "hi";   // OK</a:t>
+            </a:r>
+          </a:p>
+          <a:p>
+            <a:r>
+              <a:rPr lang="en-IN" dirty="0"/>
+              <a:t>strings[1] = 100;    // An </a:t>
+            </a:r>
+            <a:r>
+              <a:rPr lang="en-IN" dirty="0" err="1"/>
+              <a:t>ArrayStoreException</a:t>
+            </a:r>
+            <a:r>
+              <a:rPr lang="en-IN" dirty="0"/>
+              <a:t> is thrown.</a:t>
+            </a:r>
+          </a:p>
+          <a:p>
+            <a:r>
+              <a:rPr lang="en-IN" dirty="0"/>
+              <a:t>If you try the same thing with a generic list, there would be a problem:</a:t>
+            </a:r>
+          </a:p>
+          <a:p>
+            <a:endParaRPr lang="en-IN" dirty="0"/>
+          </a:p>
+          <a:p>
+            <a:r>
+              <a:rPr lang="en-IN" dirty="0"/>
+              <a:t>Object[] </a:t>
+            </a:r>
+            <a:r>
+              <a:rPr lang="en-IN" dirty="0" err="1"/>
+              <a:t>stringLists</a:t>
+            </a:r>
+            <a:r>
+              <a:rPr lang="en-IN" dirty="0"/>
+              <a:t> = new List&lt;String&gt;[];  // compiler error, but pretend it's allowed</a:t>
+            </a:r>
+          </a:p>
+          <a:p>
+            <a:r>
+              <a:rPr lang="en-IN" dirty="0" err="1"/>
+              <a:t>stringLists</a:t>
+            </a:r>
+            <a:r>
+              <a:rPr lang="en-IN" dirty="0"/>
+              <a:t>[0] = new ArrayList&lt;String&gt;();   // OK</a:t>
+            </a:r>
+          </a:p>
+          <a:p>
+            <a:r>
+              <a:rPr lang="en-IN" dirty="0" err="1"/>
+              <a:t>stringLists</a:t>
+            </a:r>
+            <a:r>
+              <a:rPr lang="en-IN" dirty="0"/>
+              <a:t>[1] = new ArrayList&lt;Integer&gt;();  // An </a:t>
+            </a:r>
+            <a:r>
+              <a:rPr lang="en-IN" dirty="0" err="1"/>
+              <a:t>ArrayStoreException</a:t>
+            </a:r>
+            <a:r>
+              <a:rPr lang="en-IN" dirty="0"/>
+              <a:t> should be thrown,</a:t>
+            </a:r>
+          </a:p>
+          <a:p>
+            <a:r>
+              <a:rPr lang="en-IN" dirty="0"/>
+              <a:t>                                            // but the runtime can't detect it.</a:t>
+            </a:r>
+          </a:p>
+          <a:p>
+            <a:r>
+              <a:rPr lang="en-IN" dirty="0"/>
+              <a:t>If arrays of parameterized lists were allowed, the previous code would fail to throw the desired </a:t>
+            </a:r>
+            <a:r>
+              <a:rPr lang="en-IN" dirty="0" err="1"/>
+              <a:t>ArrayStoreException</a:t>
+            </a:r>
+            <a:r>
+              <a:rPr lang="en-IN" dirty="0"/>
+              <a:t>.</a:t>
+            </a:r>
+            <a:endParaRPr lang="en-GB" dirty="0"/>
           </a:p>
         </p:txBody>
       </p:sp>
     </p:spTree>
     <p:extLst>
       <p:ext uri="{BB962C8B-B14F-4D97-AF65-F5344CB8AC3E}">
-        <p14:creationId xmlns:p14="http://schemas.microsoft.com/office/powerpoint/2010/main" val="3989418157"/>
+        <p14:creationId xmlns:p14="http://schemas.microsoft.com/office/powerpoint/2010/main" val="1509344518"/>
       </p:ext>
     </p:extLst>
   </p:cSld>
@@ -28006,8 +27951,8 @@
         </p:nvSpPr>
         <p:spPr>
           <a:xfrm>
-            <a:off x="119900" y="185299"/>
-            <a:ext cx="9404723" cy="358165"/>
+            <a:off x="102647" y="81782"/>
+            <a:ext cx="9404723" cy="332286"/>
           </a:xfrm>
         </p:spPr>
         <p:txBody>
@@ -28015,17 +27960,17 @@
           <a:lstStyle/>
           <a:p>
             <a:r>
-              <a:rPr lang="en-IN" sz="1200" b="1" u="sng" dirty="0"/>
-              <a:t>Cannot Overload a Method Where the Formal Parameter Types of Each Overload Erase to the Same Raw Type</a:t>
-            </a:r>
-            <a:r>
-              <a:rPr lang="en-IN" sz="1200" b="1" dirty="0"/>
+              <a:rPr lang="en-IN" sz="1400" b="1" u="sng" dirty="0"/>
+              <a:t>Cannot Create, Catch, or Throw Objects of Parameterized Types</a:t>
+            </a:r>
+            <a:r>
+              <a:rPr lang="en-IN" sz="1400" b="1" dirty="0"/>
               <a:t/>
             </a:r>
             <a:br>
-              <a:rPr lang="en-IN" sz="1200" b="1" dirty="0"/>
+              <a:rPr lang="en-IN" sz="1400" b="1" dirty="0"/>
             </a:br>
-            <a:endParaRPr lang="en-GB" sz="1200" dirty="0"/>
+            <a:endParaRPr lang="en-GB" sz="1400" dirty="0"/>
           </a:p>
         </p:txBody>
       </p:sp>
@@ -28041,93 +27986,191 @@
         </p:nvSpPr>
         <p:spPr>
           <a:xfrm>
-            <a:off x="318307" y="733245"/>
-            <a:ext cx="11413618" cy="5704935"/>
+            <a:off x="241540" y="552091"/>
+            <a:ext cx="11585275" cy="6193765"/>
           </a:xfrm>
         </p:spPr>
         <p:txBody>
-          <a:bodyPr/>
+          <a:bodyPr>
+            <a:normAutofit fontScale="70000" lnSpcReduction="20000"/>
+          </a:bodyPr>
           <a:lstStyle/>
           <a:p>
             <a:r>
-              <a:rPr lang="en-IN" dirty="0"/>
-              <a:t>A class cannot have two overloaded methods that will have the same signature after type erasure.</a:t>
-            </a:r>
-          </a:p>
-          <a:p>
-            <a:endParaRPr lang="en-IN" dirty="0"/>
+              <a:rPr lang="en-GB" dirty="0"/>
+              <a:t>A generic class cannot extend the </a:t>
+            </a:r>
+            <a:r>
+              <a:rPr lang="en-GB" dirty="0" err="1"/>
+              <a:t>Throwable</a:t>
+            </a:r>
+            <a:r>
+              <a:rPr lang="en-GB" dirty="0"/>
+              <a:t> class directly or indirectly. For example, the following classes will not compile:</a:t>
+            </a:r>
+          </a:p>
+          <a:p>
+            <a:r>
+              <a:rPr lang="en-GB" dirty="0"/>
+              <a:t> Extends </a:t>
+            </a:r>
+            <a:r>
+              <a:rPr lang="en-GB" dirty="0" err="1"/>
+              <a:t>Throwable</a:t>
+            </a:r>
+            <a:r>
+              <a:rPr lang="en-GB" dirty="0"/>
+              <a:t> indirectly</a:t>
+            </a:r>
           </a:p>
           <a:p>
             <a:pPr lvl="1"/>
             <a:r>
-              <a:rPr lang="en-IN" dirty="0"/>
-              <a:t>public class Example {</a:t>
-            </a:r>
-          </a:p>
-          <a:p>
-            <a:pPr marL="857250" lvl="2" indent="0">
-              <a:buNone/>
-            </a:pPr>
-            <a:r>
-              <a:rPr lang="en-IN" dirty="0"/>
-              <a:t>    public void print(Set&lt;String&gt; </a:t>
-            </a:r>
-            <a:r>
-              <a:rPr lang="en-IN" dirty="0" err="1"/>
-              <a:t>strSet</a:t>
-            </a:r>
-            <a:r>
-              <a:rPr lang="en-IN" dirty="0"/>
-              <a:t>) { }</a:t>
-            </a:r>
-          </a:p>
-          <a:p>
-            <a:pPr marL="857250" lvl="2" indent="0">
-              <a:buNone/>
-            </a:pPr>
-            <a:r>
-              <a:rPr lang="en-IN" dirty="0"/>
-              <a:t>    public void print(Set&lt;Integer&gt; </a:t>
-            </a:r>
-            <a:r>
-              <a:rPr lang="en-IN" dirty="0" err="1"/>
-              <a:t>intSet</a:t>
-            </a:r>
-            <a:r>
-              <a:rPr lang="en-IN" dirty="0"/>
-              <a:t>) { }</a:t>
-            </a:r>
-          </a:p>
-          <a:p>
-            <a:pPr marL="857250" lvl="2" indent="0">
-              <a:buNone/>
-            </a:pPr>
-            <a:r>
-              <a:rPr lang="en-IN" dirty="0"/>
+              <a:rPr lang="en-GB" dirty="0"/>
+              <a:t>class </a:t>
+            </a:r>
+            <a:r>
+              <a:rPr lang="en-GB" dirty="0" err="1"/>
+              <a:t>MathException</a:t>
+            </a:r>
+            <a:r>
+              <a:rPr lang="en-GB" dirty="0"/>
+              <a:t>&lt;T&gt; extends Exception { /* ... */ }    // compile-time error</a:t>
+            </a:r>
+          </a:p>
+          <a:p>
+            <a:r>
+              <a:rPr lang="en-GB" dirty="0"/>
+              <a:t> Extends </a:t>
+            </a:r>
+            <a:r>
+              <a:rPr lang="en-GB" dirty="0" err="1"/>
+              <a:t>Throwable</a:t>
+            </a:r>
+            <a:r>
+              <a:rPr lang="en-GB" dirty="0"/>
+              <a:t> directly</a:t>
+            </a:r>
+          </a:p>
+          <a:p>
+            <a:pPr lvl="1"/>
+            <a:r>
+              <a:rPr lang="en-GB" dirty="0"/>
+              <a:t>class </a:t>
+            </a:r>
+            <a:r>
+              <a:rPr lang="en-GB" dirty="0" err="1"/>
+              <a:t>QueueFullException</a:t>
+            </a:r>
+            <a:r>
+              <a:rPr lang="en-GB" dirty="0"/>
+              <a:t>&lt;T&gt; extends </a:t>
+            </a:r>
+            <a:r>
+              <a:rPr lang="en-GB" dirty="0" err="1"/>
+              <a:t>Throwable</a:t>
+            </a:r>
+            <a:r>
+              <a:rPr lang="en-GB" dirty="0"/>
+              <a:t> { /* ... */ // compile-time error</a:t>
+            </a:r>
+          </a:p>
+          <a:p>
+            <a:r>
+              <a:rPr lang="en-GB" dirty="0"/>
+              <a:t>A method cannot catch an instance of a type parameter:</a:t>
+            </a:r>
+          </a:p>
+          <a:p>
+            <a:r>
+              <a:rPr lang="en-GB" dirty="0"/>
+              <a:t>public static &lt;T extends Exception, J&gt; void execute(List&lt;J&gt; jobs) {</a:t>
+            </a:r>
+          </a:p>
+          <a:p>
+            <a:r>
+              <a:rPr lang="en-GB" dirty="0"/>
+              <a:t>    try {</a:t>
+            </a:r>
+          </a:p>
+          <a:p>
+            <a:r>
+              <a:rPr lang="en-GB" dirty="0"/>
+              <a:t>        for (J job : jobs)</a:t>
+            </a:r>
+          </a:p>
+          <a:p>
+            <a:r>
+              <a:rPr lang="en-GB" dirty="0"/>
+              <a:t>            // ...</a:t>
+            </a:r>
+          </a:p>
+          <a:p>
+            <a:r>
+              <a:rPr lang="en-GB" dirty="0"/>
+              <a:t>    } catch (T e) {   // compile-time error</a:t>
+            </a:r>
+          </a:p>
+          <a:p>
+            <a:r>
+              <a:rPr lang="en-GB" dirty="0"/>
+              <a:t>        // ...</a:t>
+            </a:r>
+          </a:p>
+          <a:p>
+            <a:r>
+              <a:rPr lang="en-GB" dirty="0"/>
+              <a:t>    }</a:t>
+            </a:r>
+          </a:p>
+          <a:p>
+            <a:r>
+              <a:rPr lang="en-GB" dirty="0"/>
               <a:t>}</a:t>
             </a:r>
           </a:p>
           <a:p>
             <a:r>
-              <a:rPr lang="en-IN" dirty="0"/>
-              <a:t>The overloads would all share the same </a:t>
-            </a:r>
-            <a:r>
-              <a:rPr lang="en-IN" dirty="0" err="1"/>
-              <a:t>classfile</a:t>
-            </a:r>
-            <a:r>
-              <a:rPr lang="en-IN" dirty="0"/>
-              <a:t> representation and will generate a compile-time error.</a:t>
-            </a:r>
-            <a:endParaRPr lang="en-GB" dirty="0"/>
+              <a:rPr lang="en-GB" dirty="0"/>
+              <a:t>You can, however, use a type parameter in a throws clause:</a:t>
+            </a:r>
+          </a:p>
+          <a:p>
+            <a:r>
+              <a:rPr lang="en-GB" dirty="0"/>
+              <a:t>class Parser&lt;T extends Exception&gt; {</a:t>
+            </a:r>
+          </a:p>
+          <a:p>
+            <a:r>
+              <a:rPr lang="en-GB" dirty="0"/>
+              <a:t>    public void parse(File file) throws T {     // OK</a:t>
+            </a:r>
+          </a:p>
+          <a:p>
+            <a:r>
+              <a:rPr lang="en-GB" dirty="0"/>
+              <a:t>        // ...</a:t>
+            </a:r>
+          </a:p>
+          <a:p>
+            <a:r>
+              <a:rPr lang="en-GB" dirty="0"/>
+              <a:t>    }</a:t>
+            </a:r>
+          </a:p>
+          <a:p>
+            <a:r>
+              <a:rPr lang="en-GB" dirty="0"/>
+              <a:t>}</a:t>
+            </a:r>
           </a:p>
         </p:txBody>
       </p:sp>
     </p:spTree>
     <p:extLst>
       <p:ext uri="{BB962C8B-B14F-4D97-AF65-F5344CB8AC3E}">
-        <p14:creationId xmlns:p14="http://schemas.microsoft.com/office/powerpoint/2010/main" val="185477376"/>
+        <p14:creationId xmlns:p14="http://schemas.microsoft.com/office/powerpoint/2010/main" val="3989418157"/>
       </p:ext>
     </p:extLst>
   </p:cSld>
@@ -28458,6 +28501,166 @@
 </file>
 
 <file path=ppt/slides/slide70.xml><?xml version="1.0" encoding="utf-8"?>
+<p:sld xmlns:a="http://schemas.openxmlformats.org/drawingml/2006/main" xmlns:r="http://schemas.openxmlformats.org/officeDocument/2006/relationships" xmlns:p="http://schemas.openxmlformats.org/presentationml/2006/main">
+  <p:cSld>
+    <p:spTree>
+      <p:nvGrpSpPr>
+        <p:cNvPr id="1" name=""/>
+        <p:cNvGrpSpPr/>
+        <p:nvPr/>
+      </p:nvGrpSpPr>
+      <p:grpSpPr>
+        <a:xfrm>
+          <a:off x="0" y="0"/>
+          <a:ext cx="0" cy="0"/>
+          <a:chOff x="0" y="0"/>
+          <a:chExt cx="0" cy="0"/>
+        </a:xfrm>
+      </p:grpSpPr>
+      <p:sp>
+        <p:nvSpPr>
+          <p:cNvPr id="2" name="Title 1"/>
+          <p:cNvSpPr>
+            <a:spLocks noGrp="1"/>
+          </p:cNvSpPr>
+          <p:nvPr>
+            <p:ph type="title"/>
+          </p:nvPr>
+        </p:nvSpPr>
+        <p:spPr>
+          <a:xfrm>
+            <a:off x="119900" y="185299"/>
+            <a:ext cx="9404723" cy="358165"/>
+          </a:xfrm>
+        </p:spPr>
+        <p:txBody>
+          <a:bodyPr/>
+          <a:lstStyle/>
+          <a:p>
+            <a:r>
+              <a:rPr lang="en-IN" sz="1200" b="1" u="sng" dirty="0"/>
+              <a:t>Cannot Overload a Method Where the Formal Parameter Types of Each Overload Erase to the Same Raw Type</a:t>
+            </a:r>
+            <a:r>
+              <a:rPr lang="en-IN" sz="1200" b="1" dirty="0"/>
+              <a:t/>
+            </a:r>
+            <a:br>
+              <a:rPr lang="en-IN" sz="1200" b="1" dirty="0"/>
+            </a:br>
+            <a:endParaRPr lang="en-GB" sz="1200" dirty="0"/>
+          </a:p>
+        </p:txBody>
+      </p:sp>
+      <p:sp>
+        <p:nvSpPr>
+          <p:cNvPr id="3" name="Content Placeholder 2"/>
+          <p:cNvSpPr>
+            <a:spLocks noGrp="1"/>
+          </p:cNvSpPr>
+          <p:nvPr>
+            <p:ph idx="1"/>
+          </p:nvPr>
+        </p:nvSpPr>
+        <p:spPr>
+          <a:xfrm>
+            <a:off x="318307" y="733245"/>
+            <a:ext cx="11413618" cy="5704935"/>
+          </a:xfrm>
+        </p:spPr>
+        <p:txBody>
+          <a:bodyPr/>
+          <a:lstStyle/>
+          <a:p>
+            <a:r>
+              <a:rPr lang="en-IN" dirty="0"/>
+              <a:t>A class cannot have two overloaded methods that will have the same signature after type erasure.</a:t>
+            </a:r>
+          </a:p>
+          <a:p>
+            <a:endParaRPr lang="en-IN" dirty="0"/>
+          </a:p>
+          <a:p>
+            <a:pPr lvl="1"/>
+            <a:r>
+              <a:rPr lang="en-IN" dirty="0"/>
+              <a:t>public class Example {</a:t>
+            </a:r>
+          </a:p>
+          <a:p>
+            <a:pPr marL="857250" lvl="2" indent="0">
+              <a:buNone/>
+            </a:pPr>
+            <a:r>
+              <a:rPr lang="en-IN" dirty="0"/>
+              <a:t>    public void print(Set&lt;String&gt; </a:t>
+            </a:r>
+            <a:r>
+              <a:rPr lang="en-IN" dirty="0" err="1"/>
+              <a:t>strSet</a:t>
+            </a:r>
+            <a:r>
+              <a:rPr lang="en-IN" dirty="0"/>
+              <a:t>) { }</a:t>
+            </a:r>
+          </a:p>
+          <a:p>
+            <a:pPr marL="857250" lvl="2" indent="0">
+              <a:buNone/>
+            </a:pPr>
+            <a:r>
+              <a:rPr lang="en-IN" dirty="0"/>
+              <a:t>    public void print(Set&lt;Integer&gt; </a:t>
+            </a:r>
+            <a:r>
+              <a:rPr lang="en-IN" dirty="0" err="1"/>
+              <a:t>intSet</a:t>
+            </a:r>
+            <a:r>
+              <a:rPr lang="en-IN" dirty="0"/>
+              <a:t>) { }</a:t>
+            </a:r>
+          </a:p>
+          <a:p>
+            <a:pPr marL="857250" lvl="2" indent="0">
+              <a:buNone/>
+            </a:pPr>
+            <a:r>
+              <a:rPr lang="en-IN" dirty="0"/>
+              <a:t>}</a:t>
+            </a:r>
+          </a:p>
+          <a:p>
+            <a:r>
+              <a:rPr lang="en-IN" dirty="0"/>
+              <a:t>The overloads would all share the same </a:t>
+            </a:r>
+            <a:r>
+              <a:rPr lang="en-IN" dirty="0" err="1"/>
+              <a:t>classfile</a:t>
+            </a:r>
+            <a:r>
+              <a:rPr lang="en-IN" dirty="0"/>
+              <a:t> representation and will generate a compile-time error.</a:t>
+            </a:r>
+            <a:endParaRPr lang="en-GB" dirty="0"/>
+          </a:p>
+        </p:txBody>
+      </p:sp>
+    </p:spTree>
+    <p:extLst>
+      <p:ext uri="{BB962C8B-B14F-4D97-AF65-F5344CB8AC3E}">
+        <p14:creationId xmlns:p14="http://schemas.microsoft.com/office/powerpoint/2010/main" val="185477376"/>
+      </p:ext>
+    </p:extLst>
+  </p:cSld>
+  <p:clrMapOvr>
+    <a:masterClrMapping/>
+  </p:clrMapOvr>
+</p:sld>
+</file>
+
+<file path=ppt/slides/slide71.xml><?xml version="1.0" encoding="utf-8"?>
 <p:sld xmlns:a="http://schemas.openxmlformats.org/drawingml/2006/main" xmlns:r="http://schemas.openxmlformats.org/officeDocument/2006/relationships" xmlns:p="http://schemas.openxmlformats.org/presentationml/2006/main">
   <p:cSld>
     <p:spTree>
